--- a/images/theory_analysis/Kubernetes_Cilium_Plugin/Kubernetes_Calico_Plugin.pptx
+++ b/images/theory_analysis/Kubernetes_Cilium_Plugin/Kubernetes_Calico_Plugin.pptx
@@ -214,7 +214,7 @@
           <a:p>
             <a:fld id="{6CD5550B-26C4-49A9-A5BA-636EF7BE6CE9}" type="datetimeFigureOut">
               <a:rPr lang="ko-KR" altLang="en-US" smtClean="0"/>
-              <a:t>2019-02-02</a:t>
+              <a:t>2019-02-03</a:t>
             </a:fld>
             <a:endParaRPr lang="ko-KR" altLang="en-US"/>
           </a:p>
@@ -828,7 +828,7 @@
           <a:p>
             <a:fld id="{FB30EDBD-1C2D-4C1E-B459-B60219FAB484}" type="datetimeFigureOut">
               <a:rPr lang="ko-KR" altLang="en-US" smtClean="0"/>
-              <a:t>2019-02-02</a:t>
+              <a:t>2019-02-03</a:t>
             </a:fld>
             <a:endParaRPr lang="ko-KR" altLang="en-US"/>
           </a:p>
@@ -991,7 +991,7 @@
           <a:p>
             <a:fld id="{FB30EDBD-1C2D-4C1E-B459-B60219FAB484}" type="datetimeFigureOut">
               <a:rPr lang="ko-KR" altLang="en-US" smtClean="0"/>
-              <a:t>2019-02-02</a:t>
+              <a:t>2019-02-03</a:t>
             </a:fld>
             <a:endParaRPr lang="ko-KR" altLang="en-US"/>
           </a:p>
@@ -1164,7 +1164,7 @@
           <a:p>
             <a:fld id="{FB30EDBD-1C2D-4C1E-B459-B60219FAB484}" type="datetimeFigureOut">
               <a:rPr lang="ko-KR" altLang="en-US" smtClean="0"/>
-              <a:t>2019-02-02</a:t>
+              <a:t>2019-02-03</a:t>
             </a:fld>
             <a:endParaRPr lang="ko-KR" altLang="en-US"/>
           </a:p>
@@ -1327,7 +1327,7 @@
           <a:p>
             <a:fld id="{FB30EDBD-1C2D-4C1E-B459-B60219FAB484}" type="datetimeFigureOut">
               <a:rPr lang="ko-KR" altLang="en-US" smtClean="0"/>
-              <a:t>2019-02-02</a:t>
+              <a:t>2019-02-03</a:t>
             </a:fld>
             <a:endParaRPr lang="ko-KR" altLang="en-US"/>
           </a:p>
@@ -1567,7 +1567,7 @@
           <a:p>
             <a:fld id="{FB30EDBD-1C2D-4C1E-B459-B60219FAB484}" type="datetimeFigureOut">
               <a:rPr lang="ko-KR" altLang="en-US" smtClean="0"/>
-              <a:t>2019-02-02</a:t>
+              <a:t>2019-02-03</a:t>
             </a:fld>
             <a:endParaRPr lang="ko-KR" altLang="en-US"/>
           </a:p>
@@ -1847,7 +1847,7 @@
           <a:p>
             <a:fld id="{FB30EDBD-1C2D-4C1E-B459-B60219FAB484}" type="datetimeFigureOut">
               <a:rPr lang="ko-KR" altLang="en-US" smtClean="0"/>
-              <a:t>2019-02-02</a:t>
+              <a:t>2019-02-03</a:t>
             </a:fld>
             <a:endParaRPr lang="ko-KR" altLang="en-US"/>
           </a:p>
@@ -2261,7 +2261,7 @@
           <a:p>
             <a:fld id="{FB30EDBD-1C2D-4C1E-B459-B60219FAB484}" type="datetimeFigureOut">
               <a:rPr lang="ko-KR" altLang="en-US" smtClean="0"/>
-              <a:t>2019-02-02</a:t>
+              <a:t>2019-02-03</a:t>
             </a:fld>
             <a:endParaRPr lang="ko-KR" altLang="en-US"/>
           </a:p>
@@ -2373,7 +2373,7 @@
           <a:p>
             <a:fld id="{FB30EDBD-1C2D-4C1E-B459-B60219FAB484}" type="datetimeFigureOut">
               <a:rPr lang="ko-KR" altLang="en-US" smtClean="0"/>
-              <a:t>2019-02-02</a:t>
+              <a:t>2019-02-03</a:t>
             </a:fld>
             <a:endParaRPr lang="ko-KR" altLang="en-US"/>
           </a:p>
@@ -2463,7 +2463,7 @@
           <a:p>
             <a:fld id="{FB30EDBD-1C2D-4C1E-B459-B60219FAB484}" type="datetimeFigureOut">
               <a:rPr lang="ko-KR" altLang="en-US" smtClean="0"/>
-              <a:t>2019-02-02</a:t>
+              <a:t>2019-02-03</a:t>
             </a:fld>
             <a:endParaRPr lang="ko-KR" altLang="en-US"/>
           </a:p>
@@ -2733,7 +2733,7 @@
           <a:p>
             <a:fld id="{FB30EDBD-1C2D-4C1E-B459-B60219FAB484}" type="datetimeFigureOut">
               <a:rPr lang="ko-KR" altLang="en-US" smtClean="0"/>
-              <a:t>2019-02-02</a:t>
+              <a:t>2019-02-03</a:t>
             </a:fld>
             <a:endParaRPr lang="ko-KR" altLang="en-US"/>
           </a:p>
@@ -2980,7 +2980,7 @@
           <a:p>
             <a:fld id="{FB30EDBD-1C2D-4C1E-B459-B60219FAB484}" type="datetimeFigureOut">
               <a:rPr lang="ko-KR" altLang="en-US" smtClean="0"/>
-              <a:t>2019-02-02</a:t>
+              <a:t>2019-02-03</a:t>
             </a:fld>
             <a:endParaRPr lang="ko-KR" altLang="en-US"/>
           </a:p>
@@ -3186,7 +3186,7 @@
           <a:p>
             <a:fld id="{FB30EDBD-1C2D-4C1E-B459-B60219FAB484}" type="datetimeFigureOut">
               <a:rPr lang="ko-KR" altLang="en-US" smtClean="0"/>
-              <a:t>2019-02-02</a:t>
+              <a:t>2019-02-03</a:t>
             </a:fld>
             <a:endParaRPr lang="ko-KR" altLang="en-US"/>
           </a:p>
@@ -3745,7 +3745,7 @@
             <a:pPr algn="ctr"/>
             <a:r>
               <a:rPr lang="en-US" altLang="ko-KR" sz="1400"/>
-              <a:t>cilium-monitor</a:t>
+              <a:t>cilium-node- monitor</a:t>
             </a:r>
             <a:endParaRPr lang="ko-KR" altLang="en-US" sz="1400" dirty="0"/>
           </a:p>
@@ -3867,7 +3867,7 @@
         </p:nvSpPr>
         <p:spPr>
           <a:xfrm>
-            <a:off x="3521667" y="1131590"/>
+            <a:off x="2339752" y="1131590"/>
             <a:ext cx="2064844" cy="300572"/>
           </a:xfrm>
           <a:prstGeom prst="roundRect">
@@ -4261,8 +4261,8 @@
         </p:nvCxnSpPr>
         <p:spPr>
           <a:xfrm>
-            <a:off x="4554089" y="1432162"/>
-            <a:ext cx="0" cy="328036"/>
+            <a:off x="3372174" y="1432162"/>
+            <a:ext cx="1181915" cy="328036"/>
           </a:xfrm>
           <a:prstGeom prst="straightConnector1">
             <a:avLst/>
@@ -4361,6 +4361,104 @@
           <a:xfrm flipH="1">
             <a:off x="3542911" y="2048230"/>
             <a:ext cx="229578" cy="535"/>
+          </a:xfrm>
+          <a:prstGeom prst="straightConnector1">
+            <a:avLst/>
+          </a:prstGeom>
+          <a:ln w="19050">
+            <a:solidFill>
+              <a:schemeClr val="tx1"/>
+            </a:solidFill>
+            <a:headEnd type="none" w="med" len="med"/>
+            <a:tailEnd type="none" w="med" len="med"/>
+          </a:ln>
+        </p:spPr>
+        <p:style>
+          <a:lnRef idx="1">
+            <a:schemeClr val="accent1"/>
+          </a:lnRef>
+          <a:fillRef idx="0">
+            <a:schemeClr val="accent1"/>
+          </a:fillRef>
+          <a:effectRef idx="0">
+            <a:schemeClr val="accent1"/>
+          </a:effectRef>
+          <a:fontRef idx="minor">
+            <a:schemeClr val="tx1"/>
+          </a:fontRef>
+        </p:style>
+      </p:cxnSp>
+      <p:sp>
+        <p:nvSpPr>
+          <p:cNvPr id="20" name="모서리가 둥근 직사각형 75">
+            <a:extLst>
+              <a:ext uri="{FF2B5EF4-FFF2-40B4-BE49-F238E27FC236}">
+                <a16:creationId xmlns:a16="http://schemas.microsoft.com/office/drawing/2014/main" id="{1923C144-1F5F-4F7D-A3B9-652DADF565B5}"/>
+              </a:ext>
+            </a:extLst>
+          </p:cNvPr>
+          <p:cNvSpPr/>
+          <p:nvPr/>
+        </p:nvSpPr>
+        <p:spPr>
+          <a:xfrm>
+            <a:off x="4736993" y="1131590"/>
+            <a:ext cx="2064844" cy="300572"/>
+          </a:xfrm>
+          <a:prstGeom prst="roundRect">
+            <a:avLst>
+              <a:gd name="adj" fmla="val 31537"/>
+            </a:avLst>
+          </a:prstGeom>
+          <a:ln/>
+        </p:spPr>
+        <p:style>
+          <a:lnRef idx="2">
+            <a:schemeClr val="dk1"/>
+          </a:lnRef>
+          <a:fillRef idx="1">
+            <a:schemeClr val="lt1"/>
+          </a:fillRef>
+          <a:effectRef idx="0">
+            <a:schemeClr val="dk1"/>
+          </a:effectRef>
+          <a:fontRef idx="minor">
+            <a:schemeClr val="dk1"/>
+          </a:fontRef>
+        </p:style>
+        <p:txBody>
+          <a:bodyPr rtlCol="0" anchor="ctr"/>
+          <a:lstStyle/>
+          <a:p>
+            <a:pPr algn="ctr"/>
+            <a:r>
+              <a:rPr lang="en-US" altLang="ko-KR" sz="1400"/>
+              <a:t>API</a:t>
+            </a:r>
+            <a:endParaRPr lang="ko-KR" altLang="en-US" sz="1400" dirty="0"/>
+          </a:p>
+        </p:txBody>
+      </p:sp>
+      <p:cxnSp>
+        <p:nvCxnSpPr>
+          <p:cNvPr id="21" name="직선 화살표 연결선 20">
+            <a:extLst>
+              <a:ext uri="{FF2B5EF4-FFF2-40B4-BE49-F238E27FC236}">
+                <a16:creationId xmlns:a16="http://schemas.microsoft.com/office/drawing/2014/main" id="{2CDC87DA-BC21-4183-B530-49CF835C9463}"/>
+              </a:ext>
+            </a:extLst>
+          </p:cNvPr>
+          <p:cNvCxnSpPr>
+            <a:cxnSpLocks/>
+            <a:stCxn id="20" idx="2"/>
+            <a:endCxn id="45" idx="0"/>
+          </p:cNvCxnSpPr>
+          <p:nvPr/>
+        </p:nvCxnSpPr>
+        <p:spPr>
+          <a:xfrm flipH="1">
+            <a:off x="4554089" y="1432162"/>
+            <a:ext cx="1215326" cy="328036"/>
           </a:xfrm>
           <a:prstGeom prst="straightConnector1">
             <a:avLst/>
@@ -6260,8 +6358,8 @@
         </p:nvSpPr>
         <p:spPr>
           <a:xfrm>
-            <a:off x="2843809" y="3268170"/>
-            <a:ext cx="1564118" cy="288033"/>
+            <a:off x="2813275" y="3268170"/>
+            <a:ext cx="1593255" cy="288033"/>
           </a:xfrm>
           <a:prstGeom prst="roundRect">
             <a:avLst>
@@ -6415,7 +6513,7 @@
         <p:spPr>
           <a:xfrm flipV="1">
             <a:off x="2183876" y="3412187"/>
-            <a:ext cx="659933" cy="246382"/>
+            <a:ext cx="629399" cy="246382"/>
           </a:xfrm>
           <a:prstGeom prst="line">
             <a:avLst/>
@@ -7813,8 +7911,8 @@
         </p:nvSpPr>
         <p:spPr>
           <a:xfrm>
-            <a:off x="2842754" y="3005859"/>
-            <a:ext cx="1559622" cy="263120"/>
+            <a:off x="2812219" y="3005859"/>
+            <a:ext cx="1594333" cy="263120"/>
           </a:xfrm>
           <a:prstGeom prst="roundRect">
             <a:avLst>
@@ -7871,9 +7969,9 @@
           <p:nvPr/>
         </p:nvCxnSpPr>
         <p:spPr>
-          <a:xfrm flipV="1">
-            <a:off x="3622565" y="2883786"/>
-            <a:ext cx="0" cy="122073"/>
+          <a:xfrm flipH="1" flipV="1">
+            <a:off x="3592032" y="2883787"/>
+            <a:ext cx="17354" cy="122072"/>
           </a:xfrm>
           <a:prstGeom prst="line">
             <a:avLst/>

--- a/images/theory_analysis/Kubernetes_Cilium_Plugin/Kubernetes_Calico_Plugin.pptx
+++ b/images/theory_analysis/Kubernetes_Cilium_Plugin/Kubernetes_Calico_Plugin.pptx
@@ -3601,7 +3601,7 @@
         <p:spPr>
           <a:xfrm>
             <a:off x="1724402" y="1544174"/>
-            <a:ext cx="5659378" cy="3240360"/>
+            <a:ext cx="5659378" cy="2827776"/>
           </a:xfrm>
           <a:prstGeom prst="roundRect">
             <a:avLst>
@@ -3651,8 +3651,8 @@
         </p:nvSpPr>
         <p:spPr>
           <a:xfrm>
-            <a:off x="1846369" y="1681343"/>
-            <a:ext cx="5415441" cy="1940213"/>
+            <a:off x="1846369" y="1681344"/>
+            <a:ext cx="5415441" cy="1499628"/>
           </a:xfrm>
           <a:prstGeom prst="roundRect">
             <a:avLst>
@@ -3676,9 +3676,10 @@
           </a:fontRef>
         </p:style>
         <p:txBody>
-          <a:bodyPr rtlCol="0" anchor="b"/>
-          <a:lstStyle/>
-          <a:p>
+          <a:bodyPr rtlCol="0" anchor="t"/>
+          <a:lstStyle/>
+          <a:p>
+            <a:pPr algn="r"/>
             <a:r>
               <a:rPr lang="en-US" altLang="ko-KR" sz="1400" b="1"/>
               <a:t>cilium </a:t>
@@ -3689,13 +3690,21 @@
             </a:r>
           </a:p>
           <a:p>
+            <a:pPr algn="r"/>
             <a:r>
               <a:rPr lang="en-US" altLang="ko-KR" sz="1200" b="1"/>
-              <a:t>(Node </a:t>
+              <a:t>(Node Network </a:t>
+            </a:r>
+          </a:p>
+          <a:p>
+            <a:pPr algn="r"/>
+            <a:r>
+              <a:rPr lang="en-US" altLang="ko-KR" sz="1200" b="1"/>
+              <a:t>Namespace</a:t>
             </a:r>
             <a:r>
               <a:rPr lang="en-US" altLang="ko-KR" sz="1200" b="1" dirty="0"/>
-              <a:t>Network Namespace)</a:t>
+              <a:t>)</a:t>
             </a:r>
           </a:p>
         </p:txBody>
@@ -3964,7 +3973,7 @@
         </p:nvSpPr>
         <p:spPr>
           <a:xfrm>
-            <a:off x="1846369" y="3704414"/>
+            <a:off x="1846369" y="3291830"/>
             <a:ext cx="5415441" cy="648072"/>
           </a:xfrm>
           <a:prstGeom prst="roundRect">
@@ -4061,7 +4070,7 @@
         </p:nvSpPr>
         <p:spPr>
           <a:xfrm>
-            <a:off x="2771800" y="3829043"/>
+            <a:off x="2771800" y="3416459"/>
             <a:ext cx="1563199" cy="398814"/>
           </a:xfrm>
           <a:prstGeom prst="roundRect">
@@ -4112,7 +4121,7 @@
         </p:nvSpPr>
         <p:spPr>
           <a:xfrm>
-            <a:off x="4736993" y="3829043"/>
+            <a:off x="4736993" y="3416459"/>
             <a:ext cx="1563199" cy="398814"/>
           </a:xfrm>
           <a:prstGeom prst="roundRect">
@@ -4168,7 +4177,7 @@
         <p:spPr>
           <a:xfrm flipH="1">
             <a:off x="3553400" y="2336262"/>
-            <a:ext cx="1000689" cy="1492781"/>
+            <a:ext cx="1000689" cy="1080197"/>
           </a:xfrm>
           <a:prstGeom prst="straightConnector1">
             <a:avLst/>
@@ -4215,7 +4224,7 @@
         <p:spPr>
           <a:xfrm>
             <a:off x="4554089" y="2336262"/>
-            <a:ext cx="964504" cy="1492781"/>
+            <a:ext cx="964504" cy="1080197"/>
           </a:xfrm>
           <a:prstGeom prst="straightConnector1">
             <a:avLst/>
@@ -7969,9 +7978,9 @@
           <p:nvPr/>
         </p:nvCxnSpPr>
         <p:spPr>
-          <a:xfrm flipH="1" flipV="1">
-            <a:off x="3592032" y="2883787"/>
-            <a:ext cx="17354" cy="122072"/>
+          <a:xfrm flipV="1">
+            <a:off x="3609386" y="2883786"/>
+            <a:ext cx="0" cy="122073"/>
           </a:xfrm>
           <a:prstGeom prst="line">
             <a:avLst/>

--- a/images/theory_analysis/Kubernetes_Cilium_Plugin/Kubernetes_Calico_Plugin.pptx
+++ b/images/theory_analysis/Kubernetes_Cilium_Plugin/Kubernetes_Calico_Plugin.pptx
@@ -5,11 +5,12 @@
     <p:sldMasterId id="2147483648" r:id="rId1"/>
   </p:sldMasterIdLst>
   <p:notesMasterIdLst>
-    <p:notesMasterId r:id="rId4"/>
+    <p:notesMasterId r:id="rId5"/>
   </p:notesMasterIdLst>
   <p:sldIdLst>
     <p:sldId id="449" r:id="rId2"/>
     <p:sldId id="448" r:id="rId3"/>
+    <p:sldId id="450" r:id="rId4"/>
   </p:sldIdLst>
   <p:sldSz cx="9144000" cy="5143500" type="screen16x9"/>
   <p:notesSz cx="6858000" cy="9144000"/>
@@ -214,7 +215,7 @@
           <a:p>
             <a:fld id="{6CD5550B-26C4-49A9-A5BA-636EF7BE6CE9}" type="datetimeFigureOut">
               <a:rPr lang="ko-KR" altLang="en-US" smtClean="0"/>
-              <a:t>2019-02-03</a:t>
+              <a:t>2019-02-04</a:t>
             </a:fld>
             <a:endParaRPr lang="ko-KR" altLang="en-US"/>
           </a:p>
@@ -649,6 +650,90 @@
 </p:notes>
 </file>
 
+<file path=ppt/notesSlides/notesSlide3.xml><?xml version="1.0" encoding="utf-8"?>
+<p:notes xmlns:a="http://schemas.openxmlformats.org/drawingml/2006/main" xmlns:r="http://schemas.openxmlformats.org/officeDocument/2006/relationships" xmlns:p="http://schemas.openxmlformats.org/presentationml/2006/main">
+  <p:cSld>
+    <p:spTree>
+      <p:nvGrpSpPr>
+        <p:cNvPr id="1" name=""/>
+        <p:cNvGrpSpPr/>
+        <p:nvPr/>
+      </p:nvGrpSpPr>
+      <p:grpSpPr>
+        <a:xfrm>
+          <a:off x="0" y="0"/>
+          <a:ext cx="0" cy="0"/>
+          <a:chOff x="0" y="0"/>
+          <a:chExt cx="0" cy="0"/>
+        </a:xfrm>
+      </p:grpSpPr>
+      <p:sp>
+        <p:nvSpPr>
+          <p:cNvPr id="2" name="슬라이드 이미지 개체 틀 1"/>
+          <p:cNvSpPr>
+            <a:spLocks noGrp="1" noRot="1" noChangeAspect="1"/>
+          </p:cNvSpPr>
+          <p:nvPr>
+            <p:ph type="sldImg"/>
+          </p:nvPr>
+        </p:nvSpPr>
+        <p:spPr/>
+      </p:sp>
+      <p:sp>
+        <p:nvSpPr>
+          <p:cNvPr id="3" name="슬라이드 노트 개체 틀 2"/>
+          <p:cNvSpPr>
+            <a:spLocks noGrp="1"/>
+          </p:cNvSpPr>
+          <p:nvPr>
+            <p:ph type="body" idx="1"/>
+          </p:nvPr>
+        </p:nvSpPr>
+        <p:spPr/>
+        <p:txBody>
+          <a:bodyPr/>
+          <a:lstStyle/>
+          <a:p>
+            <a:endParaRPr lang="ko-KR" altLang="en-US" dirty="0"/>
+          </a:p>
+        </p:txBody>
+      </p:sp>
+      <p:sp>
+        <p:nvSpPr>
+          <p:cNvPr id="4" name="슬라이드 번호 개체 틀 3"/>
+          <p:cNvSpPr>
+            <a:spLocks noGrp="1"/>
+          </p:cNvSpPr>
+          <p:nvPr>
+            <p:ph type="sldNum" sz="quarter" idx="10"/>
+          </p:nvPr>
+        </p:nvSpPr>
+        <p:spPr/>
+        <p:txBody>
+          <a:bodyPr/>
+          <a:lstStyle/>
+          <a:p>
+            <a:fld id="{BA5DFA43-8D57-47FB-BC46-057616015C3B}" type="slidenum">
+              <a:rPr lang="ko-KR" altLang="en-US" smtClean="0"/>
+              <a:t>3</a:t>
+            </a:fld>
+            <a:endParaRPr lang="ko-KR" altLang="en-US"/>
+          </a:p>
+        </p:txBody>
+      </p:sp>
+    </p:spTree>
+    <p:extLst>
+      <p:ext uri="{BB962C8B-B14F-4D97-AF65-F5344CB8AC3E}">
+        <p14:creationId xmlns:p14="http://schemas.microsoft.com/office/powerpoint/2010/main" val="2744683862"/>
+      </p:ext>
+    </p:extLst>
+  </p:cSld>
+  <p:clrMapOvr>
+    <a:masterClrMapping/>
+  </p:clrMapOvr>
+</p:notes>
+</file>
+
 <file path=ppt/slideLayouts/slideLayout1.xml><?xml version="1.0" encoding="utf-8"?>
 <p:sldLayout xmlns:a="http://schemas.openxmlformats.org/drawingml/2006/main" xmlns:r="http://schemas.openxmlformats.org/officeDocument/2006/relationships" xmlns:p="http://schemas.openxmlformats.org/presentationml/2006/main" type="title" preserve="1">
   <p:cSld name="제목 슬라이드">
@@ -828,7 +913,7 @@
           <a:p>
             <a:fld id="{FB30EDBD-1C2D-4C1E-B459-B60219FAB484}" type="datetimeFigureOut">
               <a:rPr lang="ko-KR" altLang="en-US" smtClean="0"/>
-              <a:t>2019-02-03</a:t>
+              <a:t>2019-02-04</a:t>
             </a:fld>
             <a:endParaRPr lang="ko-KR" altLang="en-US"/>
           </a:p>
@@ -991,7 +1076,7 @@
           <a:p>
             <a:fld id="{FB30EDBD-1C2D-4C1E-B459-B60219FAB484}" type="datetimeFigureOut">
               <a:rPr lang="ko-KR" altLang="en-US" smtClean="0"/>
-              <a:t>2019-02-03</a:t>
+              <a:t>2019-02-04</a:t>
             </a:fld>
             <a:endParaRPr lang="ko-KR" altLang="en-US"/>
           </a:p>
@@ -1164,7 +1249,7 @@
           <a:p>
             <a:fld id="{FB30EDBD-1C2D-4C1E-B459-B60219FAB484}" type="datetimeFigureOut">
               <a:rPr lang="ko-KR" altLang="en-US" smtClean="0"/>
-              <a:t>2019-02-03</a:t>
+              <a:t>2019-02-04</a:t>
             </a:fld>
             <a:endParaRPr lang="ko-KR" altLang="en-US"/>
           </a:p>
@@ -1327,7 +1412,7 @@
           <a:p>
             <a:fld id="{FB30EDBD-1C2D-4C1E-B459-B60219FAB484}" type="datetimeFigureOut">
               <a:rPr lang="ko-KR" altLang="en-US" smtClean="0"/>
-              <a:t>2019-02-03</a:t>
+              <a:t>2019-02-04</a:t>
             </a:fld>
             <a:endParaRPr lang="ko-KR" altLang="en-US"/>
           </a:p>
@@ -1567,7 +1652,7 @@
           <a:p>
             <a:fld id="{FB30EDBD-1C2D-4C1E-B459-B60219FAB484}" type="datetimeFigureOut">
               <a:rPr lang="ko-KR" altLang="en-US" smtClean="0"/>
-              <a:t>2019-02-03</a:t>
+              <a:t>2019-02-04</a:t>
             </a:fld>
             <a:endParaRPr lang="ko-KR" altLang="en-US"/>
           </a:p>
@@ -1847,7 +1932,7 @@
           <a:p>
             <a:fld id="{FB30EDBD-1C2D-4C1E-B459-B60219FAB484}" type="datetimeFigureOut">
               <a:rPr lang="ko-KR" altLang="en-US" smtClean="0"/>
-              <a:t>2019-02-03</a:t>
+              <a:t>2019-02-04</a:t>
             </a:fld>
             <a:endParaRPr lang="ko-KR" altLang="en-US"/>
           </a:p>
@@ -2261,7 +2346,7 @@
           <a:p>
             <a:fld id="{FB30EDBD-1C2D-4C1E-B459-B60219FAB484}" type="datetimeFigureOut">
               <a:rPr lang="ko-KR" altLang="en-US" smtClean="0"/>
-              <a:t>2019-02-03</a:t>
+              <a:t>2019-02-04</a:t>
             </a:fld>
             <a:endParaRPr lang="ko-KR" altLang="en-US"/>
           </a:p>
@@ -2373,7 +2458,7 @@
           <a:p>
             <a:fld id="{FB30EDBD-1C2D-4C1E-B459-B60219FAB484}" type="datetimeFigureOut">
               <a:rPr lang="ko-KR" altLang="en-US" smtClean="0"/>
-              <a:t>2019-02-03</a:t>
+              <a:t>2019-02-04</a:t>
             </a:fld>
             <a:endParaRPr lang="ko-KR" altLang="en-US"/>
           </a:p>
@@ -2463,7 +2548,7 @@
           <a:p>
             <a:fld id="{FB30EDBD-1C2D-4C1E-B459-B60219FAB484}" type="datetimeFigureOut">
               <a:rPr lang="ko-KR" altLang="en-US" smtClean="0"/>
-              <a:t>2019-02-03</a:t>
+              <a:t>2019-02-04</a:t>
             </a:fld>
             <a:endParaRPr lang="ko-KR" altLang="en-US"/>
           </a:p>
@@ -2733,7 +2818,7 @@
           <a:p>
             <a:fld id="{FB30EDBD-1C2D-4C1E-B459-B60219FAB484}" type="datetimeFigureOut">
               <a:rPr lang="ko-KR" altLang="en-US" smtClean="0"/>
-              <a:t>2019-02-03</a:t>
+              <a:t>2019-02-04</a:t>
             </a:fld>
             <a:endParaRPr lang="ko-KR" altLang="en-US"/>
           </a:p>
@@ -2980,7 +3065,7 @@
           <a:p>
             <a:fld id="{FB30EDBD-1C2D-4C1E-B459-B60219FAB484}" type="datetimeFigureOut">
               <a:rPr lang="ko-KR" altLang="en-US" smtClean="0"/>
-              <a:t>2019-02-03</a:t>
+              <a:t>2019-02-04</a:t>
             </a:fld>
             <a:endParaRPr lang="ko-KR" altLang="en-US"/>
           </a:p>
@@ -3186,7 +3271,7 @@
           <a:p>
             <a:fld id="{FB30EDBD-1C2D-4C1E-B459-B60219FAB484}" type="datetimeFigureOut">
               <a:rPr lang="ko-KR" altLang="en-US" smtClean="0"/>
-              <a:t>2019-02-03</a:t>
+              <a:t>2019-02-04</a:t>
             </a:fld>
             <a:endParaRPr lang="ko-KR" altLang="en-US"/>
           </a:p>
@@ -3631,7 +3716,7 @@
             <a:pPr algn="ctr"/>
             <a:r>
               <a:rPr lang="en-US" altLang="ko-KR" sz="1600"/>
-              <a:t>Node</a:t>
+              <a:t>Host</a:t>
             </a:r>
             <a:endParaRPr lang="ko-KR" altLang="en-US" sz="1600" dirty="0"/>
           </a:p>
@@ -3693,7 +3778,7 @@
             <a:pPr algn="r"/>
             <a:r>
               <a:rPr lang="en-US" altLang="ko-KR" sz="1200" b="1"/>
-              <a:t>(Node Network </a:t>
+              <a:t>(Host Network </a:t>
             </a:r>
           </a:p>
           <a:p>
@@ -4598,8 +4683,12 @@
           <a:lstStyle/>
           <a:p>
             <a:r>
+              <a:rPr lang="en-US" altLang="ko-KR" sz="1600" b="1"/>
+              <a:t>Host </a:t>
+            </a:r>
+            <a:r>
               <a:rPr lang="en-US" altLang="ko-KR" sz="1600" b="1" dirty="0"/>
-              <a:t>Node 1 </a:t>
+              <a:t>1 </a:t>
             </a:r>
           </a:p>
           <a:p>
@@ -5409,8 +5498,12 @@
           <a:p>
             <a:pPr algn="r"/>
             <a:r>
+              <a:rPr lang="en-US" altLang="ko-KR" sz="1600" b="1"/>
+              <a:t>Host </a:t>
+            </a:r>
+            <a:r>
               <a:rPr lang="en-US" altLang="ko-KR" sz="1600" b="1" dirty="0"/>
-              <a:t>Node 2 </a:t>
+              <a:t>2 </a:t>
             </a:r>
           </a:p>
           <a:p>
@@ -5672,8 +5765,12 @@
               <a:buChar char="•"/>
             </a:pPr>
             <a:r>
+              <a:rPr lang="en-US" altLang="ko-KR" sz="1400"/>
+              <a:t>Host </a:t>
+            </a:r>
+            <a:r>
               <a:rPr lang="en-US" altLang="ko-KR" sz="1400" dirty="0"/>
-              <a:t>Node Network : 10.0.0.0/24</a:t>
+              <a:t>Network : 10.0.0.0/24</a:t>
             </a:r>
           </a:p>
           <a:p>
@@ -6611,8 +6708,8 @@
         </p:nvSpPr>
         <p:spPr>
           <a:xfrm>
-            <a:off x="4720888" y="3268170"/>
-            <a:ext cx="1564118" cy="288033"/>
+            <a:off x="4724400" y="3268170"/>
+            <a:ext cx="1560606" cy="288033"/>
           </a:xfrm>
           <a:prstGeom prst="roundRect">
             <a:avLst>
@@ -7920,8 +8017,8 @@
         </p:nvSpPr>
         <p:spPr>
           <a:xfrm>
-            <a:off x="2812219" y="3005859"/>
-            <a:ext cx="1594333" cy="263120"/>
+            <a:off x="2813272" y="3005859"/>
+            <a:ext cx="1593280" cy="263120"/>
           </a:xfrm>
           <a:prstGeom prst="roundRect">
             <a:avLst>
@@ -7978,9 +8075,9 @@
           <p:nvPr/>
         </p:nvCxnSpPr>
         <p:spPr>
-          <a:xfrm flipV="1">
-            <a:off x="3609386" y="2883786"/>
-            <a:ext cx="0" cy="122073"/>
+          <a:xfrm flipH="1" flipV="1">
+            <a:off x="3609386" y="2883787"/>
+            <a:ext cx="526" cy="122072"/>
           </a:xfrm>
           <a:prstGeom prst="line">
             <a:avLst/>
@@ -8346,6 +8443,3183 @@
     <p:extLst>
       <p:ext uri="{BB962C8B-B14F-4D97-AF65-F5344CB8AC3E}">
         <p14:creationId xmlns:p14="http://schemas.microsoft.com/office/powerpoint/2010/main" val="631893443"/>
+      </p:ext>
+    </p:extLst>
+  </p:cSld>
+  <p:clrMapOvr>
+    <a:masterClrMapping/>
+  </p:clrMapOvr>
+</p:sld>
+</file>
+
+<file path=ppt/slides/slide3.xml><?xml version="1.0" encoding="utf-8"?>
+<p:sld xmlns:a="http://schemas.openxmlformats.org/drawingml/2006/main" xmlns:r="http://schemas.openxmlformats.org/officeDocument/2006/relationships" xmlns:p="http://schemas.openxmlformats.org/presentationml/2006/main">
+  <p:cSld>
+    <p:spTree>
+      <p:nvGrpSpPr>
+        <p:cNvPr id="1" name=""/>
+        <p:cNvGrpSpPr/>
+        <p:nvPr/>
+      </p:nvGrpSpPr>
+      <p:grpSpPr>
+        <a:xfrm>
+          <a:off x="0" y="0"/>
+          <a:ext cx="0" cy="0"/>
+          <a:chOff x="0" y="0"/>
+          <a:chExt cx="0" cy="0"/>
+        </a:xfrm>
+      </p:grpSpPr>
+      <p:sp>
+        <p:nvSpPr>
+          <p:cNvPr id="6" name="제목 1"/>
+          <p:cNvSpPr>
+            <a:spLocks noGrp="1"/>
+          </p:cNvSpPr>
+          <p:nvPr>
+            <p:ph type="title"/>
+          </p:nvPr>
+        </p:nvSpPr>
+        <p:spPr>
+          <a:xfrm>
+            <a:off x="457200" y="-877788"/>
+            <a:ext cx="8229600" cy="857250"/>
+          </a:xfrm>
+        </p:spPr>
+        <p:txBody>
+          <a:bodyPr>
+            <a:normAutofit/>
+          </a:bodyPr>
+          <a:lstStyle/>
+          <a:p>
+            <a:r>
+              <a:rPr lang="en-US" altLang="ko-KR"/>
+              <a:t>Calico Network with Host L3</a:t>
+            </a:r>
+            <a:endParaRPr lang="ko-KR" altLang="en-US" dirty="0"/>
+          </a:p>
+        </p:txBody>
+      </p:sp>
+      <p:sp>
+        <p:nvSpPr>
+          <p:cNvPr id="3" name="모서리가 둥근 직사각형 44">
+            <a:extLst>
+              <a:ext uri="{FF2B5EF4-FFF2-40B4-BE49-F238E27FC236}">
+                <a16:creationId xmlns:a16="http://schemas.microsoft.com/office/drawing/2014/main" id="{2DBA49E2-5203-48AC-9D0B-4B3C58EE231E}"/>
+              </a:ext>
+            </a:extLst>
+          </p:cNvPr>
+          <p:cNvSpPr/>
+          <p:nvPr/>
+        </p:nvSpPr>
+        <p:spPr>
+          <a:xfrm>
+            <a:off x="611561" y="267499"/>
+            <a:ext cx="3499539" cy="4324673"/>
+          </a:xfrm>
+          <a:prstGeom prst="roundRect">
+            <a:avLst>
+              <a:gd name="adj" fmla="val 1946"/>
+            </a:avLst>
+          </a:prstGeom>
+          <a:ln/>
+        </p:spPr>
+        <p:style>
+          <a:lnRef idx="2">
+            <a:schemeClr val="dk1"/>
+          </a:lnRef>
+          <a:fillRef idx="1">
+            <a:schemeClr val="lt1"/>
+          </a:fillRef>
+          <a:effectRef idx="0">
+            <a:schemeClr val="dk1"/>
+          </a:effectRef>
+          <a:fontRef idx="minor">
+            <a:schemeClr val="dk1"/>
+          </a:fontRef>
+        </p:style>
+        <p:txBody>
+          <a:bodyPr rtlCol="0" anchor="b"/>
+          <a:lstStyle/>
+          <a:p>
+            <a:r>
+              <a:rPr lang="en-US" altLang="ko-KR" sz="1600" b="1"/>
+              <a:t>Host 1 </a:t>
+            </a:r>
+          </a:p>
+          <a:p>
+            <a:r>
+              <a:rPr lang="en-US" altLang="ko-KR" sz="1600" b="1"/>
+              <a:t>(192.167.2.0/24)</a:t>
+            </a:r>
+            <a:endParaRPr lang="ko-KR" altLang="en-US" sz="1600" b="1" dirty="0"/>
+          </a:p>
+        </p:txBody>
+      </p:sp>
+      <p:graphicFrame>
+        <p:nvGraphicFramePr>
+          <p:cNvPr id="2" name="표 1"/>
+          <p:cNvGraphicFramePr>
+            <a:graphicFrameLocks noGrp="1"/>
+          </p:cNvGraphicFramePr>
+          <p:nvPr>
+            <p:extLst>
+              <p:ext uri="{D42A27DB-BD31-4B8C-83A1-F6EECF244321}">
+                <p14:modId xmlns:p14="http://schemas.microsoft.com/office/powerpoint/2010/main" val="635764439"/>
+              </p:ext>
+            </p:extLst>
+          </p:nvPr>
+        </p:nvGraphicFramePr>
+        <p:xfrm>
+          <a:off x="683568" y="1851674"/>
+          <a:ext cx="3231599" cy="936105"/>
+        </p:xfrm>
+        <a:graphic>
+          <a:graphicData uri="http://schemas.openxmlformats.org/drawingml/2006/table">
+            <a:tbl>
+              <a:tblPr firstRow="1" bandRow="1">
+                <a:tableStyleId>{2D5ABB26-0587-4C30-8999-92F81FD0307C}</a:tableStyleId>
+              </a:tblPr>
+              <a:tblGrid>
+                <a:gridCol w="1099964">
+                  <a:extLst>
+                    <a:ext uri="{9D8B030D-6E8A-4147-A177-3AD203B41FA5}">
+                      <a16:colId xmlns:a16="http://schemas.microsoft.com/office/drawing/2014/main" val="20000"/>
+                    </a:ext>
+                  </a:extLst>
+                </a:gridCol>
+                <a:gridCol w="1067971">
+                  <a:extLst>
+                    <a:ext uri="{9D8B030D-6E8A-4147-A177-3AD203B41FA5}">
+                      <a16:colId xmlns:a16="http://schemas.microsoft.com/office/drawing/2014/main" val="2132610268"/>
+                    </a:ext>
+                  </a:extLst>
+                </a:gridCol>
+                <a:gridCol w="1063664">
+                  <a:extLst>
+                    <a:ext uri="{9D8B030D-6E8A-4147-A177-3AD203B41FA5}">
+                      <a16:colId xmlns:a16="http://schemas.microsoft.com/office/drawing/2014/main" val="20001"/>
+                    </a:ext>
+                  </a:extLst>
+                </a:gridCol>
+              </a:tblGrid>
+              <a:tr h="312035">
+                <a:tc>
+                  <a:txBody>
+                    <a:bodyPr/>
+                    <a:lstStyle/>
+                    <a:p>
+                      <a:pPr latinLnBrk="1"/>
+                      <a:r>
+                        <a:rPr lang="en-US" altLang="ko-KR" sz="1100" dirty="0"/>
+                        <a:t>10.0.0.0/24</a:t>
+                      </a:r>
+                      <a:endParaRPr lang="ko-KR" altLang="en-US" sz="1100" dirty="0"/>
+                    </a:p>
+                  </a:txBody>
+                  <a:tcPr anchor="ctr">
+                    <a:lnL w="19050" cap="flat" cmpd="sng" algn="ctr">
+                      <a:solidFill>
+                        <a:schemeClr val="tx1"/>
+                      </a:solidFill>
+                      <a:prstDash val="solid"/>
+                      <a:round/>
+                      <a:headEnd type="none" w="med" len="med"/>
+                      <a:tailEnd type="none" w="med" len="med"/>
+                    </a:lnL>
+                    <a:lnR w="19050" cap="flat" cmpd="sng" algn="ctr">
+                      <a:solidFill>
+                        <a:schemeClr val="tx1"/>
+                      </a:solidFill>
+                      <a:prstDash val="solid"/>
+                      <a:round/>
+                      <a:headEnd type="none" w="med" len="med"/>
+                      <a:tailEnd type="none" w="med" len="med"/>
+                    </a:lnR>
+                    <a:lnT w="19050" cap="flat" cmpd="sng" algn="ctr">
+                      <a:solidFill>
+                        <a:schemeClr val="tx1"/>
+                      </a:solidFill>
+                      <a:prstDash val="solid"/>
+                      <a:round/>
+                      <a:headEnd type="none" w="med" len="med"/>
+                      <a:tailEnd type="none" w="med" len="med"/>
+                    </a:lnT>
+                    <a:lnB w="19050" cap="flat" cmpd="sng" algn="ctr">
+                      <a:solidFill>
+                        <a:schemeClr val="tx1"/>
+                      </a:solidFill>
+                      <a:prstDash val="solid"/>
+                      <a:round/>
+                      <a:headEnd type="none" w="med" len="med"/>
+                      <a:tailEnd type="none" w="med" len="med"/>
+                    </a:lnB>
+                  </a:tcPr>
+                </a:tc>
+                <a:tc>
+                  <a:txBody>
+                    <a:bodyPr/>
+                    <a:lstStyle/>
+                    <a:p>
+                      <a:pPr latinLnBrk="1"/>
+                      <a:r>
+                        <a:rPr lang="en-US" altLang="ko-KR" sz="1100"/>
+                        <a:t>0.0.0.0</a:t>
+                      </a:r>
+                      <a:endParaRPr lang="ko-KR" altLang="en-US" sz="1100" dirty="0"/>
+                    </a:p>
+                  </a:txBody>
+                  <a:tcPr anchor="ctr">
+                    <a:lnL w="19050" cap="flat" cmpd="sng" algn="ctr">
+                      <a:solidFill>
+                        <a:schemeClr val="tx1"/>
+                      </a:solidFill>
+                      <a:prstDash val="solid"/>
+                      <a:round/>
+                      <a:headEnd type="none" w="med" len="med"/>
+                      <a:tailEnd type="none" w="med" len="med"/>
+                    </a:lnL>
+                    <a:lnR w="19050" cap="flat" cmpd="sng" algn="ctr">
+                      <a:solidFill>
+                        <a:schemeClr val="tx1"/>
+                      </a:solidFill>
+                      <a:prstDash val="solid"/>
+                      <a:round/>
+                      <a:headEnd type="none" w="med" len="med"/>
+                      <a:tailEnd type="none" w="med" len="med"/>
+                    </a:lnR>
+                    <a:lnT w="19050" cap="flat" cmpd="sng" algn="ctr">
+                      <a:solidFill>
+                        <a:schemeClr val="tx1"/>
+                      </a:solidFill>
+                      <a:prstDash val="solid"/>
+                      <a:round/>
+                      <a:headEnd type="none" w="med" len="med"/>
+                      <a:tailEnd type="none" w="med" len="med"/>
+                    </a:lnT>
+                    <a:lnB w="19050" cap="flat" cmpd="sng" algn="ctr">
+                      <a:solidFill>
+                        <a:schemeClr val="tx1"/>
+                      </a:solidFill>
+                      <a:prstDash val="solid"/>
+                      <a:round/>
+                      <a:headEnd type="none" w="med" len="med"/>
+                      <a:tailEnd type="none" w="med" len="med"/>
+                    </a:lnB>
+                  </a:tcPr>
+                </a:tc>
+                <a:tc>
+                  <a:txBody>
+                    <a:bodyPr/>
+                    <a:lstStyle/>
+                    <a:p>
+                      <a:pPr latinLnBrk="1"/>
+                      <a:r>
+                        <a:rPr lang="en-US" altLang="ko-KR" sz="1100"/>
+                        <a:t>eth0</a:t>
+                      </a:r>
+                      <a:endParaRPr lang="ko-KR" altLang="en-US" sz="1100" dirty="0"/>
+                    </a:p>
+                  </a:txBody>
+                  <a:tcPr anchor="ctr">
+                    <a:lnL w="19050" cap="flat" cmpd="sng" algn="ctr">
+                      <a:solidFill>
+                        <a:schemeClr val="tx1"/>
+                      </a:solidFill>
+                      <a:prstDash val="solid"/>
+                      <a:round/>
+                      <a:headEnd type="none" w="med" len="med"/>
+                      <a:tailEnd type="none" w="med" len="med"/>
+                    </a:lnL>
+                    <a:lnR w="19050" cap="flat" cmpd="sng" algn="ctr">
+                      <a:solidFill>
+                        <a:schemeClr val="tx1"/>
+                      </a:solidFill>
+                      <a:prstDash val="solid"/>
+                      <a:round/>
+                      <a:headEnd type="none" w="med" len="med"/>
+                      <a:tailEnd type="none" w="med" len="med"/>
+                    </a:lnR>
+                    <a:lnT w="19050" cap="flat" cmpd="sng" algn="ctr">
+                      <a:solidFill>
+                        <a:schemeClr val="tx1"/>
+                      </a:solidFill>
+                      <a:prstDash val="solid"/>
+                      <a:round/>
+                      <a:headEnd type="none" w="med" len="med"/>
+                      <a:tailEnd type="none" w="med" len="med"/>
+                    </a:lnT>
+                    <a:lnB w="19050" cap="flat" cmpd="sng" algn="ctr">
+                      <a:solidFill>
+                        <a:schemeClr val="tx1"/>
+                      </a:solidFill>
+                      <a:prstDash val="solid"/>
+                      <a:round/>
+                      <a:headEnd type="none" w="med" len="med"/>
+                      <a:tailEnd type="none" w="med" len="med"/>
+                    </a:lnB>
+                  </a:tcPr>
+                </a:tc>
+                <a:extLst>
+                  <a:ext uri="{0D108BD9-81ED-4DB2-BD59-A6C34878D82A}">
+                    <a16:rowId xmlns:a16="http://schemas.microsoft.com/office/drawing/2014/main" val="10000"/>
+                  </a:ext>
+                </a:extLst>
+              </a:tr>
+              <a:tr h="312035">
+                <a:tc>
+                  <a:txBody>
+                    <a:bodyPr/>
+                    <a:lstStyle/>
+                    <a:p>
+                      <a:pPr latinLnBrk="1"/>
+                      <a:r>
+                        <a:rPr lang="en-US" altLang="ko-KR" sz="1100"/>
+                        <a:t>192.167.2.0/24</a:t>
+                      </a:r>
+                      <a:endParaRPr lang="ko-KR" altLang="en-US" sz="1100" dirty="0"/>
+                    </a:p>
+                  </a:txBody>
+                  <a:tcPr anchor="ctr">
+                    <a:lnL w="19050" cap="flat" cmpd="sng" algn="ctr">
+                      <a:solidFill>
+                        <a:schemeClr val="tx1"/>
+                      </a:solidFill>
+                      <a:prstDash val="solid"/>
+                      <a:round/>
+                      <a:headEnd type="none" w="med" len="med"/>
+                      <a:tailEnd type="none" w="med" len="med"/>
+                    </a:lnL>
+                    <a:lnR w="19050" cap="flat" cmpd="sng" algn="ctr">
+                      <a:solidFill>
+                        <a:schemeClr val="tx1"/>
+                      </a:solidFill>
+                      <a:prstDash val="solid"/>
+                      <a:round/>
+                      <a:headEnd type="none" w="med" len="med"/>
+                      <a:tailEnd type="none" w="med" len="med"/>
+                    </a:lnR>
+                    <a:lnT w="19050" cap="flat" cmpd="sng" algn="ctr">
+                      <a:solidFill>
+                        <a:schemeClr val="tx1"/>
+                      </a:solidFill>
+                      <a:prstDash val="solid"/>
+                      <a:round/>
+                      <a:headEnd type="none" w="med" len="med"/>
+                      <a:tailEnd type="none" w="med" len="med"/>
+                    </a:lnT>
+                    <a:lnB w="19050" cap="flat" cmpd="sng" algn="ctr">
+                      <a:solidFill>
+                        <a:schemeClr val="tx1"/>
+                      </a:solidFill>
+                      <a:prstDash val="solid"/>
+                      <a:round/>
+                      <a:headEnd type="none" w="med" len="med"/>
+                      <a:tailEnd type="none" w="med" len="med"/>
+                    </a:lnB>
+                  </a:tcPr>
+                </a:tc>
+                <a:tc>
+                  <a:txBody>
+                    <a:bodyPr/>
+                    <a:lstStyle/>
+                    <a:p>
+                      <a:pPr latinLnBrk="1"/>
+                      <a:r>
+                        <a:rPr lang="en-US" altLang="ko-KR" sz="1100"/>
+                        <a:t>192.167.2.1</a:t>
+                      </a:r>
+                      <a:endParaRPr lang="ko-KR" altLang="en-US" sz="1100" dirty="0"/>
+                    </a:p>
+                  </a:txBody>
+                  <a:tcPr anchor="ctr">
+                    <a:lnL w="19050" cap="flat" cmpd="sng" algn="ctr">
+                      <a:solidFill>
+                        <a:schemeClr val="tx1"/>
+                      </a:solidFill>
+                      <a:prstDash val="solid"/>
+                      <a:round/>
+                      <a:headEnd type="none" w="med" len="med"/>
+                      <a:tailEnd type="none" w="med" len="med"/>
+                    </a:lnL>
+                    <a:lnR w="19050" cap="flat" cmpd="sng" algn="ctr">
+                      <a:solidFill>
+                        <a:schemeClr val="tx1"/>
+                      </a:solidFill>
+                      <a:prstDash val="solid"/>
+                      <a:round/>
+                      <a:headEnd type="none" w="med" len="med"/>
+                      <a:tailEnd type="none" w="med" len="med"/>
+                    </a:lnR>
+                    <a:lnT w="19050" cap="flat" cmpd="sng" algn="ctr">
+                      <a:solidFill>
+                        <a:schemeClr val="tx1"/>
+                      </a:solidFill>
+                      <a:prstDash val="solid"/>
+                      <a:round/>
+                      <a:headEnd type="none" w="med" len="med"/>
+                      <a:tailEnd type="none" w="med" len="med"/>
+                    </a:lnT>
+                    <a:lnB w="19050" cap="flat" cmpd="sng" algn="ctr">
+                      <a:solidFill>
+                        <a:schemeClr val="tx1"/>
+                      </a:solidFill>
+                      <a:prstDash val="solid"/>
+                      <a:round/>
+                      <a:headEnd type="none" w="med" len="med"/>
+                      <a:tailEnd type="none" w="med" len="med"/>
+                    </a:lnB>
+                  </a:tcPr>
+                </a:tc>
+                <a:tc>
+                  <a:txBody>
+                    <a:bodyPr/>
+                    <a:lstStyle/>
+                    <a:p>
+                      <a:pPr latinLnBrk="1"/>
+                      <a:r>
+                        <a:rPr lang="en-US" altLang="ko-KR" sz="1100"/>
+                        <a:t>cilium_host</a:t>
+                      </a:r>
+                      <a:endParaRPr lang="ko-KR" altLang="en-US" sz="1100" dirty="0"/>
+                    </a:p>
+                  </a:txBody>
+                  <a:tcPr anchor="ctr">
+                    <a:lnL w="19050" cap="flat" cmpd="sng" algn="ctr">
+                      <a:solidFill>
+                        <a:schemeClr val="tx1"/>
+                      </a:solidFill>
+                      <a:prstDash val="solid"/>
+                      <a:round/>
+                      <a:headEnd type="none" w="med" len="med"/>
+                      <a:tailEnd type="none" w="med" len="med"/>
+                    </a:lnL>
+                    <a:lnR w="19050" cap="flat" cmpd="sng" algn="ctr">
+                      <a:solidFill>
+                        <a:schemeClr val="tx1"/>
+                      </a:solidFill>
+                      <a:prstDash val="solid"/>
+                      <a:round/>
+                      <a:headEnd type="none" w="med" len="med"/>
+                      <a:tailEnd type="none" w="med" len="med"/>
+                    </a:lnR>
+                    <a:lnT w="19050" cap="flat" cmpd="sng" algn="ctr">
+                      <a:solidFill>
+                        <a:schemeClr val="tx1"/>
+                      </a:solidFill>
+                      <a:prstDash val="solid"/>
+                      <a:round/>
+                      <a:headEnd type="none" w="med" len="med"/>
+                      <a:tailEnd type="none" w="med" len="med"/>
+                    </a:lnT>
+                    <a:lnB w="19050" cap="flat" cmpd="sng" algn="ctr">
+                      <a:solidFill>
+                        <a:schemeClr val="tx1"/>
+                      </a:solidFill>
+                      <a:prstDash val="solid"/>
+                      <a:round/>
+                      <a:headEnd type="none" w="med" len="med"/>
+                      <a:tailEnd type="none" w="med" len="med"/>
+                    </a:lnB>
+                  </a:tcPr>
+                </a:tc>
+                <a:extLst>
+                  <a:ext uri="{0D108BD9-81ED-4DB2-BD59-A6C34878D82A}">
+                    <a16:rowId xmlns:a16="http://schemas.microsoft.com/office/drawing/2014/main" val="622497528"/>
+                  </a:ext>
+                </a:extLst>
+              </a:tr>
+              <a:tr h="312035">
+                <a:tc>
+                  <a:txBody>
+                    <a:bodyPr/>
+                    <a:lstStyle/>
+                    <a:p>
+                      <a:pPr latinLnBrk="1"/>
+                      <a:r>
+                        <a:rPr lang="en-US" altLang="ko-KR" sz="1100"/>
+                        <a:t>192.167.2.1</a:t>
+                      </a:r>
+                      <a:endParaRPr lang="ko-KR" altLang="en-US" sz="1100" dirty="0"/>
+                    </a:p>
+                  </a:txBody>
+                  <a:tcPr anchor="ctr">
+                    <a:lnL w="19050" cap="flat" cmpd="sng" algn="ctr">
+                      <a:solidFill>
+                        <a:schemeClr val="tx1"/>
+                      </a:solidFill>
+                      <a:prstDash val="solid"/>
+                      <a:round/>
+                      <a:headEnd type="none" w="med" len="med"/>
+                      <a:tailEnd type="none" w="med" len="med"/>
+                    </a:lnL>
+                    <a:lnR w="19050" cap="flat" cmpd="sng" algn="ctr">
+                      <a:solidFill>
+                        <a:schemeClr val="tx1"/>
+                      </a:solidFill>
+                      <a:prstDash val="solid"/>
+                      <a:round/>
+                      <a:headEnd type="none" w="med" len="med"/>
+                      <a:tailEnd type="none" w="med" len="med"/>
+                    </a:lnR>
+                    <a:lnT w="19050" cap="flat" cmpd="sng" algn="ctr">
+                      <a:solidFill>
+                        <a:schemeClr val="tx1"/>
+                      </a:solidFill>
+                      <a:prstDash val="solid"/>
+                      <a:round/>
+                      <a:headEnd type="none" w="med" len="med"/>
+                      <a:tailEnd type="none" w="med" len="med"/>
+                    </a:lnT>
+                    <a:lnB w="19050" cap="flat" cmpd="sng" algn="ctr">
+                      <a:solidFill>
+                        <a:schemeClr val="tx1"/>
+                      </a:solidFill>
+                      <a:prstDash val="solid"/>
+                      <a:round/>
+                      <a:headEnd type="none" w="med" len="med"/>
+                      <a:tailEnd type="none" w="med" len="med"/>
+                    </a:lnB>
+                  </a:tcPr>
+                </a:tc>
+                <a:tc>
+                  <a:txBody>
+                    <a:bodyPr/>
+                    <a:lstStyle/>
+                    <a:p>
+                      <a:pPr latinLnBrk="1"/>
+                      <a:r>
+                        <a:rPr lang="en-US" altLang="ko-KR" sz="1100"/>
+                        <a:t>0.0.0.0</a:t>
+                      </a:r>
+                      <a:endParaRPr lang="ko-KR" altLang="en-US" sz="1100" dirty="0"/>
+                    </a:p>
+                  </a:txBody>
+                  <a:tcPr anchor="ctr">
+                    <a:lnL w="19050" cap="flat" cmpd="sng" algn="ctr">
+                      <a:solidFill>
+                        <a:schemeClr val="tx1"/>
+                      </a:solidFill>
+                      <a:prstDash val="solid"/>
+                      <a:round/>
+                      <a:headEnd type="none" w="med" len="med"/>
+                      <a:tailEnd type="none" w="med" len="med"/>
+                    </a:lnL>
+                    <a:lnR w="19050" cap="flat" cmpd="sng" algn="ctr">
+                      <a:solidFill>
+                        <a:schemeClr val="tx1"/>
+                      </a:solidFill>
+                      <a:prstDash val="solid"/>
+                      <a:round/>
+                      <a:headEnd type="none" w="med" len="med"/>
+                      <a:tailEnd type="none" w="med" len="med"/>
+                    </a:lnR>
+                    <a:lnT w="19050" cap="flat" cmpd="sng" algn="ctr">
+                      <a:solidFill>
+                        <a:schemeClr val="tx1"/>
+                      </a:solidFill>
+                      <a:prstDash val="solid"/>
+                      <a:round/>
+                      <a:headEnd type="none" w="med" len="med"/>
+                      <a:tailEnd type="none" w="med" len="med"/>
+                    </a:lnT>
+                    <a:lnB w="19050" cap="flat" cmpd="sng" algn="ctr">
+                      <a:solidFill>
+                        <a:schemeClr val="tx1"/>
+                      </a:solidFill>
+                      <a:prstDash val="solid"/>
+                      <a:round/>
+                      <a:headEnd type="none" w="med" len="med"/>
+                      <a:tailEnd type="none" w="med" len="med"/>
+                    </a:lnB>
+                  </a:tcPr>
+                </a:tc>
+                <a:tc>
+                  <a:txBody>
+                    <a:bodyPr/>
+                    <a:lstStyle/>
+                    <a:p>
+                      <a:pPr latinLnBrk="1"/>
+                      <a:r>
+                        <a:rPr lang="en-US" altLang="ko-KR" sz="1100"/>
+                        <a:t>cilium_host</a:t>
+                      </a:r>
+                      <a:endParaRPr lang="ko-KR" altLang="en-US" sz="1100" dirty="0"/>
+                    </a:p>
+                  </a:txBody>
+                  <a:tcPr anchor="ctr">
+                    <a:lnL w="19050" cap="flat" cmpd="sng" algn="ctr">
+                      <a:solidFill>
+                        <a:schemeClr val="tx1"/>
+                      </a:solidFill>
+                      <a:prstDash val="solid"/>
+                      <a:round/>
+                      <a:headEnd type="none" w="med" len="med"/>
+                      <a:tailEnd type="none" w="med" len="med"/>
+                    </a:lnL>
+                    <a:lnR w="19050" cap="flat" cmpd="sng" algn="ctr">
+                      <a:solidFill>
+                        <a:schemeClr val="tx1"/>
+                      </a:solidFill>
+                      <a:prstDash val="solid"/>
+                      <a:round/>
+                      <a:headEnd type="none" w="med" len="med"/>
+                      <a:tailEnd type="none" w="med" len="med"/>
+                    </a:lnR>
+                    <a:lnT w="19050" cap="flat" cmpd="sng" algn="ctr">
+                      <a:solidFill>
+                        <a:schemeClr val="tx1"/>
+                      </a:solidFill>
+                      <a:prstDash val="solid"/>
+                      <a:round/>
+                      <a:headEnd type="none" w="med" len="med"/>
+                      <a:tailEnd type="none" w="med" len="med"/>
+                    </a:lnT>
+                    <a:lnB w="19050" cap="flat" cmpd="sng" algn="ctr">
+                      <a:solidFill>
+                        <a:schemeClr val="tx1"/>
+                      </a:solidFill>
+                      <a:prstDash val="solid"/>
+                      <a:round/>
+                      <a:headEnd type="none" w="med" len="med"/>
+                      <a:tailEnd type="none" w="med" len="med"/>
+                    </a:lnB>
+                  </a:tcPr>
+                </a:tc>
+                <a:extLst>
+                  <a:ext uri="{0D108BD9-81ED-4DB2-BD59-A6C34878D82A}">
+                    <a16:rowId xmlns:a16="http://schemas.microsoft.com/office/drawing/2014/main" val="10002"/>
+                  </a:ext>
+                </a:extLst>
+              </a:tr>
+            </a:tbl>
+          </a:graphicData>
+        </a:graphic>
+      </p:graphicFrame>
+      <p:sp>
+        <p:nvSpPr>
+          <p:cNvPr id="13" name="모서리가 둥근 직사각형 44">
+            <a:extLst>
+              <a:ext uri="{FF2B5EF4-FFF2-40B4-BE49-F238E27FC236}">
+                <a16:creationId xmlns:a16="http://schemas.microsoft.com/office/drawing/2014/main" id="{2DBA49E2-5203-48AC-9D0B-4B3C58EE231E}"/>
+              </a:ext>
+            </a:extLst>
+          </p:cNvPr>
+          <p:cNvSpPr/>
+          <p:nvPr/>
+        </p:nvSpPr>
+        <p:spPr>
+          <a:xfrm>
+            <a:off x="2483768" y="3867898"/>
+            <a:ext cx="1422749" cy="360040"/>
+          </a:xfrm>
+          <a:prstGeom prst="roundRect">
+            <a:avLst>
+              <a:gd name="adj" fmla="val 6195"/>
+            </a:avLst>
+          </a:prstGeom>
+          <a:ln/>
+        </p:spPr>
+        <p:style>
+          <a:lnRef idx="2">
+            <a:schemeClr val="dk1"/>
+          </a:lnRef>
+          <a:fillRef idx="1">
+            <a:schemeClr val="lt1"/>
+          </a:fillRef>
+          <a:effectRef idx="0">
+            <a:schemeClr val="dk1"/>
+          </a:effectRef>
+          <a:fontRef idx="minor">
+            <a:schemeClr val="dk1"/>
+          </a:fontRef>
+        </p:style>
+        <p:txBody>
+          <a:bodyPr rtlCol="0" anchor="ctr"/>
+          <a:lstStyle/>
+          <a:p>
+            <a:pPr algn="ctr"/>
+            <a:r>
+              <a:rPr lang="en-US" altLang="ko-KR" sz="1400" dirty="0" err="1"/>
+              <a:t>eth0</a:t>
+            </a:r>
+            <a:endParaRPr lang="ko-KR" altLang="en-US" sz="1400" dirty="0"/>
+          </a:p>
+        </p:txBody>
+      </p:sp>
+      <p:sp>
+        <p:nvSpPr>
+          <p:cNvPr id="14" name="모서리가 둥근 직사각형 44">
+            <a:extLst>
+              <a:ext uri="{FF2B5EF4-FFF2-40B4-BE49-F238E27FC236}">
+                <a16:creationId xmlns:a16="http://schemas.microsoft.com/office/drawing/2014/main" id="{2DBA49E2-5203-48AC-9D0B-4B3C58EE231E}"/>
+              </a:ext>
+            </a:extLst>
+          </p:cNvPr>
+          <p:cNvSpPr/>
+          <p:nvPr/>
+        </p:nvSpPr>
+        <p:spPr>
+          <a:xfrm>
+            <a:off x="5025989" y="267494"/>
+            <a:ext cx="3502221" cy="4324678"/>
+          </a:xfrm>
+          <a:prstGeom prst="roundRect">
+            <a:avLst>
+              <a:gd name="adj" fmla="val 2406"/>
+            </a:avLst>
+          </a:prstGeom>
+          <a:ln/>
+        </p:spPr>
+        <p:style>
+          <a:lnRef idx="2">
+            <a:schemeClr val="dk1"/>
+          </a:lnRef>
+          <a:fillRef idx="1">
+            <a:schemeClr val="lt1"/>
+          </a:fillRef>
+          <a:effectRef idx="0">
+            <a:schemeClr val="dk1"/>
+          </a:effectRef>
+          <a:fontRef idx="minor">
+            <a:schemeClr val="dk1"/>
+          </a:fontRef>
+        </p:style>
+        <p:txBody>
+          <a:bodyPr rtlCol="0" anchor="b"/>
+          <a:lstStyle/>
+          <a:p>
+            <a:pPr algn="r"/>
+            <a:r>
+              <a:rPr lang="en-US" altLang="ko-KR" sz="1600" b="1"/>
+              <a:t>Host </a:t>
+            </a:r>
+            <a:r>
+              <a:rPr lang="en-US" altLang="ko-KR" sz="1600" b="1" dirty="0"/>
+              <a:t>2 </a:t>
+            </a:r>
+          </a:p>
+          <a:p>
+            <a:pPr algn="r"/>
+            <a:r>
+              <a:rPr lang="en-US" altLang="ko-KR" sz="1600" b="1"/>
+              <a:t>(192.167.3.0/24)</a:t>
+            </a:r>
+            <a:endParaRPr lang="ko-KR" altLang="en-US" sz="1600" b="1" dirty="0"/>
+          </a:p>
+        </p:txBody>
+      </p:sp>
+      <p:sp>
+        <p:nvSpPr>
+          <p:cNvPr id="21" name="모서리가 둥근 직사각형 44">
+            <a:extLst>
+              <a:ext uri="{FF2B5EF4-FFF2-40B4-BE49-F238E27FC236}">
+                <a16:creationId xmlns:a16="http://schemas.microsoft.com/office/drawing/2014/main" id="{2DBA49E2-5203-48AC-9D0B-4B3C58EE231E}"/>
+              </a:ext>
+            </a:extLst>
+          </p:cNvPr>
+          <p:cNvSpPr/>
+          <p:nvPr/>
+        </p:nvSpPr>
+        <p:spPr>
+          <a:xfrm>
+            <a:off x="5263228" y="3867898"/>
+            <a:ext cx="1397004" cy="360040"/>
+          </a:xfrm>
+          <a:prstGeom prst="roundRect">
+            <a:avLst>
+              <a:gd name="adj" fmla="val 6195"/>
+            </a:avLst>
+          </a:prstGeom>
+          <a:ln/>
+        </p:spPr>
+        <p:style>
+          <a:lnRef idx="2">
+            <a:schemeClr val="dk1"/>
+          </a:lnRef>
+          <a:fillRef idx="1">
+            <a:schemeClr val="lt1"/>
+          </a:fillRef>
+          <a:effectRef idx="0">
+            <a:schemeClr val="dk1"/>
+          </a:effectRef>
+          <a:fontRef idx="minor">
+            <a:schemeClr val="dk1"/>
+          </a:fontRef>
+        </p:style>
+        <p:txBody>
+          <a:bodyPr rtlCol="0" anchor="ctr"/>
+          <a:lstStyle/>
+          <a:p>
+            <a:pPr algn="ctr"/>
+            <a:r>
+              <a:rPr lang="en-US" altLang="ko-KR" sz="1400" dirty="0" err="1"/>
+              <a:t>eth0</a:t>
+            </a:r>
+            <a:endParaRPr lang="ko-KR" altLang="en-US" sz="1400" dirty="0"/>
+          </a:p>
+        </p:txBody>
+      </p:sp>
+      <p:cxnSp>
+        <p:nvCxnSpPr>
+          <p:cNvPr id="23" name="직선 연결선 22"/>
+          <p:cNvCxnSpPr>
+            <a:cxnSpLocks/>
+            <a:stCxn id="21" idx="1"/>
+            <a:endCxn id="13" idx="3"/>
+          </p:cNvCxnSpPr>
+          <p:nvPr/>
+        </p:nvCxnSpPr>
+        <p:spPr>
+          <a:xfrm flipH="1">
+            <a:off x="3906517" y="4047918"/>
+            <a:ext cx="1356711" cy="0"/>
+          </a:xfrm>
+          <a:prstGeom prst="line">
+            <a:avLst/>
+          </a:prstGeom>
+          <a:ln w="19050">
+            <a:solidFill>
+              <a:schemeClr val="tx1"/>
+            </a:solidFill>
+            <a:prstDash val="solid"/>
+          </a:ln>
+        </p:spPr>
+        <p:style>
+          <a:lnRef idx="1">
+            <a:schemeClr val="accent1"/>
+          </a:lnRef>
+          <a:fillRef idx="0">
+            <a:schemeClr val="accent1"/>
+          </a:fillRef>
+          <a:effectRef idx="0">
+            <a:schemeClr val="accent1"/>
+          </a:effectRef>
+          <a:fontRef idx="minor">
+            <a:schemeClr val="tx1"/>
+          </a:fontRef>
+        </p:style>
+      </p:cxnSp>
+      <p:sp>
+        <p:nvSpPr>
+          <p:cNvPr id="27" name="모서리가 둥근 직사각형 44">
+            <a:extLst>
+              <a:ext uri="{FF2B5EF4-FFF2-40B4-BE49-F238E27FC236}">
+                <a16:creationId xmlns:a16="http://schemas.microsoft.com/office/drawing/2014/main" id="{2DBA49E2-5203-48AC-9D0B-4B3C58EE231E}"/>
+              </a:ext>
+            </a:extLst>
+          </p:cNvPr>
+          <p:cNvSpPr/>
+          <p:nvPr/>
+        </p:nvSpPr>
+        <p:spPr>
+          <a:xfrm>
+            <a:off x="2483768" y="4219152"/>
+            <a:ext cx="1422750" cy="288032"/>
+          </a:xfrm>
+          <a:prstGeom prst="roundRect">
+            <a:avLst>
+              <a:gd name="adj" fmla="val 6195"/>
+            </a:avLst>
+          </a:prstGeom>
+          <a:noFill/>
+          <a:ln>
+            <a:noFill/>
+          </a:ln>
+        </p:spPr>
+        <p:style>
+          <a:lnRef idx="2">
+            <a:schemeClr val="dk1"/>
+          </a:lnRef>
+          <a:fillRef idx="1">
+            <a:schemeClr val="lt1"/>
+          </a:fillRef>
+          <a:effectRef idx="0">
+            <a:schemeClr val="dk1"/>
+          </a:effectRef>
+          <a:fontRef idx="minor">
+            <a:schemeClr val="dk1"/>
+          </a:fontRef>
+        </p:style>
+        <p:txBody>
+          <a:bodyPr rtlCol="0" anchor="ctr"/>
+          <a:lstStyle/>
+          <a:p>
+            <a:pPr algn="ctr"/>
+            <a:r>
+              <a:rPr lang="en-US" altLang="ko-KR" sz="1400" dirty="0"/>
+              <a:t>10.0.0.20</a:t>
+            </a:r>
+            <a:endParaRPr lang="ko-KR" altLang="en-US" sz="1400" dirty="0"/>
+          </a:p>
+        </p:txBody>
+      </p:sp>
+      <p:sp>
+        <p:nvSpPr>
+          <p:cNvPr id="30" name="모서리가 둥근 직사각형 44">
+            <a:extLst>
+              <a:ext uri="{FF2B5EF4-FFF2-40B4-BE49-F238E27FC236}">
+                <a16:creationId xmlns:a16="http://schemas.microsoft.com/office/drawing/2014/main" id="{2DBA49E2-5203-48AC-9D0B-4B3C58EE231E}"/>
+              </a:ext>
+            </a:extLst>
+          </p:cNvPr>
+          <p:cNvSpPr/>
+          <p:nvPr/>
+        </p:nvSpPr>
+        <p:spPr>
+          <a:xfrm>
+            <a:off x="5364088" y="4219152"/>
+            <a:ext cx="1296144" cy="288032"/>
+          </a:xfrm>
+          <a:prstGeom prst="roundRect">
+            <a:avLst>
+              <a:gd name="adj" fmla="val 6195"/>
+            </a:avLst>
+          </a:prstGeom>
+          <a:noFill/>
+          <a:ln>
+            <a:noFill/>
+          </a:ln>
+        </p:spPr>
+        <p:style>
+          <a:lnRef idx="2">
+            <a:schemeClr val="dk1"/>
+          </a:lnRef>
+          <a:fillRef idx="1">
+            <a:schemeClr val="lt1"/>
+          </a:fillRef>
+          <a:effectRef idx="0">
+            <a:schemeClr val="dk1"/>
+          </a:effectRef>
+          <a:fontRef idx="minor">
+            <a:schemeClr val="dk1"/>
+          </a:fontRef>
+        </p:style>
+        <p:txBody>
+          <a:bodyPr rtlCol="0" anchor="ctr"/>
+          <a:lstStyle/>
+          <a:p>
+            <a:pPr algn="ctr"/>
+            <a:r>
+              <a:rPr lang="en-US" altLang="ko-KR" sz="1400" dirty="0"/>
+              <a:t>10.0.0.30</a:t>
+            </a:r>
+            <a:endParaRPr lang="ko-KR" altLang="en-US" sz="1400" dirty="0"/>
+          </a:p>
+        </p:txBody>
+      </p:sp>
+      <p:sp>
+        <p:nvSpPr>
+          <p:cNvPr id="31" name="모서리가 둥근 직사각형 44">
+            <a:extLst>
+              <a:ext uri="{FF2B5EF4-FFF2-40B4-BE49-F238E27FC236}">
+                <a16:creationId xmlns:a16="http://schemas.microsoft.com/office/drawing/2014/main" id="{2DBA49E2-5203-48AC-9D0B-4B3C58EE231E}"/>
+              </a:ext>
+            </a:extLst>
+          </p:cNvPr>
+          <p:cNvSpPr/>
+          <p:nvPr/>
+        </p:nvSpPr>
+        <p:spPr>
+          <a:xfrm>
+            <a:off x="567572" y="4659986"/>
+            <a:ext cx="3356356" cy="432048"/>
+          </a:xfrm>
+          <a:prstGeom prst="roundRect">
+            <a:avLst>
+              <a:gd name="adj" fmla="val 6195"/>
+            </a:avLst>
+          </a:prstGeom>
+          <a:noFill/>
+          <a:ln>
+            <a:noFill/>
+          </a:ln>
+        </p:spPr>
+        <p:style>
+          <a:lnRef idx="2">
+            <a:schemeClr val="dk1"/>
+          </a:lnRef>
+          <a:fillRef idx="1">
+            <a:schemeClr val="lt1"/>
+          </a:fillRef>
+          <a:effectRef idx="0">
+            <a:schemeClr val="dk1"/>
+          </a:effectRef>
+          <a:fontRef idx="minor">
+            <a:schemeClr val="dk1"/>
+          </a:fontRef>
+        </p:style>
+        <p:txBody>
+          <a:bodyPr rtlCol="0" anchor="ctr"/>
+          <a:lstStyle/>
+          <a:p>
+            <a:pPr marL="285750" indent="-285750">
+              <a:buFont typeface="Arial" pitchFamily="34" charset="0"/>
+              <a:buChar char="•"/>
+            </a:pPr>
+            <a:r>
+              <a:rPr lang="en-US" altLang="ko-KR" sz="1400"/>
+              <a:t>Host </a:t>
+            </a:r>
+            <a:r>
+              <a:rPr lang="en-US" altLang="ko-KR" sz="1400" dirty="0"/>
+              <a:t>Network : 10.0.0.0/24</a:t>
+            </a:r>
+          </a:p>
+          <a:p>
+            <a:pPr marL="285750" indent="-285750">
+              <a:buFont typeface="Arial" pitchFamily="34" charset="0"/>
+              <a:buChar char="•"/>
+            </a:pPr>
+            <a:r>
+              <a:rPr lang="en-US" altLang="ko-KR" sz="1400" dirty="0"/>
+              <a:t>Container </a:t>
+            </a:r>
+            <a:r>
+              <a:rPr lang="en-US" altLang="ko-KR" sz="1400"/>
+              <a:t>Network 192.167.0.0/24</a:t>
+            </a:r>
+            <a:endParaRPr lang="ko-KR" altLang="en-US" sz="1400" dirty="0"/>
+          </a:p>
+        </p:txBody>
+      </p:sp>
+      <p:sp>
+        <p:nvSpPr>
+          <p:cNvPr id="4" name="모서리가 둥근 직사각형 44">
+            <a:extLst>
+              <a:ext uri="{FF2B5EF4-FFF2-40B4-BE49-F238E27FC236}">
+                <a16:creationId xmlns:a16="http://schemas.microsoft.com/office/drawing/2014/main" id="{2DBA49E2-5203-48AC-9D0B-4B3C58EE231E}"/>
+              </a:ext>
+            </a:extLst>
+          </p:cNvPr>
+          <p:cNvSpPr/>
+          <p:nvPr/>
+        </p:nvSpPr>
+        <p:spPr>
+          <a:xfrm>
+            <a:off x="683567" y="339506"/>
+            <a:ext cx="2842225" cy="720080"/>
+          </a:xfrm>
+          <a:prstGeom prst="roundRect">
+            <a:avLst>
+              <a:gd name="adj" fmla="val 6195"/>
+            </a:avLst>
+          </a:prstGeom>
+          <a:ln/>
+        </p:spPr>
+        <p:style>
+          <a:lnRef idx="2">
+            <a:schemeClr val="dk1"/>
+          </a:lnRef>
+          <a:fillRef idx="1">
+            <a:schemeClr val="lt1"/>
+          </a:fillRef>
+          <a:effectRef idx="0">
+            <a:schemeClr val="dk1"/>
+          </a:effectRef>
+          <a:fontRef idx="minor">
+            <a:schemeClr val="dk1"/>
+          </a:fontRef>
+        </p:style>
+        <p:txBody>
+          <a:bodyPr rtlCol="0" anchor="t"/>
+          <a:lstStyle/>
+          <a:p>
+            <a:pPr algn="ctr"/>
+            <a:r>
+              <a:rPr lang="en-US" altLang="ko-KR" sz="1600" dirty="0"/>
+              <a:t>Container A </a:t>
+            </a:r>
+            <a:endParaRPr lang="ko-KR" altLang="en-US" sz="1600" dirty="0"/>
+          </a:p>
+        </p:txBody>
+      </p:sp>
+      <p:sp>
+        <p:nvSpPr>
+          <p:cNvPr id="7" name="모서리가 둥근 직사각형 44">
+            <a:extLst>
+              <a:ext uri="{FF2B5EF4-FFF2-40B4-BE49-F238E27FC236}">
+                <a16:creationId xmlns:a16="http://schemas.microsoft.com/office/drawing/2014/main" id="{2DBA49E2-5203-48AC-9D0B-4B3C58EE231E}"/>
+              </a:ext>
+            </a:extLst>
+          </p:cNvPr>
+          <p:cNvSpPr/>
+          <p:nvPr/>
+        </p:nvSpPr>
+        <p:spPr>
+          <a:xfrm>
+            <a:off x="827584" y="699546"/>
+            <a:ext cx="1296144" cy="360040"/>
+          </a:xfrm>
+          <a:prstGeom prst="roundRect">
+            <a:avLst>
+              <a:gd name="adj" fmla="val 6195"/>
+            </a:avLst>
+          </a:prstGeom>
+          <a:ln/>
+        </p:spPr>
+        <p:style>
+          <a:lnRef idx="2">
+            <a:schemeClr val="dk1"/>
+          </a:lnRef>
+          <a:fillRef idx="1">
+            <a:schemeClr val="lt1"/>
+          </a:fillRef>
+          <a:effectRef idx="0">
+            <a:schemeClr val="dk1"/>
+          </a:effectRef>
+          <a:fontRef idx="minor">
+            <a:schemeClr val="dk1"/>
+          </a:fontRef>
+        </p:style>
+        <p:txBody>
+          <a:bodyPr rtlCol="0" anchor="ctr"/>
+          <a:lstStyle/>
+          <a:p>
+            <a:pPr algn="ctr"/>
+            <a:r>
+              <a:rPr lang="en-US" altLang="ko-KR" sz="1400" dirty="0" err="1"/>
+              <a:t>eth0</a:t>
+            </a:r>
+            <a:endParaRPr lang="ko-KR" altLang="en-US" sz="1400" dirty="0"/>
+          </a:p>
+        </p:txBody>
+      </p:sp>
+      <p:sp>
+        <p:nvSpPr>
+          <p:cNvPr id="8" name="모서리가 둥근 직사각형 44">
+            <a:extLst>
+              <a:ext uri="{FF2B5EF4-FFF2-40B4-BE49-F238E27FC236}">
+                <a16:creationId xmlns:a16="http://schemas.microsoft.com/office/drawing/2014/main" id="{2DBA49E2-5203-48AC-9D0B-4B3C58EE231E}"/>
+              </a:ext>
+            </a:extLst>
+          </p:cNvPr>
+          <p:cNvSpPr/>
+          <p:nvPr/>
+        </p:nvSpPr>
+        <p:spPr>
+          <a:xfrm>
+            <a:off x="827584" y="1419110"/>
+            <a:ext cx="1296144" cy="318512"/>
+          </a:xfrm>
+          <a:prstGeom prst="roundRect">
+            <a:avLst>
+              <a:gd name="adj" fmla="val 6195"/>
+            </a:avLst>
+          </a:prstGeom>
+          <a:ln/>
+        </p:spPr>
+        <p:style>
+          <a:lnRef idx="2">
+            <a:schemeClr val="dk1"/>
+          </a:lnRef>
+          <a:fillRef idx="1">
+            <a:schemeClr val="lt1"/>
+          </a:fillRef>
+          <a:effectRef idx="0">
+            <a:schemeClr val="dk1"/>
+          </a:effectRef>
+          <a:fontRef idx="minor">
+            <a:schemeClr val="dk1"/>
+          </a:fontRef>
+        </p:style>
+        <p:txBody>
+          <a:bodyPr rtlCol="0" anchor="ctr"/>
+          <a:lstStyle/>
+          <a:p>
+            <a:pPr algn="ctr"/>
+            <a:r>
+              <a:rPr lang="en-US" altLang="ko-KR" sz="1400"/>
+              <a:t>lxcxxxx</a:t>
+            </a:r>
+            <a:endParaRPr lang="ko-KR" altLang="en-US" sz="1400" dirty="0"/>
+          </a:p>
+        </p:txBody>
+      </p:sp>
+      <p:cxnSp>
+        <p:nvCxnSpPr>
+          <p:cNvPr id="10" name="직선 연결선 9"/>
+          <p:cNvCxnSpPr>
+            <a:cxnSpLocks/>
+            <a:stCxn id="7" idx="2"/>
+            <a:endCxn id="37" idx="0"/>
+          </p:cNvCxnSpPr>
+          <p:nvPr/>
+        </p:nvCxnSpPr>
+        <p:spPr>
+          <a:xfrm>
+            <a:off x="1475656" y="1059586"/>
+            <a:ext cx="0" cy="102488"/>
+          </a:xfrm>
+          <a:prstGeom prst="line">
+            <a:avLst/>
+          </a:prstGeom>
+          <a:ln w="19050">
+            <a:solidFill>
+              <a:schemeClr val="tx1"/>
+            </a:solidFill>
+          </a:ln>
+        </p:spPr>
+        <p:style>
+          <a:lnRef idx="1">
+            <a:schemeClr val="accent1"/>
+          </a:lnRef>
+          <a:fillRef idx="0">
+            <a:schemeClr val="accent1"/>
+          </a:fillRef>
+          <a:effectRef idx="0">
+            <a:schemeClr val="accent1"/>
+          </a:effectRef>
+          <a:fontRef idx="minor">
+            <a:schemeClr val="tx1"/>
+          </a:fontRef>
+        </p:style>
+      </p:cxnSp>
+      <p:sp>
+        <p:nvSpPr>
+          <p:cNvPr id="11" name="모서리가 둥근 직사각형 44">
+            <a:extLst>
+              <a:ext uri="{FF2B5EF4-FFF2-40B4-BE49-F238E27FC236}">
+                <a16:creationId xmlns:a16="http://schemas.microsoft.com/office/drawing/2014/main" id="{2DBA49E2-5203-48AC-9D0B-4B3C58EE231E}"/>
+              </a:ext>
+            </a:extLst>
+          </p:cNvPr>
+          <p:cNvSpPr/>
+          <p:nvPr/>
+        </p:nvSpPr>
+        <p:spPr>
+          <a:xfrm>
+            <a:off x="1979712" y="730026"/>
+            <a:ext cx="1676975" cy="288032"/>
+          </a:xfrm>
+          <a:prstGeom prst="roundRect">
+            <a:avLst>
+              <a:gd name="adj" fmla="val 6195"/>
+            </a:avLst>
+          </a:prstGeom>
+          <a:noFill/>
+          <a:ln>
+            <a:noFill/>
+          </a:ln>
+        </p:spPr>
+        <p:style>
+          <a:lnRef idx="2">
+            <a:schemeClr val="dk1"/>
+          </a:lnRef>
+          <a:fillRef idx="1">
+            <a:schemeClr val="lt1"/>
+          </a:fillRef>
+          <a:effectRef idx="0">
+            <a:schemeClr val="dk1"/>
+          </a:effectRef>
+          <a:fontRef idx="minor">
+            <a:schemeClr val="dk1"/>
+          </a:fontRef>
+        </p:style>
+        <p:txBody>
+          <a:bodyPr rtlCol="0" anchor="ctr"/>
+          <a:lstStyle/>
+          <a:p>
+            <a:pPr algn="ctr"/>
+            <a:r>
+              <a:rPr lang="en-US" altLang="ko-KR" sz="1400"/>
+              <a:t>192.167.2.10</a:t>
+            </a:r>
+            <a:endParaRPr lang="ko-KR" altLang="en-US" sz="1400" dirty="0"/>
+          </a:p>
+        </p:txBody>
+      </p:sp>
+      <p:sp>
+        <p:nvSpPr>
+          <p:cNvPr id="37" name="모서리가 둥근 직사각형 44">
+            <a:extLst>
+              <a:ext uri="{FF2B5EF4-FFF2-40B4-BE49-F238E27FC236}">
+                <a16:creationId xmlns:a16="http://schemas.microsoft.com/office/drawing/2014/main" id="{354EC3C2-BD19-4B9B-807D-849B28C9A25F}"/>
+              </a:ext>
+            </a:extLst>
+          </p:cNvPr>
+          <p:cNvSpPr/>
+          <p:nvPr/>
+        </p:nvSpPr>
+        <p:spPr>
+          <a:xfrm>
+            <a:off x="827584" y="1162074"/>
+            <a:ext cx="1296144" cy="263120"/>
+          </a:xfrm>
+          <a:prstGeom prst="roundRect">
+            <a:avLst>
+              <a:gd name="adj" fmla="val 6195"/>
+            </a:avLst>
+          </a:prstGeom>
+          <a:solidFill>
+            <a:schemeClr val="bg1">
+              <a:lumMod val="85000"/>
+            </a:schemeClr>
+          </a:solidFill>
+          <a:ln/>
+        </p:spPr>
+        <p:style>
+          <a:lnRef idx="2">
+            <a:schemeClr val="dk1"/>
+          </a:lnRef>
+          <a:fillRef idx="1">
+            <a:schemeClr val="lt1"/>
+          </a:fillRef>
+          <a:effectRef idx="0">
+            <a:schemeClr val="dk1"/>
+          </a:effectRef>
+          <a:fontRef idx="minor">
+            <a:schemeClr val="dk1"/>
+          </a:fontRef>
+        </p:style>
+        <p:txBody>
+          <a:bodyPr rtlCol="0" anchor="ctr"/>
+          <a:lstStyle/>
+          <a:p>
+            <a:pPr algn="ctr"/>
+            <a:r>
+              <a:rPr lang="en-US" altLang="ko-KR" sz="1400"/>
+              <a:t>act ingress</a:t>
+            </a:r>
+            <a:endParaRPr lang="ko-KR" altLang="en-US" sz="1400" dirty="0"/>
+          </a:p>
+        </p:txBody>
+      </p:sp>
+      <p:sp>
+        <p:nvSpPr>
+          <p:cNvPr id="49" name="모서리가 둥근 직사각형 44">
+            <a:extLst>
+              <a:ext uri="{FF2B5EF4-FFF2-40B4-BE49-F238E27FC236}">
+                <a16:creationId xmlns:a16="http://schemas.microsoft.com/office/drawing/2014/main" id="{73F9C826-4ABA-48E6-920B-D37961246C66}"/>
+              </a:ext>
+            </a:extLst>
+          </p:cNvPr>
+          <p:cNvSpPr/>
+          <p:nvPr/>
+        </p:nvSpPr>
+        <p:spPr>
+          <a:xfrm>
+            <a:off x="5082932" y="3505797"/>
+            <a:ext cx="1593280" cy="288032"/>
+          </a:xfrm>
+          <a:prstGeom prst="roundRect">
+            <a:avLst>
+              <a:gd name="adj" fmla="val 6195"/>
+            </a:avLst>
+          </a:prstGeom>
+          <a:noFill/>
+          <a:ln>
+            <a:noFill/>
+          </a:ln>
+        </p:spPr>
+        <p:style>
+          <a:lnRef idx="2">
+            <a:schemeClr val="dk1"/>
+          </a:lnRef>
+          <a:fillRef idx="1">
+            <a:schemeClr val="lt1"/>
+          </a:fillRef>
+          <a:effectRef idx="0">
+            <a:schemeClr val="dk1"/>
+          </a:effectRef>
+          <a:fontRef idx="minor">
+            <a:schemeClr val="dk1"/>
+          </a:fontRef>
+        </p:style>
+        <p:txBody>
+          <a:bodyPr rtlCol="0" anchor="ctr"/>
+          <a:lstStyle/>
+          <a:p>
+            <a:pPr algn="ctr"/>
+            <a:r>
+              <a:rPr lang="en-US" altLang="ko-KR" sz="1400"/>
+              <a:t>192.167.3.1</a:t>
+            </a:r>
+            <a:endParaRPr lang="ko-KR" altLang="en-US" sz="1400" dirty="0"/>
+          </a:p>
+        </p:txBody>
+      </p:sp>
+      <p:sp>
+        <p:nvSpPr>
+          <p:cNvPr id="60" name="모서리가 둥근 직사각형 44">
+            <a:extLst>
+              <a:ext uri="{FF2B5EF4-FFF2-40B4-BE49-F238E27FC236}">
+                <a16:creationId xmlns:a16="http://schemas.microsoft.com/office/drawing/2014/main" id="{4AA62075-AD87-48E5-897D-9FDBB27AD729}"/>
+              </a:ext>
+            </a:extLst>
+          </p:cNvPr>
+          <p:cNvSpPr/>
+          <p:nvPr/>
+        </p:nvSpPr>
+        <p:spPr>
+          <a:xfrm>
+            <a:off x="2460353" y="3497370"/>
+            <a:ext cx="1593280" cy="288032"/>
+          </a:xfrm>
+          <a:prstGeom prst="roundRect">
+            <a:avLst>
+              <a:gd name="adj" fmla="val 6195"/>
+            </a:avLst>
+          </a:prstGeom>
+          <a:noFill/>
+          <a:ln>
+            <a:noFill/>
+          </a:ln>
+        </p:spPr>
+        <p:style>
+          <a:lnRef idx="2">
+            <a:schemeClr val="dk1"/>
+          </a:lnRef>
+          <a:fillRef idx="1">
+            <a:schemeClr val="lt1"/>
+          </a:fillRef>
+          <a:effectRef idx="0">
+            <a:schemeClr val="dk1"/>
+          </a:effectRef>
+          <a:fontRef idx="minor">
+            <a:schemeClr val="dk1"/>
+          </a:fontRef>
+        </p:style>
+        <p:txBody>
+          <a:bodyPr rtlCol="0" anchor="ctr"/>
+          <a:lstStyle/>
+          <a:p>
+            <a:pPr algn="ctr"/>
+            <a:r>
+              <a:rPr lang="en-US" altLang="ko-KR" sz="1400"/>
+              <a:t>192.167.2.1</a:t>
+            </a:r>
+            <a:endParaRPr lang="ko-KR" altLang="en-US" sz="1400" dirty="0"/>
+          </a:p>
+        </p:txBody>
+      </p:sp>
+      <p:cxnSp>
+        <p:nvCxnSpPr>
+          <p:cNvPr id="75" name="직선 연결선 74">
+            <a:extLst>
+              <a:ext uri="{FF2B5EF4-FFF2-40B4-BE49-F238E27FC236}">
+                <a16:creationId xmlns:a16="http://schemas.microsoft.com/office/drawing/2014/main" id="{E57C4B9B-0E6A-4296-BA3B-17E9054B172B}"/>
+              </a:ext>
+            </a:extLst>
+          </p:cNvPr>
+          <p:cNvCxnSpPr>
+            <a:cxnSpLocks/>
+            <a:stCxn id="2" idx="0"/>
+            <a:endCxn id="8" idx="3"/>
+          </p:cNvCxnSpPr>
+          <p:nvPr/>
+        </p:nvCxnSpPr>
+        <p:spPr>
+          <a:xfrm flipH="1" flipV="1">
+            <a:off x="2123728" y="1578366"/>
+            <a:ext cx="175639" cy="273308"/>
+          </a:xfrm>
+          <a:prstGeom prst="line">
+            <a:avLst/>
+          </a:prstGeom>
+          <a:ln w="19050">
+            <a:solidFill>
+              <a:schemeClr val="tx2"/>
+            </a:solidFill>
+            <a:headEnd type="arrow" w="med" len="med"/>
+            <a:tailEnd type="none" w="med" len="med"/>
+          </a:ln>
+        </p:spPr>
+        <p:style>
+          <a:lnRef idx="1">
+            <a:schemeClr val="accent1"/>
+          </a:lnRef>
+          <a:fillRef idx="0">
+            <a:schemeClr val="accent1"/>
+          </a:fillRef>
+          <a:effectRef idx="0">
+            <a:schemeClr val="accent1"/>
+          </a:effectRef>
+          <a:fontRef idx="minor">
+            <a:schemeClr val="tx1"/>
+          </a:fontRef>
+        </p:style>
+      </p:cxnSp>
+      <p:graphicFrame>
+        <p:nvGraphicFramePr>
+          <p:cNvPr id="91" name="표 90">
+            <a:extLst>
+              <a:ext uri="{FF2B5EF4-FFF2-40B4-BE49-F238E27FC236}">
+                <a16:creationId xmlns:a16="http://schemas.microsoft.com/office/drawing/2014/main" id="{06CBAA1A-88E8-481C-86A6-E207FA2D32D5}"/>
+              </a:ext>
+            </a:extLst>
+          </p:cNvPr>
+          <p:cNvGraphicFramePr>
+            <a:graphicFrameLocks noGrp="1"/>
+          </p:cNvGraphicFramePr>
+          <p:nvPr>
+            <p:extLst>
+              <p:ext uri="{D42A27DB-BD31-4B8C-83A1-F6EECF244321}">
+                <p14:modId xmlns:p14="http://schemas.microsoft.com/office/powerpoint/2010/main" val="3256287545"/>
+              </p:ext>
+            </p:extLst>
+          </p:nvPr>
+        </p:nvGraphicFramePr>
+        <p:xfrm>
+          <a:off x="5228833" y="1851674"/>
+          <a:ext cx="3231599" cy="936105"/>
+        </p:xfrm>
+        <a:graphic>
+          <a:graphicData uri="http://schemas.openxmlformats.org/drawingml/2006/table">
+            <a:tbl>
+              <a:tblPr firstRow="1" bandRow="1">
+                <a:tableStyleId>{2D5ABB26-0587-4C30-8999-92F81FD0307C}</a:tableStyleId>
+              </a:tblPr>
+              <a:tblGrid>
+                <a:gridCol w="1099964">
+                  <a:extLst>
+                    <a:ext uri="{9D8B030D-6E8A-4147-A177-3AD203B41FA5}">
+                      <a16:colId xmlns:a16="http://schemas.microsoft.com/office/drawing/2014/main" val="20000"/>
+                    </a:ext>
+                  </a:extLst>
+                </a:gridCol>
+                <a:gridCol w="1067971">
+                  <a:extLst>
+                    <a:ext uri="{9D8B030D-6E8A-4147-A177-3AD203B41FA5}">
+                      <a16:colId xmlns:a16="http://schemas.microsoft.com/office/drawing/2014/main" val="2132610268"/>
+                    </a:ext>
+                  </a:extLst>
+                </a:gridCol>
+                <a:gridCol w="1063664">
+                  <a:extLst>
+                    <a:ext uri="{9D8B030D-6E8A-4147-A177-3AD203B41FA5}">
+                      <a16:colId xmlns:a16="http://schemas.microsoft.com/office/drawing/2014/main" val="20001"/>
+                    </a:ext>
+                  </a:extLst>
+                </a:gridCol>
+              </a:tblGrid>
+              <a:tr h="312035">
+                <a:tc>
+                  <a:txBody>
+                    <a:bodyPr/>
+                    <a:lstStyle/>
+                    <a:p>
+                      <a:pPr latinLnBrk="1"/>
+                      <a:r>
+                        <a:rPr lang="en-US" altLang="ko-KR" sz="1100" dirty="0"/>
+                        <a:t>10.0.0.0/24</a:t>
+                      </a:r>
+                      <a:endParaRPr lang="ko-KR" altLang="en-US" sz="1100" dirty="0"/>
+                    </a:p>
+                  </a:txBody>
+                  <a:tcPr anchor="ctr">
+                    <a:lnL w="19050" cap="flat" cmpd="sng" algn="ctr">
+                      <a:solidFill>
+                        <a:schemeClr val="tx1"/>
+                      </a:solidFill>
+                      <a:prstDash val="solid"/>
+                      <a:round/>
+                      <a:headEnd type="none" w="med" len="med"/>
+                      <a:tailEnd type="none" w="med" len="med"/>
+                    </a:lnL>
+                    <a:lnR w="19050" cap="flat" cmpd="sng" algn="ctr">
+                      <a:solidFill>
+                        <a:schemeClr val="tx1"/>
+                      </a:solidFill>
+                      <a:prstDash val="solid"/>
+                      <a:round/>
+                      <a:headEnd type="none" w="med" len="med"/>
+                      <a:tailEnd type="none" w="med" len="med"/>
+                    </a:lnR>
+                    <a:lnT w="19050" cap="flat" cmpd="sng" algn="ctr">
+                      <a:solidFill>
+                        <a:schemeClr val="tx1"/>
+                      </a:solidFill>
+                      <a:prstDash val="solid"/>
+                      <a:round/>
+                      <a:headEnd type="none" w="med" len="med"/>
+                      <a:tailEnd type="none" w="med" len="med"/>
+                    </a:lnT>
+                    <a:lnB w="19050" cap="flat" cmpd="sng" algn="ctr">
+                      <a:solidFill>
+                        <a:schemeClr val="tx1"/>
+                      </a:solidFill>
+                      <a:prstDash val="solid"/>
+                      <a:round/>
+                      <a:headEnd type="none" w="med" len="med"/>
+                      <a:tailEnd type="none" w="med" len="med"/>
+                    </a:lnB>
+                  </a:tcPr>
+                </a:tc>
+                <a:tc>
+                  <a:txBody>
+                    <a:bodyPr/>
+                    <a:lstStyle/>
+                    <a:p>
+                      <a:pPr latinLnBrk="1"/>
+                      <a:r>
+                        <a:rPr lang="en-US" altLang="ko-KR" sz="1100"/>
+                        <a:t>0.0.0.0</a:t>
+                      </a:r>
+                      <a:endParaRPr lang="ko-KR" altLang="en-US" sz="1100" dirty="0"/>
+                    </a:p>
+                  </a:txBody>
+                  <a:tcPr anchor="ctr">
+                    <a:lnL w="19050" cap="flat" cmpd="sng" algn="ctr">
+                      <a:solidFill>
+                        <a:schemeClr val="tx1"/>
+                      </a:solidFill>
+                      <a:prstDash val="solid"/>
+                      <a:round/>
+                      <a:headEnd type="none" w="med" len="med"/>
+                      <a:tailEnd type="none" w="med" len="med"/>
+                    </a:lnL>
+                    <a:lnR w="19050" cap="flat" cmpd="sng" algn="ctr">
+                      <a:solidFill>
+                        <a:schemeClr val="tx1"/>
+                      </a:solidFill>
+                      <a:prstDash val="solid"/>
+                      <a:round/>
+                      <a:headEnd type="none" w="med" len="med"/>
+                      <a:tailEnd type="none" w="med" len="med"/>
+                    </a:lnR>
+                    <a:lnT w="19050" cap="flat" cmpd="sng" algn="ctr">
+                      <a:solidFill>
+                        <a:schemeClr val="tx1"/>
+                      </a:solidFill>
+                      <a:prstDash val="solid"/>
+                      <a:round/>
+                      <a:headEnd type="none" w="med" len="med"/>
+                      <a:tailEnd type="none" w="med" len="med"/>
+                    </a:lnT>
+                    <a:lnB w="19050" cap="flat" cmpd="sng" algn="ctr">
+                      <a:solidFill>
+                        <a:schemeClr val="tx1"/>
+                      </a:solidFill>
+                      <a:prstDash val="solid"/>
+                      <a:round/>
+                      <a:headEnd type="none" w="med" len="med"/>
+                      <a:tailEnd type="none" w="med" len="med"/>
+                    </a:lnB>
+                  </a:tcPr>
+                </a:tc>
+                <a:tc>
+                  <a:txBody>
+                    <a:bodyPr/>
+                    <a:lstStyle/>
+                    <a:p>
+                      <a:pPr latinLnBrk="1"/>
+                      <a:r>
+                        <a:rPr lang="en-US" altLang="ko-KR" sz="1100"/>
+                        <a:t>eth0</a:t>
+                      </a:r>
+                      <a:endParaRPr lang="ko-KR" altLang="en-US" sz="1100" dirty="0"/>
+                    </a:p>
+                  </a:txBody>
+                  <a:tcPr anchor="ctr">
+                    <a:lnL w="19050" cap="flat" cmpd="sng" algn="ctr">
+                      <a:solidFill>
+                        <a:schemeClr val="tx1"/>
+                      </a:solidFill>
+                      <a:prstDash val="solid"/>
+                      <a:round/>
+                      <a:headEnd type="none" w="med" len="med"/>
+                      <a:tailEnd type="none" w="med" len="med"/>
+                    </a:lnL>
+                    <a:lnR w="19050" cap="flat" cmpd="sng" algn="ctr">
+                      <a:solidFill>
+                        <a:schemeClr val="tx1"/>
+                      </a:solidFill>
+                      <a:prstDash val="solid"/>
+                      <a:round/>
+                      <a:headEnd type="none" w="med" len="med"/>
+                      <a:tailEnd type="none" w="med" len="med"/>
+                    </a:lnR>
+                    <a:lnT w="19050" cap="flat" cmpd="sng" algn="ctr">
+                      <a:solidFill>
+                        <a:schemeClr val="tx1"/>
+                      </a:solidFill>
+                      <a:prstDash val="solid"/>
+                      <a:round/>
+                      <a:headEnd type="none" w="med" len="med"/>
+                      <a:tailEnd type="none" w="med" len="med"/>
+                    </a:lnT>
+                    <a:lnB w="19050" cap="flat" cmpd="sng" algn="ctr">
+                      <a:solidFill>
+                        <a:schemeClr val="tx1"/>
+                      </a:solidFill>
+                      <a:prstDash val="solid"/>
+                      <a:round/>
+                      <a:headEnd type="none" w="med" len="med"/>
+                      <a:tailEnd type="none" w="med" len="med"/>
+                    </a:lnB>
+                  </a:tcPr>
+                </a:tc>
+                <a:extLst>
+                  <a:ext uri="{0D108BD9-81ED-4DB2-BD59-A6C34878D82A}">
+                    <a16:rowId xmlns:a16="http://schemas.microsoft.com/office/drawing/2014/main" val="10000"/>
+                  </a:ext>
+                </a:extLst>
+              </a:tr>
+              <a:tr h="312035">
+                <a:tc>
+                  <a:txBody>
+                    <a:bodyPr/>
+                    <a:lstStyle/>
+                    <a:p>
+                      <a:pPr latinLnBrk="1"/>
+                      <a:r>
+                        <a:rPr lang="en-US" altLang="ko-KR" sz="1100"/>
+                        <a:t>192.167.3.0/24</a:t>
+                      </a:r>
+                      <a:endParaRPr lang="ko-KR" altLang="en-US" sz="1100" dirty="0"/>
+                    </a:p>
+                  </a:txBody>
+                  <a:tcPr anchor="ctr">
+                    <a:lnL w="19050" cap="flat" cmpd="sng" algn="ctr">
+                      <a:solidFill>
+                        <a:schemeClr val="tx1"/>
+                      </a:solidFill>
+                      <a:prstDash val="solid"/>
+                      <a:round/>
+                      <a:headEnd type="none" w="med" len="med"/>
+                      <a:tailEnd type="none" w="med" len="med"/>
+                    </a:lnL>
+                    <a:lnR w="19050" cap="flat" cmpd="sng" algn="ctr">
+                      <a:solidFill>
+                        <a:schemeClr val="tx1"/>
+                      </a:solidFill>
+                      <a:prstDash val="solid"/>
+                      <a:round/>
+                      <a:headEnd type="none" w="med" len="med"/>
+                      <a:tailEnd type="none" w="med" len="med"/>
+                    </a:lnR>
+                    <a:lnT w="19050" cap="flat" cmpd="sng" algn="ctr">
+                      <a:solidFill>
+                        <a:schemeClr val="tx1"/>
+                      </a:solidFill>
+                      <a:prstDash val="solid"/>
+                      <a:round/>
+                      <a:headEnd type="none" w="med" len="med"/>
+                      <a:tailEnd type="none" w="med" len="med"/>
+                    </a:lnT>
+                    <a:lnB w="19050" cap="flat" cmpd="sng" algn="ctr">
+                      <a:solidFill>
+                        <a:schemeClr val="tx1"/>
+                      </a:solidFill>
+                      <a:prstDash val="solid"/>
+                      <a:round/>
+                      <a:headEnd type="none" w="med" len="med"/>
+                      <a:tailEnd type="none" w="med" len="med"/>
+                    </a:lnB>
+                  </a:tcPr>
+                </a:tc>
+                <a:tc>
+                  <a:txBody>
+                    <a:bodyPr/>
+                    <a:lstStyle/>
+                    <a:p>
+                      <a:pPr latinLnBrk="1"/>
+                      <a:r>
+                        <a:rPr lang="en-US" altLang="ko-KR" sz="1100"/>
+                        <a:t>192.167.3.1</a:t>
+                      </a:r>
+                      <a:endParaRPr lang="ko-KR" altLang="en-US" sz="1100" dirty="0"/>
+                    </a:p>
+                  </a:txBody>
+                  <a:tcPr anchor="ctr">
+                    <a:lnL w="19050" cap="flat" cmpd="sng" algn="ctr">
+                      <a:solidFill>
+                        <a:schemeClr val="tx1"/>
+                      </a:solidFill>
+                      <a:prstDash val="solid"/>
+                      <a:round/>
+                      <a:headEnd type="none" w="med" len="med"/>
+                      <a:tailEnd type="none" w="med" len="med"/>
+                    </a:lnL>
+                    <a:lnR w="19050" cap="flat" cmpd="sng" algn="ctr">
+                      <a:solidFill>
+                        <a:schemeClr val="tx1"/>
+                      </a:solidFill>
+                      <a:prstDash val="solid"/>
+                      <a:round/>
+                      <a:headEnd type="none" w="med" len="med"/>
+                      <a:tailEnd type="none" w="med" len="med"/>
+                    </a:lnR>
+                    <a:lnT w="19050" cap="flat" cmpd="sng" algn="ctr">
+                      <a:solidFill>
+                        <a:schemeClr val="tx1"/>
+                      </a:solidFill>
+                      <a:prstDash val="solid"/>
+                      <a:round/>
+                      <a:headEnd type="none" w="med" len="med"/>
+                      <a:tailEnd type="none" w="med" len="med"/>
+                    </a:lnT>
+                    <a:lnB w="19050" cap="flat" cmpd="sng" algn="ctr">
+                      <a:solidFill>
+                        <a:schemeClr val="tx1"/>
+                      </a:solidFill>
+                      <a:prstDash val="solid"/>
+                      <a:round/>
+                      <a:headEnd type="none" w="med" len="med"/>
+                      <a:tailEnd type="none" w="med" len="med"/>
+                    </a:lnB>
+                  </a:tcPr>
+                </a:tc>
+                <a:tc>
+                  <a:txBody>
+                    <a:bodyPr/>
+                    <a:lstStyle/>
+                    <a:p>
+                      <a:pPr latinLnBrk="1"/>
+                      <a:r>
+                        <a:rPr lang="en-US" altLang="ko-KR" sz="1100"/>
+                        <a:t>cilium_host</a:t>
+                      </a:r>
+                      <a:endParaRPr lang="ko-KR" altLang="en-US" sz="1100" dirty="0"/>
+                    </a:p>
+                  </a:txBody>
+                  <a:tcPr anchor="ctr">
+                    <a:lnL w="19050" cap="flat" cmpd="sng" algn="ctr">
+                      <a:solidFill>
+                        <a:schemeClr val="tx1"/>
+                      </a:solidFill>
+                      <a:prstDash val="solid"/>
+                      <a:round/>
+                      <a:headEnd type="none" w="med" len="med"/>
+                      <a:tailEnd type="none" w="med" len="med"/>
+                    </a:lnL>
+                    <a:lnR w="19050" cap="flat" cmpd="sng" algn="ctr">
+                      <a:solidFill>
+                        <a:schemeClr val="tx1"/>
+                      </a:solidFill>
+                      <a:prstDash val="solid"/>
+                      <a:round/>
+                      <a:headEnd type="none" w="med" len="med"/>
+                      <a:tailEnd type="none" w="med" len="med"/>
+                    </a:lnR>
+                    <a:lnT w="19050" cap="flat" cmpd="sng" algn="ctr">
+                      <a:solidFill>
+                        <a:schemeClr val="tx1"/>
+                      </a:solidFill>
+                      <a:prstDash val="solid"/>
+                      <a:round/>
+                      <a:headEnd type="none" w="med" len="med"/>
+                      <a:tailEnd type="none" w="med" len="med"/>
+                    </a:lnT>
+                    <a:lnB w="19050" cap="flat" cmpd="sng" algn="ctr">
+                      <a:solidFill>
+                        <a:schemeClr val="tx1"/>
+                      </a:solidFill>
+                      <a:prstDash val="solid"/>
+                      <a:round/>
+                      <a:headEnd type="none" w="med" len="med"/>
+                      <a:tailEnd type="none" w="med" len="med"/>
+                    </a:lnB>
+                  </a:tcPr>
+                </a:tc>
+                <a:extLst>
+                  <a:ext uri="{0D108BD9-81ED-4DB2-BD59-A6C34878D82A}">
+                    <a16:rowId xmlns:a16="http://schemas.microsoft.com/office/drawing/2014/main" val="10001"/>
+                  </a:ext>
+                </a:extLst>
+              </a:tr>
+              <a:tr h="312035">
+                <a:tc>
+                  <a:txBody>
+                    <a:bodyPr/>
+                    <a:lstStyle/>
+                    <a:p>
+                      <a:pPr latinLnBrk="1"/>
+                      <a:r>
+                        <a:rPr lang="en-US" altLang="ko-KR" sz="1100"/>
+                        <a:t>192.167.3.1</a:t>
+                      </a:r>
+                      <a:endParaRPr lang="ko-KR" altLang="en-US" sz="1100" dirty="0"/>
+                    </a:p>
+                  </a:txBody>
+                  <a:tcPr anchor="ctr">
+                    <a:lnL w="19050" cap="flat" cmpd="sng" algn="ctr">
+                      <a:solidFill>
+                        <a:schemeClr val="tx1"/>
+                      </a:solidFill>
+                      <a:prstDash val="solid"/>
+                      <a:round/>
+                      <a:headEnd type="none" w="med" len="med"/>
+                      <a:tailEnd type="none" w="med" len="med"/>
+                    </a:lnL>
+                    <a:lnR w="19050" cap="flat" cmpd="sng" algn="ctr">
+                      <a:solidFill>
+                        <a:schemeClr val="tx1"/>
+                      </a:solidFill>
+                      <a:prstDash val="solid"/>
+                      <a:round/>
+                      <a:headEnd type="none" w="med" len="med"/>
+                      <a:tailEnd type="none" w="med" len="med"/>
+                    </a:lnR>
+                    <a:lnT w="19050" cap="flat" cmpd="sng" algn="ctr">
+                      <a:solidFill>
+                        <a:schemeClr val="tx1"/>
+                      </a:solidFill>
+                      <a:prstDash val="solid"/>
+                      <a:round/>
+                      <a:headEnd type="none" w="med" len="med"/>
+                      <a:tailEnd type="none" w="med" len="med"/>
+                    </a:lnT>
+                    <a:lnB w="19050" cap="flat" cmpd="sng" algn="ctr">
+                      <a:solidFill>
+                        <a:schemeClr val="tx1"/>
+                      </a:solidFill>
+                      <a:prstDash val="solid"/>
+                      <a:round/>
+                      <a:headEnd type="none" w="med" len="med"/>
+                      <a:tailEnd type="none" w="med" len="med"/>
+                    </a:lnB>
+                  </a:tcPr>
+                </a:tc>
+                <a:tc>
+                  <a:txBody>
+                    <a:bodyPr/>
+                    <a:lstStyle/>
+                    <a:p>
+                      <a:pPr latinLnBrk="1"/>
+                      <a:r>
+                        <a:rPr lang="en-US" altLang="ko-KR" sz="1100"/>
+                        <a:t>0.0.0.0</a:t>
+                      </a:r>
+                      <a:endParaRPr lang="ko-KR" altLang="en-US" sz="1100" dirty="0"/>
+                    </a:p>
+                  </a:txBody>
+                  <a:tcPr anchor="ctr">
+                    <a:lnL w="19050" cap="flat" cmpd="sng" algn="ctr">
+                      <a:solidFill>
+                        <a:schemeClr val="tx1"/>
+                      </a:solidFill>
+                      <a:prstDash val="solid"/>
+                      <a:round/>
+                      <a:headEnd type="none" w="med" len="med"/>
+                      <a:tailEnd type="none" w="med" len="med"/>
+                    </a:lnL>
+                    <a:lnR w="19050" cap="flat" cmpd="sng" algn="ctr">
+                      <a:solidFill>
+                        <a:schemeClr val="tx1"/>
+                      </a:solidFill>
+                      <a:prstDash val="solid"/>
+                      <a:round/>
+                      <a:headEnd type="none" w="med" len="med"/>
+                      <a:tailEnd type="none" w="med" len="med"/>
+                    </a:lnR>
+                    <a:lnT w="19050" cap="flat" cmpd="sng" algn="ctr">
+                      <a:solidFill>
+                        <a:schemeClr val="tx1"/>
+                      </a:solidFill>
+                      <a:prstDash val="solid"/>
+                      <a:round/>
+                      <a:headEnd type="none" w="med" len="med"/>
+                      <a:tailEnd type="none" w="med" len="med"/>
+                    </a:lnT>
+                    <a:lnB w="19050" cap="flat" cmpd="sng" algn="ctr">
+                      <a:solidFill>
+                        <a:schemeClr val="tx1"/>
+                      </a:solidFill>
+                      <a:prstDash val="solid"/>
+                      <a:round/>
+                      <a:headEnd type="none" w="med" len="med"/>
+                      <a:tailEnd type="none" w="med" len="med"/>
+                    </a:lnB>
+                  </a:tcPr>
+                </a:tc>
+                <a:tc>
+                  <a:txBody>
+                    <a:bodyPr/>
+                    <a:lstStyle/>
+                    <a:p>
+                      <a:pPr latinLnBrk="1"/>
+                      <a:r>
+                        <a:rPr lang="en-US" altLang="ko-KR" sz="1100"/>
+                        <a:t>cilium_host</a:t>
+                      </a:r>
+                      <a:endParaRPr lang="ko-KR" altLang="en-US" sz="1100" dirty="0"/>
+                    </a:p>
+                  </a:txBody>
+                  <a:tcPr anchor="ctr">
+                    <a:lnL w="19050" cap="flat" cmpd="sng" algn="ctr">
+                      <a:solidFill>
+                        <a:schemeClr val="tx1"/>
+                      </a:solidFill>
+                      <a:prstDash val="solid"/>
+                      <a:round/>
+                      <a:headEnd type="none" w="med" len="med"/>
+                      <a:tailEnd type="none" w="med" len="med"/>
+                    </a:lnL>
+                    <a:lnR w="19050" cap="flat" cmpd="sng" algn="ctr">
+                      <a:solidFill>
+                        <a:schemeClr val="tx1"/>
+                      </a:solidFill>
+                      <a:prstDash val="solid"/>
+                      <a:round/>
+                      <a:headEnd type="none" w="med" len="med"/>
+                      <a:tailEnd type="none" w="med" len="med"/>
+                    </a:lnR>
+                    <a:lnT w="19050" cap="flat" cmpd="sng" algn="ctr">
+                      <a:solidFill>
+                        <a:schemeClr val="tx1"/>
+                      </a:solidFill>
+                      <a:prstDash val="solid"/>
+                      <a:round/>
+                      <a:headEnd type="none" w="med" len="med"/>
+                      <a:tailEnd type="none" w="med" len="med"/>
+                    </a:lnT>
+                    <a:lnB w="19050" cap="flat" cmpd="sng" algn="ctr">
+                      <a:solidFill>
+                        <a:schemeClr val="tx1"/>
+                      </a:solidFill>
+                      <a:prstDash val="solid"/>
+                      <a:round/>
+                      <a:headEnd type="none" w="med" len="med"/>
+                      <a:tailEnd type="none" w="med" len="med"/>
+                    </a:lnB>
+                  </a:tcPr>
+                </a:tc>
+                <a:extLst>
+                  <a:ext uri="{0D108BD9-81ED-4DB2-BD59-A6C34878D82A}">
+                    <a16:rowId xmlns:a16="http://schemas.microsoft.com/office/drawing/2014/main" val="10002"/>
+                  </a:ext>
+                </a:extLst>
+              </a:tr>
+            </a:tbl>
+          </a:graphicData>
+        </a:graphic>
+      </p:graphicFrame>
+      <p:sp>
+        <p:nvSpPr>
+          <p:cNvPr id="94" name="모서리가 둥근 직사각형 44">
+            <a:extLst>
+              <a:ext uri="{FF2B5EF4-FFF2-40B4-BE49-F238E27FC236}">
+                <a16:creationId xmlns:a16="http://schemas.microsoft.com/office/drawing/2014/main" id="{C5968AF5-30E0-43C5-84FA-34B656FA9364}"/>
+              </a:ext>
+            </a:extLst>
+          </p:cNvPr>
+          <p:cNvSpPr/>
+          <p:nvPr/>
+        </p:nvSpPr>
+        <p:spPr>
+          <a:xfrm flipH="1">
+            <a:off x="5618207" y="339506"/>
+            <a:ext cx="2842225" cy="720080"/>
+          </a:xfrm>
+          <a:prstGeom prst="roundRect">
+            <a:avLst>
+              <a:gd name="adj" fmla="val 6195"/>
+            </a:avLst>
+          </a:prstGeom>
+          <a:ln/>
+        </p:spPr>
+        <p:style>
+          <a:lnRef idx="2">
+            <a:schemeClr val="dk1"/>
+          </a:lnRef>
+          <a:fillRef idx="1">
+            <a:schemeClr val="lt1"/>
+          </a:fillRef>
+          <a:effectRef idx="0">
+            <a:schemeClr val="dk1"/>
+          </a:effectRef>
+          <a:fontRef idx="minor">
+            <a:schemeClr val="dk1"/>
+          </a:fontRef>
+        </p:style>
+        <p:txBody>
+          <a:bodyPr rtlCol="0" anchor="t"/>
+          <a:lstStyle/>
+          <a:p>
+            <a:pPr algn="ctr"/>
+            <a:r>
+              <a:rPr lang="en-US" altLang="ko-KR" sz="1600"/>
+              <a:t>Container B </a:t>
+            </a:r>
+            <a:endParaRPr lang="ko-KR" altLang="en-US" sz="1600" dirty="0"/>
+          </a:p>
+        </p:txBody>
+      </p:sp>
+      <p:sp>
+        <p:nvSpPr>
+          <p:cNvPr id="95" name="모서리가 둥근 직사각형 44">
+            <a:extLst>
+              <a:ext uri="{FF2B5EF4-FFF2-40B4-BE49-F238E27FC236}">
+                <a16:creationId xmlns:a16="http://schemas.microsoft.com/office/drawing/2014/main" id="{BFCB0D57-B969-4ABC-A91C-9F6592064323}"/>
+              </a:ext>
+            </a:extLst>
+          </p:cNvPr>
+          <p:cNvSpPr/>
+          <p:nvPr/>
+        </p:nvSpPr>
+        <p:spPr>
+          <a:xfrm flipH="1">
+            <a:off x="7020271" y="699546"/>
+            <a:ext cx="1296144" cy="360040"/>
+          </a:xfrm>
+          <a:prstGeom prst="roundRect">
+            <a:avLst>
+              <a:gd name="adj" fmla="val 6195"/>
+            </a:avLst>
+          </a:prstGeom>
+          <a:ln/>
+        </p:spPr>
+        <p:style>
+          <a:lnRef idx="2">
+            <a:schemeClr val="dk1"/>
+          </a:lnRef>
+          <a:fillRef idx="1">
+            <a:schemeClr val="lt1"/>
+          </a:fillRef>
+          <a:effectRef idx="0">
+            <a:schemeClr val="dk1"/>
+          </a:effectRef>
+          <a:fontRef idx="minor">
+            <a:schemeClr val="dk1"/>
+          </a:fontRef>
+        </p:style>
+        <p:txBody>
+          <a:bodyPr rtlCol="0" anchor="ctr"/>
+          <a:lstStyle/>
+          <a:p>
+            <a:pPr algn="ctr"/>
+            <a:r>
+              <a:rPr lang="en-US" altLang="ko-KR" sz="1400" dirty="0" err="1"/>
+              <a:t>eth0</a:t>
+            </a:r>
+            <a:endParaRPr lang="ko-KR" altLang="en-US" sz="1400" dirty="0"/>
+          </a:p>
+        </p:txBody>
+      </p:sp>
+      <p:sp>
+        <p:nvSpPr>
+          <p:cNvPr id="96" name="모서리가 둥근 직사각형 44">
+            <a:extLst>
+              <a:ext uri="{FF2B5EF4-FFF2-40B4-BE49-F238E27FC236}">
+                <a16:creationId xmlns:a16="http://schemas.microsoft.com/office/drawing/2014/main" id="{5C69331D-F996-495A-8AA4-E7DC2A8A8035}"/>
+              </a:ext>
+            </a:extLst>
+          </p:cNvPr>
+          <p:cNvSpPr/>
+          <p:nvPr/>
+        </p:nvSpPr>
+        <p:spPr>
+          <a:xfrm flipH="1">
+            <a:off x="7020271" y="1419722"/>
+            <a:ext cx="1296144" cy="318512"/>
+          </a:xfrm>
+          <a:prstGeom prst="roundRect">
+            <a:avLst>
+              <a:gd name="adj" fmla="val 6195"/>
+            </a:avLst>
+          </a:prstGeom>
+          <a:ln/>
+        </p:spPr>
+        <p:style>
+          <a:lnRef idx="2">
+            <a:schemeClr val="dk1"/>
+          </a:lnRef>
+          <a:fillRef idx="1">
+            <a:schemeClr val="lt1"/>
+          </a:fillRef>
+          <a:effectRef idx="0">
+            <a:schemeClr val="dk1"/>
+          </a:effectRef>
+          <a:fontRef idx="minor">
+            <a:schemeClr val="dk1"/>
+          </a:fontRef>
+        </p:style>
+        <p:txBody>
+          <a:bodyPr rtlCol="0" anchor="ctr"/>
+          <a:lstStyle/>
+          <a:p>
+            <a:pPr algn="ctr"/>
+            <a:r>
+              <a:rPr lang="en-US" altLang="ko-KR" sz="1400"/>
+              <a:t>lxcxxxx</a:t>
+            </a:r>
+            <a:endParaRPr lang="ko-KR" altLang="en-US" sz="1400" dirty="0"/>
+          </a:p>
+        </p:txBody>
+      </p:sp>
+      <p:cxnSp>
+        <p:nvCxnSpPr>
+          <p:cNvPr id="97" name="직선 연결선 96">
+            <a:extLst>
+              <a:ext uri="{FF2B5EF4-FFF2-40B4-BE49-F238E27FC236}">
+                <a16:creationId xmlns:a16="http://schemas.microsoft.com/office/drawing/2014/main" id="{FAD1311C-E5B2-416B-AE24-5CABAEB947A5}"/>
+              </a:ext>
+            </a:extLst>
+          </p:cNvPr>
+          <p:cNvCxnSpPr>
+            <a:cxnSpLocks/>
+            <a:stCxn id="95" idx="2"/>
+            <a:endCxn id="99" idx="0"/>
+          </p:cNvCxnSpPr>
+          <p:nvPr/>
+        </p:nvCxnSpPr>
+        <p:spPr>
+          <a:xfrm flipH="1">
+            <a:off x="7668343" y="1059586"/>
+            <a:ext cx="0" cy="102488"/>
+          </a:xfrm>
+          <a:prstGeom prst="line">
+            <a:avLst/>
+          </a:prstGeom>
+          <a:ln w="19050">
+            <a:solidFill>
+              <a:schemeClr val="tx1"/>
+            </a:solidFill>
+          </a:ln>
+        </p:spPr>
+        <p:style>
+          <a:lnRef idx="1">
+            <a:schemeClr val="accent1"/>
+          </a:lnRef>
+          <a:fillRef idx="0">
+            <a:schemeClr val="accent1"/>
+          </a:fillRef>
+          <a:effectRef idx="0">
+            <a:schemeClr val="accent1"/>
+          </a:effectRef>
+          <a:fontRef idx="minor">
+            <a:schemeClr val="tx1"/>
+          </a:fontRef>
+        </p:style>
+      </p:cxnSp>
+      <p:sp>
+        <p:nvSpPr>
+          <p:cNvPr id="98" name="모서리가 둥근 직사각형 44">
+            <a:extLst>
+              <a:ext uri="{FF2B5EF4-FFF2-40B4-BE49-F238E27FC236}">
+                <a16:creationId xmlns:a16="http://schemas.microsoft.com/office/drawing/2014/main" id="{7B3973F9-79FD-4B7B-B5B4-34B5E04BB534}"/>
+              </a:ext>
+            </a:extLst>
+          </p:cNvPr>
+          <p:cNvSpPr/>
+          <p:nvPr/>
+        </p:nvSpPr>
+        <p:spPr>
+          <a:xfrm flipH="1">
+            <a:off x="5487312" y="730026"/>
+            <a:ext cx="1676975" cy="288032"/>
+          </a:xfrm>
+          <a:prstGeom prst="roundRect">
+            <a:avLst>
+              <a:gd name="adj" fmla="val 6195"/>
+            </a:avLst>
+          </a:prstGeom>
+          <a:noFill/>
+          <a:ln>
+            <a:noFill/>
+          </a:ln>
+        </p:spPr>
+        <p:style>
+          <a:lnRef idx="2">
+            <a:schemeClr val="dk1"/>
+          </a:lnRef>
+          <a:fillRef idx="1">
+            <a:schemeClr val="lt1"/>
+          </a:fillRef>
+          <a:effectRef idx="0">
+            <a:schemeClr val="dk1"/>
+          </a:effectRef>
+          <a:fontRef idx="minor">
+            <a:schemeClr val="dk1"/>
+          </a:fontRef>
+        </p:style>
+        <p:txBody>
+          <a:bodyPr rtlCol="0" anchor="ctr"/>
+          <a:lstStyle/>
+          <a:p>
+            <a:pPr algn="ctr"/>
+            <a:r>
+              <a:rPr lang="en-US" altLang="ko-KR" sz="1400"/>
+              <a:t>192.167.3.10</a:t>
+            </a:r>
+            <a:endParaRPr lang="ko-KR" altLang="en-US" sz="1400" dirty="0"/>
+          </a:p>
+        </p:txBody>
+      </p:sp>
+      <p:sp>
+        <p:nvSpPr>
+          <p:cNvPr id="99" name="모서리가 둥근 직사각형 44">
+            <a:extLst>
+              <a:ext uri="{FF2B5EF4-FFF2-40B4-BE49-F238E27FC236}">
+                <a16:creationId xmlns:a16="http://schemas.microsoft.com/office/drawing/2014/main" id="{0DE8E52E-C806-40FC-8B88-E5B815986732}"/>
+              </a:ext>
+            </a:extLst>
+          </p:cNvPr>
+          <p:cNvSpPr/>
+          <p:nvPr/>
+        </p:nvSpPr>
+        <p:spPr>
+          <a:xfrm flipH="1">
+            <a:off x="7020271" y="1162074"/>
+            <a:ext cx="1296144" cy="263120"/>
+          </a:xfrm>
+          <a:prstGeom prst="roundRect">
+            <a:avLst>
+              <a:gd name="adj" fmla="val 6195"/>
+            </a:avLst>
+          </a:prstGeom>
+          <a:solidFill>
+            <a:schemeClr val="bg1">
+              <a:lumMod val="85000"/>
+            </a:schemeClr>
+          </a:solidFill>
+          <a:ln/>
+        </p:spPr>
+        <p:style>
+          <a:lnRef idx="2">
+            <a:schemeClr val="dk1"/>
+          </a:lnRef>
+          <a:fillRef idx="1">
+            <a:schemeClr val="lt1"/>
+          </a:fillRef>
+          <a:effectRef idx="0">
+            <a:schemeClr val="dk1"/>
+          </a:effectRef>
+          <a:fontRef idx="minor">
+            <a:schemeClr val="dk1"/>
+          </a:fontRef>
+        </p:style>
+        <p:txBody>
+          <a:bodyPr rtlCol="0" anchor="ctr"/>
+          <a:lstStyle/>
+          <a:p>
+            <a:pPr algn="ctr"/>
+            <a:r>
+              <a:rPr lang="en-US" altLang="ko-KR" sz="1400"/>
+              <a:t>act ingress</a:t>
+            </a:r>
+            <a:endParaRPr lang="ko-KR" altLang="en-US" sz="1400" dirty="0"/>
+          </a:p>
+        </p:txBody>
+      </p:sp>
+      <p:cxnSp>
+        <p:nvCxnSpPr>
+          <p:cNvPr id="101" name="직선 연결선 100">
+            <a:extLst>
+              <a:ext uri="{FF2B5EF4-FFF2-40B4-BE49-F238E27FC236}">
+                <a16:creationId xmlns:a16="http://schemas.microsoft.com/office/drawing/2014/main" id="{B08052BA-83E2-4224-8906-0F9698764B74}"/>
+              </a:ext>
+            </a:extLst>
+          </p:cNvPr>
+          <p:cNvCxnSpPr>
+            <a:cxnSpLocks/>
+            <a:stCxn id="61" idx="0"/>
+          </p:cNvCxnSpPr>
+          <p:nvPr/>
+        </p:nvCxnSpPr>
+        <p:spPr>
+          <a:xfrm flipV="1">
+            <a:off x="5883304" y="2771735"/>
+            <a:ext cx="0" cy="160055"/>
+          </a:xfrm>
+          <a:prstGeom prst="line">
+            <a:avLst/>
+          </a:prstGeom>
+          <a:ln w="19050">
+            <a:solidFill>
+              <a:schemeClr val="tx2"/>
+            </a:solidFill>
+            <a:headEnd type="arrow" w="med" len="med"/>
+            <a:tailEnd type="none" w="med" len="med"/>
+          </a:ln>
+        </p:spPr>
+        <p:style>
+          <a:lnRef idx="1">
+            <a:schemeClr val="accent1"/>
+          </a:lnRef>
+          <a:fillRef idx="0">
+            <a:schemeClr val="accent1"/>
+          </a:fillRef>
+          <a:effectRef idx="0">
+            <a:schemeClr val="accent1"/>
+          </a:effectRef>
+          <a:fontRef idx="minor">
+            <a:schemeClr val="tx1"/>
+          </a:fontRef>
+        </p:style>
+      </p:cxnSp>
+      <p:cxnSp>
+        <p:nvCxnSpPr>
+          <p:cNvPr id="103" name="직선 연결선 102">
+            <a:extLst>
+              <a:ext uri="{FF2B5EF4-FFF2-40B4-BE49-F238E27FC236}">
+                <a16:creationId xmlns:a16="http://schemas.microsoft.com/office/drawing/2014/main" id="{6B04DFCF-DEFB-4D50-992A-A8C26CA450FF}"/>
+              </a:ext>
+            </a:extLst>
+          </p:cNvPr>
+          <p:cNvCxnSpPr>
+            <a:cxnSpLocks/>
+            <a:stCxn id="91" idx="0"/>
+            <a:endCxn id="96" idx="3"/>
+          </p:cNvCxnSpPr>
+          <p:nvPr/>
+        </p:nvCxnSpPr>
+        <p:spPr>
+          <a:xfrm flipV="1">
+            <a:off x="6844632" y="1578978"/>
+            <a:ext cx="175639" cy="272696"/>
+          </a:xfrm>
+          <a:prstGeom prst="line">
+            <a:avLst/>
+          </a:prstGeom>
+          <a:ln w="19050">
+            <a:solidFill>
+              <a:schemeClr val="tx2"/>
+            </a:solidFill>
+            <a:headEnd type="arrow" w="med" len="med"/>
+            <a:tailEnd type="none" w="med" len="med"/>
+          </a:ln>
+        </p:spPr>
+        <p:style>
+          <a:lnRef idx="1">
+            <a:schemeClr val="accent1"/>
+          </a:lnRef>
+          <a:fillRef idx="0">
+            <a:schemeClr val="accent1"/>
+          </a:fillRef>
+          <a:effectRef idx="0">
+            <a:schemeClr val="accent1"/>
+          </a:effectRef>
+          <a:fontRef idx="minor">
+            <a:schemeClr val="tx1"/>
+          </a:fontRef>
+        </p:style>
+      </p:cxnSp>
+      <p:cxnSp>
+        <p:nvCxnSpPr>
+          <p:cNvPr id="122" name="직선 연결선 121">
+            <a:extLst>
+              <a:ext uri="{FF2B5EF4-FFF2-40B4-BE49-F238E27FC236}">
+                <a16:creationId xmlns:a16="http://schemas.microsoft.com/office/drawing/2014/main" id="{00A941CF-0FD9-434E-B606-E96AA7EF99F1}"/>
+              </a:ext>
+            </a:extLst>
+          </p:cNvPr>
+          <p:cNvCxnSpPr>
+            <a:cxnSpLocks/>
+            <a:stCxn id="54" idx="0"/>
+          </p:cNvCxnSpPr>
+          <p:nvPr/>
+        </p:nvCxnSpPr>
+        <p:spPr>
+          <a:xfrm flipV="1">
+            <a:off x="3257015" y="2794322"/>
+            <a:ext cx="0" cy="137468"/>
+          </a:xfrm>
+          <a:prstGeom prst="line">
+            <a:avLst/>
+          </a:prstGeom>
+          <a:ln w="19050">
+            <a:solidFill>
+              <a:schemeClr val="tx2"/>
+            </a:solidFill>
+            <a:headEnd type="arrow" w="med" len="med"/>
+            <a:tailEnd type="none" w="med" len="med"/>
+          </a:ln>
+        </p:spPr>
+        <p:style>
+          <a:lnRef idx="1">
+            <a:schemeClr val="accent1"/>
+          </a:lnRef>
+          <a:fillRef idx="0">
+            <a:schemeClr val="accent1"/>
+          </a:fillRef>
+          <a:effectRef idx="0">
+            <a:schemeClr val="accent1"/>
+          </a:effectRef>
+          <a:fontRef idx="minor">
+            <a:schemeClr val="tx1"/>
+          </a:fontRef>
+        </p:style>
+      </p:cxnSp>
+      <p:sp>
+        <p:nvSpPr>
+          <p:cNvPr id="135" name="자유형: 도형 134">
+            <a:extLst>
+              <a:ext uri="{FF2B5EF4-FFF2-40B4-BE49-F238E27FC236}">
+                <a16:creationId xmlns:a16="http://schemas.microsoft.com/office/drawing/2014/main" id="{B428B224-5521-4252-8CAA-4BFBCF2B0C2A}"/>
+              </a:ext>
+            </a:extLst>
+          </p:cNvPr>
+          <p:cNvSpPr/>
+          <p:nvPr/>
+        </p:nvSpPr>
+        <p:spPr>
+          <a:xfrm>
+            <a:off x="2123728" y="1527682"/>
+            <a:ext cx="1859216" cy="1404111"/>
+          </a:xfrm>
+          <a:custGeom>
+            <a:avLst/>
+            <a:gdLst>
+              <a:gd name="connsiteX0" fmla="*/ 0 w 2179320"/>
+              <a:gd name="connsiteY0" fmla="*/ 0 h 1546860"/>
+              <a:gd name="connsiteX1" fmla="*/ 2179320 w 2179320"/>
+              <a:gd name="connsiteY1" fmla="*/ 0 h 1546860"/>
+              <a:gd name="connsiteX2" fmla="*/ 2179320 w 2179320"/>
+              <a:gd name="connsiteY2" fmla="*/ 1546860 h 1546860"/>
+            </a:gdLst>
+            <a:ahLst/>
+            <a:cxnLst>
+              <a:cxn ang="0">
+                <a:pos x="connsiteX0" y="connsiteY0"/>
+              </a:cxn>
+              <a:cxn ang="0">
+                <a:pos x="connsiteX1" y="connsiteY1"/>
+              </a:cxn>
+              <a:cxn ang="0">
+                <a:pos x="connsiteX2" y="connsiteY2"/>
+              </a:cxn>
+            </a:cxnLst>
+            <a:rect l="l" t="t" r="r" b="b"/>
+            <a:pathLst>
+              <a:path w="2179320" h="1546860">
+                <a:moveTo>
+                  <a:pt x="0" y="0"/>
+                </a:moveTo>
+                <a:lnTo>
+                  <a:pt x="2179320" y="0"/>
+                </a:lnTo>
+                <a:lnTo>
+                  <a:pt x="2179320" y="1546860"/>
+                </a:lnTo>
+              </a:path>
+            </a:pathLst>
+          </a:custGeom>
+          <a:noFill/>
+          <a:ln w="19050">
+            <a:solidFill>
+              <a:schemeClr val="tx2"/>
+            </a:solidFill>
+            <a:headEnd type="arrow" w="med" len="med"/>
+            <a:tailEnd type="none" w="med" len="med"/>
+          </a:ln>
+        </p:spPr>
+        <p:style>
+          <a:lnRef idx="2">
+            <a:schemeClr val="accent1">
+              <a:shade val="50000"/>
+            </a:schemeClr>
+          </a:lnRef>
+          <a:fillRef idx="1">
+            <a:schemeClr val="accent1"/>
+          </a:fillRef>
+          <a:effectRef idx="0">
+            <a:schemeClr val="accent1"/>
+          </a:effectRef>
+          <a:fontRef idx="minor">
+            <a:schemeClr val="lt1"/>
+          </a:fontRef>
+        </p:style>
+        <p:txBody>
+          <a:bodyPr rtlCol="0" anchor="ctr"/>
+          <a:lstStyle/>
+          <a:p>
+            <a:pPr algn="ctr"/>
+            <a:endParaRPr lang="ko-KR" altLang="en-US"/>
+          </a:p>
+        </p:txBody>
+      </p:sp>
+      <p:sp>
+        <p:nvSpPr>
+          <p:cNvPr id="136" name="자유형: 도형 135">
+            <a:extLst>
+              <a:ext uri="{FF2B5EF4-FFF2-40B4-BE49-F238E27FC236}">
+                <a16:creationId xmlns:a16="http://schemas.microsoft.com/office/drawing/2014/main" id="{E603D733-1C8E-43AC-848D-8C964201C5BF}"/>
+              </a:ext>
+            </a:extLst>
+          </p:cNvPr>
+          <p:cNvSpPr/>
+          <p:nvPr/>
+        </p:nvSpPr>
+        <p:spPr>
+          <a:xfrm flipH="1">
+            <a:off x="5161055" y="1518664"/>
+            <a:ext cx="1872592" cy="1413124"/>
+          </a:xfrm>
+          <a:custGeom>
+            <a:avLst/>
+            <a:gdLst>
+              <a:gd name="connsiteX0" fmla="*/ 0 w 2179320"/>
+              <a:gd name="connsiteY0" fmla="*/ 0 h 1546860"/>
+              <a:gd name="connsiteX1" fmla="*/ 2179320 w 2179320"/>
+              <a:gd name="connsiteY1" fmla="*/ 0 h 1546860"/>
+              <a:gd name="connsiteX2" fmla="*/ 2179320 w 2179320"/>
+              <a:gd name="connsiteY2" fmla="*/ 1546860 h 1546860"/>
+            </a:gdLst>
+            <a:ahLst/>
+            <a:cxnLst>
+              <a:cxn ang="0">
+                <a:pos x="connsiteX0" y="connsiteY0"/>
+              </a:cxn>
+              <a:cxn ang="0">
+                <a:pos x="connsiteX1" y="connsiteY1"/>
+              </a:cxn>
+              <a:cxn ang="0">
+                <a:pos x="connsiteX2" y="connsiteY2"/>
+              </a:cxn>
+            </a:cxnLst>
+            <a:rect l="l" t="t" r="r" b="b"/>
+            <a:pathLst>
+              <a:path w="2179320" h="1546860">
+                <a:moveTo>
+                  <a:pt x="0" y="0"/>
+                </a:moveTo>
+                <a:lnTo>
+                  <a:pt x="2179320" y="0"/>
+                </a:lnTo>
+                <a:lnTo>
+                  <a:pt x="2179320" y="1546860"/>
+                </a:lnTo>
+              </a:path>
+            </a:pathLst>
+          </a:custGeom>
+          <a:noFill/>
+          <a:ln w="19050">
+            <a:solidFill>
+              <a:schemeClr val="tx2"/>
+            </a:solidFill>
+            <a:headEnd type="arrow" w="med" len="med"/>
+            <a:tailEnd type="none" w="med" len="med"/>
+          </a:ln>
+        </p:spPr>
+        <p:style>
+          <a:lnRef idx="2">
+            <a:schemeClr val="accent1">
+              <a:shade val="50000"/>
+            </a:schemeClr>
+          </a:lnRef>
+          <a:fillRef idx="1">
+            <a:schemeClr val="accent1"/>
+          </a:fillRef>
+          <a:effectRef idx="0">
+            <a:schemeClr val="accent1"/>
+          </a:effectRef>
+          <a:fontRef idx="minor">
+            <a:schemeClr val="lt1"/>
+          </a:fontRef>
+        </p:style>
+        <p:txBody>
+          <a:bodyPr rtlCol="0" anchor="ctr"/>
+          <a:lstStyle/>
+          <a:p>
+            <a:pPr algn="ctr"/>
+            <a:endParaRPr lang="ko-KR" altLang="en-US"/>
+          </a:p>
+        </p:txBody>
+      </p:sp>
+      <p:cxnSp>
+        <p:nvCxnSpPr>
+          <p:cNvPr id="142" name="직선 연결선 141">
+            <a:extLst>
+              <a:ext uri="{FF2B5EF4-FFF2-40B4-BE49-F238E27FC236}">
+                <a16:creationId xmlns:a16="http://schemas.microsoft.com/office/drawing/2014/main" id="{7DC7BC12-5D9E-4F4D-A24E-5E748082AF63}"/>
+              </a:ext>
+            </a:extLst>
+          </p:cNvPr>
+          <p:cNvCxnSpPr>
+            <a:cxnSpLocks/>
+          </p:cNvCxnSpPr>
+          <p:nvPr/>
+        </p:nvCxnSpPr>
+        <p:spPr>
+          <a:xfrm flipH="1">
+            <a:off x="4816990" y="4770094"/>
+            <a:ext cx="396277" cy="0"/>
+          </a:xfrm>
+          <a:prstGeom prst="line">
+            <a:avLst/>
+          </a:prstGeom>
+          <a:ln w="19050">
+            <a:solidFill>
+              <a:schemeClr val="tx2"/>
+            </a:solidFill>
+            <a:headEnd type="arrow" w="med" len="med"/>
+            <a:tailEnd type="none" w="med" len="med"/>
+          </a:ln>
+        </p:spPr>
+        <p:style>
+          <a:lnRef idx="1">
+            <a:schemeClr val="accent1"/>
+          </a:lnRef>
+          <a:fillRef idx="0">
+            <a:schemeClr val="accent1"/>
+          </a:fillRef>
+          <a:effectRef idx="0">
+            <a:schemeClr val="accent1"/>
+          </a:effectRef>
+          <a:fontRef idx="minor">
+            <a:schemeClr val="tx1"/>
+          </a:fontRef>
+        </p:style>
+      </p:cxnSp>
+      <p:sp>
+        <p:nvSpPr>
+          <p:cNvPr id="147" name="모서리가 둥근 직사각형 44">
+            <a:extLst>
+              <a:ext uri="{FF2B5EF4-FFF2-40B4-BE49-F238E27FC236}">
+                <a16:creationId xmlns:a16="http://schemas.microsoft.com/office/drawing/2014/main" id="{93D3556A-89DF-4D7F-9305-9CA12DA46674}"/>
+              </a:ext>
+            </a:extLst>
+          </p:cNvPr>
+          <p:cNvSpPr/>
+          <p:nvPr/>
+        </p:nvSpPr>
+        <p:spPr>
+          <a:xfrm>
+            <a:off x="4614588" y="4659982"/>
+            <a:ext cx="3356356" cy="432048"/>
+          </a:xfrm>
+          <a:prstGeom prst="roundRect">
+            <a:avLst>
+              <a:gd name="adj" fmla="val 6195"/>
+            </a:avLst>
+          </a:prstGeom>
+          <a:noFill/>
+          <a:ln>
+            <a:noFill/>
+          </a:ln>
+        </p:spPr>
+        <p:style>
+          <a:lnRef idx="2">
+            <a:schemeClr val="dk1"/>
+          </a:lnRef>
+          <a:fillRef idx="1">
+            <a:schemeClr val="lt1"/>
+          </a:fillRef>
+          <a:effectRef idx="0">
+            <a:schemeClr val="dk1"/>
+          </a:effectRef>
+          <a:fontRef idx="minor">
+            <a:schemeClr val="dk1"/>
+          </a:fontRef>
+        </p:style>
+        <p:txBody>
+          <a:bodyPr rtlCol="0" anchor="ctr"/>
+          <a:lstStyle/>
+          <a:p>
+            <a:pPr marL="285750" indent="-285750">
+              <a:buFont typeface="Arial" pitchFamily="34" charset="0"/>
+              <a:buChar char="•"/>
+            </a:pPr>
+            <a:r>
+              <a:rPr lang="en-US" altLang="ko-KR" sz="1400"/>
+              <a:t>     Routing</a:t>
+            </a:r>
+            <a:endParaRPr lang="en-US" altLang="ko-KR" sz="1400" dirty="0"/>
+          </a:p>
+          <a:p>
+            <a:endParaRPr lang="ko-KR" altLang="en-US" sz="1400" dirty="0"/>
+          </a:p>
+        </p:txBody>
+      </p:sp>
+      <p:pic>
+        <p:nvPicPr>
+          <p:cNvPr id="81" name="Picture 2" descr="C:\Users\Tmax\Desktop\Network-Router-icon.png">
+            <a:extLst>
+              <a:ext uri="{FF2B5EF4-FFF2-40B4-BE49-F238E27FC236}">
+                <a16:creationId xmlns:a16="http://schemas.microsoft.com/office/drawing/2014/main" id="{FB097D89-3FC9-4911-BFC9-23F560405A63}"/>
+              </a:ext>
+            </a:extLst>
+          </p:cNvPr>
+          <p:cNvPicPr>
+            <a:picLocks noChangeAspect="1" noChangeArrowheads="1"/>
+          </p:cNvPicPr>
+          <p:nvPr/>
+        </p:nvPicPr>
+        <p:blipFill>
+          <a:blip r:embed="rId3" cstate="print">
+            <a:extLst>
+              <a:ext uri="{28A0092B-C50C-407E-A947-70E740481C1C}">
+                <a14:useLocalDpi xmlns:a14="http://schemas.microsoft.com/office/drawing/2010/main" val="0"/>
+              </a:ext>
+            </a:extLst>
+          </a:blip>
+          <a:srcRect/>
+          <a:stretch>
+            <a:fillRect/>
+          </a:stretch>
+        </p:blipFill>
+        <p:spPr bwMode="auto">
+          <a:xfrm>
+            <a:off x="4326449" y="3808408"/>
+            <a:ext cx="484191" cy="461791"/>
+          </a:xfrm>
+          <a:prstGeom prst="rect">
+            <a:avLst/>
+          </a:prstGeom>
+          <a:solidFill>
+            <a:schemeClr val="bg1"/>
+          </a:solidFill>
+          <a:extLst/>
+        </p:spPr>
+      </p:pic>
+      <p:sp>
+        <p:nvSpPr>
+          <p:cNvPr id="82" name="모서리가 둥근 직사각형 44">
+            <a:extLst>
+              <a:ext uri="{FF2B5EF4-FFF2-40B4-BE49-F238E27FC236}">
+                <a16:creationId xmlns:a16="http://schemas.microsoft.com/office/drawing/2014/main" id="{6F1F7E58-0865-4A1C-BB45-186D154A5903}"/>
+              </a:ext>
+            </a:extLst>
+          </p:cNvPr>
+          <p:cNvSpPr/>
+          <p:nvPr/>
+        </p:nvSpPr>
+        <p:spPr>
+          <a:xfrm>
+            <a:off x="3859540" y="3564622"/>
+            <a:ext cx="1422750" cy="288032"/>
+          </a:xfrm>
+          <a:prstGeom prst="roundRect">
+            <a:avLst>
+              <a:gd name="adj" fmla="val 6195"/>
+            </a:avLst>
+          </a:prstGeom>
+          <a:noFill/>
+          <a:ln>
+            <a:noFill/>
+          </a:ln>
+        </p:spPr>
+        <p:style>
+          <a:lnRef idx="2">
+            <a:schemeClr val="dk1"/>
+          </a:lnRef>
+          <a:fillRef idx="1">
+            <a:schemeClr val="lt1"/>
+          </a:fillRef>
+          <a:effectRef idx="0">
+            <a:schemeClr val="dk1"/>
+          </a:effectRef>
+          <a:fontRef idx="minor">
+            <a:schemeClr val="dk1"/>
+          </a:fontRef>
+        </p:style>
+        <p:txBody>
+          <a:bodyPr rtlCol="0" anchor="ctr"/>
+          <a:lstStyle/>
+          <a:p>
+            <a:pPr algn="ctr"/>
+            <a:r>
+              <a:rPr lang="en-US" altLang="ko-KR" sz="1400" b="1"/>
+              <a:t>Router</a:t>
+            </a:r>
+            <a:endParaRPr lang="ko-KR" altLang="en-US" sz="1400" b="1" dirty="0"/>
+          </a:p>
+        </p:txBody>
+      </p:sp>
+      <p:sp>
+        <p:nvSpPr>
+          <p:cNvPr id="51" name="모서리가 둥근 직사각형 44">
+            <a:extLst>
+              <a:ext uri="{FF2B5EF4-FFF2-40B4-BE49-F238E27FC236}">
+                <a16:creationId xmlns:a16="http://schemas.microsoft.com/office/drawing/2014/main" id="{37B0EFA3-9BA2-40DF-A74C-BD9129400D01}"/>
+              </a:ext>
+            </a:extLst>
+          </p:cNvPr>
+          <p:cNvSpPr/>
+          <p:nvPr/>
+        </p:nvSpPr>
+        <p:spPr>
+          <a:xfrm>
+            <a:off x="2460378" y="3194101"/>
+            <a:ext cx="1593255" cy="288033"/>
+          </a:xfrm>
+          <a:prstGeom prst="roundRect">
+            <a:avLst>
+              <a:gd name="adj" fmla="val 6195"/>
+            </a:avLst>
+          </a:prstGeom>
+          <a:ln/>
+        </p:spPr>
+        <p:style>
+          <a:lnRef idx="2">
+            <a:schemeClr val="dk1"/>
+          </a:lnRef>
+          <a:fillRef idx="1">
+            <a:schemeClr val="lt1"/>
+          </a:fillRef>
+          <a:effectRef idx="0">
+            <a:schemeClr val="dk1"/>
+          </a:effectRef>
+          <a:fontRef idx="minor">
+            <a:schemeClr val="dk1"/>
+          </a:fontRef>
+        </p:style>
+        <p:txBody>
+          <a:bodyPr rtlCol="0" anchor="ctr"/>
+          <a:lstStyle/>
+          <a:p>
+            <a:pPr algn="ctr"/>
+            <a:r>
+              <a:rPr lang="en-US" altLang="ko-KR" sz="1400"/>
+              <a:t>cilium_host (veth)</a:t>
+            </a:r>
+            <a:endParaRPr lang="ko-KR" altLang="en-US" sz="1400" dirty="0"/>
+          </a:p>
+        </p:txBody>
+      </p:sp>
+      <p:sp>
+        <p:nvSpPr>
+          <p:cNvPr id="54" name="모서리가 둥근 직사각형 44">
+            <a:extLst>
+              <a:ext uri="{FF2B5EF4-FFF2-40B4-BE49-F238E27FC236}">
+                <a16:creationId xmlns:a16="http://schemas.microsoft.com/office/drawing/2014/main" id="{1E01D9A1-CB37-4E24-8120-0F10A3FB3D78}"/>
+              </a:ext>
+            </a:extLst>
+          </p:cNvPr>
+          <p:cNvSpPr/>
+          <p:nvPr/>
+        </p:nvSpPr>
+        <p:spPr>
+          <a:xfrm>
+            <a:off x="2460375" y="2931790"/>
+            <a:ext cx="1593280" cy="263120"/>
+          </a:xfrm>
+          <a:prstGeom prst="roundRect">
+            <a:avLst>
+              <a:gd name="adj" fmla="val 6195"/>
+            </a:avLst>
+          </a:prstGeom>
+          <a:solidFill>
+            <a:schemeClr val="bg1">
+              <a:lumMod val="85000"/>
+            </a:schemeClr>
+          </a:solidFill>
+          <a:ln/>
+        </p:spPr>
+        <p:style>
+          <a:lnRef idx="2">
+            <a:schemeClr val="dk1"/>
+          </a:lnRef>
+          <a:fillRef idx="1">
+            <a:schemeClr val="lt1"/>
+          </a:fillRef>
+          <a:effectRef idx="0">
+            <a:schemeClr val="dk1"/>
+          </a:effectRef>
+          <a:fontRef idx="minor">
+            <a:schemeClr val="dk1"/>
+          </a:fontRef>
+        </p:style>
+        <p:txBody>
+          <a:bodyPr rtlCol="0" anchor="ctr"/>
+          <a:lstStyle/>
+          <a:p>
+            <a:pPr algn="ctr"/>
+            <a:r>
+              <a:rPr lang="en-US" altLang="ko-KR" sz="1400"/>
+              <a:t>act engress</a:t>
+            </a:r>
+            <a:endParaRPr lang="ko-KR" altLang="en-US" sz="1400" dirty="0"/>
+          </a:p>
+        </p:txBody>
+      </p:sp>
+      <p:cxnSp>
+        <p:nvCxnSpPr>
+          <p:cNvPr id="56" name="직선 연결선 55">
+            <a:extLst>
+              <a:ext uri="{FF2B5EF4-FFF2-40B4-BE49-F238E27FC236}">
+                <a16:creationId xmlns:a16="http://schemas.microsoft.com/office/drawing/2014/main" id="{D490EA8D-3D36-48EA-B3FE-758B21C58AFC}"/>
+              </a:ext>
+            </a:extLst>
+          </p:cNvPr>
+          <p:cNvCxnSpPr>
+            <a:cxnSpLocks/>
+            <a:stCxn id="13" idx="1"/>
+            <a:endCxn id="2" idx="2"/>
+          </p:cNvCxnSpPr>
+          <p:nvPr/>
+        </p:nvCxnSpPr>
+        <p:spPr>
+          <a:xfrm flipH="1" flipV="1">
+            <a:off x="2299367" y="2787779"/>
+            <a:ext cx="184401" cy="1260139"/>
+          </a:xfrm>
+          <a:prstGeom prst="line">
+            <a:avLst/>
+          </a:prstGeom>
+          <a:ln w="19050">
+            <a:solidFill>
+              <a:schemeClr val="tx2"/>
+            </a:solidFill>
+            <a:headEnd type="arrow" w="med" len="med"/>
+            <a:tailEnd type="arrow" w="med" len="med"/>
+          </a:ln>
+        </p:spPr>
+        <p:style>
+          <a:lnRef idx="1">
+            <a:schemeClr val="accent1"/>
+          </a:lnRef>
+          <a:fillRef idx="0">
+            <a:schemeClr val="accent1"/>
+          </a:fillRef>
+          <a:effectRef idx="0">
+            <a:schemeClr val="accent1"/>
+          </a:effectRef>
+          <a:fontRef idx="minor">
+            <a:schemeClr val="tx1"/>
+          </a:fontRef>
+        </p:style>
+      </p:cxnSp>
+      <p:sp>
+        <p:nvSpPr>
+          <p:cNvPr id="59" name="모서리가 둥근 직사각형 44">
+            <a:extLst>
+              <a:ext uri="{FF2B5EF4-FFF2-40B4-BE49-F238E27FC236}">
+                <a16:creationId xmlns:a16="http://schemas.microsoft.com/office/drawing/2014/main" id="{987033C6-F28B-40B7-808E-D574C9BC0F99}"/>
+              </a:ext>
+            </a:extLst>
+          </p:cNvPr>
+          <p:cNvSpPr/>
+          <p:nvPr/>
+        </p:nvSpPr>
+        <p:spPr>
+          <a:xfrm>
+            <a:off x="5086667" y="3194101"/>
+            <a:ext cx="1593255" cy="288033"/>
+          </a:xfrm>
+          <a:prstGeom prst="roundRect">
+            <a:avLst>
+              <a:gd name="adj" fmla="val 6195"/>
+            </a:avLst>
+          </a:prstGeom>
+          <a:ln/>
+        </p:spPr>
+        <p:style>
+          <a:lnRef idx="2">
+            <a:schemeClr val="dk1"/>
+          </a:lnRef>
+          <a:fillRef idx="1">
+            <a:schemeClr val="lt1"/>
+          </a:fillRef>
+          <a:effectRef idx="0">
+            <a:schemeClr val="dk1"/>
+          </a:effectRef>
+          <a:fontRef idx="minor">
+            <a:schemeClr val="dk1"/>
+          </a:fontRef>
+        </p:style>
+        <p:txBody>
+          <a:bodyPr rtlCol="0" anchor="ctr"/>
+          <a:lstStyle/>
+          <a:p>
+            <a:pPr algn="ctr"/>
+            <a:r>
+              <a:rPr lang="en-US" altLang="ko-KR" sz="1400"/>
+              <a:t>cilium_host (veth)</a:t>
+            </a:r>
+            <a:endParaRPr lang="ko-KR" altLang="en-US" sz="1400" dirty="0"/>
+          </a:p>
+        </p:txBody>
+      </p:sp>
+      <p:sp>
+        <p:nvSpPr>
+          <p:cNvPr id="61" name="모서리가 둥근 직사각형 44">
+            <a:extLst>
+              <a:ext uri="{FF2B5EF4-FFF2-40B4-BE49-F238E27FC236}">
+                <a16:creationId xmlns:a16="http://schemas.microsoft.com/office/drawing/2014/main" id="{1150529D-BC2D-4E1D-8133-FA651D96A89C}"/>
+              </a:ext>
+            </a:extLst>
+          </p:cNvPr>
+          <p:cNvSpPr/>
+          <p:nvPr/>
+        </p:nvSpPr>
+        <p:spPr>
+          <a:xfrm>
+            <a:off x="5086664" y="2931790"/>
+            <a:ext cx="1593280" cy="263120"/>
+          </a:xfrm>
+          <a:prstGeom prst="roundRect">
+            <a:avLst>
+              <a:gd name="adj" fmla="val 6195"/>
+            </a:avLst>
+          </a:prstGeom>
+          <a:solidFill>
+            <a:schemeClr val="bg1">
+              <a:lumMod val="85000"/>
+            </a:schemeClr>
+          </a:solidFill>
+          <a:ln/>
+        </p:spPr>
+        <p:style>
+          <a:lnRef idx="2">
+            <a:schemeClr val="dk1"/>
+          </a:lnRef>
+          <a:fillRef idx="1">
+            <a:schemeClr val="lt1"/>
+          </a:fillRef>
+          <a:effectRef idx="0">
+            <a:schemeClr val="dk1"/>
+          </a:effectRef>
+          <a:fontRef idx="minor">
+            <a:schemeClr val="dk1"/>
+          </a:fontRef>
+        </p:style>
+        <p:txBody>
+          <a:bodyPr rtlCol="0" anchor="ctr"/>
+          <a:lstStyle/>
+          <a:p>
+            <a:pPr algn="ctr"/>
+            <a:r>
+              <a:rPr lang="en-US" altLang="ko-KR" sz="1400"/>
+              <a:t>act engress</a:t>
+            </a:r>
+            <a:endParaRPr lang="ko-KR" altLang="en-US" sz="1400" dirty="0"/>
+          </a:p>
+        </p:txBody>
+      </p:sp>
+      <p:cxnSp>
+        <p:nvCxnSpPr>
+          <p:cNvPr id="64" name="직선 연결선 63">
+            <a:extLst>
+              <a:ext uri="{FF2B5EF4-FFF2-40B4-BE49-F238E27FC236}">
+                <a16:creationId xmlns:a16="http://schemas.microsoft.com/office/drawing/2014/main" id="{D20E4752-0515-4E2C-A8D8-8D7005EEC6D7}"/>
+              </a:ext>
+            </a:extLst>
+          </p:cNvPr>
+          <p:cNvCxnSpPr>
+            <a:cxnSpLocks/>
+            <a:stCxn id="21" idx="3"/>
+            <a:endCxn id="91" idx="2"/>
+          </p:cNvCxnSpPr>
+          <p:nvPr/>
+        </p:nvCxnSpPr>
+        <p:spPr>
+          <a:xfrm flipV="1">
+            <a:off x="6660232" y="2787779"/>
+            <a:ext cx="184400" cy="1260139"/>
+          </a:xfrm>
+          <a:prstGeom prst="line">
+            <a:avLst/>
+          </a:prstGeom>
+          <a:ln w="19050">
+            <a:solidFill>
+              <a:schemeClr val="tx2"/>
+            </a:solidFill>
+            <a:headEnd type="arrow" w="med" len="med"/>
+            <a:tailEnd type="arrow" w="med" len="med"/>
+          </a:ln>
+        </p:spPr>
+        <p:style>
+          <a:lnRef idx="1">
+            <a:schemeClr val="accent1"/>
+          </a:lnRef>
+          <a:fillRef idx="0">
+            <a:schemeClr val="accent1"/>
+          </a:fillRef>
+          <a:effectRef idx="0">
+            <a:schemeClr val="accent1"/>
+          </a:effectRef>
+          <a:fontRef idx="minor">
+            <a:schemeClr val="tx1"/>
+          </a:fontRef>
+        </p:style>
+      </p:cxnSp>
+    </p:spTree>
+    <p:extLst>
+      <p:ext uri="{BB962C8B-B14F-4D97-AF65-F5344CB8AC3E}">
+        <p14:creationId xmlns:p14="http://schemas.microsoft.com/office/powerpoint/2010/main" val="2406780630"/>
       </p:ext>
     </p:extLst>
   </p:cSld>

--- a/images/theory_analysis/Kubernetes_Cilium_Plugin/Kubernetes_Calico_Plugin.pptx
+++ b/images/theory_analysis/Kubernetes_Cilium_Plugin/Kubernetes_Calico_Plugin.pptx
@@ -5,12 +5,14 @@
     <p:sldMasterId id="2147483648" r:id="rId1"/>
   </p:sldMasterIdLst>
   <p:notesMasterIdLst>
-    <p:notesMasterId r:id="rId5"/>
+    <p:notesMasterId r:id="rId7"/>
   </p:notesMasterIdLst>
   <p:sldIdLst>
     <p:sldId id="449" r:id="rId2"/>
     <p:sldId id="448" r:id="rId3"/>
     <p:sldId id="450" r:id="rId4"/>
+    <p:sldId id="451" r:id="rId5"/>
+    <p:sldId id="452" r:id="rId6"/>
   </p:sldIdLst>
   <p:sldSz cx="9144000" cy="5143500" type="screen16x9"/>
   <p:notesSz cx="6858000" cy="9144000"/>
@@ -215,7 +217,7 @@
           <a:p>
             <a:fld id="{6CD5550B-26C4-49A9-A5BA-636EF7BE6CE9}" type="datetimeFigureOut">
               <a:rPr lang="ko-KR" altLang="en-US" smtClean="0"/>
-              <a:t>2019-02-04</a:t>
+              <a:t>2019-03-23</a:t>
             </a:fld>
             <a:endParaRPr lang="ko-KR" altLang="en-US"/>
           </a:p>
@@ -734,6 +736,174 @@
 </p:notes>
 </file>
 
+<file path=ppt/notesSlides/notesSlide4.xml><?xml version="1.0" encoding="utf-8"?>
+<p:notes xmlns:a="http://schemas.openxmlformats.org/drawingml/2006/main" xmlns:r="http://schemas.openxmlformats.org/officeDocument/2006/relationships" xmlns:p="http://schemas.openxmlformats.org/presentationml/2006/main">
+  <p:cSld>
+    <p:spTree>
+      <p:nvGrpSpPr>
+        <p:cNvPr id="1" name=""/>
+        <p:cNvGrpSpPr/>
+        <p:nvPr/>
+      </p:nvGrpSpPr>
+      <p:grpSpPr>
+        <a:xfrm>
+          <a:off x="0" y="0"/>
+          <a:ext cx="0" cy="0"/>
+          <a:chOff x="0" y="0"/>
+          <a:chExt cx="0" cy="0"/>
+        </a:xfrm>
+      </p:grpSpPr>
+      <p:sp>
+        <p:nvSpPr>
+          <p:cNvPr id="2" name="슬라이드 이미지 개체 틀 1"/>
+          <p:cNvSpPr>
+            <a:spLocks noGrp="1" noRot="1" noChangeAspect="1"/>
+          </p:cNvSpPr>
+          <p:nvPr>
+            <p:ph type="sldImg"/>
+          </p:nvPr>
+        </p:nvSpPr>
+        <p:spPr/>
+      </p:sp>
+      <p:sp>
+        <p:nvSpPr>
+          <p:cNvPr id="3" name="슬라이드 노트 개체 틀 2"/>
+          <p:cNvSpPr>
+            <a:spLocks noGrp="1"/>
+          </p:cNvSpPr>
+          <p:nvPr>
+            <p:ph type="body" idx="1"/>
+          </p:nvPr>
+        </p:nvSpPr>
+        <p:spPr/>
+        <p:txBody>
+          <a:bodyPr/>
+          <a:lstStyle/>
+          <a:p>
+            <a:endParaRPr lang="ko-KR" altLang="en-US" dirty="0"/>
+          </a:p>
+        </p:txBody>
+      </p:sp>
+      <p:sp>
+        <p:nvSpPr>
+          <p:cNvPr id="4" name="슬라이드 번호 개체 틀 3"/>
+          <p:cNvSpPr>
+            <a:spLocks noGrp="1"/>
+          </p:cNvSpPr>
+          <p:nvPr>
+            <p:ph type="sldNum" sz="quarter" idx="10"/>
+          </p:nvPr>
+        </p:nvSpPr>
+        <p:spPr/>
+        <p:txBody>
+          <a:bodyPr/>
+          <a:lstStyle/>
+          <a:p>
+            <a:fld id="{BA5DFA43-8D57-47FB-BC46-057616015C3B}" type="slidenum">
+              <a:rPr lang="ko-KR" altLang="en-US" smtClean="0"/>
+              <a:t>4</a:t>
+            </a:fld>
+            <a:endParaRPr lang="ko-KR" altLang="en-US"/>
+          </a:p>
+        </p:txBody>
+      </p:sp>
+    </p:spTree>
+    <p:extLst>
+      <p:ext uri="{BB962C8B-B14F-4D97-AF65-F5344CB8AC3E}">
+        <p14:creationId xmlns:p14="http://schemas.microsoft.com/office/powerpoint/2010/main" val="3613600256"/>
+      </p:ext>
+    </p:extLst>
+  </p:cSld>
+  <p:clrMapOvr>
+    <a:masterClrMapping/>
+  </p:clrMapOvr>
+</p:notes>
+</file>
+
+<file path=ppt/notesSlides/notesSlide5.xml><?xml version="1.0" encoding="utf-8"?>
+<p:notes xmlns:a="http://schemas.openxmlformats.org/drawingml/2006/main" xmlns:r="http://schemas.openxmlformats.org/officeDocument/2006/relationships" xmlns:p="http://schemas.openxmlformats.org/presentationml/2006/main">
+  <p:cSld>
+    <p:spTree>
+      <p:nvGrpSpPr>
+        <p:cNvPr id="1" name=""/>
+        <p:cNvGrpSpPr/>
+        <p:nvPr/>
+      </p:nvGrpSpPr>
+      <p:grpSpPr>
+        <a:xfrm>
+          <a:off x="0" y="0"/>
+          <a:ext cx="0" cy="0"/>
+          <a:chOff x="0" y="0"/>
+          <a:chExt cx="0" cy="0"/>
+        </a:xfrm>
+      </p:grpSpPr>
+      <p:sp>
+        <p:nvSpPr>
+          <p:cNvPr id="2" name="슬라이드 이미지 개체 틀 1"/>
+          <p:cNvSpPr>
+            <a:spLocks noGrp="1" noRot="1" noChangeAspect="1"/>
+          </p:cNvSpPr>
+          <p:nvPr>
+            <p:ph type="sldImg"/>
+          </p:nvPr>
+        </p:nvSpPr>
+        <p:spPr/>
+      </p:sp>
+      <p:sp>
+        <p:nvSpPr>
+          <p:cNvPr id="3" name="슬라이드 노트 개체 틀 2"/>
+          <p:cNvSpPr>
+            <a:spLocks noGrp="1"/>
+          </p:cNvSpPr>
+          <p:nvPr>
+            <p:ph type="body" idx="1"/>
+          </p:nvPr>
+        </p:nvSpPr>
+        <p:spPr/>
+        <p:txBody>
+          <a:bodyPr/>
+          <a:lstStyle/>
+          <a:p>
+            <a:endParaRPr lang="ko-KR" altLang="en-US" dirty="0"/>
+          </a:p>
+        </p:txBody>
+      </p:sp>
+      <p:sp>
+        <p:nvSpPr>
+          <p:cNvPr id="4" name="슬라이드 번호 개체 틀 3"/>
+          <p:cNvSpPr>
+            <a:spLocks noGrp="1"/>
+          </p:cNvSpPr>
+          <p:nvPr>
+            <p:ph type="sldNum" sz="quarter" idx="10"/>
+          </p:nvPr>
+        </p:nvSpPr>
+        <p:spPr/>
+        <p:txBody>
+          <a:bodyPr/>
+          <a:lstStyle/>
+          <a:p>
+            <a:fld id="{BA5DFA43-8D57-47FB-BC46-057616015C3B}" type="slidenum">
+              <a:rPr lang="ko-KR" altLang="en-US" smtClean="0"/>
+              <a:t>5</a:t>
+            </a:fld>
+            <a:endParaRPr lang="ko-KR" altLang="en-US"/>
+          </a:p>
+        </p:txBody>
+      </p:sp>
+    </p:spTree>
+    <p:extLst>
+      <p:ext uri="{BB962C8B-B14F-4D97-AF65-F5344CB8AC3E}">
+        <p14:creationId xmlns:p14="http://schemas.microsoft.com/office/powerpoint/2010/main" val="391664086"/>
+      </p:ext>
+    </p:extLst>
+  </p:cSld>
+  <p:clrMapOvr>
+    <a:masterClrMapping/>
+  </p:clrMapOvr>
+</p:notes>
+</file>
+
 <file path=ppt/slideLayouts/slideLayout1.xml><?xml version="1.0" encoding="utf-8"?>
 <p:sldLayout xmlns:a="http://schemas.openxmlformats.org/drawingml/2006/main" xmlns:r="http://schemas.openxmlformats.org/officeDocument/2006/relationships" xmlns:p="http://schemas.openxmlformats.org/presentationml/2006/main" type="title" preserve="1">
   <p:cSld name="제목 슬라이드">
@@ -913,7 +1083,7 @@
           <a:p>
             <a:fld id="{FB30EDBD-1C2D-4C1E-B459-B60219FAB484}" type="datetimeFigureOut">
               <a:rPr lang="ko-KR" altLang="en-US" smtClean="0"/>
-              <a:t>2019-02-04</a:t>
+              <a:t>2019-03-23</a:t>
             </a:fld>
             <a:endParaRPr lang="ko-KR" altLang="en-US"/>
           </a:p>
@@ -1076,7 +1246,7 @@
           <a:p>
             <a:fld id="{FB30EDBD-1C2D-4C1E-B459-B60219FAB484}" type="datetimeFigureOut">
               <a:rPr lang="ko-KR" altLang="en-US" smtClean="0"/>
-              <a:t>2019-02-04</a:t>
+              <a:t>2019-03-23</a:t>
             </a:fld>
             <a:endParaRPr lang="ko-KR" altLang="en-US"/>
           </a:p>
@@ -1249,7 +1419,7 @@
           <a:p>
             <a:fld id="{FB30EDBD-1C2D-4C1E-B459-B60219FAB484}" type="datetimeFigureOut">
               <a:rPr lang="ko-KR" altLang="en-US" smtClean="0"/>
-              <a:t>2019-02-04</a:t>
+              <a:t>2019-03-23</a:t>
             </a:fld>
             <a:endParaRPr lang="ko-KR" altLang="en-US"/>
           </a:p>
@@ -1412,7 +1582,7 @@
           <a:p>
             <a:fld id="{FB30EDBD-1C2D-4C1E-B459-B60219FAB484}" type="datetimeFigureOut">
               <a:rPr lang="ko-KR" altLang="en-US" smtClean="0"/>
-              <a:t>2019-02-04</a:t>
+              <a:t>2019-03-23</a:t>
             </a:fld>
             <a:endParaRPr lang="ko-KR" altLang="en-US"/>
           </a:p>
@@ -1652,7 +1822,7 @@
           <a:p>
             <a:fld id="{FB30EDBD-1C2D-4C1E-B459-B60219FAB484}" type="datetimeFigureOut">
               <a:rPr lang="ko-KR" altLang="en-US" smtClean="0"/>
-              <a:t>2019-02-04</a:t>
+              <a:t>2019-03-23</a:t>
             </a:fld>
             <a:endParaRPr lang="ko-KR" altLang="en-US"/>
           </a:p>
@@ -1932,7 +2102,7 @@
           <a:p>
             <a:fld id="{FB30EDBD-1C2D-4C1E-B459-B60219FAB484}" type="datetimeFigureOut">
               <a:rPr lang="ko-KR" altLang="en-US" smtClean="0"/>
-              <a:t>2019-02-04</a:t>
+              <a:t>2019-03-23</a:t>
             </a:fld>
             <a:endParaRPr lang="ko-KR" altLang="en-US"/>
           </a:p>
@@ -2346,7 +2516,7 @@
           <a:p>
             <a:fld id="{FB30EDBD-1C2D-4C1E-B459-B60219FAB484}" type="datetimeFigureOut">
               <a:rPr lang="ko-KR" altLang="en-US" smtClean="0"/>
-              <a:t>2019-02-04</a:t>
+              <a:t>2019-03-23</a:t>
             </a:fld>
             <a:endParaRPr lang="ko-KR" altLang="en-US"/>
           </a:p>
@@ -2458,7 +2628,7 @@
           <a:p>
             <a:fld id="{FB30EDBD-1C2D-4C1E-B459-B60219FAB484}" type="datetimeFigureOut">
               <a:rPr lang="ko-KR" altLang="en-US" smtClean="0"/>
-              <a:t>2019-02-04</a:t>
+              <a:t>2019-03-23</a:t>
             </a:fld>
             <a:endParaRPr lang="ko-KR" altLang="en-US"/>
           </a:p>
@@ -2548,7 +2718,7 @@
           <a:p>
             <a:fld id="{FB30EDBD-1C2D-4C1E-B459-B60219FAB484}" type="datetimeFigureOut">
               <a:rPr lang="ko-KR" altLang="en-US" smtClean="0"/>
-              <a:t>2019-02-04</a:t>
+              <a:t>2019-03-23</a:t>
             </a:fld>
             <a:endParaRPr lang="ko-KR" altLang="en-US"/>
           </a:p>
@@ -2818,7 +2988,7 @@
           <a:p>
             <a:fld id="{FB30EDBD-1C2D-4C1E-B459-B60219FAB484}" type="datetimeFigureOut">
               <a:rPr lang="ko-KR" altLang="en-US" smtClean="0"/>
-              <a:t>2019-02-04</a:t>
+              <a:t>2019-03-23</a:t>
             </a:fld>
             <a:endParaRPr lang="ko-KR" altLang="en-US"/>
           </a:p>
@@ -3065,7 +3235,7 @@
           <a:p>
             <a:fld id="{FB30EDBD-1C2D-4C1E-B459-B60219FAB484}" type="datetimeFigureOut">
               <a:rPr lang="ko-KR" altLang="en-US" smtClean="0"/>
-              <a:t>2019-02-04</a:t>
+              <a:t>2019-03-23</a:t>
             </a:fld>
             <a:endParaRPr lang="ko-KR" altLang="en-US"/>
           </a:p>
@@ -3271,7 +3441,7 @@
           <a:p>
             <a:fld id="{FB30EDBD-1C2D-4C1E-B459-B60219FAB484}" type="datetimeFigureOut">
               <a:rPr lang="ko-KR" altLang="en-US" smtClean="0"/>
-              <a:t>2019-02-04</a:t>
+              <a:t>2019-03-23</a:t>
             </a:fld>
             <a:endParaRPr lang="ko-KR" altLang="en-US"/>
           </a:p>
@@ -4186,7 +4356,7 @@
             <a:pPr algn="ctr"/>
             <a:r>
               <a:rPr lang="en-US" altLang="ko-KR" sz="1400"/>
-              <a:t>Network bpf</a:t>
+              <a:t>Network BPF</a:t>
             </a:r>
             <a:endParaRPr lang="ko-KR" altLang="en-US" sz="1400" dirty="0"/>
           </a:p>
@@ -4237,7 +4407,7 @@
             <a:pPr algn="ctr"/>
             <a:r>
               <a:rPr lang="en-US" altLang="ko-KR" sz="1400"/>
-              <a:t>Network bpf</a:t>
+              <a:t>Network BPF</a:t>
             </a:r>
             <a:endParaRPr lang="ko-KR" altLang="en-US" sz="1400" dirty="0"/>
           </a:p>
@@ -4634,7 +4804,7 @@
           <a:p>
             <a:r>
               <a:rPr lang="en-US" altLang="ko-KR"/>
-              <a:t>Calico Network with VXLAN</a:t>
+              <a:t>Cilium Network with VXLAN</a:t>
             </a:r>
             <a:endParaRPr lang="ko-KR" altLang="en-US" dirty="0"/>
           </a:p>
@@ -8493,7 +8663,7 @@
           <a:p>
             <a:r>
               <a:rPr lang="en-US" altLang="ko-KR"/>
-              <a:t>Calico Network with Host L3</a:t>
+              <a:t>Cilium Network with Host L3</a:t>
             </a:r>
             <a:endParaRPr lang="ko-KR" altLang="en-US" dirty="0"/>
           </a:p>
@@ -11620,6 +11790,2888 @@
     <p:extLst>
       <p:ext uri="{BB962C8B-B14F-4D97-AF65-F5344CB8AC3E}">
         <p14:creationId xmlns:p14="http://schemas.microsoft.com/office/powerpoint/2010/main" val="2406780630"/>
+      </p:ext>
+    </p:extLst>
+  </p:cSld>
+  <p:clrMapOvr>
+    <a:masterClrMapping/>
+  </p:clrMapOvr>
+</p:sld>
+</file>
+
+<file path=ppt/slides/slide4.xml><?xml version="1.0" encoding="utf-8"?>
+<p:sld xmlns:a="http://schemas.openxmlformats.org/drawingml/2006/main" xmlns:r="http://schemas.openxmlformats.org/officeDocument/2006/relationships" xmlns:p="http://schemas.openxmlformats.org/presentationml/2006/main">
+  <p:cSld>
+    <p:spTree>
+      <p:nvGrpSpPr>
+        <p:cNvPr id="1" name=""/>
+        <p:cNvGrpSpPr/>
+        <p:nvPr/>
+      </p:nvGrpSpPr>
+      <p:grpSpPr>
+        <a:xfrm>
+          <a:off x="0" y="0"/>
+          <a:ext cx="0" cy="0"/>
+          <a:chOff x="0" y="0"/>
+          <a:chExt cx="0" cy="0"/>
+        </a:xfrm>
+      </p:grpSpPr>
+      <p:sp>
+        <p:nvSpPr>
+          <p:cNvPr id="6" name="제목 1"/>
+          <p:cNvSpPr>
+            <a:spLocks noGrp="1"/>
+          </p:cNvSpPr>
+          <p:nvPr>
+            <p:ph type="title"/>
+          </p:nvPr>
+        </p:nvSpPr>
+        <p:spPr>
+          <a:xfrm>
+            <a:off x="457200" y="58316"/>
+            <a:ext cx="8229600" cy="857250"/>
+          </a:xfrm>
+        </p:spPr>
+        <p:txBody>
+          <a:bodyPr>
+            <a:normAutofit/>
+          </a:bodyPr>
+          <a:lstStyle/>
+          <a:p>
+            <a:r>
+              <a:rPr lang="en-US" altLang="ko-KR"/>
+              <a:t>Cilium Prefilter</a:t>
+            </a:r>
+            <a:endParaRPr lang="ko-KR" altLang="en-US" dirty="0"/>
+          </a:p>
+        </p:txBody>
+      </p:sp>
+      <p:sp>
+        <p:nvSpPr>
+          <p:cNvPr id="3" name="모서리가 둥근 직사각형 44">
+            <a:extLst>
+              <a:ext uri="{FF2B5EF4-FFF2-40B4-BE49-F238E27FC236}">
+                <a16:creationId xmlns:a16="http://schemas.microsoft.com/office/drawing/2014/main" id="{2DBA49E2-5203-48AC-9D0B-4B3C58EE231E}"/>
+              </a:ext>
+            </a:extLst>
+          </p:cNvPr>
+          <p:cNvSpPr/>
+          <p:nvPr/>
+        </p:nvSpPr>
+        <p:spPr>
+          <a:xfrm>
+            <a:off x="508820" y="1563638"/>
+            <a:ext cx="3847158" cy="2127664"/>
+          </a:xfrm>
+          <a:prstGeom prst="roundRect">
+            <a:avLst>
+              <a:gd name="adj" fmla="val 1946"/>
+            </a:avLst>
+          </a:prstGeom>
+          <a:ln/>
+        </p:spPr>
+        <p:style>
+          <a:lnRef idx="2">
+            <a:schemeClr val="dk1"/>
+          </a:lnRef>
+          <a:fillRef idx="1">
+            <a:schemeClr val="lt1"/>
+          </a:fillRef>
+          <a:effectRef idx="0">
+            <a:schemeClr val="dk1"/>
+          </a:effectRef>
+          <a:fontRef idx="minor">
+            <a:schemeClr val="dk1"/>
+          </a:fontRef>
+        </p:style>
+        <p:txBody>
+          <a:bodyPr rtlCol="0" anchor="b"/>
+          <a:lstStyle/>
+          <a:p>
+            <a:r>
+              <a:rPr lang="en-US" altLang="ko-KR" sz="1600" b="1"/>
+              <a:t>Host - VXLAN </a:t>
+            </a:r>
+            <a:endParaRPr lang="en-US" altLang="ko-KR" sz="1600" b="1" dirty="0"/>
+          </a:p>
+        </p:txBody>
+      </p:sp>
+      <p:sp>
+        <p:nvSpPr>
+          <p:cNvPr id="13" name="모서리가 둥근 직사각형 44">
+            <a:extLst>
+              <a:ext uri="{FF2B5EF4-FFF2-40B4-BE49-F238E27FC236}">
+                <a16:creationId xmlns:a16="http://schemas.microsoft.com/office/drawing/2014/main" id="{2DBA49E2-5203-48AC-9D0B-4B3C58EE231E}"/>
+              </a:ext>
+            </a:extLst>
+          </p:cNvPr>
+          <p:cNvSpPr/>
+          <p:nvPr/>
+        </p:nvSpPr>
+        <p:spPr>
+          <a:xfrm>
+            <a:off x="2835612" y="3222292"/>
+            <a:ext cx="1422749" cy="360040"/>
+          </a:xfrm>
+          <a:prstGeom prst="roundRect">
+            <a:avLst>
+              <a:gd name="adj" fmla="val 6195"/>
+            </a:avLst>
+          </a:prstGeom>
+          <a:ln/>
+        </p:spPr>
+        <p:style>
+          <a:lnRef idx="2">
+            <a:schemeClr val="dk1"/>
+          </a:lnRef>
+          <a:fillRef idx="1">
+            <a:schemeClr val="lt1"/>
+          </a:fillRef>
+          <a:effectRef idx="0">
+            <a:schemeClr val="dk1"/>
+          </a:effectRef>
+          <a:fontRef idx="minor">
+            <a:schemeClr val="dk1"/>
+          </a:fontRef>
+        </p:style>
+        <p:txBody>
+          <a:bodyPr rtlCol="0" anchor="ctr"/>
+          <a:lstStyle/>
+          <a:p>
+            <a:pPr algn="ctr"/>
+            <a:r>
+              <a:rPr lang="en-US" altLang="ko-KR" sz="1400" dirty="0" err="1"/>
+              <a:t>eth0</a:t>
+            </a:r>
+            <a:endParaRPr lang="ko-KR" altLang="en-US" sz="1400" dirty="0"/>
+          </a:p>
+        </p:txBody>
+      </p:sp>
+      <p:sp>
+        <p:nvSpPr>
+          <p:cNvPr id="24" name="모서리가 둥근 직사각형 44">
+            <a:extLst>
+              <a:ext uri="{FF2B5EF4-FFF2-40B4-BE49-F238E27FC236}">
+                <a16:creationId xmlns:a16="http://schemas.microsoft.com/office/drawing/2014/main" id="{9B4218E2-A225-481E-8507-7EF5A1CBCB42}"/>
+              </a:ext>
+            </a:extLst>
+          </p:cNvPr>
+          <p:cNvSpPr/>
+          <p:nvPr/>
+        </p:nvSpPr>
+        <p:spPr>
+          <a:xfrm>
+            <a:off x="611561" y="2544915"/>
+            <a:ext cx="1428300" cy="360040"/>
+          </a:xfrm>
+          <a:prstGeom prst="roundRect">
+            <a:avLst>
+              <a:gd name="adj" fmla="val 6195"/>
+            </a:avLst>
+          </a:prstGeom>
+          <a:ln/>
+        </p:spPr>
+        <p:style>
+          <a:lnRef idx="2">
+            <a:schemeClr val="dk1"/>
+          </a:lnRef>
+          <a:fillRef idx="1">
+            <a:schemeClr val="lt1"/>
+          </a:fillRef>
+          <a:effectRef idx="0">
+            <a:schemeClr val="dk1"/>
+          </a:effectRef>
+          <a:fontRef idx="minor">
+            <a:schemeClr val="dk1"/>
+          </a:fontRef>
+        </p:style>
+        <p:txBody>
+          <a:bodyPr rtlCol="0" anchor="ctr"/>
+          <a:lstStyle/>
+          <a:p>
+            <a:pPr algn="ctr"/>
+            <a:r>
+              <a:rPr lang="en-US" altLang="ko-KR" sz="1400"/>
+              <a:t>cilium_vxlan</a:t>
+            </a:r>
+            <a:endParaRPr lang="ko-KR" altLang="en-US" sz="1400" dirty="0"/>
+          </a:p>
+        </p:txBody>
+      </p:sp>
+      <p:cxnSp>
+        <p:nvCxnSpPr>
+          <p:cNvPr id="28" name="직선 연결선 27">
+            <a:extLst>
+              <a:ext uri="{FF2B5EF4-FFF2-40B4-BE49-F238E27FC236}">
+                <a16:creationId xmlns:a16="http://schemas.microsoft.com/office/drawing/2014/main" id="{3C0857F0-86B6-4F75-9994-45B428A3D122}"/>
+              </a:ext>
+            </a:extLst>
+          </p:cNvPr>
+          <p:cNvCxnSpPr>
+            <a:cxnSpLocks/>
+            <a:stCxn id="24" idx="2"/>
+            <a:endCxn id="55" idx="1"/>
+          </p:cNvCxnSpPr>
+          <p:nvPr/>
+        </p:nvCxnSpPr>
+        <p:spPr>
+          <a:xfrm>
+            <a:off x="1325711" y="2904955"/>
+            <a:ext cx="1509901" cy="86661"/>
+          </a:xfrm>
+          <a:prstGeom prst="line">
+            <a:avLst/>
+          </a:prstGeom>
+          <a:ln w="19050">
+            <a:solidFill>
+              <a:schemeClr val="tx1"/>
+            </a:solidFill>
+          </a:ln>
+        </p:spPr>
+        <p:style>
+          <a:lnRef idx="1">
+            <a:schemeClr val="accent1"/>
+          </a:lnRef>
+          <a:fillRef idx="0">
+            <a:schemeClr val="accent1"/>
+          </a:fillRef>
+          <a:effectRef idx="0">
+            <a:schemeClr val="accent1"/>
+          </a:effectRef>
+          <a:fontRef idx="minor">
+            <a:schemeClr val="tx1"/>
+          </a:fontRef>
+        </p:style>
+      </p:cxnSp>
+      <p:sp>
+        <p:nvSpPr>
+          <p:cNvPr id="46" name="모서리가 둥근 직사각형 44">
+            <a:extLst>
+              <a:ext uri="{FF2B5EF4-FFF2-40B4-BE49-F238E27FC236}">
+                <a16:creationId xmlns:a16="http://schemas.microsoft.com/office/drawing/2014/main" id="{D450BBF5-D62A-4960-9314-9C347AD4F921}"/>
+              </a:ext>
+            </a:extLst>
+          </p:cNvPr>
+          <p:cNvSpPr/>
+          <p:nvPr/>
+        </p:nvSpPr>
+        <p:spPr>
+          <a:xfrm>
+            <a:off x="611561" y="2286188"/>
+            <a:ext cx="1428300" cy="263120"/>
+          </a:xfrm>
+          <a:prstGeom prst="roundRect">
+            <a:avLst>
+              <a:gd name="adj" fmla="val 6195"/>
+            </a:avLst>
+          </a:prstGeom>
+          <a:solidFill>
+            <a:schemeClr val="bg1">
+              <a:lumMod val="85000"/>
+            </a:schemeClr>
+          </a:solidFill>
+          <a:ln/>
+        </p:spPr>
+        <p:style>
+          <a:lnRef idx="2">
+            <a:schemeClr val="dk1"/>
+          </a:lnRef>
+          <a:fillRef idx="1">
+            <a:schemeClr val="lt1"/>
+          </a:fillRef>
+          <a:effectRef idx="0">
+            <a:schemeClr val="dk1"/>
+          </a:effectRef>
+          <a:fontRef idx="minor">
+            <a:schemeClr val="dk1"/>
+          </a:fontRef>
+        </p:style>
+        <p:txBody>
+          <a:bodyPr rtlCol="0" anchor="ctr"/>
+          <a:lstStyle/>
+          <a:p>
+            <a:pPr algn="ctr"/>
+            <a:r>
+              <a:rPr lang="en-US" altLang="ko-KR" sz="1400"/>
+              <a:t>act ingress</a:t>
+            </a:r>
+            <a:endParaRPr lang="ko-KR" altLang="en-US" sz="1400" dirty="0"/>
+          </a:p>
+        </p:txBody>
+      </p:sp>
+      <p:sp>
+        <p:nvSpPr>
+          <p:cNvPr id="5" name="타원 4">
+            <a:extLst>
+              <a:ext uri="{FF2B5EF4-FFF2-40B4-BE49-F238E27FC236}">
+                <a16:creationId xmlns:a16="http://schemas.microsoft.com/office/drawing/2014/main" id="{8194D272-B43E-4BB1-A49A-592640D66DB3}"/>
+              </a:ext>
+            </a:extLst>
+          </p:cNvPr>
+          <p:cNvSpPr/>
+          <p:nvPr/>
+        </p:nvSpPr>
+        <p:spPr>
+          <a:xfrm>
+            <a:off x="2348264" y="2065132"/>
+            <a:ext cx="87494" cy="87494"/>
+          </a:xfrm>
+          <a:prstGeom prst="ellipse">
+            <a:avLst/>
+          </a:prstGeom>
+          <a:solidFill>
+            <a:schemeClr val="tx1"/>
+          </a:solidFill>
+          <a:ln>
+            <a:noFill/>
+          </a:ln>
+        </p:spPr>
+        <p:style>
+          <a:lnRef idx="2">
+            <a:schemeClr val="accent1">
+              <a:shade val="50000"/>
+            </a:schemeClr>
+          </a:lnRef>
+          <a:fillRef idx="1">
+            <a:schemeClr val="accent1"/>
+          </a:fillRef>
+          <a:effectRef idx="0">
+            <a:schemeClr val="accent1"/>
+          </a:effectRef>
+          <a:fontRef idx="minor">
+            <a:schemeClr val="lt1"/>
+          </a:fontRef>
+        </p:style>
+        <p:txBody>
+          <a:bodyPr rtlCol="0" anchor="ctr"/>
+          <a:lstStyle/>
+          <a:p>
+            <a:pPr algn="ctr"/>
+            <a:endParaRPr lang="ko-KR" altLang="en-US"/>
+          </a:p>
+        </p:txBody>
+      </p:sp>
+      <p:sp>
+        <p:nvSpPr>
+          <p:cNvPr id="51" name="타원 50">
+            <a:extLst>
+              <a:ext uri="{FF2B5EF4-FFF2-40B4-BE49-F238E27FC236}">
+                <a16:creationId xmlns:a16="http://schemas.microsoft.com/office/drawing/2014/main" id="{38090923-DF75-4B25-83B9-B2A6982C5178}"/>
+              </a:ext>
+            </a:extLst>
+          </p:cNvPr>
+          <p:cNvSpPr/>
+          <p:nvPr/>
+        </p:nvSpPr>
+        <p:spPr>
+          <a:xfrm>
+            <a:off x="2348264" y="1890144"/>
+            <a:ext cx="87494" cy="87494"/>
+          </a:xfrm>
+          <a:prstGeom prst="ellipse">
+            <a:avLst/>
+          </a:prstGeom>
+          <a:solidFill>
+            <a:schemeClr val="tx1"/>
+          </a:solidFill>
+          <a:ln>
+            <a:noFill/>
+          </a:ln>
+        </p:spPr>
+        <p:style>
+          <a:lnRef idx="2">
+            <a:schemeClr val="accent1">
+              <a:shade val="50000"/>
+            </a:schemeClr>
+          </a:lnRef>
+          <a:fillRef idx="1">
+            <a:schemeClr val="accent1"/>
+          </a:fillRef>
+          <a:effectRef idx="0">
+            <a:schemeClr val="accent1"/>
+          </a:effectRef>
+          <a:fontRef idx="minor">
+            <a:schemeClr val="lt1"/>
+          </a:fontRef>
+        </p:style>
+        <p:txBody>
+          <a:bodyPr rtlCol="0" anchor="ctr"/>
+          <a:lstStyle/>
+          <a:p>
+            <a:pPr algn="ctr"/>
+            <a:endParaRPr lang="ko-KR" altLang="en-US"/>
+          </a:p>
+        </p:txBody>
+      </p:sp>
+      <p:sp>
+        <p:nvSpPr>
+          <p:cNvPr id="52" name="타원 51">
+            <a:extLst>
+              <a:ext uri="{FF2B5EF4-FFF2-40B4-BE49-F238E27FC236}">
+                <a16:creationId xmlns:a16="http://schemas.microsoft.com/office/drawing/2014/main" id="{4C9D108C-4499-417A-B998-D83F2C0C79AD}"/>
+              </a:ext>
+            </a:extLst>
+          </p:cNvPr>
+          <p:cNvSpPr/>
+          <p:nvPr/>
+        </p:nvSpPr>
+        <p:spPr>
+          <a:xfrm>
+            <a:off x="2348264" y="1710124"/>
+            <a:ext cx="87494" cy="87494"/>
+          </a:xfrm>
+          <a:prstGeom prst="ellipse">
+            <a:avLst/>
+          </a:prstGeom>
+          <a:solidFill>
+            <a:schemeClr val="tx1"/>
+          </a:solidFill>
+          <a:ln>
+            <a:noFill/>
+          </a:ln>
+        </p:spPr>
+        <p:style>
+          <a:lnRef idx="2">
+            <a:schemeClr val="accent1">
+              <a:shade val="50000"/>
+            </a:schemeClr>
+          </a:lnRef>
+          <a:fillRef idx="1">
+            <a:schemeClr val="accent1"/>
+          </a:fillRef>
+          <a:effectRef idx="0">
+            <a:schemeClr val="accent1"/>
+          </a:effectRef>
+          <a:fontRef idx="minor">
+            <a:schemeClr val="lt1"/>
+          </a:fontRef>
+        </p:style>
+        <p:txBody>
+          <a:bodyPr rtlCol="0" anchor="ctr"/>
+          <a:lstStyle/>
+          <a:p>
+            <a:pPr algn="ctr"/>
+            <a:endParaRPr lang="ko-KR" altLang="en-US"/>
+          </a:p>
+        </p:txBody>
+      </p:sp>
+      <p:sp>
+        <p:nvSpPr>
+          <p:cNvPr id="55" name="모서리가 둥근 직사각형 44">
+            <a:extLst>
+              <a:ext uri="{FF2B5EF4-FFF2-40B4-BE49-F238E27FC236}">
+                <a16:creationId xmlns:a16="http://schemas.microsoft.com/office/drawing/2014/main" id="{5F9D92F4-CB37-49F2-90D9-9C51F48004B6}"/>
+              </a:ext>
+            </a:extLst>
+          </p:cNvPr>
+          <p:cNvSpPr/>
+          <p:nvPr/>
+        </p:nvSpPr>
+        <p:spPr>
+          <a:xfrm>
+            <a:off x="2835612" y="2760940"/>
+            <a:ext cx="1419974" cy="461352"/>
+          </a:xfrm>
+          <a:prstGeom prst="roundRect">
+            <a:avLst>
+              <a:gd name="adj" fmla="val 6195"/>
+            </a:avLst>
+          </a:prstGeom>
+          <a:solidFill>
+            <a:schemeClr val="bg1">
+              <a:lumMod val="85000"/>
+            </a:schemeClr>
+          </a:solidFill>
+          <a:ln/>
+        </p:spPr>
+        <p:style>
+          <a:lnRef idx="2">
+            <a:schemeClr val="dk1"/>
+          </a:lnRef>
+          <a:fillRef idx="1">
+            <a:schemeClr val="lt1"/>
+          </a:fillRef>
+          <a:effectRef idx="0">
+            <a:schemeClr val="dk1"/>
+          </a:effectRef>
+          <a:fontRef idx="minor">
+            <a:schemeClr val="dk1"/>
+          </a:fontRef>
+        </p:style>
+        <p:txBody>
+          <a:bodyPr rtlCol="0" anchor="ctr"/>
+          <a:lstStyle/>
+          <a:p>
+            <a:pPr algn="ctr"/>
+            <a:r>
+              <a:rPr lang="en-US" altLang="ko-KR" sz="1400"/>
+              <a:t>Generic XDP</a:t>
+            </a:r>
+          </a:p>
+          <a:p>
+            <a:pPr algn="ctr"/>
+            <a:r>
+              <a:rPr lang="en-US" altLang="ko-KR" sz="1400"/>
+              <a:t>or Native XDP</a:t>
+            </a:r>
+            <a:endParaRPr lang="ko-KR" altLang="en-US" sz="1400" dirty="0"/>
+          </a:p>
+        </p:txBody>
+      </p:sp>
+      <p:sp>
+        <p:nvSpPr>
+          <p:cNvPr id="57" name="모서리가 둥근 직사각형 44">
+            <a:extLst>
+              <a:ext uri="{FF2B5EF4-FFF2-40B4-BE49-F238E27FC236}">
+                <a16:creationId xmlns:a16="http://schemas.microsoft.com/office/drawing/2014/main" id="{3CD655E8-908F-4700-A528-8A213F93AE54}"/>
+              </a:ext>
+            </a:extLst>
+          </p:cNvPr>
+          <p:cNvSpPr/>
+          <p:nvPr/>
+        </p:nvSpPr>
+        <p:spPr>
+          <a:xfrm>
+            <a:off x="4716034" y="1311610"/>
+            <a:ext cx="3847158" cy="2700300"/>
+          </a:xfrm>
+          <a:prstGeom prst="roundRect">
+            <a:avLst>
+              <a:gd name="adj" fmla="val 1946"/>
+            </a:avLst>
+          </a:prstGeom>
+          <a:ln/>
+        </p:spPr>
+        <p:style>
+          <a:lnRef idx="2">
+            <a:schemeClr val="dk1"/>
+          </a:lnRef>
+          <a:fillRef idx="1">
+            <a:schemeClr val="lt1"/>
+          </a:fillRef>
+          <a:effectRef idx="0">
+            <a:schemeClr val="dk1"/>
+          </a:effectRef>
+          <a:fontRef idx="minor">
+            <a:schemeClr val="dk1"/>
+          </a:fontRef>
+        </p:style>
+        <p:txBody>
+          <a:bodyPr rtlCol="0" anchor="b"/>
+          <a:lstStyle/>
+          <a:p>
+            <a:r>
+              <a:rPr lang="en-US" altLang="ko-KR" sz="1600" b="1"/>
+              <a:t>Host - Host L3</a:t>
+            </a:r>
+            <a:endParaRPr lang="en-US" altLang="ko-KR" sz="1600" b="1" dirty="0"/>
+          </a:p>
+        </p:txBody>
+      </p:sp>
+      <p:sp>
+        <p:nvSpPr>
+          <p:cNvPr id="58" name="모서리가 둥근 직사각형 44">
+            <a:extLst>
+              <a:ext uri="{FF2B5EF4-FFF2-40B4-BE49-F238E27FC236}">
+                <a16:creationId xmlns:a16="http://schemas.microsoft.com/office/drawing/2014/main" id="{D6F0F791-D83B-43A4-B11B-FE0C91EFF4AB}"/>
+              </a:ext>
+            </a:extLst>
+          </p:cNvPr>
+          <p:cNvSpPr/>
+          <p:nvPr/>
+        </p:nvSpPr>
+        <p:spPr>
+          <a:xfrm>
+            <a:off x="7042826" y="3542900"/>
+            <a:ext cx="1422749" cy="360040"/>
+          </a:xfrm>
+          <a:prstGeom prst="roundRect">
+            <a:avLst>
+              <a:gd name="adj" fmla="val 6195"/>
+            </a:avLst>
+          </a:prstGeom>
+          <a:ln/>
+        </p:spPr>
+        <p:style>
+          <a:lnRef idx="2">
+            <a:schemeClr val="dk1"/>
+          </a:lnRef>
+          <a:fillRef idx="1">
+            <a:schemeClr val="lt1"/>
+          </a:fillRef>
+          <a:effectRef idx="0">
+            <a:schemeClr val="dk1"/>
+          </a:effectRef>
+          <a:fontRef idx="minor">
+            <a:schemeClr val="dk1"/>
+          </a:fontRef>
+        </p:style>
+        <p:txBody>
+          <a:bodyPr rtlCol="0" anchor="ctr"/>
+          <a:lstStyle/>
+          <a:p>
+            <a:pPr algn="ctr"/>
+            <a:r>
+              <a:rPr lang="en-US" altLang="ko-KR" sz="1400" dirty="0" err="1"/>
+              <a:t>eth0</a:t>
+            </a:r>
+            <a:endParaRPr lang="ko-KR" altLang="en-US" sz="1400" dirty="0"/>
+          </a:p>
+        </p:txBody>
+      </p:sp>
+      <p:sp>
+        <p:nvSpPr>
+          <p:cNvPr id="63" name="타원 62">
+            <a:extLst>
+              <a:ext uri="{FF2B5EF4-FFF2-40B4-BE49-F238E27FC236}">
+                <a16:creationId xmlns:a16="http://schemas.microsoft.com/office/drawing/2014/main" id="{01F9E6B7-BB7B-4410-B563-985283AD7AA5}"/>
+              </a:ext>
+            </a:extLst>
+          </p:cNvPr>
+          <p:cNvSpPr/>
+          <p:nvPr/>
+        </p:nvSpPr>
+        <p:spPr>
+          <a:xfrm>
+            <a:off x="6555478" y="1796752"/>
+            <a:ext cx="87494" cy="87494"/>
+          </a:xfrm>
+          <a:prstGeom prst="ellipse">
+            <a:avLst/>
+          </a:prstGeom>
+          <a:solidFill>
+            <a:schemeClr val="tx1"/>
+          </a:solidFill>
+          <a:ln>
+            <a:noFill/>
+          </a:ln>
+        </p:spPr>
+        <p:style>
+          <a:lnRef idx="2">
+            <a:schemeClr val="accent1">
+              <a:shade val="50000"/>
+            </a:schemeClr>
+          </a:lnRef>
+          <a:fillRef idx="1">
+            <a:schemeClr val="accent1"/>
+          </a:fillRef>
+          <a:effectRef idx="0">
+            <a:schemeClr val="accent1"/>
+          </a:effectRef>
+          <a:fontRef idx="minor">
+            <a:schemeClr val="lt1"/>
+          </a:fontRef>
+        </p:style>
+        <p:txBody>
+          <a:bodyPr rtlCol="0" anchor="ctr"/>
+          <a:lstStyle/>
+          <a:p>
+            <a:pPr algn="ctr"/>
+            <a:endParaRPr lang="ko-KR" altLang="en-US"/>
+          </a:p>
+        </p:txBody>
+      </p:sp>
+      <p:sp>
+        <p:nvSpPr>
+          <p:cNvPr id="64" name="타원 63">
+            <a:extLst>
+              <a:ext uri="{FF2B5EF4-FFF2-40B4-BE49-F238E27FC236}">
+                <a16:creationId xmlns:a16="http://schemas.microsoft.com/office/drawing/2014/main" id="{EE42C681-3114-440F-B9D2-4D5BEA71DCEE}"/>
+              </a:ext>
+            </a:extLst>
+          </p:cNvPr>
+          <p:cNvSpPr/>
+          <p:nvPr/>
+        </p:nvSpPr>
+        <p:spPr>
+          <a:xfrm>
+            <a:off x="6555478" y="1621764"/>
+            <a:ext cx="87494" cy="87494"/>
+          </a:xfrm>
+          <a:prstGeom prst="ellipse">
+            <a:avLst/>
+          </a:prstGeom>
+          <a:solidFill>
+            <a:schemeClr val="tx1"/>
+          </a:solidFill>
+          <a:ln>
+            <a:noFill/>
+          </a:ln>
+        </p:spPr>
+        <p:style>
+          <a:lnRef idx="2">
+            <a:schemeClr val="accent1">
+              <a:shade val="50000"/>
+            </a:schemeClr>
+          </a:lnRef>
+          <a:fillRef idx="1">
+            <a:schemeClr val="accent1"/>
+          </a:fillRef>
+          <a:effectRef idx="0">
+            <a:schemeClr val="accent1"/>
+          </a:effectRef>
+          <a:fontRef idx="minor">
+            <a:schemeClr val="lt1"/>
+          </a:fontRef>
+        </p:style>
+        <p:txBody>
+          <a:bodyPr rtlCol="0" anchor="ctr"/>
+          <a:lstStyle/>
+          <a:p>
+            <a:pPr algn="ctr"/>
+            <a:endParaRPr lang="ko-KR" altLang="en-US"/>
+          </a:p>
+        </p:txBody>
+      </p:sp>
+      <p:sp>
+        <p:nvSpPr>
+          <p:cNvPr id="65" name="타원 64">
+            <a:extLst>
+              <a:ext uri="{FF2B5EF4-FFF2-40B4-BE49-F238E27FC236}">
+                <a16:creationId xmlns:a16="http://schemas.microsoft.com/office/drawing/2014/main" id="{CFC6DCFB-B53F-40DB-B877-0C00E4773604}"/>
+              </a:ext>
+            </a:extLst>
+          </p:cNvPr>
+          <p:cNvSpPr/>
+          <p:nvPr/>
+        </p:nvSpPr>
+        <p:spPr>
+          <a:xfrm>
+            <a:off x="6555478" y="1441744"/>
+            <a:ext cx="87494" cy="87494"/>
+          </a:xfrm>
+          <a:prstGeom prst="ellipse">
+            <a:avLst/>
+          </a:prstGeom>
+          <a:solidFill>
+            <a:schemeClr val="tx1"/>
+          </a:solidFill>
+          <a:ln>
+            <a:noFill/>
+          </a:ln>
+        </p:spPr>
+        <p:style>
+          <a:lnRef idx="2">
+            <a:schemeClr val="accent1">
+              <a:shade val="50000"/>
+            </a:schemeClr>
+          </a:lnRef>
+          <a:fillRef idx="1">
+            <a:schemeClr val="accent1"/>
+          </a:fillRef>
+          <a:effectRef idx="0">
+            <a:schemeClr val="accent1"/>
+          </a:effectRef>
+          <a:fontRef idx="minor">
+            <a:schemeClr val="lt1"/>
+          </a:fontRef>
+        </p:style>
+        <p:txBody>
+          <a:bodyPr rtlCol="0" anchor="ctr"/>
+          <a:lstStyle/>
+          <a:p>
+            <a:pPr algn="ctr"/>
+            <a:endParaRPr lang="ko-KR" altLang="en-US"/>
+          </a:p>
+        </p:txBody>
+      </p:sp>
+      <p:sp>
+        <p:nvSpPr>
+          <p:cNvPr id="66" name="모서리가 둥근 직사각형 44">
+            <a:extLst>
+              <a:ext uri="{FF2B5EF4-FFF2-40B4-BE49-F238E27FC236}">
+                <a16:creationId xmlns:a16="http://schemas.microsoft.com/office/drawing/2014/main" id="{4F0CA634-3239-4F60-82EA-F742E5E03C98}"/>
+              </a:ext>
+            </a:extLst>
+          </p:cNvPr>
+          <p:cNvSpPr/>
+          <p:nvPr/>
+        </p:nvSpPr>
+        <p:spPr>
+          <a:xfrm>
+            <a:off x="7040051" y="3081548"/>
+            <a:ext cx="1422749" cy="461352"/>
+          </a:xfrm>
+          <a:prstGeom prst="roundRect">
+            <a:avLst>
+              <a:gd name="adj" fmla="val 6195"/>
+            </a:avLst>
+          </a:prstGeom>
+          <a:solidFill>
+            <a:schemeClr val="bg1">
+              <a:lumMod val="85000"/>
+            </a:schemeClr>
+          </a:solidFill>
+          <a:ln/>
+        </p:spPr>
+        <p:style>
+          <a:lnRef idx="2">
+            <a:schemeClr val="dk1"/>
+          </a:lnRef>
+          <a:fillRef idx="1">
+            <a:schemeClr val="lt1"/>
+          </a:fillRef>
+          <a:effectRef idx="0">
+            <a:schemeClr val="dk1"/>
+          </a:effectRef>
+          <a:fontRef idx="minor">
+            <a:schemeClr val="dk1"/>
+          </a:fontRef>
+        </p:style>
+        <p:txBody>
+          <a:bodyPr rtlCol="0" anchor="ctr"/>
+          <a:lstStyle/>
+          <a:p>
+            <a:pPr algn="ctr"/>
+            <a:r>
+              <a:rPr lang="en-US" altLang="ko-KR" sz="1400"/>
+              <a:t>Generic XDP</a:t>
+            </a:r>
+          </a:p>
+          <a:p>
+            <a:pPr algn="ctr"/>
+            <a:r>
+              <a:rPr lang="en-US" altLang="ko-KR" sz="1400"/>
+              <a:t>or Native XDP</a:t>
+            </a:r>
+            <a:endParaRPr lang="ko-KR" altLang="en-US" sz="1400" dirty="0"/>
+          </a:p>
+        </p:txBody>
+      </p:sp>
+      <p:graphicFrame>
+        <p:nvGraphicFramePr>
+          <p:cNvPr id="68" name="표 67">
+            <a:extLst>
+              <a:ext uri="{FF2B5EF4-FFF2-40B4-BE49-F238E27FC236}">
+                <a16:creationId xmlns:a16="http://schemas.microsoft.com/office/drawing/2014/main" id="{00FD4302-6E45-418F-B046-F22316E910AA}"/>
+              </a:ext>
+            </a:extLst>
+          </p:cNvPr>
+          <p:cNvGraphicFramePr>
+            <a:graphicFrameLocks noGrp="1"/>
+          </p:cNvGraphicFramePr>
+          <p:nvPr>
+            <p:extLst>
+              <p:ext uri="{D42A27DB-BD31-4B8C-83A1-F6EECF244321}">
+                <p14:modId xmlns:p14="http://schemas.microsoft.com/office/powerpoint/2010/main" val="3069974861"/>
+              </p:ext>
+            </p:extLst>
+          </p:nvPr>
+        </p:nvGraphicFramePr>
+        <p:xfrm>
+          <a:off x="5023813" y="1989136"/>
+          <a:ext cx="3231599" cy="936100"/>
+        </p:xfrm>
+        <a:graphic>
+          <a:graphicData uri="http://schemas.openxmlformats.org/drawingml/2006/table">
+            <a:tbl>
+              <a:tblPr firstRow="1" bandRow="1">
+                <a:tableStyleId>{2D5ABB26-0587-4C30-8999-92F81FD0307C}</a:tableStyleId>
+              </a:tblPr>
+              <a:tblGrid>
+                <a:gridCol w="1099964">
+                  <a:extLst>
+                    <a:ext uri="{9D8B030D-6E8A-4147-A177-3AD203B41FA5}">
+                      <a16:colId xmlns:a16="http://schemas.microsoft.com/office/drawing/2014/main" val="20000"/>
+                    </a:ext>
+                  </a:extLst>
+                </a:gridCol>
+                <a:gridCol w="1067971">
+                  <a:extLst>
+                    <a:ext uri="{9D8B030D-6E8A-4147-A177-3AD203B41FA5}">
+                      <a16:colId xmlns:a16="http://schemas.microsoft.com/office/drawing/2014/main" val="2132610268"/>
+                    </a:ext>
+                  </a:extLst>
+                </a:gridCol>
+                <a:gridCol w="1063664">
+                  <a:extLst>
+                    <a:ext uri="{9D8B030D-6E8A-4147-A177-3AD203B41FA5}">
+                      <a16:colId xmlns:a16="http://schemas.microsoft.com/office/drawing/2014/main" val="20001"/>
+                    </a:ext>
+                  </a:extLst>
+                </a:gridCol>
+              </a:tblGrid>
+              <a:tr h="312035">
+                <a:tc>
+                  <a:txBody>
+                    <a:bodyPr/>
+                    <a:lstStyle/>
+                    <a:p>
+                      <a:pPr latinLnBrk="1"/>
+                      <a:r>
+                        <a:rPr lang="en-US" altLang="ko-KR" sz="1100" dirty="0"/>
+                        <a:t>10.0.0.0/24</a:t>
+                      </a:r>
+                      <a:endParaRPr lang="ko-KR" altLang="en-US" sz="1100" dirty="0"/>
+                    </a:p>
+                  </a:txBody>
+                  <a:tcPr anchor="ctr">
+                    <a:lnL w="19050" cap="flat" cmpd="sng" algn="ctr">
+                      <a:solidFill>
+                        <a:schemeClr val="tx1"/>
+                      </a:solidFill>
+                      <a:prstDash val="solid"/>
+                      <a:round/>
+                      <a:headEnd type="none" w="med" len="med"/>
+                      <a:tailEnd type="none" w="med" len="med"/>
+                    </a:lnL>
+                    <a:lnR w="19050" cap="flat" cmpd="sng" algn="ctr">
+                      <a:solidFill>
+                        <a:schemeClr val="tx1"/>
+                      </a:solidFill>
+                      <a:prstDash val="solid"/>
+                      <a:round/>
+                      <a:headEnd type="none" w="med" len="med"/>
+                      <a:tailEnd type="none" w="med" len="med"/>
+                    </a:lnR>
+                    <a:lnT w="19050" cap="flat" cmpd="sng" algn="ctr">
+                      <a:solidFill>
+                        <a:schemeClr val="tx1"/>
+                      </a:solidFill>
+                      <a:prstDash val="solid"/>
+                      <a:round/>
+                      <a:headEnd type="none" w="med" len="med"/>
+                      <a:tailEnd type="none" w="med" len="med"/>
+                    </a:lnT>
+                    <a:lnB w="19050" cap="flat" cmpd="sng" algn="ctr">
+                      <a:solidFill>
+                        <a:schemeClr val="tx1"/>
+                      </a:solidFill>
+                      <a:prstDash val="solid"/>
+                      <a:round/>
+                      <a:headEnd type="none" w="med" len="med"/>
+                      <a:tailEnd type="none" w="med" len="med"/>
+                    </a:lnB>
+                  </a:tcPr>
+                </a:tc>
+                <a:tc>
+                  <a:txBody>
+                    <a:bodyPr/>
+                    <a:lstStyle/>
+                    <a:p>
+                      <a:pPr latinLnBrk="1"/>
+                      <a:r>
+                        <a:rPr lang="en-US" altLang="ko-KR" sz="1100"/>
+                        <a:t>0.0.0.0</a:t>
+                      </a:r>
+                      <a:endParaRPr lang="ko-KR" altLang="en-US" sz="1100" dirty="0"/>
+                    </a:p>
+                  </a:txBody>
+                  <a:tcPr anchor="ctr">
+                    <a:lnL w="19050" cap="flat" cmpd="sng" algn="ctr">
+                      <a:solidFill>
+                        <a:schemeClr val="tx1"/>
+                      </a:solidFill>
+                      <a:prstDash val="solid"/>
+                      <a:round/>
+                      <a:headEnd type="none" w="med" len="med"/>
+                      <a:tailEnd type="none" w="med" len="med"/>
+                    </a:lnL>
+                    <a:lnR w="19050" cap="flat" cmpd="sng" algn="ctr">
+                      <a:solidFill>
+                        <a:schemeClr val="tx1"/>
+                      </a:solidFill>
+                      <a:prstDash val="solid"/>
+                      <a:round/>
+                      <a:headEnd type="none" w="med" len="med"/>
+                      <a:tailEnd type="none" w="med" len="med"/>
+                    </a:lnR>
+                    <a:lnT w="19050" cap="flat" cmpd="sng" algn="ctr">
+                      <a:solidFill>
+                        <a:schemeClr val="tx1"/>
+                      </a:solidFill>
+                      <a:prstDash val="solid"/>
+                      <a:round/>
+                      <a:headEnd type="none" w="med" len="med"/>
+                      <a:tailEnd type="none" w="med" len="med"/>
+                    </a:lnT>
+                    <a:lnB w="19050" cap="flat" cmpd="sng" algn="ctr">
+                      <a:solidFill>
+                        <a:schemeClr val="tx1"/>
+                      </a:solidFill>
+                      <a:prstDash val="solid"/>
+                      <a:round/>
+                      <a:headEnd type="none" w="med" len="med"/>
+                      <a:tailEnd type="none" w="med" len="med"/>
+                    </a:lnB>
+                  </a:tcPr>
+                </a:tc>
+                <a:tc>
+                  <a:txBody>
+                    <a:bodyPr/>
+                    <a:lstStyle/>
+                    <a:p>
+                      <a:pPr latinLnBrk="1"/>
+                      <a:r>
+                        <a:rPr lang="en-US" altLang="ko-KR" sz="1100"/>
+                        <a:t>eth0</a:t>
+                      </a:r>
+                      <a:endParaRPr lang="ko-KR" altLang="en-US" sz="1100" dirty="0"/>
+                    </a:p>
+                  </a:txBody>
+                  <a:tcPr anchor="ctr">
+                    <a:lnL w="19050" cap="flat" cmpd="sng" algn="ctr">
+                      <a:solidFill>
+                        <a:schemeClr val="tx1"/>
+                      </a:solidFill>
+                      <a:prstDash val="solid"/>
+                      <a:round/>
+                      <a:headEnd type="none" w="med" len="med"/>
+                      <a:tailEnd type="none" w="med" len="med"/>
+                    </a:lnL>
+                    <a:lnR w="19050" cap="flat" cmpd="sng" algn="ctr">
+                      <a:solidFill>
+                        <a:schemeClr val="tx1"/>
+                      </a:solidFill>
+                      <a:prstDash val="solid"/>
+                      <a:round/>
+                      <a:headEnd type="none" w="med" len="med"/>
+                      <a:tailEnd type="none" w="med" len="med"/>
+                    </a:lnR>
+                    <a:lnT w="19050" cap="flat" cmpd="sng" algn="ctr">
+                      <a:solidFill>
+                        <a:schemeClr val="tx1"/>
+                      </a:solidFill>
+                      <a:prstDash val="solid"/>
+                      <a:round/>
+                      <a:headEnd type="none" w="med" len="med"/>
+                      <a:tailEnd type="none" w="med" len="med"/>
+                    </a:lnT>
+                    <a:lnB w="19050" cap="flat" cmpd="sng" algn="ctr">
+                      <a:solidFill>
+                        <a:schemeClr val="tx1"/>
+                      </a:solidFill>
+                      <a:prstDash val="solid"/>
+                      <a:round/>
+                      <a:headEnd type="none" w="med" len="med"/>
+                      <a:tailEnd type="none" w="med" len="med"/>
+                    </a:lnB>
+                  </a:tcPr>
+                </a:tc>
+                <a:extLst>
+                  <a:ext uri="{0D108BD9-81ED-4DB2-BD59-A6C34878D82A}">
+                    <a16:rowId xmlns:a16="http://schemas.microsoft.com/office/drawing/2014/main" val="10000"/>
+                  </a:ext>
+                </a:extLst>
+              </a:tr>
+              <a:tr h="312035">
+                <a:tc>
+                  <a:txBody>
+                    <a:bodyPr/>
+                    <a:lstStyle/>
+                    <a:p>
+                      <a:pPr latinLnBrk="1"/>
+                      <a:r>
+                        <a:rPr lang="en-US" altLang="ko-KR" sz="1100"/>
+                        <a:t>192.167.3.0/24</a:t>
+                      </a:r>
+                      <a:endParaRPr lang="ko-KR" altLang="en-US" sz="1100" dirty="0"/>
+                    </a:p>
+                  </a:txBody>
+                  <a:tcPr anchor="ctr">
+                    <a:lnL w="19050" cap="flat" cmpd="sng" algn="ctr">
+                      <a:solidFill>
+                        <a:schemeClr val="tx1"/>
+                      </a:solidFill>
+                      <a:prstDash val="solid"/>
+                      <a:round/>
+                      <a:headEnd type="none" w="med" len="med"/>
+                      <a:tailEnd type="none" w="med" len="med"/>
+                    </a:lnL>
+                    <a:lnR w="19050" cap="flat" cmpd="sng" algn="ctr">
+                      <a:solidFill>
+                        <a:schemeClr val="tx1"/>
+                      </a:solidFill>
+                      <a:prstDash val="solid"/>
+                      <a:round/>
+                      <a:headEnd type="none" w="med" len="med"/>
+                      <a:tailEnd type="none" w="med" len="med"/>
+                    </a:lnR>
+                    <a:lnT w="19050" cap="flat" cmpd="sng" algn="ctr">
+                      <a:solidFill>
+                        <a:schemeClr val="tx1"/>
+                      </a:solidFill>
+                      <a:prstDash val="solid"/>
+                      <a:round/>
+                      <a:headEnd type="none" w="med" len="med"/>
+                      <a:tailEnd type="none" w="med" len="med"/>
+                    </a:lnT>
+                    <a:lnB w="19050" cap="flat" cmpd="sng" algn="ctr">
+                      <a:solidFill>
+                        <a:schemeClr val="tx1"/>
+                      </a:solidFill>
+                      <a:prstDash val="solid"/>
+                      <a:round/>
+                      <a:headEnd type="none" w="med" len="med"/>
+                      <a:tailEnd type="none" w="med" len="med"/>
+                    </a:lnB>
+                  </a:tcPr>
+                </a:tc>
+                <a:tc>
+                  <a:txBody>
+                    <a:bodyPr/>
+                    <a:lstStyle/>
+                    <a:p>
+                      <a:pPr latinLnBrk="1"/>
+                      <a:r>
+                        <a:rPr lang="en-US" altLang="ko-KR" sz="1100"/>
+                        <a:t>192.167.3.1</a:t>
+                      </a:r>
+                      <a:endParaRPr lang="ko-KR" altLang="en-US" sz="1100" dirty="0"/>
+                    </a:p>
+                  </a:txBody>
+                  <a:tcPr anchor="ctr">
+                    <a:lnL w="19050" cap="flat" cmpd="sng" algn="ctr">
+                      <a:solidFill>
+                        <a:schemeClr val="tx1"/>
+                      </a:solidFill>
+                      <a:prstDash val="solid"/>
+                      <a:round/>
+                      <a:headEnd type="none" w="med" len="med"/>
+                      <a:tailEnd type="none" w="med" len="med"/>
+                    </a:lnL>
+                    <a:lnR w="19050" cap="flat" cmpd="sng" algn="ctr">
+                      <a:solidFill>
+                        <a:schemeClr val="tx1"/>
+                      </a:solidFill>
+                      <a:prstDash val="solid"/>
+                      <a:round/>
+                      <a:headEnd type="none" w="med" len="med"/>
+                      <a:tailEnd type="none" w="med" len="med"/>
+                    </a:lnR>
+                    <a:lnT w="19050" cap="flat" cmpd="sng" algn="ctr">
+                      <a:solidFill>
+                        <a:schemeClr val="tx1"/>
+                      </a:solidFill>
+                      <a:prstDash val="solid"/>
+                      <a:round/>
+                      <a:headEnd type="none" w="med" len="med"/>
+                      <a:tailEnd type="none" w="med" len="med"/>
+                    </a:lnT>
+                    <a:lnB w="19050" cap="flat" cmpd="sng" algn="ctr">
+                      <a:solidFill>
+                        <a:schemeClr val="tx1"/>
+                      </a:solidFill>
+                      <a:prstDash val="solid"/>
+                      <a:round/>
+                      <a:headEnd type="none" w="med" len="med"/>
+                      <a:tailEnd type="none" w="med" len="med"/>
+                    </a:lnB>
+                  </a:tcPr>
+                </a:tc>
+                <a:tc>
+                  <a:txBody>
+                    <a:bodyPr/>
+                    <a:lstStyle/>
+                    <a:p>
+                      <a:pPr latinLnBrk="1"/>
+                      <a:r>
+                        <a:rPr lang="en-US" altLang="ko-KR" sz="1100"/>
+                        <a:t>cilium_host</a:t>
+                      </a:r>
+                      <a:endParaRPr lang="ko-KR" altLang="en-US" sz="1100" dirty="0"/>
+                    </a:p>
+                  </a:txBody>
+                  <a:tcPr anchor="ctr">
+                    <a:lnL w="19050" cap="flat" cmpd="sng" algn="ctr">
+                      <a:solidFill>
+                        <a:schemeClr val="tx1"/>
+                      </a:solidFill>
+                      <a:prstDash val="solid"/>
+                      <a:round/>
+                      <a:headEnd type="none" w="med" len="med"/>
+                      <a:tailEnd type="none" w="med" len="med"/>
+                    </a:lnL>
+                    <a:lnR w="19050" cap="flat" cmpd="sng" algn="ctr">
+                      <a:solidFill>
+                        <a:schemeClr val="tx1"/>
+                      </a:solidFill>
+                      <a:prstDash val="solid"/>
+                      <a:round/>
+                      <a:headEnd type="none" w="med" len="med"/>
+                      <a:tailEnd type="none" w="med" len="med"/>
+                    </a:lnR>
+                    <a:lnT w="19050" cap="flat" cmpd="sng" algn="ctr">
+                      <a:solidFill>
+                        <a:schemeClr val="tx1"/>
+                      </a:solidFill>
+                      <a:prstDash val="solid"/>
+                      <a:round/>
+                      <a:headEnd type="none" w="med" len="med"/>
+                      <a:tailEnd type="none" w="med" len="med"/>
+                    </a:lnT>
+                    <a:lnB w="19050" cap="flat" cmpd="sng" algn="ctr">
+                      <a:solidFill>
+                        <a:schemeClr val="tx1"/>
+                      </a:solidFill>
+                      <a:prstDash val="solid"/>
+                      <a:round/>
+                      <a:headEnd type="none" w="med" len="med"/>
+                      <a:tailEnd type="none" w="med" len="med"/>
+                    </a:lnB>
+                  </a:tcPr>
+                </a:tc>
+                <a:extLst>
+                  <a:ext uri="{0D108BD9-81ED-4DB2-BD59-A6C34878D82A}">
+                    <a16:rowId xmlns:a16="http://schemas.microsoft.com/office/drawing/2014/main" val="10001"/>
+                  </a:ext>
+                </a:extLst>
+              </a:tr>
+              <a:tr h="312030">
+                <a:tc>
+                  <a:txBody>
+                    <a:bodyPr/>
+                    <a:lstStyle/>
+                    <a:p>
+                      <a:pPr latinLnBrk="1"/>
+                      <a:r>
+                        <a:rPr lang="en-US" altLang="ko-KR" sz="1100"/>
+                        <a:t>192.167.3.1</a:t>
+                      </a:r>
+                      <a:endParaRPr lang="ko-KR" altLang="en-US" sz="1100" dirty="0"/>
+                    </a:p>
+                  </a:txBody>
+                  <a:tcPr anchor="ctr">
+                    <a:lnL w="19050" cap="flat" cmpd="sng" algn="ctr">
+                      <a:solidFill>
+                        <a:schemeClr val="tx1"/>
+                      </a:solidFill>
+                      <a:prstDash val="solid"/>
+                      <a:round/>
+                      <a:headEnd type="none" w="med" len="med"/>
+                      <a:tailEnd type="none" w="med" len="med"/>
+                    </a:lnL>
+                    <a:lnR w="19050" cap="flat" cmpd="sng" algn="ctr">
+                      <a:solidFill>
+                        <a:schemeClr val="tx1"/>
+                      </a:solidFill>
+                      <a:prstDash val="solid"/>
+                      <a:round/>
+                      <a:headEnd type="none" w="med" len="med"/>
+                      <a:tailEnd type="none" w="med" len="med"/>
+                    </a:lnR>
+                    <a:lnT w="19050" cap="flat" cmpd="sng" algn="ctr">
+                      <a:solidFill>
+                        <a:schemeClr val="tx1"/>
+                      </a:solidFill>
+                      <a:prstDash val="solid"/>
+                      <a:round/>
+                      <a:headEnd type="none" w="med" len="med"/>
+                      <a:tailEnd type="none" w="med" len="med"/>
+                    </a:lnT>
+                    <a:lnB w="19050" cap="flat" cmpd="sng" algn="ctr">
+                      <a:solidFill>
+                        <a:schemeClr val="tx1"/>
+                      </a:solidFill>
+                      <a:prstDash val="solid"/>
+                      <a:round/>
+                      <a:headEnd type="none" w="med" len="med"/>
+                      <a:tailEnd type="none" w="med" len="med"/>
+                    </a:lnB>
+                  </a:tcPr>
+                </a:tc>
+                <a:tc>
+                  <a:txBody>
+                    <a:bodyPr/>
+                    <a:lstStyle/>
+                    <a:p>
+                      <a:pPr latinLnBrk="1"/>
+                      <a:r>
+                        <a:rPr lang="en-US" altLang="ko-KR" sz="1100"/>
+                        <a:t>0.0.0.0</a:t>
+                      </a:r>
+                      <a:endParaRPr lang="ko-KR" altLang="en-US" sz="1100" dirty="0"/>
+                    </a:p>
+                  </a:txBody>
+                  <a:tcPr anchor="ctr">
+                    <a:lnL w="19050" cap="flat" cmpd="sng" algn="ctr">
+                      <a:solidFill>
+                        <a:schemeClr val="tx1"/>
+                      </a:solidFill>
+                      <a:prstDash val="solid"/>
+                      <a:round/>
+                      <a:headEnd type="none" w="med" len="med"/>
+                      <a:tailEnd type="none" w="med" len="med"/>
+                    </a:lnL>
+                    <a:lnR w="19050" cap="flat" cmpd="sng" algn="ctr">
+                      <a:solidFill>
+                        <a:schemeClr val="tx1"/>
+                      </a:solidFill>
+                      <a:prstDash val="solid"/>
+                      <a:round/>
+                      <a:headEnd type="none" w="med" len="med"/>
+                      <a:tailEnd type="none" w="med" len="med"/>
+                    </a:lnR>
+                    <a:lnT w="19050" cap="flat" cmpd="sng" algn="ctr">
+                      <a:solidFill>
+                        <a:schemeClr val="tx1"/>
+                      </a:solidFill>
+                      <a:prstDash val="solid"/>
+                      <a:round/>
+                      <a:headEnd type="none" w="med" len="med"/>
+                      <a:tailEnd type="none" w="med" len="med"/>
+                    </a:lnT>
+                    <a:lnB w="19050" cap="flat" cmpd="sng" algn="ctr">
+                      <a:solidFill>
+                        <a:schemeClr val="tx1"/>
+                      </a:solidFill>
+                      <a:prstDash val="solid"/>
+                      <a:round/>
+                      <a:headEnd type="none" w="med" len="med"/>
+                      <a:tailEnd type="none" w="med" len="med"/>
+                    </a:lnB>
+                  </a:tcPr>
+                </a:tc>
+                <a:tc>
+                  <a:txBody>
+                    <a:bodyPr/>
+                    <a:lstStyle/>
+                    <a:p>
+                      <a:pPr latinLnBrk="1"/>
+                      <a:r>
+                        <a:rPr lang="en-US" altLang="ko-KR" sz="1100"/>
+                        <a:t>cilium_host</a:t>
+                      </a:r>
+                      <a:endParaRPr lang="ko-KR" altLang="en-US" sz="1100" dirty="0"/>
+                    </a:p>
+                  </a:txBody>
+                  <a:tcPr anchor="ctr">
+                    <a:lnL w="19050" cap="flat" cmpd="sng" algn="ctr">
+                      <a:solidFill>
+                        <a:schemeClr val="tx1"/>
+                      </a:solidFill>
+                      <a:prstDash val="solid"/>
+                      <a:round/>
+                      <a:headEnd type="none" w="med" len="med"/>
+                      <a:tailEnd type="none" w="med" len="med"/>
+                    </a:lnL>
+                    <a:lnR w="19050" cap="flat" cmpd="sng" algn="ctr">
+                      <a:solidFill>
+                        <a:schemeClr val="tx1"/>
+                      </a:solidFill>
+                      <a:prstDash val="solid"/>
+                      <a:round/>
+                      <a:headEnd type="none" w="med" len="med"/>
+                      <a:tailEnd type="none" w="med" len="med"/>
+                    </a:lnR>
+                    <a:lnT w="19050" cap="flat" cmpd="sng" algn="ctr">
+                      <a:solidFill>
+                        <a:schemeClr val="tx1"/>
+                      </a:solidFill>
+                      <a:prstDash val="solid"/>
+                      <a:round/>
+                      <a:headEnd type="none" w="med" len="med"/>
+                      <a:tailEnd type="none" w="med" len="med"/>
+                    </a:lnT>
+                    <a:lnB w="19050" cap="flat" cmpd="sng" algn="ctr">
+                      <a:solidFill>
+                        <a:schemeClr val="tx1"/>
+                      </a:solidFill>
+                      <a:prstDash val="solid"/>
+                      <a:round/>
+                      <a:headEnd type="none" w="med" len="med"/>
+                      <a:tailEnd type="none" w="med" len="med"/>
+                    </a:lnB>
+                  </a:tcPr>
+                </a:tc>
+                <a:extLst>
+                  <a:ext uri="{0D108BD9-81ED-4DB2-BD59-A6C34878D82A}">
+                    <a16:rowId xmlns:a16="http://schemas.microsoft.com/office/drawing/2014/main" val="10002"/>
+                  </a:ext>
+                </a:extLst>
+              </a:tr>
+            </a:tbl>
+          </a:graphicData>
+        </a:graphic>
+      </p:graphicFrame>
+      <p:cxnSp>
+        <p:nvCxnSpPr>
+          <p:cNvPr id="69" name="직선 연결선 68">
+            <a:extLst>
+              <a:ext uri="{FF2B5EF4-FFF2-40B4-BE49-F238E27FC236}">
+                <a16:creationId xmlns:a16="http://schemas.microsoft.com/office/drawing/2014/main" id="{60510CC8-1CE6-4D34-BB1A-586B1DC73B50}"/>
+              </a:ext>
+            </a:extLst>
+          </p:cNvPr>
+          <p:cNvCxnSpPr>
+            <a:cxnSpLocks/>
+            <a:stCxn id="68" idx="2"/>
+            <a:endCxn id="66" idx="1"/>
+          </p:cNvCxnSpPr>
+          <p:nvPr/>
+        </p:nvCxnSpPr>
+        <p:spPr>
+          <a:xfrm>
+            <a:off x="6639612" y="2925236"/>
+            <a:ext cx="400439" cy="386988"/>
+          </a:xfrm>
+          <a:prstGeom prst="line">
+            <a:avLst/>
+          </a:prstGeom>
+          <a:ln w="19050">
+            <a:solidFill>
+              <a:schemeClr val="tx1"/>
+            </a:solidFill>
+          </a:ln>
+        </p:spPr>
+        <p:style>
+          <a:lnRef idx="1">
+            <a:schemeClr val="accent1"/>
+          </a:lnRef>
+          <a:fillRef idx="0">
+            <a:schemeClr val="accent1"/>
+          </a:fillRef>
+          <a:effectRef idx="0">
+            <a:schemeClr val="accent1"/>
+          </a:effectRef>
+          <a:fontRef idx="minor">
+            <a:schemeClr val="tx1"/>
+          </a:fontRef>
+        </p:style>
+      </p:cxnSp>
+    </p:spTree>
+    <p:extLst>
+      <p:ext uri="{BB962C8B-B14F-4D97-AF65-F5344CB8AC3E}">
+        <p14:creationId xmlns:p14="http://schemas.microsoft.com/office/powerpoint/2010/main" val="4214176357"/>
+      </p:ext>
+    </p:extLst>
+  </p:cSld>
+  <p:clrMapOvr>
+    <a:masterClrMapping/>
+  </p:clrMapOvr>
+</p:sld>
+</file>
+
+<file path=ppt/slides/slide5.xml><?xml version="1.0" encoding="utf-8"?>
+<p:sld xmlns:a="http://schemas.openxmlformats.org/drawingml/2006/main" xmlns:r="http://schemas.openxmlformats.org/officeDocument/2006/relationships" xmlns:p="http://schemas.openxmlformats.org/presentationml/2006/main">
+  <p:cSld>
+    <p:spTree>
+      <p:nvGrpSpPr>
+        <p:cNvPr id="1" name=""/>
+        <p:cNvGrpSpPr/>
+        <p:nvPr/>
+      </p:nvGrpSpPr>
+      <p:grpSpPr>
+        <a:xfrm>
+          <a:off x="0" y="0"/>
+          <a:ext cx="0" cy="0"/>
+          <a:chOff x="0" y="0"/>
+          <a:chExt cx="0" cy="0"/>
+        </a:xfrm>
+      </p:grpSpPr>
+      <p:sp>
+        <p:nvSpPr>
+          <p:cNvPr id="6" name="제목 1"/>
+          <p:cNvSpPr>
+            <a:spLocks noGrp="1"/>
+          </p:cNvSpPr>
+          <p:nvPr>
+            <p:ph type="title"/>
+          </p:nvPr>
+        </p:nvSpPr>
+        <p:spPr>
+          <a:xfrm>
+            <a:off x="457200" y="58316"/>
+            <a:ext cx="8229600" cy="857250"/>
+          </a:xfrm>
+        </p:spPr>
+        <p:txBody>
+          <a:bodyPr>
+            <a:normAutofit/>
+          </a:bodyPr>
+          <a:lstStyle/>
+          <a:p>
+            <a:r>
+              <a:rPr lang="en-US" altLang="ko-KR"/>
+              <a:t>Cilium Load Balacner</a:t>
+            </a:r>
+            <a:endParaRPr lang="ko-KR" altLang="en-US" dirty="0"/>
+          </a:p>
+        </p:txBody>
+      </p:sp>
+      <p:sp>
+        <p:nvSpPr>
+          <p:cNvPr id="3" name="모서리가 둥근 직사각형 44">
+            <a:extLst>
+              <a:ext uri="{FF2B5EF4-FFF2-40B4-BE49-F238E27FC236}">
+                <a16:creationId xmlns:a16="http://schemas.microsoft.com/office/drawing/2014/main" id="{2DBA49E2-5203-48AC-9D0B-4B3C58EE231E}"/>
+              </a:ext>
+            </a:extLst>
+          </p:cNvPr>
+          <p:cNvSpPr/>
+          <p:nvPr/>
+        </p:nvSpPr>
+        <p:spPr>
+          <a:xfrm>
+            <a:off x="508820" y="1563638"/>
+            <a:ext cx="3847158" cy="2127664"/>
+          </a:xfrm>
+          <a:prstGeom prst="roundRect">
+            <a:avLst>
+              <a:gd name="adj" fmla="val 1946"/>
+            </a:avLst>
+          </a:prstGeom>
+          <a:ln/>
+        </p:spPr>
+        <p:style>
+          <a:lnRef idx="2">
+            <a:schemeClr val="dk1"/>
+          </a:lnRef>
+          <a:fillRef idx="1">
+            <a:schemeClr val="lt1"/>
+          </a:fillRef>
+          <a:effectRef idx="0">
+            <a:schemeClr val="dk1"/>
+          </a:effectRef>
+          <a:fontRef idx="minor">
+            <a:schemeClr val="dk1"/>
+          </a:fontRef>
+        </p:style>
+        <p:txBody>
+          <a:bodyPr rtlCol="0" anchor="b"/>
+          <a:lstStyle/>
+          <a:p>
+            <a:r>
+              <a:rPr lang="en-US" altLang="ko-KR" sz="1600" b="1"/>
+              <a:t>Host - VXLAN </a:t>
+            </a:r>
+            <a:endParaRPr lang="en-US" altLang="ko-KR" sz="1600" b="1" dirty="0"/>
+          </a:p>
+        </p:txBody>
+      </p:sp>
+      <p:sp>
+        <p:nvSpPr>
+          <p:cNvPr id="13" name="모서리가 둥근 직사각형 44">
+            <a:extLst>
+              <a:ext uri="{FF2B5EF4-FFF2-40B4-BE49-F238E27FC236}">
+                <a16:creationId xmlns:a16="http://schemas.microsoft.com/office/drawing/2014/main" id="{2DBA49E2-5203-48AC-9D0B-4B3C58EE231E}"/>
+              </a:ext>
+            </a:extLst>
+          </p:cNvPr>
+          <p:cNvSpPr/>
+          <p:nvPr/>
+        </p:nvSpPr>
+        <p:spPr>
+          <a:xfrm>
+            <a:off x="2835612" y="3222292"/>
+            <a:ext cx="1422749" cy="360040"/>
+          </a:xfrm>
+          <a:prstGeom prst="roundRect">
+            <a:avLst>
+              <a:gd name="adj" fmla="val 6195"/>
+            </a:avLst>
+          </a:prstGeom>
+          <a:ln/>
+        </p:spPr>
+        <p:style>
+          <a:lnRef idx="2">
+            <a:schemeClr val="dk1"/>
+          </a:lnRef>
+          <a:fillRef idx="1">
+            <a:schemeClr val="lt1"/>
+          </a:fillRef>
+          <a:effectRef idx="0">
+            <a:schemeClr val="dk1"/>
+          </a:effectRef>
+          <a:fontRef idx="minor">
+            <a:schemeClr val="dk1"/>
+          </a:fontRef>
+        </p:style>
+        <p:txBody>
+          <a:bodyPr rtlCol="0" anchor="ctr"/>
+          <a:lstStyle/>
+          <a:p>
+            <a:pPr algn="ctr"/>
+            <a:r>
+              <a:rPr lang="en-US" altLang="ko-KR" sz="1400" dirty="0" err="1"/>
+              <a:t>eth0</a:t>
+            </a:r>
+            <a:endParaRPr lang="ko-KR" altLang="en-US" sz="1400" dirty="0"/>
+          </a:p>
+        </p:txBody>
+      </p:sp>
+      <p:sp>
+        <p:nvSpPr>
+          <p:cNvPr id="24" name="모서리가 둥근 직사각형 44">
+            <a:extLst>
+              <a:ext uri="{FF2B5EF4-FFF2-40B4-BE49-F238E27FC236}">
+                <a16:creationId xmlns:a16="http://schemas.microsoft.com/office/drawing/2014/main" id="{9B4218E2-A225-481E-8507-7EF5A1CBCB42}"/>
+              </a:ext>
+            </a:extLst>
+          </p:cNvPr>
+          <p:cNvSpPr/>
+          <p:nvPr/>
+        </p:nvSpPr>
+        <p:spPr>
+          <a:xfrm>
+            <a:off x="611561" y="2544915"/>
+            <a:ext cx="1428300" cy="360040"/>
+          </a:xfrm>
+          <a:prstGeom prst="roundRect">
+            <a:avLst>
+              <a:gd name="adj" fmla="val 6195"/>
+            </a:avLst>
+          </a:prstGeom>
+          <a:ln/>
+        </p:spPr>
+        <p:style>
+          <a:lnRef idx="2">
+            <a:schemeClr val="dk1"/>
+          </a:lnRef>
+          <a:fillRef idx="1">
+            <a:schemeClr val="lt1"/>
+          </a:fillRef>
+          <a:effectRef idx="0">
+            <a:schemeClr val="dk1"/>
+          </a:effectRef>
+          <a:fontRef idx="minor">
+            <a:schemeClr val="dk1"/>
+          </a:fontRef>
+        </p:style>
+        <p:txBody>
+          <a:bodyPr rtlCol="0" anchor="ctr"/>
+          <a:lstStyle/>
+          <a:p>
+            <a:pPr algn="ctr"/>
+            <a:r>
+              <a:rPr lang="en-US" altLang="ko-KR" sz="1400"/>
+              <a:t>cilium_vxlan</a:t>
+            </a:r>
+            <a:endParaRPr lang="ko-KR" altLang="en-US" sz="1400" dirty="0"/>
+          </a:p>
+        </p:txBody>
+      </p:sp>
+      <p:cxnSp>
+        <p:nvCxnSpPr>
+          <p:cNvPr id="28" name="직선 연결선 27">
+            <a:extLst>
+              <a:ext uri="{FF2B5EF4-FFF2-40B4-BE49-F238E27FC236}">
+                <a16:creationId xmlns:a16="http://schemas.microsoft.com/office/drawing/2014/main" id="{3C0857F0-86B6-4F75-9994-45B428A3D122}"/>
+              </a:ext>
+            </a:extLst>
+          </p:cNvPr>
+          <p:cNvCxnSpPr>
+            <a:cxnSpLocks/>
+            <a:stCxn id="24" idx="2"/>
+            <a:endCxn id="55" idx="1"/>
+          </p:cNvCxnSpPr>
+          <p:nvPr/>
+        </p:nvCxnSpPr>
+        <p:spPr>
+          <a:xfrm>
+            <a:off x="1325711" y="2904955"/>
+            <a:ext cx="1509901" cy="86661"/>
+          </a:xfrm>
+          <a:prstGeom prst="line">
+            <a:avLst/>
+          </a:prstGeom>
+          <a:ln w="19050">
+            <a:solidFill>
+              <a:schemeClr val="tx1"/>
+            </a:solidFill>
+          </a:ln>
+        </p:spPr>
+        <p:style>
+          <a:lnRef idx="1">
+            <a:schemeClr val="accent1"/>
+          </a:lnRef>
+          <a:fillRef idx="0">
+            <a:schemeClr val="accent1"/>
+          </a:fillRef>
+          <a:effectRef idx="0">
+            <a:schemeClr val="accent1"/>
+          </a:effectRef>
+          <a:fontRef idx="minor">
+            <a:schemeClr val="tx1"/>
+          </a:fontRef>
+        </p:style>
+      </p:cxnSp>
+      <p:sp>
+        <p:nvSpPr>
+          <p:cNvPr id="46" name="모서리가 둥근 직사각형 44">
+            <a:extLst>
+              <a:ext uri="{FF2B5EF4-FFF2-40B4-BE49-F238E27FC236}">
+                <a16:creationId xmlns:a16="http://schemas.microsoft.com/office/drawing/2014/main" id="{D450BBF5-D62A-4960-9314-9C347AD4F921}"/>
+              </a:ext>
+            </a:extLst>
+          </p:cNvPr>
+          <p:cNvSpPr/>
+          <p:nvPr/>
+        </p:nvSpPr>
+        <p:spPr>
+          <a:xfrm>
+            <a:off x="611561" y="2286188"/>
+            <a:ext cx="1428300" cy="263120"/>
+          </a:xfrm>
+          <a:prstGeom prst="roundRect">
+            <a:avLst>
+              <a:gd name="adj" fmla="val 6195"/>
+            </a:avLst>
+          </a:prstGeom>
+          <a:solidFill>
+            <a:schemeClr val="bg1">
+              <a:lumMod val="85000"/>
+            </a:schemeClr>
+          </a:solidFill>
+          <a:ln/>
+        </p:spPr>
+        <p:style>
+          <a:lnRef idx="2">
+            <a:schemeClr val="dk1"/>
+          </a:lnRef>
+          <a:fillRef idx="1">
+            <a:schemeClr val="lt1"/>
+          </a:fillRef>
+          <a:effectRef idx="0">
+            <a:schemeClr val="dk1"/>
+          </a:effectRef>
+          <a:fontRef idx="minor">
+            <a:schemeClr val="dk1"/>
+          </a:fontRef>
+        </p:style>
+        <p:txBody>
+          <a:bodyPr rtlCol="0" anchor="ctr"/>
+          <a:lstStyle/>
+          <a:p>
+            <a:pPr algn="ctr"/>
+            <a:r>
+              <a:rPr lang="en-US" altLang="ko-KR" sz="1400"/>
+              <a:t>act ingress</a:t>
+            </a:r>
+            <a:endParaRPr lang="ko-KR" altLang="en-US" sz="1400" dirty="0"/>
+          </a:p>
+        </p:txBody>
+      </p:sp>
+      <p:sp>
+        <p:nvSpPr>
+          <p:cNvPr id="5" name="타원 4">
+            <a:extLst>
+              <a:ext uri="{FF2B5EF4-FFF2-40B4-BE49-F238E27FC236}">
+                <a16:creationId xmlns:a16="http://schemas.microsoft.com/office/drawing/2014/main" id="{8194D272-B43E-4BB1-A49A-592640D66DB3}"/>
+              </a:ext>
+            </a:extLst>
+          </p:cNvPr>
+          <p:cNvSpPr/>
+          <p:nvPr/>
+        </p:nvSpPr>
+        <p:spPr>
+          <a:xfrm>
+            <a:off x="2348264" y="2065132"/>
+            <a:ext cx="87494" cy="87494"/>
+          </a:xfrm>
+          <a:prstGeom prst="ellipse">
+            <a:avLst/>
+          </a:prstGeom>
+          <a:solidFill>
+            <a:schemeClr val="tx1"/>
+          </a:solidFill>
+          <a:ln>
+            <a:noFill/>
+          </a:ln>
+        </p:spPr>
+        <p:style>
+          <a:lnRef idx="2">
+            <a:schemeClr val="accent1">
+              <a:shade val="50000"/>
+            </a:schemeClr>
+          </a:lnRef>
+          <a:fillRef idx="1">
+            <a:schemeClr val="accent1"/>
+          </a:fillRef>
+          <a:effectRef idx="0">
+            <a:schemeClr val="accent1"/>
+          </a:effectRef>
+          <a:fontRef idx="minor">
+            <a:schemeClr val="lt1"/>
+          </a:fontRef>
+        </p:style>
+        <p:txBody>
+          <a:bodyPr rtlCol="0" anchor="ctr"/>
+          <a:lstStyle/>
+          <a:p>
+            <a:pPr algn="ctr"/>
+            <a:endParaRPr lang="ko-KR" altLang="en-US"/>
+          </a:p>
+        </p:txBody>
+      </p:sp>
+      <p:sp>
+        <p:nvSpPr>
+          <p:cNvPr id="51" name="타원 50">
+            <a:extLst>
+              <a:ext uri="{FF2B5EF4-FFF2-40B4-BE49-F238E27FC236}">
+                <a16:creationId xmlns:a16="http://schemas.microsoft.com/office/drawing/2014/main" id="{38090923-DF75-4B25-83B9-B2A6982C5178}"/>
+              </a:ext>
+            </a:extLst>
+          </p:cNvPr>
+          <p:cNvSpPr/>
+          <p:nvPr/>
+        </p:nvSpPr>
+        <p:spPr>
+          <a:xfrm>
+            <a:off x="2348264" y="1890144"/>
+            <a:ext cx="87494" cy="87494"/>
+          </a:xfrm>
+          <a:prstGeom prst="ellipse">
+            <a:avLst/>
+          </a:prstGeom>
+          <a:solidFill>
+            <a:schemeClr val="tx1"/>
+          </a:solidFill>
+          <a:ln>
+            <a:noFill/>
+          </a:ln>
+        </p:spPr>
+        <p:style>
+          <a:lnRef idx="2">
+            <a:schemeClr val="accent1">
+              <a:shade val="50000"/>
+            </a:schemeClr>
+          </a:lnRef>
+          <a:fillRef idx="1">
+            <a:schemeClr val="accent1"/>
+          </a:fillRef>
+          <a:effectRef idx="0">
+            <a:schemeClr val="accent1"/>
+          </a:effectRef>
+          <a:fontRef idx="minor">
+            <a:schemeClr val="lt1"/>
+          </a:fontRef>
+        </p:style>
+        <p:txBody>
+          <a:bodyPr rtlCol="0" anchor="ctr"/>
+          <a:lstStyle/>
+          <a:p>
+            <a:pPr algn="ctr"/>
+            <a:endParaRPr lang="ko-KR" altLang="en-US"/>
+          </a:p>
+        </p:txBody>
+      </p:sp>
+      <p:sp>
+        <p:nvSpPr>
+          <p:cNvPr id="52" name="타원 51">
+            <a:extLst>
+              <a:ext uri="{FF2B5EF4-FFF2-40B4-BE49-F238E27FC236}">
+                <a16:creationId xmlns:a16="http://schemas.microsoft.com/office/drawing/2014/main" id="{4C9D108C-4499-417A-B998-D83F2C0C79AD}"/>
+              </a:ext>
+            </a:extLst>
+          </p:cNvPr>
+          <p:cNvSpPr/>
+          <p:nvPr/>
+        </p:nvSpPr>
+        <p:spPr>
+          <a:xfrm>
+            <a:off x="2348264" y="1710124"/>
+            <a:ext cx="87494" cy="87494"/>
+          </a:xfrm>
+          <a:prstGeom prst="ellipse">
+            <a:avLst/>
+          </a:prstGeom>
+          <a:solidFill>
+            <a:schemeClr val="tx1"/>
+          </a:solidFill>
+          <a:ln>
+            <a:noFill/>
+          </a:ln>
+        </p:spPr>
+        <p:style>
+          <a:lnRef idx="2">
+            <a:schemeClr val="accent1">
+              <a:shade val="50000"/>
+            </a:schemeClr>
+          </a:lnRef>
+          <a:fillRef idx="1">
+            <a:schemeClr val="accent1"/>
+          </a:fillRef>
+          <a:effectRef idx="0">
+            <a:schemeClr val="accent1"/>
+          </a:effectRef>
+          <a:fontRef idx="minor">
+            <a:schemeClr val="lt1"/>
+          </a:fontRef>
+        </p:style>
+        <p:txBody>
+          <a:bodyPr rtlCol="0" anchor="ctr"/>
+          <a:lstStyle/>
+          <a:p>
+            <a:pPr algn="ctr"/>
+            <a:endParaRPr lang="ko-KR" altLang="en-US"/>
+          </a:p>
+        </p:txBody>
+      </p:sp>
+      <p:sp>
+        <p:nvSpPr>
+          <p:cNvPr id="55" name="모서리가 둥근 직사각형 44">
+            <a:extLst>
+              <a:ext uri="{FF2B5EF4-FFF2-40B4-BE49-F238E27FC236}">
+                <a16:creationId xmlns:a16="http://schemas.microsoft.com/office/drawing/2014/main" id="{5F9D92F4-CB37-49F2-90D9-9C51F48004B6}"/>
+              </a:ext>
+            </a:extLst>
+          </p:cNvPr>
+          <p:cNvSpPr/>
+          <p:nvPr/>
+        </p:nvSpPr>
+        <p:spPr>
+          <a:xfrm>
+            <a:off x="2835612" y="2760940"/>
+            <a:ext cx="1419974" cy="461352"/>
+          </a:xfrm>
+          <a:prstGeom prst="roundRect">
+            <a:avLst>
+              <a:gd name="adj" fmla="val 6195"/>
+            </a:avLst>
+          </a:prstGeom>
+          <a:solidFill>
+            <a:schemeClr val="bg1">
+              <a:lumMod val="85000"/>
+            </a:schemeClr>
+          </a:solidFill>
+          <a:ln/>
+        </p:spPr>
+        <p:style>
+          <a:lnRef idx="2">
+            <a:schemeClr val="dk1"/>
+          </a:lnRef>
+          <a:fillRef idx="1">
+            <a:schemeClr val="lt1"/>
+          </a:fillRef>
+          <a:effectRef idx="0">
+            <a:schemeClr val="dk1"/>
+          </a:effectRef>
+          <a:fontRef idx="minor">
+            <a:schemeClr val="dk1"/>
+          </a:fontRef>
+        </p:style>
+        <p:txBody>
+          <a:bodyPr rtlCol="0" anchor="ctr"/>
+          <a:lstStyle/>
+          <a:p>
+            <a:pPr algn="ctr"/>
+            <a:r>
+              <a:rPr lang="en-US" altLang="ko-KR" sz="1400"/>
+              <a:t>Generic XDP</a:t>
+            </a:r>
+          </a:p>
+          <a:p>
+            <a:pPr algn="ctr"/>
+            <a:r>
+              <a:rPr lang="en-US" altLang="ko-KR" sz="1400"/>
+              <a:t>or Native XDP</a:t>
+            </a:r>
+            <a:endParaRPr lang="ko-KR" altLang="en-US" sz="1400" dirty="0"/>
+          </a:p>
+        </p:txBody>
+      </p:sp>
+      <p:sp>
+        <p:nvSpPr>
+          <p:cNvPr id="57" name="모서리가 둥근 직사각형 44">
+            <a:extLst>
+              <a:ext uri="{FF2B5EF4-FFF2-40B4-BE49-F238E27FC236}">
+                <a16:creationId xmlns:a16="http://schemas.microsoft.com/office/drawing/2014/main" id="{3CD655E8-908F-4700-A528-8A213F93AE54}"/>
+              </a:ext>
+            </a:extLst>
+          </p:cNvPr>
+          <p:cNvSpPr/>
+          <p:nvPr/>
+        </p:nvSpPr>
+        <p:spPr>
+          <a:xfrm>
+            <a:off x="4716034" y="1311610"/>
+            <a:ext cx="3847158" cy="2700300"/>
+          </a:xfrm>
+          <a:prstGeom prst="roundRect">
+            <a:avLst>
+              <a:gd name="adj" fmla="val 1946"/>
+            </a:avLst>
+          </a:prstGeom>
+          <a:ln/>
+        </p:spPr>
+        <p:style>
+          <a:lnRef idx="2">
+            <a:schemeClr val="dk1"/>
+          </a:lnRef>
+          <a:fillRef idx="1">
+            <a:schemeClr val="lt1"/>
+          </a:fillRef>
+          <a:effectRef idx="0">
+            <a:schemeClr val="dk1"/>
+          </a:effectRef>
+          <a:fontRef idx="minor">
+            <a:schemeClr val="dk1"/>
+          </a:fontRef>
+        </p:style>
+        <p:txBody>
+          <a:bodyPr rtlCol="0" anchor="b"/>
+          <a:lstStyle/>
+          <a:p>
+            <a:r>
+              <a:rPr lang="en-US" altLang="ko-KR" sz="1600" b="1"/>
+              <a:t>Host - Host L3</a:t>
+            </a:r>
+            <a:endParaRPr lang="en-US" altLang="ko-KR" sz="1600" b="1" dirty="0"/>
+          </a:p>
+        </p:txBody>
+      </p:sp>
+      <p:sp>
+        <p:nvSpPr>
+          <p:cNvPr id="58" name="모서리가 둥근 직사각형 44">
+            <a:extLst>
+              <a:ext uri="{FF2B5EF4-FFF2-40B4-BE49-F238E27FC236}">
+                <a16:creationId xmlns:a16="http://schemas.microsoft.com/office/drawing/2014/main" id="{D6F0F791-D83B-43A4-B11B-FE0C91EFF4AB}"/>
+              </a:ext>
+            </a:extLst>
+          </p:cNvPr>
+          <p:cNvSpPr/>
+          <p:nvPr/>
+        </p:nvSpPr>
+        <p:spPr>
+          <a:xfrm>
+            <a:off x="7042826" y="3542900"/>
+            <a:ext cx="1422749" cy="360040"/>
+          </a:xfrm>
+          <a:prstGeom prst="roundRect">
+            <a:avLst>
+              <a:gd name="adj" fmla="val 6195"/>
+            </a:avLst>
+          </a:prstGeom>
+          <a:ln/>
+        </p:spPr>
+        <p:style>
+          <a:lnRef idx="2">
+            <a:schemeClr val="dk1"/>
+          </a:lnRef>
+          <a:fillRef idx="1">
+            <a:schemeClr val="lt1"/>
+          </a:fillRef>
+          <a:effectRef idx="0">
+            <a:schemeClr val="dk1"/>
+          </a:effectRef>
+          <a:fontRef idx="minor">
+            <a:schemeClr val="dk1"/>
+          </a:fontRef>
+        </p:style>
+        <p:txBody>
+          <a:bodyPr rtlCol="0" anchor="ctr"/>
+          <a:lstStyle/>
+          <a:p>
+            <a:pPr algn="ctr"/>
+            <a:r>
+              <a:rPr lang="en-US" altLang="ko-KR" sz="1400" dirty="0" err="1"/>
+              <a:t>eth0</a:t>
+            </a:r>
+            <a:endParaRPr lang="ko-KR" altLang="en-US" sz="1400" dirty="0"/>
+          </a:p>
+        </p:txBody>
+      </p:sp>
+      <p:sp>
+        <p:nvSpPr>
+          <p:cNvPr id="63" name="타원 62">
+            <a:extLst>
+              <a:ext uri="{FF2B5EF4-FFF2-40B4-BE49-F238E27FC236}">
+                <a16:creationId xmlns:a16="http://schemas.microsoft.com/office/drawing/2014/main" id="{01F9E6B7-BB7B-4410-B563-985283AD7AA5}"/>
+              </a:ext>
+            </a:extLst>
+          </p:cNvPr>
+          <p:cNvSpPr/>
+          <p:nvPr/>
+        </p:nvSpPr>
+        <p:spPr>
+          <a:xfrm>
+            <a:off x="6555478" y="1796752"/>
+            <a:ext cx="87494" cy="87494"/>
+          </a:xfrm>
+          <a:prstGeom prst="ellipse">
+            <a:avLst/>
+          </a:prstGeom>
+          <a:solidFill>
+            <a:schemeClr val="tx1"/>
+          </a:solidFill>
+          <a:ln>
+            <a:noFill/>
+          </a:ln>
+        </p:spPr>
+        <p:style>
+          <a:lnRef idx="2">
+            <a:schemeClr val="accent1">
+              <a:shade val="50000"/>
+            </a:schemeClr>
+          </a:lnRef>
+          <a:fillRef idx="1">
+            <a:schemeClr val="accent1"/>
+          </a:fillRef>
+          <a:effectRef idx="0">
+            <a:schemeClr val="accent1"/>
+          </a:effectRef>
+          <a:fontRef idx="minor">
+            <a:schemeClr val="lt1"/>
+          </a:fontRef>
+        </p:style>
+        <p:txBody>
+          <a:bodyPr rtlCol="0" anchor="ctr"/>
+          <a:lstStyle/>
+          <a:p>
+            <a:pPr algn="ctr"/>
+            <a:endParaRPr lang="ko-KR" altLang="en-US"/>
+          </a:p>
+        </p:txBody>
+      </p:sp>
+      <p:sp>
+        <p:nvSpPr>
+          <p:cNvPr id="64" name="타원 63">
+            <a:extLst>
+              <a:ext uri="{FF2B5EF4-FFF2-40B4-BE49-F238E27FC236}">
+                <a16:creationId xmlns:a16="http://schemas.microsoft.com/office/drawing/2014/main" id="{EE42C681-3114-440F-B9D2-4D5BEA71DCEE}"/>
+              </a:ext>
+            </a:extLst>
+          </p:cNvPr>
+          <p:cNvSpPr/>
+          <p:nvPr/>
+        </p:nvSpPr>
+        <p:spPr>
+          <a:xfrm>
+            <a:off x="6555478" y="1621764"/>
+            <a:ext cx="87494" cy="87494"/>
+          </a:xfrm>
+          <a:prstGeom prst="ellipse">
+            <a:avLst/>
+          </a:prstGeom>
+          <a:solidFill>
+            <a:schemeClr val="tx1"/>
+          </a:solidFill>
+          <a:ln>
+            <a:noFill/>
+          </a:ln>
+        </p:spPr>
+        <p:style>
+          <a:lnRef idx="2">
+            <a:schemeClr val="accent1">
+              <a:shade val="50000"/>
+            </a:schemeClr>
+          </a:lnRef>
+          <a:fillRef idx="1">
+            <a:schemeClr val="accent1"/>
+          </a:fillRef>
+          <a:effectRef idx="0">
+            <a:schemeClr val="accent1"/>
+          </a:effectRef>
+          <a:fontRef idx="minor">
+            <a:schemeClr val="lt1"/>
+          </a:fontRef>
+        </p:style>
+        <p:txBody>
+          <a:bodyPr rtlCol="0" anchor="ctr"/>
+          <a:lstStyle/>
+          <a:p>
+            <a:pPr algn="ctr"/>
+            <a:endParaRPr lang="ko-KR" altLang="en-US"/>
+          </a:p>
+        </p:txBody>
+      </p:sp>
+      <p:sp>
+        <p:nvSpPr>
+          <p:cNvPr id="65" name="타원 64">
+            <a:extLst>
+              <a:ext uri="{FF2B5EF4-FFF2-40B4-BE49-F238E27FC236}">
+                <a16:creationId xmlns:a16="http://schemas.microsoft.com/office/drawing/2014/main" id="{CFC6DCFB-B53F-40DB-B877-0C00E4773604}"/>
+              </a:ext>
+            </a:extLst>
+          </p:cNvPr>
+          <p:cNvSpPr/>
+          <p:nvPr/>
+        </p:nvSpPr>
+        <p:spPr>
+          <a:xfrm>
+            <a:off x="6555478" y="1441744"/>
+            <a:ext cx="87494" cy="87494"/>
+          </a:xfrm>
+          <a:prstGeom prst="ellipse">
+            <a:avLst/>
+          </a:prstGeom>
+          <a:solidFill>
+            <a:schemeClr val="tx1"/>
+          </a:solidFill>
+          <a:ln>
+            <a:noFill/>
+          </a:ln>
+        </p:spPr>
+        <p:style>
+          <a:lnRef idx="2">
+            <a:schemeClr val="accent1">
+              <a:shade val="50000"/>
+            </a:schemeClr>
+          </a:lnRef>
+          <a:fillRef idx="1">
+            <a:schemeClr val="accent1"/>
+          </a:fillRef>
+          <a:effectRef idx="0">
+            <a:schemeClr val="accent1"/>
+          </a:effectRef>
+          <a:fontRef idx="minor">
+            <a:schemeClr val="lt1"/>
+          </a:fontRef>
+        </p:style>
+        <p:txBody>
+          <a:bodyPr rtlCol="0" anchor="ctr"/>
+          <a:lstStyle/>
+          <a:p>
+            <a:pPr algn="ctr"/>
+            <a:endParaRPr lang="ko-KR" altLang="en-US"/>
+          </a:p>
+        </p:txBody>
+      </p:sp>
+      <p:sp>
+        <p:nvSpPr>
+          <p:cNvPr id="66" name="모서리가 둥근 직사각형 44">
+            <a:extLst>
+              <a:ext uri="{FF2B5EF4-FFF2-40B4-BE49-F238E27FC236}">
+                <a16:creationId xmlns:a16="http://schemas.microsoft.com/office/drawing/2014/main" id="{4F0CA634-3239-4F60-82EA-F742E5E03C98}"/>
+              </a:ext>
+            </a:extLst>
+          </p:cNvPr>
+          <p:cNvSpPr/>
+          <p:nvPr/>
+        </p:nvSpPr>
+        <p:spPr>
+          <a:xfrm>
+            <a:off x="7040051" y="3081548"/>
+            <a:ext cx="1422749" cy="461352"/>
+          </a:xfrm>
+          <a:prstGeom prst="roundRect">
+            <a:avLst>
+              <a:gd name="adj" fmla="val 6195"/>
+            </a:avLst>
+          </a:prstGeom>
+          <a:solidFill>
+            <a:schemeClr val="bg1">
+              <a:lumMod val="85000"/>
+            </a:schemeClr>
+          </a:solidFill>
+          <a:ln/>
+        </p:spPr>
+        <p:style>
+          <a:lnRef idx="2">
+            <a:schemeClr val="dk1"/>
+          </a:lnRef>
+          <a:fillRef idx="1">
+            <a:schemeClr val="lt1"/>
+          </a:fillRef>
+          <a:effectRef idx="0">
+            <a:schemeClr val="dk1"/>
+          </a:effectRef>
+          <a:fontRef idx="minor">
+            <a:schemeClr val="dk1"/>
+          </a:fontRef>
+        </p:style>
+        <p:txBody>
+          <a:bodyPr rtlCol="0" anchor="ctr"/>
+          <a:lstStyle/>
+          <a:p>
+            <a:pPr algn="ctr"/>
+            <a:r>
+              <a:rPr lang="en-US" altLang="ko-KR" sz="1400"/>
+              <a:t>Generic XDP</a:t>
+            </a:r>
+          </a:p>
+          <a:p>
+            <a:pPr algn="ctr"/>
+            <a:r>
+              <a:rPr lang="en-US" altLang="ko-KR" sz="1400"/>
+              <a:t>or Native XDP</a:t>
+            </a:r>
+            <a:endParaRPr lang="ko-KR" altLang="en-US" sz="1400" dirty="0"/>
+          </a:p>
+        </p:txBody>
+      </p:sp>
+      <p:graphicFrame>
+        <p:nvGraphicFramePr>
+          <p:cNvPr id="68" name="표 67">
+            <a:extLst>
+              <a:ext uri="{FF2B5EF4-FFF2-40B4-BE49-F238E27FC236}">
+                <a16:creationId xmlns:a16="http://schemas.microsoft.com/office/drawing/2014/main" id="{00FD4302-6E45-418F-B046-F22316E910AA}"/>
+              </a:ext>
+            </a:extLst>
+          </p:cNvPr>
+          <p:cNvGraphicFramePr>
+            <a:graphicFrameLocks noGrp="1"/>
+          </p:cNvGraphicFramePr>
+          <p:nvPr>
+            <p:extLst/>
+          </p:nvPr>
+        </p:nvGraphicFramePr>
+        <p:xfrm>
+          <a:off x="5023813" y="1989136"/>
+          <a:ext cx="3231599" cy="936100"/>
+        </p:xfrm>
+        <a:graphic>
+          <a:graphicData uri="http://schemas.openxmlformats.org/drawingml/2006/table">
+            <a:tbl>
+              <a:tblPr firstRow="1" bandRow="1">
+                <a:tableStyleId>{2D5ABB26-0587-4C30-8999-92F81FD0307C}</a:tableStyleId>
+              </a:tblPr>
+              <a:tblGrid>
+                <a:gridCol w="1099964">
+                  <a:extLst>
+                    <a:ext uri="{9D8B030D-6E8A-4147-A177-3AD203B41FA5}">
+                      <a16:colId xmlns:a16="http://schemas.microsoft.com/office/drawing/2014/main" val="20000"/>
+                    </a:ext>
+                  </a:extLst>
+                </a:gridCol>
+                <a:gridCol w="1067971">
+                  <a:extLst>
+                    <a:ext uri="{9D8B030D-6E8A-4147-A177-3AD203B41FA5}">
+                      <a16:colId xmlns:a16="http://schemas.microsoft.com/office/drawing/2014/main" val="2132610268"/>
+                    </a:ext>
+                  </a:extLst>
+                </a:gridCol>
+                <a:gridCol w="1063664">
+                  <a:extLst>
+                    <a:ext uri="{9D8B030D-6E8A-4147-A177-3AD203B41FA5}">
+                      <a16:colId xmlns:a16="http://schemas.microsoft.com/office/drawing/2014/main" val="20001"/>
+                    </a:ext>
+                  </a:extLst>
+                </a:gridCol>
+              </a:tblGrid>
+              <a:tr h="312035">
+                <a:tc>
+                  <a:txBody>
+                    <a:bodyPr/>
+                    <a:lstStyle/>
+                    <a:p>
+                      <a:pPr latinLnBrk="1"/>
+                      <a:r>
+                        <a:rPr lang="en-US" altLang="ko-KR" sz="1100" dirty="0"/>
+                        <a:t>10.0.0.0/24</a:t>
+                      </a:r>
+                      <a:endParaRPr lang="ko-KR" altLang="en-US" sz="1100" dirty="0"/>
+                    </a:p>
+                  </a:txBody>
+                  <a:tcPr anchor="ctr">
+                    <a:lnL w="19050" cap="flat" cmpd="sng" algn="ctr">
+                      <a:solidFill>
+                        <a:schemeClr val="tx1"/>
+                      </a:solidFill>
+                      <a:prstDash val="solid"/>
+                      <a:round/>
+                      <a:headEnd type="none" w="med" len="med"/>
+                      <a:tailEnd type="none" w="med" len="med"/>
+                    </a:lnL>
+                    <a:lnR w="19050" cap="flat" cmpd="sng" algn="ctr">
+                      <a:solidFill>
+                        <a:schemeClr val="tx1"/>
+                      </a:solidFill>
+                      <a:prstDash val="solid"/>
+                      <a:round/>
+                      <a:headEnd type="none" w="med" len="med"/>
+                      <a:tailEnd type="none" w="med" len="med"/>
+                    </a:lnR>
+                    <a:lnT w="19050" cap="flat" cmpd="sng" algn="ctr">
+                      <a:solidFill>
+                        <a:schemeClr val="tx1"/>
+                      </a:solidFill>
+                      <a:prstDash val="solid"/>
+                      <a:round/>
+                      <a:headEnd type="none" w="med" len="med"/>
+                      <a:tailEnd type="none" w="med" len="med"/>
+                    </a:lnT>
+                    <a:lnB w="19050" cap="flat" cmpd="sng" algn="ctr">
+                      <a:solidFill>
+                        <a:schemeClr val="tx1"/>
+                      </a:solidFill>
+                      <a:prstDash val="solid"/>
+                      <a:round/>
+                      <a:headEnd type="none" w="med" len="med"/>
+                      <a:tailEnd type="none" w="med" len="med"/>
+                    </a:lnB>
+                  </a:tcPr>
+                </a:tc>
+                <a:tc>
+                  <a:txBody>
+                    <a:bodyPr/>
+                    <a:lstStyle/>
+                    <a:p>
+                      <a:pPr latinLnBrk="1"/>
+                      <a:r>
+                        <a:rPr lang="en-US" altLang="ko-KR" sz="1100"/>
+                        <a:t>0.0.0.0</a:t>
+                      </a:r>
+                      <a:endParaRPr lang="ko-KR" altLang="en-US" sz="1100" dirty="0"/>
+                    </a:p>
+                  </a:txBody>
+                  <a:tcPr anchor="ctr">
+                    <a:lnL w="19050" cap="flat" cmpd="sng" algn="ctr">
+                      <a:solidFill>
+                        <a:schemeClr val="tx1"/>
+                      </a:solidFill>
+                      <a:prstDash val="solid"/>
+                      <a:round/>
+                      <a:headEnd type="none" w="med" len="med"/>
+                      <a:tailEnd type="none" w="med" len="med"/>
+                    </a:lnL>
+                    <a:lnR w="19050" cap="flat" cmpd="sng" algn="ctr">
+                      <a:solidFill>
+                        <a:schemeClr val="tx1"/>
+                      </a:solidFill>
+                      <a:prstDash val="solid"/>
+                      <a:round/>
+                      <a:headEnd type="none" w="med" len="med"/>
+                      <a:tailEnd type="none" w="med" len="med"/>
+                    </a:lnR>
+                    <a:lnT w="19050" cap="flat" cmpd="sng" algn="ctr">
+                      <a:solidFill>
+                        <a:schemeClr val="tx1"/>
+                      </a:solidFill>
+                      <a:prstDash val="solid"/>
+                      <a:round/>
+                      <a:headEnd type="none" w="med" len="med"/>
+                      <a:tailEnd type="none" w="med" len="med"/>
+                    </a:lnT>
+                    <a:lnB w="19050" cap="flat" cmpd="sng" algn="ctr">
+                      <a:solidFill>
+                        <a:schemeClr val="tx1"/>
+                      </a:solidFill>
+                      <a:prstDash val="solid"/>
+                      <a:round/>
+                      <a:headEnd type="none" w="med" len="med"/>
+                      <a:tailEnd type="none" w="med" len="med"/>
+                    </a:lnB>
+                  </a:tcPr>
+                </a:tc>
+                <a:tc>
+                  <a:txBody>
+                    <a:bodyPr/>
+                    <a:lstStyle/>
+                    <a:p>
+                      <a:pPr latinLnBrk="1"/>
+                      <a:r>
+                        <a:rPr lang="en-US" altLang="ko-KR" sz="1100"/>
+                        <a:t>eth0</a:t>
+                      </a:r>
+                      <a:endParaRPr lang="ko-KR" altLang="en-US" sz="1100" dirty="0"/>
+                    </a:p>
+                  </a:txBody>
+                  <a:tcPr anchor="ctr">
+                    <a:lnL w="19050" cap="flat" cmpd="sng" algn="ctr">
+                      <a:solidFill>
+                        <a:schemeClr val="tx1"/>
+                      </a:solidFill>
+                      <a:prstDash val="solid"/>
+                      <a:round/>
+                      <a:headEnd type="none" w="med" len="med"/>
+                      <a:tailEnd type="none" w="med" len="med"/>
+                    </a:lnL>
+                    <a:lnR w="19050" cap="flat" cmpd="sng" algn="ctr">
+                      <a:solidFill>
+                        <a:schemeClr val="tx1"/>
+                      </a:solidFill>
+                      <a:prstDash val="solid"/>
+                      <a:round/>
+                      <a:headEnd type="none" w="med" len="med"/>
+                      <a:tailEnd type="none" w="med" len="med"/>
+                    </a:lnR>
+                    <a:lnT w="19050" cap="flat" cmpd="sng" algn="ctr">
+                      <a:solidFill>
+                        <a:schemeClr val="tx1"/>
+                      </a:solidFill>
+                      <a:prstDash val="solid"/>
+                      <a:round/>
+                      <a:headEnd type="none" w="med" len="med"/>
+                      <a:tailEnd type="none" w="med" len="med"/>
+                    </a:lnT>
+                    <a:lnB w="19050" cap="flat" cmpd="sng" algn="ctr">
+                      <a:solidFill>
+                        <a:schemeClr val="tx1"/>
+                      </a:solidFill>
+                      <a:prstDash val="solid"/>
+                      <a:round/>
+                      <a:headEnd type="none" w="med" len="med"/>
+                      <a:tailEnd type="none" w="med" len="med"/>
+                    </a:lnB>
+                  </a:tcPr>
+                </a:tc>
+                <a:extLst>
+                  <a:ext uri="{0D108BD9-81ED-4DB2-BD59-A6C34878D82A}">
+                    <a16:rowId xmlns:a16="http://schemas.microsoft.com/office/drawing/2014/main" val="10000"/>
+                  </a:ext>
+                </a:extLst>
+              </a:tr>
+              <a:tr h="312035">
+                <a:tc>
+                  <a:txBody>
+                    <a:bodyPr/>
+                    <a:lstStyle/>
+                    <a:p>
+                      <a:pPr latinLnBrk="1"/>
+                      <a:r>
+                        <a:rPr lang="en-US" altLang="ko-KR" sz="1100"/>
+                        <a:t>192.167.3.0/24</a:t>
+                      </a:r>
+                      <a:endParaRPr lang="ko-KR" altLang="en-US" sz="1100" dirty="0"/>
+                    </a:p>
+                  </a:txBody>
+                  <a:tcPr anchor="ctr">
+                    <a:lnL w="19050" cap="flat" cmpd="sng" algn="ctr">
+                      <a:solidFill>
+                        <a:schemeClr val="tx1"/>
+                      </a:solidFill>
+                      <a:prstDash val="solid"/>
+                      <a:round/>
+                      <a:headEnd type="none" w="med" len="med"/>
+                      <a:tailEnd type="none" w="med" len="med"/>
+                    </a:lnL>
+                    <a:lnR w="19050" cap="flat" cmpd="sng" algn="ctr">
+                      <a:solidFill>
+                        <a:schemeClr val="tx1"/>
+                      </a:solidFill>
+                      <a:prstDash val="solid"/>
+                      <a:round/>
+                      <a:headEnd type="none" w="med" len="med"/>
+                      <a:tailEnd type="none" w="med" len="med"/>
+                    </a:lnR>
+                    <a:lnT w="19050" cap="flat" cmpd="sng" algn="ctr">
+                      <a:solidFill>
+                        <a:schemeClr val="tx1"/>
+                      </a:solidFill>
+                      <a:prstDash val="solid"/>
+                      <a:round/>
+                      <a:headEnd type="none" w="med" len="med"/>
+                      <a:tailEnd type="none" w="med" len="med"/>
+                    </a:lnT>
+                    <a:lnB w="19050" cap="flat" cmpd="sng" algn="ctr">
+                      <a:solidFill>
+                        <a:schemeClr val="tx1"/>
+                      </a:solidFill>
+                      <a:prstDash val="solid"/>
+                      <a:round/>
+                      <a:headEnd type="none" w="med" len="med"/>
+                      <a:tailEnd type="none" w="med" len="med"/>
+                    </a:lnB>
+                  </a:tcPr>
+                </a:tc>
+                <a:tc>
+                  <a:txBody>
+                    <a:bodyPr/>
+                    <a:lstStyle/>
+                    <a:p>
+                      <a:pPr latinLnBrk="1"/>
+                      <a:r>
+                        <a:rPr lang="en-US" altLang="ko-KR" sz="1100"/>
+                        <a:t>192.167.3.1</a:t>
+                      </a:r>
+                      <a:endParaRPr lang="ko-KR" altLang="en-US" sz="1100" dirty="0"/>
+                    </a:p>
+                  </a:txBody>
+                  <a:tcPr anchor="ctr">
+                    <a:lnL w="19050" cap="flat" cmpd="sng" algn="ctr">
+                      <a:solidFill>
+                        <a:schemeClr val="tx1"/>
+                      </a:solidFill>
+                      <a:prstDash val="solid"/>
+                      <a:round/>
+                      <a:headEnd type="none" w="med" len="med"/>
+                      <a:tailEnd type="none" w="med" len="med"/>
+                    </a:lnL>
+                    <a:lnR w="19050" cap="flat" cmpd="sng" algn="ctr">
+                      <a:solidFill>
+                        <a:schemeClr val="tx1"/>
+                      </a:solidFill>
+                      <a:prstDash val="solid"/>
+                      <a:round/>
+                      <a:headEnd type="none" w="med" len="med"/>
+                      <a:tailEnd type="none" w="med" len="med"/>
+                    </a:lnR>
+                    <a:lnT w="19050" cap="flat" cmpd="sng" algn="ctr">
+                      <a:solidFill>
+                        <a:schemeClr val="tx1"/>
+                      </a:solidFill>
+                      <a:prstDash val="solid"/>
+                      <a:round/>
+                      <a:headEnd type="none" w="med" len="med"/>
+                      <a:tailEnd type="none" w="med" len="med"/>
+                    </a:lnT>
+                    <a:lnB w="19050" cap="flat" cmpd="sng" algn="ctr">
+                      <a:solidFill>
+                        <a:schemeClr val="tx1"/>
+                      </a:solidFill>
+                      <a:prstDash val="solid"/>
+                      <a:round/>
+                      <a:headEnd type="none" w="med" len="med"/>
+                      <a:tailEnd type="none" w="med" len="med"/>
+                    </a:lnB>
+                  </a:tcPr>
+                </a:tc>
+                <a:tc>
+                  <a:txBody>
+                    <a:bodyPr/>
+                    <a:lstStyle/>
+                    <a:p>
+                      <a:pPr latinLnBrk="1"/>
+                      <a:r>
+                        <a:rPr lang="en-US" altLang="ko-KR" sz="1100"/>
+                        <a:t>cilium_host</a:t>
+                      </a:r>
+                      <a:endParaRPr lang="ko-KR" altLang="en-US" sz="1100" dirty="0"/>
+                    </a:p>
+                  </a:txBody>
+                  <a:tcPr anchor="ctr">
+                    <a:lnL w="19050" cap="flat" cmpd="sng" algn="ctr">
+                      <a:solidFill>
+                        <a:schemeClr val="tx1"/>
+                      </a:solidFill>
+                      <a:prstDash val="solid"/>
+                      <a:round/>
+                      <a:headEnd type="none" w="med" len="med"/>
+                      <a:tailEnd type="none" w="med" len="med"/>
+                    </a:lnL>
+                    <a:lnR w="19050" cap="flat" cmpd="sng" algn="ctr">
+                      <a:solidFill>
+                        <a:schemeClr val="tx1"/>
+                      </a:solidFill>
+                      <a:prstDash val="solid"/>
+                      <a:round/>
+                      <a:headEnd type="none" w="med" len="med"/>
+                      <a:tailEnd type="none" w="med" len="med"/>
+                    </a:lnR>
+                    <a:lnT w="19050" cap="flat" cmpd="sng" algn="ctr">
+                      <a:solidFill>
+                        <a:schemeClr val="tx1"/>
+                      </a:solidFill>
+                      <a:prstDash val="solid"/>
+                      <a:round/>
+                      <a:headEnd type="none" w="med" len="med"/>
+                      <a:tailEnd type="none" w="med" len="med"/>
+                    </a:lnT>
+                    <a:lnB w="19050" cap="flat" cmpd="sng" algn="ctr">
+                      <a:solidFill>
+                        <a:schemeClr val="tx1"/>
+                      </a:solidFill>
+                      <a:prstDash val="solid"/>
+                      <a:round/>
+                      <a:headEnd type="none" w="med" len="med"/>
+                      <a:tailEnd type="none" w="med" len="med"/>
+                    </a:lnB>
+                  </a:tcPr>
+                </a:tc>
+                <a:extLst>
+                  <a:ext uri="{0D108BD9-81ED-4DB2-BD59-A6C34878D82A}">
+                    <a16:rowId xmlns:a16="http://schemas.microsoft.com/office/drawing/2014/main" val="10001"/>
+                  </a:ext>
+                </a:extLst>
+              </a:tr>
+              <a:tr h="312030">
+                <a:tc>
+                  <a:txBody>
+                    <a:bodyPr/>
+                    <a:lstStyle/>
+                    <a:p>
+                      <a:pPr latinLnBrk="1"/>
+                      <a:r>
+                        <a:rPr lang="en-US" altLang="ko-KR" sz="1100"/>
+                        <a:t>192.167.3.1</a:t>
+                      </a:r>
+                      <a:endParaRPr lang="ko-KR" altLang="en-US" sz="1100" dirty="0"/>
+                    </a:p>
+                  </a:txBody>
+                  <a:tcPr anchor="ctr">
+                    <a:lnL w="19050" cap="flat" cmpd="sng" algn="ctr">
+                      <a:solidFill>
+                        <a:schemeClr val="tx1"/>
+                      </a:solidFill>
+                      <a:prstDash val="solid"/>
+                      <a:round/>
+                      <a:headEnd type="none" w="med" len="med"/>
+                      <a:tailEnd type="none" w="med" len="med"/>
+                    </a:lnL>
+                    <a:lnR w="19050" cap="flat" cmpd="sng" algn="ctr">
+                      <a:solidFill>
+                        <a:schemeClr val="tx1"/>
+                      </a:solidFill>
+                      <a:prstDash val="solid"/>
+                      <a:round/>
+                      <a:headEnd type="none" w="med" len="med"/>
+                      <a:tailEnd type="none" w="med" len="med"/>
+                    </a:lnR>
+                    <a:lnT w="19050" cap="flat" cmpd="sng" algn="ctr">
+                      <a:solidFill>
+                        <a:schemeClr val="tx1"/>
+                      </a:solidFill>
+                      <a:prstDash val="solid"/>
+                      <a:round/>
+                      <a:headEnd type="none" w="med" len="med"/>
+                      <a:tailEnd type="none" w="med" len="med"/>
+                    </a:lnT>
+                    <a:lnB w="19050" cap="flat" cmpd="sng" algn="ctr">
+                      <a:solidFill>
+                        <a:schemeClr val="tx1"/>
+                      </a:solidFill>
+                      <a:prstDash val="solid"/>
+                      <a:round/>
+                      <a:headEnd type="none" w="med" len="med"/>
+                      <a:tailEnd type="none" w="med" len="med"/>
+                    </a:lnB>
+                  </a:tcPr>
+                </a:tc>
+                <a:tc>
+                  <a:txBody>
+                    <a:bodyPr/>
+                    <a:lstStyle/>
+                    <a:p>
+                      <a:pPr latinLnBrk="1"/>
+                      <a:r>
+                        <a:rPr lang="en-US" altLang="ko-KR" sz="1100"/>
+                        <a:t>0.0.0.0</a:t>
+                      </a:r>
+                      <a:endParaRPr lang="ko-KR" altLang="en-US" sz="1100" dirty="0"/>
+                    </a:p>
+                  </a:txBody>
+                  <a:tcPr anchor="ctr">
+                    <a:lnL w="19050" cap="flat" cmpd="sng" algn="ctr">
+                      <a:solidFill>
+                        <a:schemeClr val="tx1"/>
+                      </a:solidFill>
+                      <a:prstDash val="solid"/>
+                      <a:round/>
+                      <a:headEnd type="none" w="med" len="med"/>
+                      <a:tailEnd type="none" w="med" len="med"/>
+                    </a:lnL>
+                    <a:lnR w="19050" cap="flat" cmpd="sng" algn="ctr">
+                      <a:solidFill>
+                        <a:schemeClr val="tx1"/>
+                      </a:solidFill>
+                      <a:prstDash val="solid"/>
+                      <a:round/>
+                      <a:headEnd type="none" w="med" len="med"/>
+                      <a:tailEnd type="none" w="med" len="med"/>
+                    </a:lnR>
+                    <a:lnT w="19050" cap="flat" cmpd="sng" algn="ctr">
+                      <a:solidFill>
+                        <a:schemeClr val="tx1"/>
+                      </a:solidFill>
+                      <a:prstDash val="solid"/>
+                      <a:round/>
+                      <a:headEnd type="none" w="med" len="med"/>
+                      <a:tailEnd type="none" w="med" len="med"/>
+                    </a:lnT>
+                    <a:lnB w="19050" cap="flat" cmpd="sng" algn="ctr">
+                      <a:solidFill>
+                        <a:schemeClr val="tx1"/>
+                      </a:solidFill>
+                      <a:prstDash val="solid"/>
+                      <a:round/>
+                      <a:headEnd type="none" w="med" len="med"/>
+                      <a:tailEnd type="none" w="med" len="med"/>
+                    </a:lnB>
+                  </a:tcPr>
+                </a:tc>
+                <a:tc>
+                  <a:txBody>
+                    <a:bodyPr/>
+                    <a:lstStyle/>
+                    <a:p>
+                      <a:pPr latinLnBrk="1"/>
+                      <a:r>
+                        <a:rPr lang="en-US" altLang="ko-KR" sz="1100"/>
+                        <a:t>cilium_host</a:t>
+                      </a:r>
+                      <a:endParaRPr lang="ko-KR" altLang="en-US" sz="1100" dirty="0"/>
+                    </a:p>
+                  </a:txBody>
+                  <a:tcPr anchor="ctr">
+                    <a:lnL w="19050" cap="flat" cmpd="sng" algn="ctr">
+                      <a:solidFill>
+                        <a:schemeClr val="tx1"/>
+                      </a:solidFill>
+                      <a:prstDash val="solid"/>
+                      <a:round/>
+                      <a:headEnd type="none" w="med" len="med"/>
+                      <a:tailEnd type="none" w="med" len="med"/>
+                    </a:lnL>
+                    <a:lnR w="19050" cap="flat" cmpd="sng" algn="ctr">
+                      <a:solidFill>
+                        <a:schemeClr val="tx1"/>
+                      </a:solidFill>
+                      <a:prstDash val="solid"/>
+                      <a:round/>
+                      <a:headEnd type="none" w="med" len="med"/>
+                      <a:tailEnd type="none" w="med" len="med"/>
+                    </a:lnR>
+                    <a:lnT w="19050" cap="flat" cmpd="sng" algn="ctr">
+                      <a:solidFill>
+                        <a:schemeClr val="tx1"/>
+                      </a:solidFill>
+                      <a:prstDash val="solid"/>
+                      <a:round/>
+                      <a:headEnd type="none" w="med" len="med"/>
+                      <a:tailEnd type="none" w="med" len="med"/>
+                    </a:lnT>
+                    <a:lnB w="19050" cap="flat" cmpd="sng" algn="ctr">
+                      <a:solidFill>
+                        <a:schemeClr val="tx1"/>
+                      </a:solidFill>
+                      <a:prstDash val="solid"/>
+                      <a:round/>
+                      <a:headEnd type="none" w="med" len="med"/>
+                      <a:tailEnd type="none" w="med" len="med"/>
+                    </a:lnB>
+                  </a:tcPr>
+                </a:tc>
+                <a:extLst>
+                  <a:ext uri="{0D108BD9-81ED-4DB2-BD59-A6C34878D82A}">
+                    <a16:rowId xmlns:a16="http://schemas.microsoft.com/office/drawing/2014/main" val="10002"/>
+                  </a:ext>
+                </a:extLst>
+              </a:tr>
+            </a:tbl>
+          </a:graphicData>
+        </a:graphic>
+      </p:graphicFrame>
+      <p:cxnSp>
+        <p:nvCxnSpPr>
+          <p:cNvPr id="69" name="직선 연결선 68">
+            <a:extLst>
+              <a:ext uri="{FF2B5EF4-FFF2-40B4-BE49-F238E27FC236}">
+                <a16:creationId xmlns:a16="http://schemas.microsoft.com/office/drawing/2014/main" id="{60510CC8-1CE6-4D34-BB1A-586B1DC73B50}"/>
+              </a:ext>
+            </a:extLst>
+          </p:cNvPr>
+          <p:cNvCxnSpPr>
+            <a:cxnSpLocks/>
+            <a:stCxn id="68" idx="2"/>
+            <a:endCxn id="66" idx="1"/>
+          </p:cNvCxnSpPr>
+          <p:nvPr/>
+        </p:nvCxnSpPr>
+        <p:spPr>
+          <a:xfrm>
+            <a:off x="6639612" y="2925236"/>
+            <a:ext cx="400439" cy="386988"/>
+          </a:xfrm>
+          <a:prstGeom prst="line">
+            <a:avLst/>
+          </a:prstGeom>
+          <a:ln w="19050">
+            <a:solidFill>
+              <a:schemeClr val="tx1"/>
+            </a:solidFill>
+          </a:ln>
+        </p:spPr>
+        <p:style>
+          <a:lnRef idx="1">
+            <a:schemeClr val="accent1"/>
+          </a:lnRef>
+          <a:fillRef idx="0">
+            <a:schemeClr val="accent1"/>
+          </a:fillRef>
+          <a:effectRef idx="0">
+            <a:schemeClr val="accent1"/>
+          </a:effectRef>
+          <a:fontRef idx="minor">
+            <a:schemeClr val="tx1"/>
+          </a:fontRef>
+        </p:style>
+      </p:cxnSp>
+    </p:spTree>
+    <p:extLst>
+      <p:ext uri="{BB962C8B-B14F-4D97-AF65-F5344CB8AC3E}">
+        <p14:creationId xmlns:p14="http://schemas.microsoft.com/office/powerpoint/2010/main" val="4077157098"/>
       </p:ext>
     </p:extLst>
   </p:cSld>

--- a/images/theory_analysis/Kubernetes_Cilium_Plugin/Kubernetes_Calico_Plugin.pptx
+++ b/images/theory_analysis/Kubernetes_Cilium_Plugin/Kubernetes_Calico_Plugin.pptx
@@ -13291,10 +13291,10 @@
       </p:sp>
       <p:sp>
         <p:nvSpPr>
-          <p:cNvPr id="3" name="모서리가 둥근 직사각형 44">
+          <p:cNvPr id="57" name="모서리가 둥근 직사각형 44">
             <a:extLst>
               <a:ext uri="{FF2B5EF4-FFF2-40B4-BE49-F238E27FC236}">
-                <a16:creationId xmlns:a16="http://schemas.microsoft.com/office/drawing/2014/main" id="{2DBA49E2-5203-48AC-9D0B-4B3C58EE231E}"/>
+                <a16:creationId xmlns:a16="http://schemas.microsoft.com/office/drawing/2014/main" id="{3CD655E8-908F-4700-A528-8A213F93AE54}"/>
               </a:ext>
             </a:extLst>
           </p:cNvPr>
@@ -13303,8 +13303,8 @@
         </p:nvSpPr>
         <p:spPr>
           <a:xfrm>
-            <a:off x="508820" y="1563638"/>
-            <a:ext cx="3847158" cy="2127664"/>
+            <a:off x="2669058" y="1347614"/>
+            <a:ext cx="3847158" cy="2700300"/>
           </a:xfrm>
           <a:prstGeom prst="roundRect">
             <a:avLst>
@@ -13333,7 +13333,7 @@
           <a:p>
             <a:r>
               <a:rPr lang="en-US" altLang="ko-KR" sz="1600" b="1"/>
-              <a:t>Host - VXLAN </a:t>
+              <a:t>Host - Host L3</a:t>
             </a:r>
             <a:endParaRPr lang="en-US" altLang="ko-KR" sz="1600" b="1" dirty="0"/>
           </a:p>
@@ -13341,10 +13341,10 @@
       </p:sp>
       <p:sp>
         <p:nvSpPr>
-          <p:cNvPr id="13" name="모서리가 둥근 직사각형 44">
+          <p:cNvPr id="58" name="모서리가 둥근 직사각형 44">
             <a:extLst>
               <a:ext uri="{FF2B5EF4-FFF2-40B4-BE49-F238E27FC236}">
-                <a16:creationId xmlns:a16="http://schemas.microsoft.com/office/drawing/2014/main" id="{2DBA49E2-5203-48AC-9D0B-4B3C58EE231E}"/>
+                <a16:creationId xmlns:a16="http://schemas.microsoft.com/office/drawing/2014/main" id="{D6F0F791-D83B-43A4-B11B-FE0C91EFF4AB}"/>
               </a:ext>
             </a:extLst>
           </p:cNvPr>
@@ -13353,12 +13353,12 @@
         </p:nvSpPr>
         <p:spPr>
           <a:xfrm>
-            <a:off x="2835612" y="3222292"/>
+            <a:off x="4995850" y="3566204"/>
             <a:ext cx="1422749" cy="360040"/>
           </a:xfrm>
           <a:prstGeom prst="roundRect">
             <a:avLst>
-              <a:gd name="adj" fmla="val 6195"/>
+              <a:gd name="adj" fmla="val 11486"/>
             </a:avLst>
           </a:prstGeom>
           <a:ln/>
@@ -13392,10 +13392,10 @@
       </p:sp>
       <p:sp>
         <p:nvSpPr>
-          <p:cNvPr id="24" name="모서리가 둥근 직사각형 44">
+          <p:cNvPr id="63" name="타원 62">
             <a:extLst>
               <a:ext uri="{FF2B5EF4-FFF2-40B4-BE49-F238E27FC236}">
-                <a16:creationId xmlns:a16="http://schemas.microsoft.com/office/drawing/2014/main" id="{9B4218E2-A225-481E-8507-7EF5A1CBCB42}"/>
+                <a16:creationId xmlns:a16="http://schemas.microsoft.com/office/drawing/2014/main" id="{01F9E6B7-BB7B-4410-B563-985283AD7AA5}"/>
               </a:ext>
             </a:extLst>
           </p:cNvPr>
@@ -13404,159 +13404,7 @@
         </p:nvSpPr>
         <p:spPr>
           <a:xfrm>
-            <a:off x="611561" y="2544915"/>
-            <a:ext cx="1428300" cy="360040"/>
-          </a:xfrm>
-          <a:prstGeom prst="roundRect">
-            <a:avLst>
-              <a:gd name="adj" fmla="val 6195"/>
-            </a:avLst>
-          </a:prstGeom>
-          <a:ln/>
-        </p:spPr>
-        <p:style>
-          <a:lnRef idx="2">
-            <a:schemeClr val="dk1"/>
-          </a:lnRef>
-          <a:fillRef idx="1">
-            <a:schemeClr val="lt1"/>
-          </a:fillRef>
-          <a:effectRef idx="0">
-            <a:schemeClr val="dk1"/>
-          </a:effectRef>
-          <a:fontRef idx="minor">
-            <a:schemeClr val="dk1"/>
-          </a:fontRef>
-        </p:style>
-        <p:txBody>
-          <a:bodyPr rtlCol="0" anchor="ctr"/>
-          <a:lstStyle/>
-          <a:p>
-            <a:pPr algn="ctr"/>
-            <a:r>
-              <a:rPr lang="en-US" altLang="ko-KR" sz="1400"/>
-              <a:t>cilium_vxlan</a:t>
-            </a:r>
-            <a:endParaRPr lang="ko-KR" altLang="en-US" sz="1400" dirty="0"/>
-          </a:p>
-        </p:txBody>
-      </p:sp>
-      <p:cxnSp>
-        <p:nvCxnSpPr>
-          <p:cNvPr id="28" name="직선 연결선 27">
-            <a:extLst>
-              <a:ext uri="{FF2B5EF4-FFF2-40B4-BE49-F238E27FC236}">
-                <a16:creationId xmlns:a16="http://schemas.microsoft.com/office/drawing/2014/main" id="{3C0857F0-86B6-4F75-9994-45B428A3D122}"/>
-              </a:ext>
-            </a:extLst>
-          </p:cNvPr>
-          <p:cNvCxnSpPr>
-            <a:cxnSpLocks/>
-            <a:stCxn id="24" idx="2"/>
-            <a:endCxn id="55" idx="1"/>
-          </p:cNvCxnSpPr>
-          <p:nvPr/>
-        </p:nvCxnSpPr>
-        <p:spPr>
-          <a:xfrm>
-            <a:off x="1325711" y="2904955"/>
-            <a:ext cx="1509901" cy="86661"/>
-          </a:xfrm>
-          <a:prstGeom prst="line">
-            <a:avLst/>
-          </a:prstGeom>
-          <a:ln w="19050">
-            <a:solidFill>
-              <a:schemeClr val="tx1"/>
-            </a:solidFill>
-          </a:ln>
-        </p:spPr>
-        <p:style>
-          <a:lnRef idx="1">
-            <a:schemeClr val="accent1"/>
-          </a:lnRef>
-          <a:fillRef idx="0">
-            <a:schemeClr val="accent1"/>
-          </a:fillRef>
-          <a:effectRef idx="0">
-            <a:schemeClr val="accent1"/>
-          </a:effectRef>
-          <a:fontRef idx="minor">
-            <a:schemeClr val="tx1"/>
-          </a:fontRef>
-        </p:style>
-      </p:cxnSp>
-      <p:sp>
-        <p:nvSpPr>
-          <p:cNvPr id="46" name="모서리가 둥근 직사각형 44">
-            <a:extLst>
-              <a:ext uri="{FF2B5EF4-FFF2-40B4-BE49-F238E27FC236}">
-                <a16:creationId xmlns:a16="http://schemas.microsoft.com/office/drawing/2014/main" id="{D450BBF5-D62A-4960-9314-9C347AD4F921}"/>
-              </a:ext>
-            </a:extLst>
-          </p:cNvPr>
-          <p:cNvSpPr/>
-          <p:nvPr/>
-        </p:nvSpPr>
-        <p:spPr>
-          <a:xfrm>
-            <a:off x="611561" y="2286188"/>
-            <a:ext cx="1428300" cy="263120"/>
-          </a:xfrm>
-          <a:prstGeom prst="roundRect">
-            <a:avLst>
-              <a:gd name="adj" fmla="val 6195"/>
-            </a:avLst>
-          </a:prstGeom>
-          <a:solidFill>
-            <a:schemeClr val="bg1">
-              <a:lumMod val="85000"/>
-            </a:schemeClr>
-          </a:solidFill>
-          <a:ln/>
-        </p:spPr>
-        <p:style>
-          <a:lnRef idx="2">
-            <a:schemeClr val="dk1"/>
-          </a:lnRef>
-          <a:fillRef idx="1">
-            <a:schemeClr val="lt1"/>
-          </a:fillRef>
-          <a:effectRef idx="0">
-            <a:schemeClr val="dk1"/>
-          </a:effectRef>
-          <a:fontRef idx="minor">
-            <a:schemeClr val="dk1"/>
-          </a:fontRef>
-        </p:style>
-        <p:txBody>
-          <a:bodyPr rtlCol="0" anchor="ctr"/>
-          <a:lstStyle/>
-          <a:p>
-            <a:pPr algn="ctr"/>
-            <a:r>
-              <a:rPr lang="en-US" altLang="ko-KR" sz="1400"/>
-              <a:t>act ingress</a:t>
-            </a:r>
-            <a:endParaRPr lang="ko-KR" altLang="en-US" sz="1400" dirty="0"/>
-          </a:p>
-        </p:txBody>
-      </p:sp>
-      <p:sp>
-        <p:nvSpPr>
-          <p:cNvPr id="5" name="타원 4">
-            <a:extLst>
-              <a:ext uri="{FF2B5EF4-FFF2-40B4-BE49-F238E27FC236}">
-                <a16:creationId xmlns:a16="http://schemas.microsoft.com/office/drawing/2014/main" id="{8194D272-B43E-4BB1-A49A-592640D66DB3}"/>
-              </a:ext>
-            </a:extLst>
-          </p:cNvPr>
-          <p:cNvSpPr/>
-          <p:nvPr/>
-        </p:nvSpPr>
-        <p:spPr>
-          <a:xfrm>
-            <a:off x="2348264" y="2065132"/>
+            <a:off x="4508502" y="1832756"/>
             <a:ext cx="87494" cy="87494"/>
           </a:xfrm>
           <a:prstGeom prst="ellipse">
@@ -13596,10 +13444,10 @@
       </p:sp>
       <p:sp>
         <p:nvSpPr>
-          <p:cNvPr id="51" name="타원 50">
+          <p:cNvPr id="64" name="타원 63">
             <a:extLst>
               <a:ext uri="{FF2B5EF4-FFF2-40B4-BE49-F238E27FC236}">
-                <a16:creationId xmlns:a16="http://schemas.microsoft.com/office/drawing/2014/main" id="{38090923-DF75-4B25-83B9-B2A6982C5178}"/>
+                <a16:creationId xmlns:a16="http://schemas.microsoft.com/office/drawing/2014/main" id="{EE42C681-3114-440F-B9D2-4D5BEA71DCEE}"/>
               </a:ext>
             </a:extLst>
           </p:cNvPr>
@@ -13608,7 +13456,7 @@
         </p:nvSpPr>
         <p:spPr>
           <a:xfrm>
-            <a:off x="2348264" y="1890144"/>
+            <a:off x="4508502" y="1657768"/>
             <a:ext cx="87494" cy="87494"/>
           </a:xfrm>
           <a:prstGeom prst="ellipse">
@@ -13648,10 +13496,10 @@
       </p:sp>
       <p:sp>
         <p:nvSpPr>
-          <p:cNvPr id="52" name="타원 51">
+          <p:cNvPr id="65" name="타원 64">
             <a:extLst>
               <a:ext uri="{FF2B5EF4-FFF2-40B4-BE49-F238E27FC236}">
-                <a16:creationId xmlns:a16="http://schemas.microsoft.com/office/drawing/2014/main" id="{4C9D108C-4499-417A-B998-D83F2C0C79AD}"/>
+                <a16:creationId xmlns:a16="http://schemas.microsoft.com/office/drawing/2014/main" id="{CFC6DCFB-B53F-40DB-B877-0C00E4773604}"/>
               </a:ext>
             </a:extLst>
           </p:cNvPr>
@@ -13660,7 +13508,7 @@
         </p:nvSpPr>
         <p:spPr>
           <a:xfrm>
-            <a:off x="2348264" y="1710124"/>
+            <a:off x="4508502" y="1477748"/>
             <a:ext cx="87494" cy="87494"/>
           </a:xfrm>
           <a:prstGeom prst="ellipse">
@@ -13698,389 +13546,6 @@
           </a:p>
         </p:txBody>
       </p:sp>
-      <p:sp>
-        <p:nvSpPr>
-          <p:cNvPr id="55" name="모서리가 둥근 직사각형 44">
-            <a:extLst>
-              <a:ext uri="{FF2B5EF4-FFF2-40B4-BE49-F238E27FC236}">
-                <a16:creationId xmlns:a16="http://schemas.microsoft.com/office/drawing/2014/main" id="{5F9D92F4-CB37-49F2-90D9-9C51F48004B6}"/>
-              </a:ext>
-            </a:extLst>
-          </p:cNvPr>
-          <p:cNvSpPr/>
-          <p:nvPr/>
-        </p:nvSpPr>
-        <p:spPr>
-          <a:xfrm>
-            <a:off x="2835612" y="2760940"/>
-            <a:ext cx="1419974" cy="461352"/>
-          </a:xfrm>
-          <a:prstGeom prst="roundRect">
-            <a:avLst>
-              <a:gd name="adj" fmla="val 6195"/>
-            </a:avLst>
-          </a:prstGeom>
-          <a:solidFill>
-            <a:schemeClr val="bg1">
-              <a:lumMod val="85000"/>
-            </a:schemeClr>
-          </a:solidFill>
-          <a:ln/>
-        </p:spPr>
-        <p:style>
-          <a:lnRef idx="2">
-            <a:schemeClr val="dk1"/>
-          </a:lnRef>
-          <a:fillRef idx="1">
-            <a:schemeClr val="lt1"/>
-          </a:fillRef>
-          <a:effectRef idx="0">
-            <a:schemeClr val="dk1"/>
-          </a:effectRef>
-          <a:fontRef idx="minor">
-            <a:schemeClr val="dk1"/>
-          </a:fontRef>
-        </p:style>
-        <p:txBody>
-          <a:bodyPr rtlCol="0" anchor="ctr"/>
-          <a:lstStyle/>
-          <a:p>
-            <a:pPr algn="ctr"/>
-            <a:r>
-              <a:rPr lang="en-US" altLang="ko-KR" sz="1400"/>
-              <a:t>Generic XDP</a:t>
-            </a:r>
-          </a:p>
-          <a:p>
-            <a:pPr algn="ctr"/>
-            <a:r>
-              <a:rPr lang="en-US" altLang="ko-KR" sz="1400"/>
-              <a:t>or Native XDP</a:t>
-            </a:r>
-            <a:endParaRPr lang="ko-KR" altLang="en-US" sz="1400" dirty="0"/>
-          </a:p>
-        </p:txBody>
-      </p:sp>
-      <p:sp>
-        <p:nvSpPr>
-          <p:cNvPr id="57" name="모서리가 둥근 직사각형 44">
-            <a:extLst>
-              <a:ext uri="{FF2B5EF4-FFF2-40B4-BE49-F238E27FC236}">
-                <a16:creationId xmlns:a16="http://schemas.microsoft.com/office/drawing/2014/main" id="{3CD655E8-908F-4700-A528-8A213F93AE54}"/>
-              </a:ext>
-            </a:extLst>
-          </p:cNvPr>
-          <p:cNvSpPr/>
-          <p:nvPr/>
-        </p:nvSpPr>
-        <p:spPr>
-          <a:xfrm>
-            <a:off x="4716034" y="1311610"/>
-            <a:ext cx="3847158" cy="2700300"/>
-          </a:xfrm>
-          <a:prstGeom prst="roundRect">
-            <a:avLst>
-              <a:gd name="adj" fmla="val 1946"/>
-            </a:avLst>
-          </a:prstGeom>
-          <a:ln/>
-        </p:spPr>
-        <p:style>
-          <a:lnRef idx="2">
-            <a:schemeClr val="dk1"/>
-          </a:lnRef>
-          <a:fillRef idx="1">
-            <a:schemeClr val="lt1"/>
-          </a:fillRef>
-          <a:effectRef idx="0">
-            <a:schemeClr val="dk1"/>
-          </a:effectRef>
-          <a:fontRef idx="minor">
-            <a:schemeClr val="dk1"/>
-          </a:fontRef>
-        </p:style>
-        <p:txBody>
-          <a:bodyPr rtlCol="0" anchor="b"/>
-          <a:lstStyle/>
-          <a:p>
-            <a:r>
-              <a:rPr lang="en-US" altLang="ko-KR" sz="1600" b="1"/>
-              <a:t>Host - Host L3</a:t>
-            </a:r>
-            <a:endParaRPr lang="en-US" altLang="ko-KR" sz="1600" b="1" dirty="0"/>
-          </a:p>
-        </p:txBody>
-      </p:sp>
-      <p:sp>
-        <p:nvSpPr>
-          <p:cNvPr id="58" name="모서리가 둥근 직사각형 44">
-            <a:extLst>
-              <a:ext uri="{FF2B5EF4-FFF2-40B4-BE49-F238E27FC236}">
-                <a16:creationId xmlns:a16="http://schemas.microsoft.com/office/drawing/2014/main" id="{D6F0F791-D83B-43A4-B11B-FE0C91EFF4AB}"/>
-              </a:ext>
-            </a:extLst>
-          </p:cNvPr>
-          <p:cNvSpPr/>
-          <p:nvPr/>
-        </p:nvSpPr>
-        <p:spPr>
-          <a:xfrm>
-            <a:off x="7042826" y="3542900"/>
-            <a:ext cx="1422749" cy="360040"/>
-          </a:xfrm>
-          <a:prstGeom prst="roundRect">
-            <a:avLst>
-              <a:gd name="adj" fmla="val 6195"/>
-            </a:avLst>
-          </a:prstGeom>
-          <a:ln/>
-        </p:spPr>
-        <p:style>
-          <a:lnRef idx="2">
-            <a:schemeClr val="dk1"/>
-          </a:lnRef>
-          <a:fillRef idx="1">
-            <a:schemeClr val="lt1"/>
-          </a:fillRef>
-          <a:effectRef idx="0">
-            <a:schemeClr val="dk1"/>
-          </a:effectRef>
-          <a:fontRef idx="minor">
-            <a:schemeClr val="dk1"/>
-          </a:fontRef>
-        </p:style>
-        <p:txBody>
-          <a:bodyPr rtlCol="0" anchor="ctr"/>
-          <a:lstStyle/>
-          <a:p>
-            <a:pPr algn="ctr"/>
-            <a:r>
-              <a:rPr lang="en-US" altLang="ko-KR" sz="1400" dirty="0" err="1"/>
-              <a:t>eth0</a:t>
-            </a:r>
-            <a:endParaRPr lang="ko-KR" altLang="en-US" sz="1400" dirty="0"/>
-          </a:p>
-        </p:txBody>
-      </p:sp>
-      <p:sp>
-        <p:nvSpPr>
-          <p:cNvPr id="63" name="타원 62">
-            <a:extLst>
-              <a:ext uri="{FF2B5EF4-FFF2-40B4-BE49-F238E27FC236}">
-                <a16:creationId xmlns:a16="http://schemas.microsoft.com/office/drawing/2014/main" id="{01F9E6B7-BB7B-4410-B563-985283AD7AA5}"/>
-              </a:ext>
-            </a:extLst>
-          </p:cNvPr>
-          <p:cNvSpPr/>
-          <p:nvPr/>
-        </p:nvSpPr>
-        <p:spPr>
-          <a:xfrm>
-            <a:off x="6555478" y="1796752"/>
-            <a:ext cx="87494" cy="87494"/>
-          </a:xfrm>
-          <a:prstGeom prst="ellipse">
-            <a:avLst/>
-          </a:prstGeom>
-          <a:solidFill>
-            <a:schemeClr val="tx1"/>
-          </a:solidFill>
-          <a:ln>
-            <a:noFill/>
-          </a:ln>
-        </p:spPr>
-        <p:style>
-          <a:lnRef idx="2">
-            <a:schemeClr val="accent1">
-              <a:shade val="50000"/>
-            </a:schemeClr>
-          </a:lnRef>
-          <a:fillRef idx="1">
-            <a:schemeClr val="accent1"/>
-          </a:fillRef>
-          <a:effectRef idx="0">
-            <a:schemeClr val="accent1"/>
-          </a:effectRef>
-          <a:fontRef idx="minor">
-            <a:schemeClr val="lt1"/>
-          </a:fontRef>
-        </p:style>
-        <p:txBody>
-          <a:bodyPr rtlCol="0" anchor="ctr"/>
-          <a:lstStyle/>
-          <a:p>
-            <a:pPr algn="ctr"/>
-            <a:endParaRPr lang="ko-KR" altLang="en-US"/>
-          </a:p>
-        </p:txBody>
-      </p:sp>
-      <p:sp>
-        <p:nvSpPr>
-          <p:cNvPr id="64" name="타원 63">
-            <a:extLst>
-              <a:ext uri="{FF2B5EF4-FFF2-40B4-BE49-F238E27FC236}">
-                <a16:creationId xmlns:a16="http://schemas.microsoft.com/office/drawing/2014/main" id="{EE42C681-3114-440F-B9D2-4D5BEA71DCEE}"/>
-              </a:ext>
-            </a:extLst>
-          </p:cNvPr>
-          <p:cNvSpPr/>
-          <p:nvPr/>
-        </p:nvSpPr>
-        <p:spPr>
-          <a:xfrm>
-            <a:off x="6555478" y="1621764"/>
-            <a:ext cx="87494" cy="87494"/>
-          </a:xfrm>
-          <a:prstGeom prst="ellipse">
-            <a:avLst/>
-          </a:prstGeom>
-          <a:solidFill>
-            <a:schemeClr val="tx1"/>
-          </a:solidFill>
-          <a:ln>
-            <a:noFill/>
-          </a:ln>
-        </p:spPr>
-        <p:style>
-          <a:lnRef idx="2">
-            <a:schemeClr val="accent1">
-              <a:shade val="50000"/>
-            </a:schemeClr>
-          </a:lnRef>
-          <a:fillRef idx="1">
-            <a:schemeClr val="accent1"/>
-          </a:fillRef>
-          <a:effectRef idx="0">
-            <a:schemeClr val="accent1"/>
-          </a:effectRef>
-          <a:fontRef idx="minor">
-            <a:schemeClr val="lt1"/>
-          </a:fontRef>
-        </p:style>
-        <p:txBody>
-          <a:bodyPr rtlCol="0" anchor="ctr"/>
-          <a:lstStyle/>
-          <a:p>
-            <a:pPr algn="ctr"/>
-            <a:endParaRPr lang="ko-KR" altLang="en-US"/>
-          </a:p>
-        </p:txBody>
-      </p:sp>
-      <p:sp>
-        <p:nvSpPr>
-          <p:cNvPr id="65" name="타원 64">
-            <a:extLst>
-              <a:ext uri="{FF2B5EF4-FFF2-40B4-BE49-F238E27FC236}">
-                <a16:creationId xmlns:a16="http://schemas.microsoft.com/office/drawing/2014/main" id="{CFC6DCFB-B53F-40DB-B877-0C00E4773604}"/>
-              </a:ext>
-            </a:extLst>
-          </p:cNvPr>
-          <p:cNvSpPr/>
-          <p:nvPr/>
-        </p:nvSpPr>
-        <p:spPr>
-          <a:xfrm>
-            <a:off x="6555478" y="1441744"/>
-            <a:ext cx="87494" cy="87494"/>
-          </a:xfrm>
-          <a:prstGeom prst="ellipse">
-            <a:avLst/>
-          </a:prstGeom>
-          <a:solidFill>
-            <a:schemeClr val="tx1"/>
-          </a:solidFill>
-          <a:ln>
-            <a:noFill/>
-          </a:ln>
-        </p:spPr>
-        <p:style>
-          <a:lnRef idx="2">
-            <a:schemeClr val="accent1">
-              <a:shade val="50000"/>
-            </a:schemeClr>
-          </a:lnRef>
-          <a:fillRef idx="1">
-            <a:schemeClr val="accent1"/>
-          </a:fillRef>
-          <a:effectRef idx="0">
-            <a:schemeClr val="accent1"/>
-          </a:effectRef>
-          <a:fontRef idx="minor">
-            <a:schemeClr val="lt1"/>
-          </a:fontRef>
-        </p:style>
-        <p:txBody>
-          <a:bodyPr rtlCol="0" anchor="ctr"/>
-          <a:lstStyle/>
-          <a:p>
-            <a:pPr algn="ctr"/>
-            <a:endParaRPr lang="ko-KR" altLang="en-US"/>
-          </a:p>
-        </p:txBody>
-      </p:sp>
-      <p:sp>
-        <p:nvSpPr>
-          <p:cNvPr id="66" name="모서리가 둥근 직사각형 44">
-            <a:extLst>
-              <a:ext uri="{FF2B5EF4-FFF2-40B4-BE49-F238E27FC236}">
-                <a16:creationId xmlns:a16="http://schemas.microsoft.com/office/drawing/2014/main" id="{4F0CA634-3239-4F60-82EA-F742E5E03C98}"/>
-              </a:ext>
-            </a:extLst>
-          </p:cNvPr>
-          <p:cNvSpPr/>
-          <p:nvPr/>
-        </p:nvSpPr>
-        <p:spPr>
-          <a:xfrm>
-            <a:off x="7040051" y="3081548"/>
-            <a:ext cx="1422749" cy="461352"/>
-          </a:xfrm>
-          <a:prstGeom prst="roundRect">
-            <a:avLst>
-              <a:gd name="adj" fmla="val 6195"/>
-            </a:avLst>
-          </a:prstGeom>
-          <a:solidFill>
-            <a:schemeClr val="bg1">
-              <a:lumMod val="85000"/>
-            </a:schemeClr>
-          </a:solidFill>
-          <a:ln/>
-        </p:spPr>
-        <p:style>
-          <a:lnRef idx="2">
-            <a:schemeClr val="dk1"/>
-          </a:lnRef>
-          <a:fillRef idx="1">
-            <a:schemeClr val="lt1"/>
-          </a:fillRef>
-          <a:effectRef idx="0">
-            <a:schemeClr val="dk1"/>
-          </a:effectRef>
-          <a:fontRef idx="minor">
-            <a:schemeClr val="dk1"/>
-          </a:fontRef>
-        </p:style>
-        <p:txBody>
-          <a:bodyPr rtlCol="0" anchor="ctr"/>
-          <a:lstStyle/>
-          <a:p>
-            <a:pPr algn="ctr"/>
-            <a:r>
-              <a:rPr lang="en-US" altLang="ko-KR" sz="1400"/>
-              <a:t>Generic XDP</a:t>
-            </a:r>
-          </a:p>
-          <a:p>
-            <a:pPr algn="ctr"/>
-            <a:r>
-              <a:rPr lang="en-US" altLang="ko-KR" sz="1400"/>
-              <a:t>or Native XDP</a:t>
-            </a:r>
-            <a:endParaRPr lang="ko-KR" altLang="en-US" sz="1400" dirty="0"/>
-          </a:p>
-        </p:txBody>
-      </p:sp>
       <p:graphicFrame>
         <p:nvGraphicFramePr>
           <p:cNvPr id="68" name="표 67">
@@ -14094,11 +13559,15 @@
             <a:graphicFrameLocks noGrp="1"/>
           </p:cNvGraphicFramePr>
           <p:nvPr>
-            <p:extLst/>
+            <p:extLst>
+              <p:ext uri="{D42A27DB-BD31-4B8C-83A1-F6EECF244321}">
+                <p14:modId xmlns:p14="http://schemas.microsoft.com/office/powerpoint/2010/main" val="2910870520"/>
+              </p:ext>
+            </p:extLst>
           </p:nvPr>
         </p:nvGraphicFramePr>
         <p:xfrm>
-          <a:off x="5023813" y="1989136"/>
+          <a:off x="2976837" y="2025140"/>
           <a:ext cx="3231599" cy="936100"/>
         </p:xfrm>
         <a:graphic>
@@ -14635,14 +14104,14 @@
           <p:cNvCxnSpPr>
             <a:cxnSpLocks/>
             <a:stCxn id="68" idx="2"/>
-            <a:endCxn id="66" idx="1"/>
+            <a:endCxn id="20" idx="1"/>
           </p:cNvCxnSpPr>
           <p:nvPr/>
         </p:nvCxnSpPr>
         <p:spPr>
           <a:xfrm>
-            <a:off x="6639612" y="2925236"/>
-            <a:ext cx="400439" cy="386988"/>
+            <a:off x="4592636" y="2961240"/>
+            <a:ext cx="403214" cy="477076"/>
           </a:xfrm>
           <a:prstGeom prst="line">
             <a:avLst/>
@@ -14668,6 +14137,62 @@
           </a:fontRef>
         </p:style>
       </p:cxnSp>
+      <p:sp>
+        <p:nvSpPr>
+          <p:cNvPr id="20" name="모서리가 둥근 직사각형 44">
+            <a:extLst>
+              <a:ext uri="{FF2B5EF4-FFF2-40B4-BE49-F238E27FC236}">
+                <a16:creationId xmlns:a16="http://schemas.microsoft.com/office/drawing/2014/main" id="{0C59F5C9-C1E2-4AE4-9544-430BDD1B9872}"/>
+              </a:ext>
+            </a:extLst>
+          </p:cNvPr>
+          <p:cNvSpPr/>
+          <p:nvPr/>
+        </p:nvSpPr>
+        <p:spPr>
+          <a:xfrm>
+            <a:off x="4995850" y="3306756"/>
+            <a:ext cx="1422749" cy="263120"/>
+          </a:xfrm>
+          <a:prstGeom prst="roundRect">
+            <a:avLst>
+              <a:gd name="adj" fmla="val 13435"/>
+            </a:avLst>
+          </a:prstGeom>
+          <a:solidFill>
+            <a:schemeClr val="bg1">
+              <a:lumMod val="85000"/>
+            </a:schemeClr>
+          </a:solidFill>
+          <a:ln/>
+        </p:spPr>
+        <p:style>
+          <a:lnRef idx="2">
+            <a:schemeClr val="dk1"/>
+          </a:lnRef>
+          <a:fillRef idx="1">
+            <a:schemeClr val="lt1"/>
+          </a:fillRef>
+          <a:effectRef idx="0">
+            <a:schemeClr val="dk1"/>
+          </a:effectRef>
+          <a:fontRef idx="minor">
+            <a:schemeClr val="dk1"/>
+          </a:fontRef>
+        </p:style>
+        <p:txBody>
+          <a:bodyPr rtlCol="0" anchor="ctr"/>
+          <a:lstStyle/>
+          <a:p>
+            <a:pPr algn="ctr"/>
+            <a:r>
+              <a:rPr lang="en-US" altLang="ko-KR" sz="1400"/>
+              <a:t>act ingress</a:t>
+            </a:r>
+            <a:endParaRPr lang="ko-KR" altLang="en-US" sz="1400" dirty="0"/>
+          </a:p>
+        </p:txBody>
+      </p:sp>
     </p:spTree>
     <p:extLst>
       <p:ext uri="{BB962C8B-B14F-4D97-AF65-F5344CB8AC3E}">

--- a/images/theory_analysis/Kubernetes_Cilium_Plugin/Kubernetes_Calico_Plugin.pptx
+++ b/images/theory_analysis/Kubernetes_Cilium_Plugin/Kubernetes_Calico_Plugin.pptx
@@ -217,7 +217,7 @@
           <a:p>
             <a:fld id="{6CD5550B-26C4-49A9-A5BA-636EF7BE6CE9}" type="datetimeFigureOut">
               <a:rPr lang="ko-KR" altLang="en-US" smtClean="0"/>
-              <a:t>2019-03-23</a:t>
+              <a:t>2019-06-04</a:t>
             </a:fld>
             <a:endParaRPr lang="ko-KR" altLang="en-US"/>
           </a:p>
@@ -1083,7 +1083,7 @@
           <a:p>
             <a:fld id="{FB30EDBD-1C2D-4C1E-B459-B60219FAB484}" type="datetimeFigureOut">
               <a:rPr lang="ko-KR" altLang="en-US" smtClean="0"/>
-              <a:t>2019-03-23</a:t>
+              <a:t>2019-06-04</a:t>
             </a:fld>
             <a:endParaRPr lang="ko-KR" altLang="en-US"/>
           </a:p>
@@ -1246,7 +1246,7 @@
           <a:p>
             <a:fld id="{FB30EDBD-1C2D-4C1E-B459-B60219FAB484}" type="datetimeFigureOut">
               <a:rPr lang="ko-KR" altLang="en-US" smtClean="0"/>
-              <a:t>2019-03-23</a:t>
+              <a:t>2019-06-04</a:t>
             </a:fld>
             <a:endParaRPr lang="ko-KR" altLang="en-US"/>
           </a:p>
@@ -1419,7 +1419,7 @@
           <a:p>
             <a:fld id="{FB30EDBD-1C2D-4C1E-B459-B60219FAB484}" type="datetimeFigureOut">
               <a:rPr lang="ko-KR" altLang="en-US" smtClean="0"/>
-              <a:t>2019-03-23</a:t>
+              <a:t>2019-06-04</a:t>
             </a:fld>
             <a:endParaRPr lang="ko-KR" altLang="en-US"/>
           </a:p>
@@ -1582,7 +1582,7 @@
           <a:p>
             <a:fld id="{FB30EDBD-1C2D-4C1E-B459-B60219FAB484}" type="datetimeFigureOut">
               <a:rPr lang="ko-KR" altLang="en-US" smtClean="0"/>
-              <a:t>2019-03-23</a:t>
+              <a:t>2019-06-04</a:t>
             </a:fld>
             <a:endParaRPr lang="ko-KR" altLang="en-US"/>
           </a:p>
@@ -1822,7 +1822,7 @@
           <a:p>
             <a:fld id="{FB30EDBD-1C2D-4C1E-B459-B60219FAB484}" type="datetimeFigureOut">
               <a:rPr lang="ko-KR" altLang="en-US" smtClean="0"/>
-              <a:t>2019-03-23</a:t>
+              <a:t>2019-06-04</a:t>
             </a:fld>
             <a:endParaRPr lang="ko-KR" altLang="en-US"/>
           </a:p>
@@ -2102,7 +2102,7 @@
           <a:p>
             <a:fld id="{FB30EDBD-1C2D-4C1E-B459-B60219FAB484}" type="datetimeFigureOut">
               <a:rPr lang="ko-KR" altLang="en-US" smtClean="0"/>
-              <a:t>2019-03-23</a:t>
+              <a:t>2019-06-04</a:t>
             </a:fld>
             <a:endParaRPr lang="ko-KR" altLang="en-US"/>
           </a:p>
@@ -2516,7 +2516,7 @@
           <a:p>
             <a:fld id="{FB30EDBD-1C2D-4C1E-B459-B60219FAB484}" type="datetimeFigureOut">
               <a:rPr lang="ko-KR" altLang="en-US" smtClean="0"/>
-              <a:t>2019-03-23</a:t>
+              <a:t>2019-06-04</a:t>
             </a:fld>
             <a:endParaRPr lang="ko-KR" altLang="en-US"/>
           </a:p>
@@ -2628,7 +2628,7 @@
           <a:p>
             <a:fld id="{FB30EDBD-1C2D-4C1E-B459-B60219FAB484}" type="datetimeFigureOut">
               <a:rPr lang="ko-KR" altLang="en-US" smtClean="0"/>
-              <a:t>2019-03-23</a:t>
+              <a:t>2019-06-04</a:t>
             </a:fld>
             <a:endParaRPr lang="ko-KR" altLang="en-US"/>
           </a:p>
@@ -2718,7 +2718,7 @@
           <a:p>
             <a:fld id="{FB30EDBD-1C2D-4C1E-B459-B60219FAB484}" type="datetimeFigureOut">
               <a:rPr lang="ko-KR" altLang="en-US" smtClean="0"/>
-              <a:t>2019-03-23</a:t>
+              <a:t>2019-06-04</a:t>
             </a:fld>
             <a:endParaRPr lang="ko-KR" altLang="en-US"/>
           </a:p>
@@ -2988,7 +2988,7 @@
           <a:p>
             <a:fld id="{FB30EDBD-1C2D-4C1E-B459-B60219FAB484}" type="datetimeFigureOut">
               <a:rPr lang="ko-KR" altLang="en-US" smtClean="0"/>
-              <a:t>2019-03-23</a:t>
+              <a:t>2019-06-04</a:t>
             </a:fld>
             <a:endParaRPr lang="ko-KR" altLang="en-US"/>
           </a:p>
@@ -3235,7 +3235,7 @@
           <a:p>
             <a:fld id="{FB30EDBD-1C2D-4C1E-B459-B60219FAB484}" type="datetimeFigureOut">
               <a:rPr lang="ko-KR" altLang="en-US" smtClean="0"/>
-              <a:t>2019-03-23</a:t>
+              <a:t>2019-06-04</a:t>
             </a:fld>
             <a:endParaRPr lang="ko-KR" altLang="en-US"/>
           </a:p>
@@ -3441,7 +3441,7 @@
           <a:p>
             <a:fld id="{FB30EDBD-1C2D-4C1E-B459-B60219FAB484}" type="datetimeFigureOut">
               <a:rPr lang="ko-KR" altLang="en-US" smtClean="0"/>
-              <a:t>2019-03-23</a:t>
+              <a:t>2019-06-04</a:t>
             </a:fld>
             <a:endParaRPr lang="ko-KR" altLang="en-US"/>
           </a:p>
@@ -4879,7 +4879,7 @@
           <p:nvPr>
             <p:extLst>
               <p:ext uri="{D42A27DB-BD31-4B8C-83A1-F6EECF244321}">
-                <p14:modId xmlns:p14="http://schemas.microsoft.com/office/powerpoint/2010/main" val="2127668323"/>
+                <p14:modId xmlns:p14="http://schemas.microsoft.com/office/powerpoint/2010/main" val="1578030896"/>
               </p:ext>
             </p:extLst>
           </p:nvPr>
@@ -4978,7 +4978,7 @@
                       <a:pPr latinLnBrk="1"/>
                       <a:r>
                         <a:rPr lang="en-US" altLang="ko-KR" sz="1100"/>
-                        <a:t>0.0.0.0</a:t>
+                        <a:t>10.0.0.1</a:t>
                       </a:r>
                       <a:endParaRPr lang="ko-KR" altLang="en-US" sz="1100" dirty="0"/>
                     </a:p>
@@ -5415,7 +5415,7 @@
                       <a:pPr latinLnBrk="1"/>
                       <a:r>
                         <a:rPr lang="en-US" altLang="ko-KR" sz="1100"/>
-                        <a:t>192.167.2.1</a:t>
+                        <a:t>192.167.2.1/32</a:t>
                       </a:r>
                       <a:endParaRPr lang="ko-KR" altLang="en-US" sz="1100" dirty="0"/>
                     </a:p>
@@ -6930,7 +6930,7 @@
           <p:nvPr>
             <p:extLst>
               <p:ext uri="{D42A27DB-BD31-4B8C-83A1-F6EECF244321}">
-                <p14:modId xmlns:p14="http://schemas.microsoft.com/office/powerpoint/2010/main" val="2367816218"/>
+                <p14:modId xmlns:p14="http://schemas.microsoft.com/office/powerpoint/2010/main" val="166747018"/>
               </p:ext>
             </p:extLst>
           </p:nvPr>
@@ -7029,7 +7029,7 @@
                       <a:pPr latinLnBrk="1"/>
                       <a:r>
                         <a:rPr lang="en-US" altLang="ko-KR" sz="1100"/>
-                        <a:t>0.0.0.0</a:t>
+                        <a:t>10.0.0.1</a:t>
                       </a:r>
                       <a:endParaRPr lang="ko-KR" altLang="en-US" sz="1100" dirty="0"/>
                     </a:p>
@@ -7466,7 +7466,7 @@
                       <a:pPr latinLnBrk="1"/>
                       <a:r>
                         <a:rPr lang="en-US" altLang="ko-KR" sz="1100"/>
-                        <a:t>192.167.3.1</a:t>
+                        <a:t>192.167.3.1/32</a:t>
                       </a:r>
                       <a:endParaRPr lang="ko-KR" altLang="en-US" sz="1100" dirty="0"/>
                     </a:p>
@@ -8734,7 +8734,7 @@
           <p:nvPr>
             <p:extLst>
               <p:ext uri="{D42A27DB-BD31-4B8C-83A1-F6EECF244321}">
-                <p14:modId xmlns:p14="http://schemas.microsoft.com/office/powerpoint/2010/main" val="635764439"/>
+                <p14:modId xmlns:p14="http://schemas.microsoft.com/office/powerpoint/2010/main" val="920570670"/>
               </p:ext>
             </p:extLst>
           </p:nvPr>
@@ -8833,7 +8833,7 @@
                       <a:pPr latinLnBrk="1"/>
                       <a:r>
                         <a:rPr lang="en-US" altLang="ko-KR" sz="1100"/>
-                        <a:t>0.0.0.0</a:t>
+                        <a:t>10.0.0.1</a:t>
                       </a:r>
                       <a:endParaRPr lang="ko-KR" altLang="en-US" sz="1100" dirty="0"/>
                     </a:p>
@@ -9107,7 +9107,7 @@
                       <a:pPr latinLnBrk="1"/>
                       <a:r>
                         <a:rPr lang="en-US" altLang="ko-KR" sz="1100"/>
-                        <a:t>192.167.2.1</a:t>
+                        <a:t>192.167.2.1/32</a:t>
                       </a:r>
                       <a:endParaRPr lang="ko-KR" altLang="en-US" sz="1100" dirty="0"/>
                     </a:p>
@@ -10124,7 +10124,7 @@
           <p:nvPr>
             <p:extLst>
               <p:ext uri="{D42A27DB-BD31-4B8C-83A1-F6EECF244321}">
-                <p14:modId xmlns:p14="http://schemas.microsoft.com/office/powerpoint/2010/main" val="3256287545"/>
+                <p14:modId xmlns:p14="http://schemas.microsoft.com/office/powerpoint/2010/main" val="1541097901"/>
               </p:ext>
             </p:extLst>
           </p:nvPr>
@@ -10223,7 +10223,7 @@
                       <a:pPr latinLnBrk="1"/>
                       <a:r>
                         <a:rPr lang="en-US" altLang="ko-KR" sz="1100"/>
-                        <a:t>0.0.0.0</a:t>
+                        <a:t>10.0.0.1</a:t>
                       </a:r>
                       <a:endParaRPr lang="ko-KR" altLang="en-US" sz="1100" dirty="0"/>
                     </a:p>
@@ -10497,7 +10497,7 @@
                       <a:pPr latinLnBrk="1"/>
                       <a:r>
                         <a:rPr lang="en-US" altLang="ko-KR" sz="1100"/>
-                        <a:t>192.167.3.1</a:t>
+                        <a:t>192.167.3.1/32</a:t>
                       </a:r>
                       <a:endParaRPr lang="ko-KR" altLang="en-US" sz="1100" dirty="0"/>
                     </a:p>
@@ -11421,7 +11421,6 @@
           <a:solidFill>
             <a:schemeClr val="bg1"/>
           </a:solidFill>
-          <a:extLst/>
         </p:spPr>
       </p:pic>
       <p:sp>

--- a/images/theory_analysis/Kubernetes_Cilium_Plugin/Kubernetes_Calico_Plugin.pptx
+++ b/images/theory_analysis/Kubernetes_Cilium_Plugin/Kubernetes_Calico_Plugin.pptx
@@ -5,7 +5,7 @@
     <p:sldMasterId id="2147483648" r:id="rId1"/>
   </p:sldMasterIdLst>
   <p:notesMasterIdLst>
-    <p:notesMasterId r:id="rId7"/>
+    <p:notesMasterId r:id="rId8"/>
   </p:notesMasterIdLst>
   <p:sldIdLst>
     <p:sldId id="449" r:id="rId2"/>
@@ -13,6 +13,7 @@
     <p:sldId id="450" r:id="rId4"/>
     <p:sldId id="451" r:id="rId5"/>
     <p:sldId id="452" r:id="rId6"/>
+    <p:sldId id="453" r:id="rId7"/>
   </p:sldIdLst>
   <p:sldSz cx="9144000" cy="5143500" type="screen16x9"/>
   <p:notesSz cx="6858000" cy="9144000"/>
@@ -217,7 +218,7 @@
           <a:p>
             <a:fld id="{6CD5550B-26C4-49A9-A5BA-636EF7BE6CE9}" type="datetimeFigureOut">
               <a:rPr lang="ko-KR" altLang="en-US" smtClean="0"/>
-              <a:t>2019-06-04</a:t>
+              <a:t>2019-06-05</a:t>
             </a:fld>
             <a:endParaRPr lang="ko-KR" altLang="en-US"/>
           </a:p>
@@ -1083,7 +1084,7 @@
           <a:p>
             <a:fld id="{FB30EDBD-1C2D-4C1E-B459-B60219FAB484}" type="datetimeFigureOut">
               <a:rPr lang="ko-KR" altLang="en-US" smtClean="0"/>
-              <a:t>2019-06-04</a:t>
+              <a:t>2019-06-05</a:t>
             </a:fld>
             <a:endParaRPr lang="ko-KR" altLang="en-US"/>
           </a:p>
@@ -1246,7 +1247,7 @@
           <a:p>
             <a:fld id="{FB30EDBD-1C2D-4C1E-B459-B60219FAB484}" type="datetimeFigureOut">
               <a:rPr lang="ko-KR" altLang="en-US" smtClean="0"/>
-              <a:t>2019-06-04</a:t>
+              <a:t>2019-06-05</a:t>
             </a:fld>
             <a:endParaRPr lang="ko-KR" altLang="en-US"/>
           </a:p>
@@ -1419,7 +1420,7 @@
           <a:p>
             <a:fld id="{FB30EDBD-1C2D-4C1E-B459-B60219FAB484}" type="datetimeFigureOut">
               <a:rPr lang="ko-KR" altLang="en-US" smtClean="0"/>
-              <a:t>2019-06-04</a:t>
+              <a:t>2019-06-05</a:t>
             </a:fld>
             <a:endParaRPr lang="ko-KR" altLang="en-US"/>
           </a:p>
@@ -1582,7 +1583,7 @@
           <a:p>
             <a:fld id="{FB30EDBD-1C2D-4C1E-B459-B60219FAB484}" type="datetimeFigureOut">
               <a:rPr lang="ko-KR" altLang="en-US" smtClean="0"/>
-              <a:t>2019-06-04</a:t>
+              <a:t>2019-06-05</a:t>
             </a:fld>
             <a:endParaRPr lang="ko-KR" altLang="en-US"/>
           </a:p>
@@ -1822,7 +1823,7 @@
           <a:p>
             <a:fld id="{FB30EDBD-1C2D-4C1E-B459-B60219FAB484}" type="datetimeFigureOut">
               <a:rPr lang="ko-KR" altLang="en-US" smtClean="0"/>
-              <a:t>2019-06-04</a:t>
+              <a:t>2019-06-05</a:t>
             </a:fld>
             <a:endParaRPr lang="ko-KR" altLang="en-US"/>
           </a:p>
@@ -2102,7 +2103,7 @@
           <a:p>
             <a:fld id="{FB30EDBD-1C2D-4C1E-B459-B60219FAB484}" type="datetimeFigureOut">
               <a:rPr lang="ko-KR" altLang="en-US" smtClean="0"/>
-              <a:t>2019-06-04</a:t>
+              <a:t>2019-06-05</a:t>
             </a:fld>
             <a:endParaRPr lang="ko-KR" altLang="en-US"/>
           </a:p>
@@ -2516,7 +2517,7 @@
           <a:p>
             <a:fld id="{FB30EDBD-1C2D-4C1E-B459-B60219FAB484}" type="datetimeFigureOut">
               <a:rPr lang="ko-KR" altLang="en-US" smtClean="0"/>
-              <a:t>2019-06-04</a:t>
+              <a:t>2019-06-05</a:t>
             </a:fld>
             <a:endParaRPr lang="ko-KR" altLang="en-US"/>
           </a:p>
@@ -2628,7 +2629,7 @@
           <a:p>
             <a:fld id="{FB30EDBD-1C2D-4C1E-B459-B60219FAB484}" type="datetimeFigureOut">
               <a:rPr lang="ko-KR" altLang="en-US" smtClean="0"/>
-              <a:t>2019-06-04</a:t>
+              <a:t>2019-06-05</a:t>
             </a:fld>
             <a:endParaRPr lang="ko-KR" altLang="en-US"/>
           </a:p>
@@ -2718,7 +2719,7 @@
           <a:p>
             <a:fld id="{FB30EDBD-1C2D-4C1E-B459-B60219FAB484}" type="datetimeFigureOut">
               <a:rPr lang="ko-KR" altLang="en-US" smtClean="0"/>
-              <a:t>2019-06-04</a:t>
+              <a:t>2019-06-05</a:t>
             </a:fld>
             <a:endParaRPr lang="ko-KR" altLang="en-US"/>
           </a:p>
@@ -2988,7 +2989,7 @@
           <a:p>
             <a:fld id="{FB30EDBD-1C2D-4C1E-B459-B60219FAB484}" type="datetimeFigureOut">
               <a:rPr lang="ko-KR" altLang="en-US" smtClean="0"/>
-              <a:t>2019-06-04</a:t>
+              <a:t>2019-06-05</a:t>
             </a:fld>
             <a:endParaRPr lang="ko-KR" altLang="en-US"/>
           </a:p>
@@ -3235,7 +3236,7 @@
           <a:p>
             <a:fld id="{FB30EDBD-1C2D-4C1E-B459-B60219FAB484}" type="datetimeFigureOut">
               <a:rPr lang="ko-KR" altLang="en-US" smtClean="0"/>
-              <a:t>2019-06-04</a:t>
+              <a:t>2019-06-05</a:t>
             </a:fld>
             <a:endParaRPr lang="ko-KR" altLang="en-US"/>
           </a:p>
@@ -3441,7 +3442,7 @@
           <a:p>
             <a:fld id="{FB30EDBD-1C2D-4C1E-B459-B60219FAB484}" type="datetimeFigureOut">
               <a:rPr lang="ko-KR" altLang="en-US" smtClean="0"/>
-              <a:t>2019-06-04</a:t>
+              <a:t>2019-06-05</a:t>
             </a:fld>
             <a:endParaRPr lang="ko-KR" altLang="en-US"/>
           </a:p>
@@ -14196,6 +14197,66 @@
     <p:extLst>
       <p:ext uri="{BB962C8B-B14F-4D97-AF65-F5344CB8AC3E}">
         <p14:creationId xmlns:p14="http://schemas.microsoft.com/office/powerpoint/2010/main" val="4077157098"/>
+      </p:ext>
+    </p:extLst>
+  </p:cSld>
+  <p:clrMapOvr>
+    <a:masterClrMapping/>
+  </p:clrMapOvr>
+</p:sld>
+</file>
+
+<file path=ppt/slides/slide6.xml><?xml version="1.0" encoding="utf-8"?>
+<p:sld xmlns:a="http://schemas.openxmlformats.org/drawingml/2006/main" xmlns:r="http://schemas.openxmlformats.org/officeDocument/2006/relationships" xmlns:p="http://schemas.openxmlformats.org/presentationml/2006/main">
+  <p:cSld>
+    <p:spTree>
+      <p:nvGrpSpPr>
+        <p:cNvPr id="1" name=""/>
+        <p:cNvGrpSpPr/>
+        <p:nvPr/>
+      </p:nvGrpSpPr>
+      <p:grpSpPr>
+        <a:xfrm>
+          <a:off x="0" y="0"/>
+          <a:ext cx="0" cy="0"/>
+          <a:chOff x="0" y="0"/>
+          <a:chExt cx="0" cy="0"/>
+        </a:xfrm>
+      </p:grpSpPr>
+      <p:pic>
+        <p:nvPicPr>
+          <p:cNvPr id="2" name="그림 1">
+            <a:extLst>
+              <a:ext uri="{FF2B5EF4-FFF2-40B4-BE49-F238E27FC236}">
+                <a16:creationId xmlns:a16="http://schemas.microsoft.com/office/drawing/2014/main" id="{99A34609-5B47-453A-B34B-EBEB630FC022}"/>
+              </a:ext>
+            </a:extLst>
+          </p:cNvPr>
+          <p:cNvPicPr>
+            <a:picLocks noChangeAspect="1"/>
+          </p:cNvPicPr>
+          <p:nvPr/>
+        </p:nvPicPr>
+        <p:blipFill>
+          <a:blip r:embed="rId2"/>
+          <a:stretch>
+            <a:fillRect/>
+          </a:stretch>
+        </p:blipFill>
+        <p:spPr>
+          <a:xfrm>
+            <a:off x="1146470" y="0"/>
+            <a:ext cx="6851059" cy="5143500"/>
+          </a:xfrm>
+          <a:prstGeom prst="rect">
+            <a:avLst/>
+          </a:prstGeom>
+        </p:spPr>
+      </p:pic>
+    </p:spTree>
+    <p:extLst>
+      <p:ext uri="{BB962C8B-B14F-4D97-AF65-F5344CB8AC3E}">
+        <p14:creationId xmlns:p14="http://schemas.microsoft.com/office/powerpoint/2010/main" val="1539241036"/>
       </p:ext>
     </p:extLst>
   </p:cSld>

--- a/images/theory_analysis/Kubernetes_Cilium_Plugin/Kubernetes_Calico_Plugin.pptx
+++ b/images/theory_analysis/Kubernetes_Cilium_Plugin/Kubernetes_Calico_Plugin.pptx
@@ -218,7 +218,7 @@
           <a:p>
             <a:fld id="{6CD5550B-26C4-49A9-A5BA-636EF7BE6CE9}" type="datetimeFigureOut">
               <a:rPr lang="ko-KR" altLang="en-US" smtClean="0"/>
-              <a:t>2019-06-05</a:t>
+              <a:t>2019-06-18</a:t>
             </a:fld>
             <a:endParaRPr lang="ko-KR" altLang="en-US"/>
           </a:p>
@@ -1084,7 +1084,7 @@
           <a:p>
             <a:fld id="{FB30EDBD-1C2D-4C1E-B459-B60219FAB484}" type="datetimeFigureOut">
               <a:rPr lang="ko-KR" altLang="en-US" smtClean="0"/>
-              <a:t>2019-06-05</a:t>
+              <a:t>2019-06-18</a:t>
             </a:fld>
             <a:endParaRPr lang="ko-KR" altLang="en-US"/>
           </a:p>
@@ -1247,7 +1247,7 @@
           <a:p>
             <a:fld id="{FB30EDBD-1C2D-4C1E-B459-B60219FAB484}" type="datetimeFigureOut">
               <a:rPr lang="ko-KR" altLang="en-US" smtClean="0"/>
-              <a:t>2019-06-05</a:t>
+              <a:t>2019-06-18</a:t>
             </a:fld>
             <a:endParaRPr lang="ko-KR" altLang="en-US"/>
           </a:p>
@@ -1420,7 +1420,7 @@
           <a:p>
             <a:fld id="{FB30EDBD-1C2D-4C1E-B459-B60219FAB484}" type="datetimeFigureOut">
               <a:rPr lang="ko-KR" altLang="en-US" smtClean="0"/>
-              <a:t>2019-06-05</a:t>
+              <a:t>2019-06-18</a:t>
             </a:fld>
             <a:endParaRPr lang="ko-KR" altLang="en-US"/>
           </a:p>
@@ -1583,7 +1583,7 @@
           <a:p>
             <a:fld id="{FB30EDBD-1C2D-4C1E-B459-B60219FAB484}" type="datetimeFigureOut">
               <a:rPr lang="ko-KR" altLang="en-US" smtClean="0"/>
-              <a:t>2019-06-05</a:t>
+              <a:t>2019-06-18</a:t>
             </a:fld>
             <a:endParaRPr lang="ko-KR" altLang="en-US"/>
           </a:p>
@@ -1823,7 +1823,7 @@
           <a:p>
             <a:fld id="{FB30EDBD-1C2D-4C1E-B459-B60219FAB484}" type="datetimeFigureOut">
               <a:rPr lang="ko-KR" altLang="en-US" smtClean="0"/>
-              <a:t>2019-06-05</a:t>
+              <a:t>2019-06-18</a:t>
             </a:fld>
             <a:endParaRPr lang="ko-KR" altLang="en-US"/>
           </a:p>
@@ -2103,7 +2103,7 @@
           <a:p>
             <a:fld id="{FB30EDBD-1C2D-4C1E-B459-B60219FAB484}" type="datetimeFigureOut">
               <a:rPr lang="ko-KR" altLang="en-US" smtClean="0"/>
-              <a:t>2019-06-05</a:t>
+              <a:t>2019-06-18</a:t>
             </a:fld>
             <a:endParaRPr lang="ko-KR" altLang="en-US"/>
           </a:p>
@@ -2517,7 +2517,7 @@
           <a:p>
             <a:fld id="{FB30EDBD-1C2D-4C1E-B459-B60219FAB484}" type="datetimeFigureOut">
               <a:rPr lang="ko-KR" altLang="en-US" smtClean="0"/>
-              <a:t>2019-06-05</a:t>
+              <a:t>2019-06-18</a:t>
             </a:fld>
             <a:endParaRPr lang="ko-KR" altLang="en-US"/>
           </a:p>
@@ -2629,7 +2629,7 @@
           <a:p>
             <a:fld id="{FB30EDBD-1C2D-4C1E-B459-B60219FAB484}" type="datetimeFigureOut">
               <a:rPr lang="ko-KR" altLang="en-US" smtClean="0"/>
-              <a:t>2019-06-05</a:t>
+              <a:t>2019-06-18</a:t>
             </a:fld>
             <a:endParaRPr lang="ko-KR" altLang="en-US"/>
           </a:p>
@@ -2719,7 +2719,7 @@
           <a:p>
             <a:fld id="{FB30EDBD-1C2D-4C1E-B459-B60219FAB484}" type="datetimeFigureOut">
               <a:rPr lang="ko-KR" altLang="en-US" smtClean="0"/>
-              <a:t>2019-06-05</a:t>
+              <a:t>2019-06-18</a:t>
             </a:fld>
             <a:endParaRPr lang="ko-KR" altLang="en-US"/>
           </a:p>
@@ -2989,7 +2989,7 @@
           <a:p>
             <a:fld id="{FB30EDBD-1C2D-4C1E-B459-B60219FAB484}" type="datetimeFigureOut">
               <a:rPr lang="ko-KR" altLang="en-US" smtClean="0"/>
-              <a:t>2019-06-05</a:t>
+              <a:t>2019-06-18</a:t>
             </a:fld>
             <a:endParaRPr lang="ko-KR" altLang="en-US"/>
           </a:p>
@@ -3236,7 +3236,7 @@
           <a:p>
             <a:fld id="{FB30EDBD-1C2D-4C1E-B459-B60219FAB484}" type="datetimeFigureOut">
               <a:rPr lang="ko-KR" altLang="en-US" smtClean="0"/>
-              <a:t>2019-06-05</a:t>
+              <a:t>2019-06-18</a:t>
             </a:fld>
             <a:endParaRPr lang="ko-KR" altLang="en-US"/>
           </a:p>
@@ -3442,7 +3442,7 @@
           <a:p>
             <a:fld id="{FB30EDBD-1C2D-4C1E-B459-B60219FAB484}" type="datetimeFigureOut">
               <a:rPr lang="ko-KR" altLang="en-US" smtClean="0"/>
-              <a:t>2019-06-05</a:t>
+              <a:t>2019-06-18</a:t>
             </a:fld>
             <a:endParaRPr lang="ko-KR" altLang="en-US"/>
           </a:p>
@@ -6783,14 +6783,14 @@
           <p:cNvCxnSpPr>
             <a:cxnSpLocks/>
             <a:stCxn id="24" idx="3"/>
-            <a:endCxn id="53" idx="1"/>
+            <a:endCxn id="120" idx="1"/>
           </p:cNvCxnSpPr>
           <p:nvPr/>
         </p:nvCxnSpPr>
         <p:spPr>
           <a:xfrm flipV="1">
-            <a:off x="2183876" y="3412187"/>
-            <a:ext cx="629399" cy="246382"/>
+            <a:off x="2183876" y="3137419"/>
+            <a:ext cx="629396" cy="521150"/>
           </a:xfrm>
           <a:prstGeom prst="line">
             <a:avLst/>
@@ -8083,14 +8083,14 @@
           <p:cNvCxnSpPr>
             <a:cxnSpLocks/>
             <a:stCxn id="48" idx="1"/>
-            <a:endCxn id="89" idx="3"/>
+            <a:endCxn id="111" idx="3"/>
           </p:cNvCxnSpPr>
           <p:nvPr/>
         </p:nvCxnSpPr>
         <p:spPr>
           <a:xfrm flipH="1" flipV="1">
-            <a:off x="6285006" y="3412187"/>
-            <a:ext cx="674042" cy="246382"/>
+            <a:off x="6285003" y="3137419"/>
+            <a:ext cx="674045" cy="521150"/>
           </a:xfrm>
           <a:prstGeom prst="line">
             <a:avLst/>
@@ -12653,7 +12653,7 @@
           <p:nvPr>
             <p:extLst>
               <p:ext uri="{D42A27DB-BD31-4B8C-83A1-F6EECF244321}">
-                <p14:modId xmlns:p14="http://schemas.microsoft.com/office/powerpoint/2010/main" val="3069974861"/>
+                <p14:modId xmlns:p14="http://schemas.microsoft.com/office/powerpoint/2010/main" val="2604493936"/>
               </p:ext>
             </p:extLst>
           </p:nvPr>
@@ -12752,7 +12752,7 @@
                       <a:pPr latinLnBrk="1"/>
                       <a:r>
                         <a:rPr lang="en-US" altLang="ko-KR" sz="1100"/>
-                        <a:t>0.0.0.0</a:t>
+                        <a:t>10.0.0.1</a:t>
                       </a:r>
                       <a:endParaRPr lang="ko-KR" altLang="en-US" sz="1100" dirty="0"/>
                     </a:p>
@@ -13561,7 +13561,7 @@
           <p:nvPr>
             <p:extLst>
               <p:ext uri="{D42A27DB-BD31-4B8C-83A1-F6EECF244321}">
-                <p14:modId xmlns:p14="http://schemas.microsoft.com/office/powerpoint/2010/main" val="2910870520"/>
+                <p14:modId xmlns:p14="http://schemas.microsoft.com/office/powerpoint/2010/main" val="560393855"/>
               </p:ext>
             </p:extLst>
           </p:nvPr>
@@ -13660,7 +13660,7 @@
                       <a:pPr latinLnBrk="1"/>
                       <a:r>
                         <a:rPr lang="en-US" altLang="ko-KR" sz="1100"/>
-                        <a:t>0.0.0.0</a:t>
+                        <a:t>10.0.0.1</a:t>
                       </a:r>
                       <a:endParaRPr lang="ko-KR" altLang="en-US" sz="1100" dirty="0"/>
                     </a:p>

--- a/images/theory_analysis/Kubernetes_Cilium_Plugin/Kubernetes_Calico_Plugin.pptx
+++ b/images/theory_analysis/Kubernetes_Cilium_Plugin/Kubernetes_Calico_Plugin.pptx
@@ -5,15 +5,16 @@
     <p:sldMasterId id="2147483648" r:id="rId1"/>
   </p:sldMasterIdLst>
   <p:notesMasterIdLst>
-    <p:notesMasterId r:id="rId8"/>
+    <p:notesMasterId r:id="rId9"/>
   </p:notesMasterIdLst>
   <p:sldIdLst>
     <p:sldId id="449" r:id="rId2"/>
     <p:sldId id="448" r:id="rId3"/>
     <p:sldId id="450" r:id="rId4"/>
-    <p:sldId id="451" r:id="rId5"/>
+    <p:sldId id="454" r:id="rId5"/>
     <p:sldId id="452" r:id="rId6"/>
-    <p:sldId id="453" r:id="rId7"/>
+    <p:sldId id="451" r:id="rId7"/>
+    <p:sldId id="453" r:id="rId8"/>
   </p:sldIdLst>
   <p:sldSz cx="9144000" cy="5143500" type="screen16x9"/>
   <p:notesSz cx="6858000" cy="9144000"/>
@@ -218,7 +219,7 @@
           <a:p>
             <a:fld id="{6CD5550B-26C4-49A9-A5BA-636EF7BE6CE9}" type="datetimeFigureOut">
               <a:rPr lang="ko-KR" altLang="en-US" smtClean="0"/>
-              <a:t>2019-06-18</a:t>
+              <a:t>2019-12-02</a:t>
             </a:fld>
             <a:endParaRPr lang="ko-KR" altLang="en-US"/>
           </a:p>
@@ -811,7 +812,7 @@
     </p:spTree>
     <p:extLst>
       <p:ext uri="{BB962C8B-B14F-4D97-AF65-F5344CB8AC3E}">
-        <p14:creationId xmlns:p14="http://schemas.microsoft.com/office/powerpoint/2010/main" val="3613600256"/>
+        <p14:creationId xmlns:p14="http://schemas.microsoft.com/office/powerpoint/2010/main" val="1147495847"/>
       </p:ext>
     </p:extLst>
   </p:cSld>
@@ -896,6 +897,90 @@
     <p:extLst>
       <p:ext uri="{BB962C8B-B14F-4D97-AF65-F5344CB8AC3E}">
         <p14:creationId xmlns:p14="http://schemas.microsoft.com/office/powerpoint/2010/main" val="391664086"/>
+      </p:ext>
+    </p:extLst>
+  </p:cSld>
+  <p:clrMapOvr>
+    <a:masterClrMapping/>
+  </p:clrMapOvr>
+</p:notes>
+</file>
+
+<file path=ppt/notesSlides/notesSlide6.xml><?xml version="1.0" encoding="utf-8"?>
+<p:notes xmlns:a="http://schemas.openxmlformats.org/drawingml/2006/main" xmlns:r="http://schemas.openxmlformats.org/officeDocument/2006/relationships" xmlns:p="http://schemas.openxmlformats.org/presentationml/2006/main">
+  <p:cSld>
+    <p:spTree>
+      <p:nvGrpSpPr>
+        <p:cNvPr id="1" name=""/>
+        <p:cNvGrpSpPr/>
+        <p:nvPr/>
+      </p:nvGrpSpPr>
+      <p:grpSpPr>
+        <a:xfrm>
+          <a:off x="0" y="0"/>
+          <a:ext cx="0" cy="0"/>
+          <a:chOff x="0" y="0"/>
+          <a:chExt cx="0" cy="0"/>
+        </a:xfrm>
+      </p:grpSpPr>
+      <p:sp>
+        <p:nvSpPr>
+          <p:cNvPr id="2" name="슬라이드 이미지 개체 틀 1"/>
+          <p:cNvSpPr>
+            <a:spLocks noGrp="1" noRot="1" noChangeAspect="1"/>
+          </p:cNvSpPr>
+          <p:nvPr>
+            <p:ph type="sldImg"/>
+          </p:nvPr>
+        </p:nvSpPr>
+        <p:spPr/>
+      </p:sp>
+      <p:sp>
+        <p:nvSpPr>
+          <p:cNvPr id="3" name="슬라이드 노트 개체 틀 2"/>
+          <p:cNvSpPr>
+            <a:spLocks noGrp="1"/>
+          </p:cNvSpPr>
+          <p:nvPr>
+            <p:ph type="body" idx="1"/>
+          </p:nvPr>
+        </p:nvSpPr>
+        <p:spPr/>
+        <p:txBody>
+          <a:bodyPr/>
+          <a:lstStyle/>
+          <a:p>
+            <a:endParaRPr lang="ko-KR" altLang="en-US" dirty="0"/>
+          </a:p>
+        </p:txBody>
+      </p:sp>
+      <p:sp>
+        <p:nvSpPr>
+          <p:cNvPr id="4" name="슬라이드 번호 개체 틀 3"/>
+          <p:cNvSpPr>
+            <a:spLocks noGrp="1"/>
+          </p:cNvSpPr>
+          <p:nvPr>
+            <p:ph type="sldNum" sz="quarter" idx="10"/>
+          </p:nvPr>
+        </p:nvSpPr>
+        <p:spPr/>
+        <p:txBody>
+          <a:bodyPr/>
+          <a:lstStyle/>
+          <a:p>
+            <a:fld id="{BA5DFA43-8D57-47FB-BC46-057616015C3B}" type="slidenum">
+              <a:rPr lang="ko-KR" altLang="en-US" smtClean="0"/>
+              <a:t>6</a:t>
+            </a:fld>
+            <a:endParaRPr lang="ko-KR" altLang="en-US"/>
+          </a:p>
+        </p:txBody>
+      </p:sp>
+    </p:spTree>
+    <p:extLst>
+      <p:ext uri="{BB962C8B-B14F-4D97-AF65-F5344CB8AC3E}">
+        <p14:creationId xmlns:p14="http://schemas.microsoft.com/office/powerpoint/2010/main" val="3613600256"/>
       </p:ext>
     </p:extLst>
   </p:cSld>
@@ -1084,7 +1169,7 @@
           <a:p>
             <a:fld id="{FB30EDBD-1C2D-4C1E-B459-B60219FAB484}" type="datetimeFigureOut">
               <a:rPr lang="ko-KR" altLang="en-US" smtClean="0"/>
-              <a:t>2019-06-18</a:t>
+              <a:t>2019-12-02</a:t>
             </a:fld>
             <a:endParaRPr lang="ko-KR" altLang="en-US"/>
           </a:p>
@@ -1247,7 +1332,7 @@
           <a:p>
             <a:fld id="{FB30EDBD-1C2D-4C1E-B459-B60219FAB484}" type="datetimeFigureOut">
               <a:rPr lang="ko-KR" altLang="en-US" smtClean="0"/>
-              <a:t>2019-06-18</a:t>
+              <a:t>2019-12-02</a:t>
             </a:fld>
             <a:endParaRPr lang="ko-KR" altLang="en-US"/>
           </a:p>
@@ -1420,7 +1505,7 @@
           <a:p>
             <a:fld id="{FB30EDBD-1C2D-4C1E-B459-B60219FAB484}" type="datetimeFigureOut">
               <a:rPr lang="ko-KR" altLang="en-US" smtClean="0"/>
-              <a:t>2019-06-18</a:t>
+              <a:t>2019-12-02</a:t>
             </a:fld>
             <a:endParaRPr lang="ko-KR" altLang="en-US"/>
           </a:p>
@@ -1583,7 +1668,7 @@
           <a:p>
             <a:fld id="{FB30EDBD-1C2D-4C1E-B459-B60219FAB484}" type="datetimeFigureOut">
               <a:rPr lang="ko-KR" altLang="en-US" smtClean="0"/>
-              <a:t>2019-06-18</a:t>
+              <a:t>2019-12-02</a:t>
             </a:fld>
             <a:endParaRPr lang="ko-KR" altLang="en-US"/>
           </a:p>
@@ -1823,7 +1908,7 @@
           <a:p>
             <a:fld id="{FB30EDBD-1C2D-4C1E-B459-B60219FAB484}" type="datetimeFigureOut">
               <a:rPr lang="ko-KR" altLang="en-US" smtClean="0"/>
-              <a:t>2019-06-18</a:t>
+              <a:t>2019-12-02</a:t>
             </a:fld>
             <a:endParaRPr lang="ko-KR" altLang="en-US"/>
           </a:p>
@@ -2103,7 +2188,7 @@
           <a:p>
             <a:fld id="{FB30EDBD-1C2D-4C1E-B459-B60219FAB484}" type="datetimeFigureOut">
               <a:rPr lang="ko-KR" altLang="en-US" smtClean="0"/>
-              <a:t>2019-06-18</a:t>
+              <a:t>2019-12-02</a:t>
             </a:fld>
             <a:endParaRPr lang="ko-KR" altLang="en-US"/>
           </a:p>
@@ -2517,7 +2602,7 @@
           <a:p>
             <a:fld id="{FB30EDBD-1C2D-4C1E-B459-B60219FAB484}" type="datetimeFigureOut">
               <a:rPr lang="ko-KR" altLang="en-US" smtClean="0"/>
-              <a:t>2019-06-18</a:t>
+              <a:t>2019-12-02</a:t>
             </a:fld>
             <a:endParaRPr lang="ko-KR" altLang="en-US"/>
           </a:p>
@@ -2629,7 +2714,7 @@
           <a:p>
             <a:fld id="{FB30EDBD-1C2D-4C1E-B459-B60219FAB484}" type="datetimeFigureOut">
               <a:rPr lang="ko-KR" altLang="en-US" smtClean="0"/>
-              <a:t>2019-06-18</a:t>
+              <a:t>2019-12-02</a:t>
             </a:fld>
             <a:endParaRPr lang="ko-KR" altLang="en-US"/>
           </a:p>
@@ -2719,7 +2804,7 @@
           <a:p>
             <a:fld id="{FB30EDBD-1C2D-4C1E-B459-B60219FAB484}" type="datetimeFigureOut">
               <a:rPr lang="ko-KR" altLang="en-US" smtClean="0"/>
-              <a:t>2019-06-18</a:t>
+              <a:t>2019-12-02</a:t>
             </a:fld>
             <a:endParaRPr lang="ko-KR" altLang="en-US"/>
           </a:p>
@@ -2989,7 +3074,7 @@
           <a:p>
             <a:fld id="{FB30EDBD-1C2D-4C1E-B459-B60219FAB484}" type="datetimeFigureOut">
               <a:rPr lang="ko-KR" altLang="en-US" smtClean="0"/>
-              <a:t>2019-06-18</a:t>
+              <a:t>2019-12-02</a:t>
             </a:fld>
             <a:endParaRPr lang="ko-KR" altLang="en-US"/>
           </a:p>
@@ -3236,7 +3321,7 @@
           <a:p>
             <a:fld id="{FB30EDBD-1C2D-4C1E-B459-B60219FAB484}" type="datetimeFigureOut">
               <a:rPr lang="ko-KR" altLang="en-US" smtClean="0"/>
-              <a:t>2019-06-18</a:t>
+              <a:t>2019-12-02</a:t>
             </a:fld>
             <a:endParaRPr lang="ko-KR" altLang="en-US"/>
           </a:p>
@@ -3442,7 +3527,7 @@
           <a:p>
             <a:fld id="{FB30EDBD-1C2D-4C1E-B459-B60219FAB484}" type="datetimeFigureOut">
               <a:rPr lang="ko-KR" altLang="en-US" smtClean="0"/>
-              <a:t>2019-06-18</a:t>
+              <a:t>2019-12-02</a:t>
             </a:fld>
             <a:endParaRPr lang="ko-KR" altLang="en-US"/>
           </a:p>
@@ -6117,7 +6202,7 @@
         <p:spPr>
           <a:xfrm>
             <a:off x="683567" y="123478"/>
-            <a:ext cx="2842225" cy="720080"/>
+            <a:ext cx="1584177" cy="720080"/>
           </a:xfrm>
           <a:prstGeom prst="roundRect">
             <a:avLst>
@@ -6146,10 +6231,17 @@
           <a:p>
             <a:pPr algn="ctr"/>
             <a:r>
-              <a:rPr lang="en-US" altLang="ko-KR" sz="1600" dirty="0"/>
-              <a:t>Container A </a:t>
-            </a:r>
-            <a:endParaRPr lang="ko-KR" altLang="en-US" sz="1600" dirty="0"/>
+              <a:rPr lang="en-US" altLang="ko-KR" sz="1400"/>
+              <a:t>Container A</a:t>
+            </a:r>
+          </a:p>
+          <a:p>
+            <a:pPr algn="ctr"/>
+            <a:r>
+              <a:rPr lang="en-US" altLang="ko-KR" sz="1400"/>
+              <a:t>192.167.2.10 </a:t>
+            </a:r>
+            <a:endParaRPr lang="ko-KR" altLang="en-US" sz="1400" dirty="0"/>
           </a:p>
         </p:txBody>
       </p:sp>
@@ -6167,8 +6259,8 @@
         </p:nvSpPr>
         <p:spPr>
           <a:xfrm>
-            <a:off x="827584" y="483518"/>
-            <a:ext cx="1296144" cy="360040"/>
+            <a:off x="827584" y="613472"/>
+            <a:ext cx="1296144" cy="230086"/>
           </a:xfrm>
           <a:prstGeom prst="roundRect">
             <a:avLst>
@@ -6218,7 +6310,7 @@
         </p:nvSpPr>
         <p:spPr>
           <a:xfrm>
-            <a:off x="827584" y="1203082"/>
+            <a:off x="827584" y="949508"/>
             <a:ext cx="1296144" cy="318512"/>
           </a:xfrm>
           <a:prstGeom prst="roundRect">
@@ -6261,14 +6353,14 @@
           <p:cNvCxnSpPr>
             <a:cxnSpLocks/>
             <a:stCxn id="7" idx="2"/>
-            <a:endCxn id="37" idx="0"/>
+            <a:endCxn id="8" idx="0"/>
           </p:cNvCxnSpPr>
           <p:nvPr/>
         </p:nvCxnSpPr>
         <p:spPr>
           <a:xfrm>
             <a:off x="1475656" y="843558"/>
-            <a:ext cx="0" cy="102488"/>
+            <a:ext cx="0" cy="105950"/>
           </a:xfrm>
           <a:prstGeom prst="line">
             <a:avLst/>
@@ -6294,60 +6386,6 @@
           </a:fontRef>
         </p:style>
       </p:cxnSp>
-      <p:sp>
-        <p:nvSpPr>
-          <p:cNvPr id="11" name="모서리가 둥근 직사각형 44">
-            <a:extLst>
-              <a:ext uri="{FF2B5EF4-FFF2-40B4-BE49-F238E27FC236}">
-                <a16:creationId xmlns:a16="http://schemas.microsoft.com/office/drawing/2014/main" id="{2DBA49E2-5203-48AC-9D0B-4B3C58EE231E}"/>
-              </a:ext>
-            </a:extLst>
-          </p:cNvPr>
-          <p:cNvSpPr/>
-          <p:nvPr/>
-        </p:nvSpPr>
-        <p:spPr>
-          <a:xfrm>
-            <a:off x="1979712" y="513998"/>
-            <a:ext cx="1676975" cy="288032"/>
-          </a:xfrm>
-          <a:prstGeom prst="roundRect">
-            <a:avLst>
-              <a:gd name="adj" fmla="val 6195"/>
-            </a:avLst>
-          </a:prstGeom>
-          <a:noFill/>
-          <a:ln>
-            <a:noFill/>
-          </a:ln>
-        </p:spPr>
-        <p:style>
-          <a:lnRef idx="2">
-            <a:schemeClr val="dk1"/>
-          </a:lnRef>
-          <a:fillRef idx="1">
-            <a:schemeClr val="lt1"/>
-          </a:fillRef>
-          <a:effectRef idx="0">
-            <a:schemeClr val="dk1"/>
-          </a:effectRef>
-          <a:fontRef idx="minor">
-            <a:schemeClr val="dk1"/>
-          </a:fontRef>
-        </p:style>
-        <p:txBody>
-          <a:bodyPr rtlCol="0" anchor="ctr"/>
-          <a:lstStyle/>
-          <a:p>
-            <a:pPr algn="ctr"/>
-            <a:r>
-              <a:rPr lang="en-US" altLang="ko-KR" sz="1400"/>
-              <a:t>192.167.2.10</a:t>
-            </a:r>
-            <a:endParaRPr lang="ko-KR" altLang="en-US" sz="1400" dirty="0"/>
-          </a:p>
-        </p:txBody>
-      </p:sp>
       <p:sp>
         <p:nvSpPr>
           <p:cNvPr id="37" name="모서리가 둥근 직사각형 44">
@@ -6362,7 +6400,7 @@
         </p:nvSpPr>
         <p:spPr>
           <a:xfrm>
-            <a:off x="827584" y="946046"/>
+            <a:off x="827584" y="1263943"/>
             <a:ext cx="1296144" cy="263120"/>
           </a:xfrm>
           <a:prstGeom prst="roundRect">
@@ -6742,8 +6780,8 @@
         </p:nvCxnSpPr>
         <p:spPr>
           <a:xfrm>
-            <a:off x="899592" y="1529762"/>
-            <a:ext cx="0" cy="1690060"/>
+            <a:off x="899592" y="1263943"/>
+            <a:ext cx="0" cy="1955879"/>
           </a:xfrm>
           <a:prstGeom prst="line">
             <a:avLst/>
@@ -6830,14 +6868,14 @@
           <p:cNvCxnSpPr>
             <a:cxnSpLocks/>
             <a:stCxn id="2" idx="0"/>
-            <a:endCxn id="8" idx="3"/>
+            <a:endCxn id="37" idx="3"/>
           </p:cNvCxnSpPr>
           <p:nvPr/>
         </p:nvCxnSpPr>
         <p:spPr>
           <a:xfrm flipH="1" flipV="1">
-            <a:off x="2123728" y="1362338"/>
-            <a:ext cx="502912" cy="273308"/>
+            <a:off x="2123728" y="1395503"/>
+            <a:ext cx="502912" cy="240143"/>
           </a:xfrm>
           <a:prstGeom prst="line">
             <a:avLst/>
@@ -7625,159 +7663,6 @@
           </a:graphicData>
         </a:graphic>
       </p:graphicFrame>
-      <p:sp>
-        <p:nvSpPr>
-          <p:cNvPr id="94" name="모서리가 둥근 직사각형 44">
-            <a:extLst>
-              <a:ext uri="{FF2B5EF4-FFF2-40B4-BE49-F238E27FC236}">
-                <a16:creationId xmlns:a16="http://schemas.microsoft.com/office/drawing/2014/main" id="{C5968AF5-30E0-43C5-84FA-34B656FA9364}"/>
-              </a:ext>
-            </a:extLst>
-          </p:cNvPr>
-          <p:cNvSpPr/>
-          <p:nvPr/>
-        </p:nvSpPr>
-        <p:spPr>
-          <a:xfrm flipH="1">
-            <a:off x="5618207" y="123478"/>
-            <a:ext cx="2842225" cy="720080"/>
-          </a:xfrm>
-          <a:prstGeom prst="roundRect">
-            <a:avLst>
-              <a:gd name="adj" fmla="val 6195"/>
-            </a:avLst>
-          </a:prstGeom>
-          <a:ln/>
-        </p:spPr>
-        <p:style>
-          <a:lnRef idx="2">
-            <a:schemeClr val="dk1"/>
-          </a:lnRef>
-          <a:fillRef idx="1">
-            <a:schemeClr val="lt1"/>
-          </a:fillRef>
-          <a:effectRef idx="0">
-            <a:schemeClr val="dk1"/>
-          </a:effectRef>
-          <a:fontRef idx="minor">
-            <a:schemeClr val="dk1"/>
-          </a:fontRef>
-        </p:style>
-        <p:txBody>
-          <a:bodyPr rtlCol="0" anchor="t"/>
-          <a:lstStyle/>
-          <a:p>
-            <a:pPr algn="ctr"/>
-            <a:r>
-              <a:rPr lang="en-US" altLang="ko-KR" sz="1600"/>
-              <a:t>Container B </a:t>
-            </a:r>
-            <a:endParaRPr lang="ko-KR" altLang="en-US" sz="1600" dirty="0"/>
-          </a:p>
-        </p:txBody>
-      </p:sp>
-      <p:sp>
-        <p:nvSpPr>
-          <p:cNvPr id="95" name="모서리가 둥근 직사각형 44">
-            <a:extLst>
-              <a:ext uri="{FF2B5EF4-FFF2-40B4-BE49-F238E27FC236}">
-                <a16:creationId xmlns:a16="http://schemas.microsoft.com/office/drawing/2014/main" id="{BFCB0D57-B969-4ABC-A91C-9F6592064323}"/>
-              </a:ext>
-            </a:extLst>
-          </p:cNvPr>
-          <p:cNvSpPr/>
-          <p:nvPr/>
-        </p:nvSpPr>
-        <p:spPr>
-          <a:xfrm flipH="1">
-            <a:off x="7020271" y="483518"/>
-            <a:ext cx="1296144" cy="360040"/>
-          </a:xfrm>
-          <a:prstGeom prst="roundRect">
-            <a:avLst>
-              <a:gd name="adj" fmla="val 6195"/>
-            </a:avLst>
-          </a:prstGeom>
-          <a:ln/>
-        </p:spPr>
-        <p:style>
-          <a:lnRef idx="2">
-            <a:schemeClr val="dk1"/>
-          </a:lnRef>
-          <a:fillRef idx="1">
-            <a:schemeClr val="lt1"/>
-          </a:fillRef>
-          <a:effectRef idx="0">
-            <a:schemeClr val="dk1"/>
-          </a:effectRef>
-          <a:fontRef idx="minor">
-            <a:schemeClr val="dk1"/>
-          </a:fontRef>
-        </p:style>
-        <p:txBody>
-          <a:bodyPr rtlCol="0" anchor="ctr"/>
-          <a:lstStyle/>
-          <a:p>
-            <a:pPr algn="ctr"/>
-            <a:r>
-              <a:rPr lang="en-US" altLang="ko-KR" sz="1400" dirty="0" err="1"/>
-              <a:t>eth0</a:t>
-            </a:r>
-            <a:endParaRPr lang="ko-KR" altLang="en-US" sz="1400" dirty="0"/>
-          </a:p>
-        </p:txBody>
-      </p:sp>
-      <p:sp>
-        <p:nvSpPr>
-          <p:cNvPr id="96" name="모서리가 둥근 직사각형 44">
-            <a:extLst>
-              <a:ext uri="{FF2B5EF4-FFF2-40B4-BE49-F238E27FC236}">
-                <a16:creationId xmlns:a16="http://schemas.microsoft.com/office/drawing/2014/main" id="{5C69331D-F996-495A-8AA4-E7DC2A8A8035}"/>
-              </a:ext>
-            </a:extLst>
-          </p:cNvPr>
-          <p:cNvSpPr/>
-          <p:nvPr/>
-        </p:nvSpPr>
-        <p:spPr>
-          <a:xfrm flipH="1">
-            <a:off x="7020271" y="1203694"/>
-            <a:ext cx="1296144" cy="318512"/>
-          </a:xfrm>
-          <a:prstGeom prst="roundRect">
-            <a:avLst>
-              <a:gd name="adj" fmla="val 6195"/>
-            </a:avLst>
-          </a:prstGeom>
-          <a:ln/>
-        </p:spPr>
-        <p:style>
-          <a:lnRef idx="2">
-            <a:schemeClr val="dk1"/>
-          </a:lnRef>
-          <a:fillRef idx="1">
-            <a:schemeClr val="lt1"/>
-          </a:fillRef>
-          <a:effectRef idx="0">
-            <a:schemeClr val="dk1"/>
-          </a:effectRef>
-          <a:fontRef idx="minor">
-            <a:schemeClr val="dk1"/>
-          </a:fontRef>
-        </p:style>
-        <p:txBody>
-          <a:bodyPr rtlCol="0" anchor="ctr"/>
-          <a:lstStyle/>
-          <a:p>
-            <a:pPr algn="ctr"/>
-            <a:r>
-              <a:rPr lang="en-US" altLang="ko-KR" sz="1400"/>
-              <a:t>lxcxxxx</a:t>
-            </a:r>
-            <a:endParaRPr lang="ko-KR" altLang="en-US" sz="1400" dirty="0"/>
-          </a:p>
-        </p:txBody>
-      </p:sp>
       <p:cxnSp>
         <p:nvCxnSpPr>
           <p:cNvPr id="97" name="직선 연결선 96">
@@ -7789,8 +7674,6 @@
           </p:cNvPr>
           <p:cNvCxnSpPr>
             <a:cxnSpLocks/>
-            <a:stCxn id="95" idx="2"/>
-            <a:endCxn id="99" idx="0"/>
           </p:cNvCxnSpPr>
           <p:nvPr/>
         </p:nvCxnSpPr>
@@ -7806,161 +7689,6 @@
             <a:solidFill>
               <a:schemeClr val="tx1"/>
             </a:solidFill>
-          </a:ln>
-        </p:spPr>
-        <p:style>
-          <a:lnRef idx="1">
-            <a:schemeClr val="accent1"/>
-          </a:lnRef>
-          <a:fillRef idx="0">
-            <a:schemeClr val="accent1"/>
-          </a:fillRef>
-          <a:effectRef idx="0">
-            <a:schemeClr val="accent1"/>
-          </a:effectRef>
-          <a:fontRef idx="minor">
-            <a:schemeClr val="tx1"/>
-          </a:fontRef>
-        </p:style>
-      </p:cxnSp>
-      <p:sp>
-        <p:nvSpPr>
-          <p:cNvPr id="98" name="모서리가 둥근 직사각형 44">
-            <a:extLst>
-              <a:ext uri="{FF2B5EF4-FFF2-40B4-BE49-F238E27FC236}">
-                <a16:creationId xmlns:a16="http://schemas.microsoft.com/office/drawing/2014/main" id="{7B3973F9-79FD-4B7B-B5B4-34B5E04BB534}"/>
-              </a:ext>
-            </a:extLst>
-          </p:cNvPr>
-          <p:cNvSpPr/>
-          <p:nvPr/>
-        </p:nvSpPr>
-        <p:spPr>
-          <a:xfrm flipH="1">
-            <a:off x="5487312" y="513998"/>
-            <a:ext cx="1676975" cy="288032"/>
-          </a:xfrm>
-          <a:prstGeom prst="roundRect">
-            <a:avLst>
-              <a:gd name="adj" fmla="val 6195"/>
-            </a:avLst>
-          </a:prstGeom>
-          <a:noFill/>
-          <a:ln>
-            <a:noFill/>
-          </a:ln>
-        </p:spPr>
-        <p:style>
-          <a:lnRef idx="2">
-            <a:schemeClr val="dk1"/>
-          </a:lnRef>
-          <a:fillRef idx="1">
-            <a:schemeClr val="lt1"/>
-          </a:fillRef>
-          <a:effectRef idx="0">
-            <a:schemeClr val="dk1"/>
-          </a:effectRef>
-          <a:fontRef idx="minor">
-            <a:schemeClr val="dk1"/>
-          </a:fontRef>
-        </p:style>
-        <p:txBody>
-          <a:bodyPr rtlCol="0" anchor="ctr"/>
-          <a:lstStyle/>
-          <a:p>
-            <a:pPr algn="ctr"/>
-            <a:r>
-              <a:rPr lang="en-US" altLang="ko-KR" sz="1400"/>
-              <a:t>192.167.3.10</a:t>
-            </a:r>
-            <a:endParaRPr lang="ko-KR" altLang="en-US" sz="1400" dirty="0"/>
-          </a:p>
-        </p:txBody>
-      </p:sp>
-      <p:sp>
-        <p:nvSpPr>
-          <p:cNvPr id="99" name="모서리가 둥근 직사각형 44">
-            <a:extLst>
-              <a:ext uri="{FF2B5EF4-FFF2-40B4-BE49-F238E27FC236}">
-                <a16:creationId xmlns:a16="http://schemas.microsoft.com/office/drawing/2014/main" id="{0DE8E52E-C806-40FC-8B88-E5B815986732}"/>
-              </a:ext>
-            </a:extLst>
-          </p:cNvPr>
-          <p:cNvSpPr/>
-          <p:nvPr/>
-        </p:nvSpPr>
-        <p:spPr>
-          <a:xfrm flipH="1">
-            <a:off x="7020271" y="946046"/>
-            <a:ext cx="1296144" cy="263120"/>
-          </a:xfrm>
-          <a:prstGeom prst="roundRect">
-            <a:avLst>
-              <a:gd name="adj" fmla="val 6195"/>
-            </a:avLst>
-          </a:prstGeom>
-          <a:solidFill>
-            <a:schemeClr val="bg1">
-              <a:lumMod val="85000"/>
-            </a:schemeClr>
-          </a:solidFill>
-          <a:ln/>
-        </p:spPr>
-        <p:style>
-          <a:lnRef idx="2">
-            <a:schemeClr val="dk1"/>
-          </a:lnRef>
-          <a:fillRef idx="1">
-            <a:schemeClr val="lt1"/>
-          </a:fillRef>
-          <a:effectRef idx="0">
-            <a:schemeClr val="dk1"/>
-          </a:effectRef>
-          <a:fontRef idx="minor">
-            <a:schemeClr val="dk1"/>
-          </a:fontRef>
-        </p:style>
-        <p:txBody>
-          <a:bodyPr rtlCol="0" anchor="ctr"/>
-          <a:lstStyle/>
-          <a:p>
-            <a:pPr algn="ctr"/>
-            <a:r>
-              <a:rPr lang="en-US" altLang="ko-KR" sz="1400"/>
-              <a:t>act ingress</a:t>
-            </a:r>
-            <a:endParaRPr lang="ko-KR" altLang="en-US" sz="1400" dirty="0"/>
-          </a:p>
-        </p:txBody>
-      </p:sp>
-      <p:cxnSp>
-        <p:nvCxnSpPr>
-          <p:cNvPr id="100" name="직선 연결선 99">
-            <a:extLst>
-              <a:ext uri="{FF2B5EF4-FFF2-40B4-BE49-F238E27FC236}">
-                <a16:creationId xmlns:a16="http://schemas.microsoft.com/office/drawing/2014/main" id="{20D2F042-15F8-4B17-BACC-6C383A9460D0}"/>
-              </a:ext>
-            </a:extLst>
-          </p:cNvPr>
-          <p:cNvCxnSpPr>
-            <a:cxnSpLocks/>
-          </p:cNvCxnSpPr>
-          <p:nvPr/>
-        </p:nvCxnSpPr>
-        <p:spPr>
-          <a:xfrm>
-            <a:off x="8244408" y="1529762"/>
-            <a:ext cx="0" cy="1690060"/>
-          </a:xfrm>
-          <a:prstGeom prst="line">
-            <a:avLst/>
-          </a:prstGeom>
-          <a:ln w="19050">
-            <a:solidFill>
-              <a:schemeClr val="tx2"/>
-            </a:solidFill>
-            <a:headEnd type="arrow" w="med" len="med"/>
-            <a:tailEnd type="none" w="med" len="med"/>
           </a:ln>
         </p:spPr>
         <p:style>
@@ -8036,14 +7764,14 @@
           <p:cNvCxnSpPr>
             <a:cxnSpLocks/>
             <a:stCxn id="91" idx="0"/>
-            <a:endCxn id="96" idx="3"/>
+            <a:endCxn id="58" idx="1"/>
           </p:cNvCxnSpPr>
           <p:nvPr/>
         </p:nvCxnSpPr>
         <p:spPr>
           <a:xfrm flipV="1">
-            <a:off x="6515072" y="1362950"/>
-            <a:ext cx="505199" cy="272696"/>
+            <a:off x="6515072" y="1395503"/>
+            <a:ext cx="518575" cy="240143"/>
           </a:xfrm>
           <a:prstGeom prst="line">
             <a:avLst/>
@@ -8276,6 +8004,576 @@
           </a:fontRef>
         </p:style>
       </p:cxnSp>
+      <p:cxnSp>
+        <p:nvCxnSpPr>
+          <p:cNvPr id="142" name="직선 연결선 141">
+            <a:extLst>
+              <a:ext uri="{FF2B5EF4-FFF2-40B4-BE49-F238E27FC236}">
+                <a16:creationId xmlns:a16="http://schemas.microsoft.com/office/drawing/2014/main" id="{7DC7BC12-5D9E-4F4D-A24E-5E748082AF63}"/>
+              </a:ext>
+            </a:extLst>
+          </p:cNvPr>
+          <p:cNvCxnSpPr>
+            <a:cxnSpLocks/>
+          </p:cNvCxnSpPr>
+          <p:nvPr/>
+        </p:nvCxnSpPr>
+        <p:spPr>
+          <a:xfrm flipH="1">
+            <a:off x="4816990" y="4698082"/>
+            <a:ext cx="396277" cy="0"/>
+          </a:xfrm>
+          <a:prstGeom prst="line">
+            <a:avLst/>
+          </a:prstGeom>
+          <a:ln w="19050">
+            <a:solidFill>
+              <a:srgbClr val="C00000"/>
+            </a:solidFill>
+            <a:headEnd type="arrow" w="med" len="med"/>
+            <a:tailEnd type="none" w="med" len="med"/>
+          </a:ln>
+        </p:spPr>
+        <p:style>
+          <a:lnRef idx="1">
+            <a:schemeClr val="accent1"/>
+          </a:lnRef>
+          <a:fillRef idx="0">
+            <a:schemeClr val="accent1"/>
+          </a:fillRef>
+          <a:effectRef idx="0">
+            <a:schemeClr val="accent1"/>
+          </a:effectRef>
+          <a:fontRef idx="minor">
+            <a:schemeClr val="tx1"/>
+          </a:fontRef>
+        </p:style>
+      </p:cxnSp>
+      <p:cxnSp>
+        <p:nvCxnSpPr>
+          <p:cNvPr id="145" name="직선 연결선 144">
+            <a:extLst>
+              <a:ext uri="{FF2B5EF4-FFF2-40B4-BE49-F238E27FC236}">
+                <a16:creationId xmlns:a16="http://schemas.microsoft.com/office/drawing/2014/main" id="{E34809DE-DE61-484E-BB47-F21E075ED943}"/>
+              </a:ext>
+            </a:extLst>
+          </p:cNvPr>
+          <p:cNvCxnSpPr>
+            <a:cxnSpLocks/>
+          </p:cNvCxnSpPr>
+          <p:nvPr/>
+        </p:nvCxnSpPr>
+        <p:spPr>
+          <a:xfrm flipH="1">
+            <a:off x="4823006" y="4909914"/>
+            <a:ext cx="390261" cy="0"/>
+          </a:xfrm>
+          <a:prstGeom prst="line">
+            <a:avLst/>
+          </a:prstGeom>
+          <a:ln w="19050">
+            <a:solidFill>
+              <a:schemeClr val="tx2"/>
+            </a:solidFill>
+            <a:headEnd type="arrow" w="med" len="med"/>
+            <a:tailEnd type="none" w="med" len="med"/>
+          </a:ln>
+        </p:spPr>
+        <p:style>
+          <a:lnRef idx="1">
+            <a:schemeClr val="accent1"/>
+          </a:lnRef>
+          <a:fillRef idx="0">
+            <a:schemeClr val="accent1"/>
+          </a:fillRef>
+          <a:effectRef idx="0">
+            <a:schemeClr val="accent1"/>
+          </a:effectRef>
+          <a:fontRef idx="minor">
+            <a:schemeClr val="tx1"/>
+          </a:fontRef>
+        </p:style>
+      </p:cxnSp>
+      <p:sp>
+        <p:nvSpPr>
+          <p:cNvPr id="147" name="모서리가 둥근 직사각형 44">
+            <a:extLst>
+              <a:ext uri="{FF2B5EF4-FFF2-40B4-BE49-F238E27FC236}">
+                <a16:creationId xmlns:a16="http://schemas.microsoft.com/office/drawing/2014/main" id="{93D3556A-89DF-4D7F-9305-9CA12DA46674}"/>
+              </a:ext>
+            </a:extLst>
+          </p:cNvPr>
+          <p:cNvSpPr/>
+          <p:nvPr/>
+        </p:nvSpPr>
+        <p:spPr>
+          <a:xfrm>
+            <a:off x="4600020" y="4587974"/>
+            <a:ext cx="3356356" cy="432048"/>
+          </a:xfrm>
+          <a:prstGeom prst="roundRect">
+            <a:avLst>
+              <a:gd name="adj" fmla="val 6195"/>
+            </a:avLst>
+          </a:prstGeom>
+          <a:noFill/>
+          <a:ln>
+            <a:noFill/>
+          </a:ln>
+        </p:spPr>
+        <p:style>
+          <a:lnRef idx="2">
+            <a:schemeClr val="dk1"/>
+          </a:lnRef>
+          <a:fillRef idx="1">
+            <a:schemeClr val="lt1"/>
+          </a:fillRef>
+          <a:effectRef idx="0">
+            <a:schemeClr val="dk1"/>
+          </a:effectRef>
+          <a:fontRef idx="minor">
+            <a:schemeClr val="dk1"/>
+          </a:fontRef>
+        </p:style>
+        <p:txBody>
+          <a:bodyPr rtlCol="0" anchor="ctr"/>
+          <a:lstStyle/>
+          <a:p>
+            <a:pPr marL="285750" indent="-285750">
+              <a:buFont typeface="Arial" pitchFamily="34" charset="0"/>
+              <a:buChar char="•"/>
+            </a:pPr>
+            <a:r>
+              <a:rPr lang="en-US" altLang="ko-KR" sz="1400"/>
+              <a:t>     Redirect</a:t>
+            </a:r>
+            <a:endParaRPr lang="en-US" altLang="ko-KR" sz="1400" dirty="0"/>
+          </a:p>
+          <a:p>
+            <a:pPr marL="285750" indent="-285750">
+              <a:buFont typeface="Arial" pitchFamily="34" charset="0"/>
+              <a:buChar char="•"/>
+            </a:pPr>
+            <a:r>
+              <a:rPr lang="en-US" altLang="ko-KR" sz="1400"/>
+              <a:t>     Routing</a:t>
+            </a:r>
+            <a:endParaRPr lang="ko-KR" altLang="en-US" sz="1400" dirty="0"/>
+          </a:p>
+        </p:txBody>
+      </p:sp>
+      <p:sp>
+        <p:nvSpPr>
+          <p:cNvPr id="57" name="모서리가 둥근 직사각형 44">
+            <a:extLst>
+              <a:ext uri="{FF2B5EF4-FFF2-40B4-BE49-F238E27FC236}">
+                <a16:creationId xmlns:a16="http://schemas.microsoft.com/office/drawing/2014/main" id="{2913B751-0BF3-427B-9C3F-04B89B8D79E9}"/>
+              </a:ext>
+            </a:extLst>
+          </p:cNvPr>
+          <p:cNvSpPr/>
+          <p:nvPr/>
+        </p:nvSpPr>
+        <p:spPr>
+          <a:xfrm>
+            <a:off x="7033647" y="949508"/>
+            <a:ext cx="1296144" cy="318512"/>
+          </a:xfrm>
+          <a:prstGeom prst="roundRect">
+            <a:avLst>
+              <a:gd name="adj" fmla="val 6195"/>
+            </a:avLst>
+          </a:prstGeom>
+          <a:ln/>
+        </p:spPr>
+        <p:style>
+          <a:lnRef idx="2">
+            <a:schemeClr val="dk1"/>
+          </a:lnRef>
+          <a:fillRef idx="1">
+            <a:schemeClr val="lt1"/>
+          </a:fillRef>
+          <a:effectRef idx="0">
+            <a:schemeClr val="dk1"/>
+          </a:effectRef>
+          <a:fontRef idx="minor">
+            <a:schemeClr val="dk1"/>
+          </a:fontRef>
+        </p:style>
+        <p:txBody>
+          <a:bodyPr rtlCol="0" anchor="ctr"/>
+          <a:lstStyle/>
+          <a:p>
+            <a:pPr algn="ctr"/>
+            <a:r>
+              <a:rPr lang="en-US" altLang="ko-KR" sz="1400"/>
+              <a:t>lxcxxxx</a:t>
+            </a:r>
+            <a:endParaRPr lang="ko-KR" altLang="en-US" sz="1400" dirty="0"/>
+          </a:p>
+        </p:txBody>
+      </p:sp>
+      <p:sp>
+        <p:nvSpPr>
+          <p:cNvPr id="58" name="모서리가 둥근 직사각형 44">
+            <a:extLst>
+              <a:ext uri="{FF2B5EF4-FFF2-40B4-BE49-F238E27FC236}">
+                <a16:creationId xmlns:a16="http://schemas.microsoft.com/office/drawing/2014/main" id="{C34648CF-A3D3-447B-9931-339036B11389}"/>
+              </a:ext>
+            </a:extLst>
+          </p:cNvPr>
+          <p:cNvSpPr/>
+          <p:nvPr/>
+        </p:nvSpPr>
+        <p:spPr>
+          <a:xfrm>
+            <a:off x="7033647" y="1263943"/>
+            <a:ext cx="1296144" cy="263120"/>
+          </a:xfrm>
+          <a:prstGeom prst="roundRect">
+            <a:avLst>
+              <a:gd name="adj" fmla="val 6195"/>
+            </a:avLst>
+          </a:prstGeom>
+          <a:solidFill>
+            <a:schemeClr val="bg1">
+              <a:lumMod val="85000"/>
+            </a:schemeClr>
+          </a:solidFill>
+          <a:ln/>
+        </p:spPr>
+        <p:style>
+          <a:lnRef idx="2">
+            <a:schemeClr val="dk1"/>
+          </a:lnRef>
+          <a:fillRef idx="1">
+            <a:schemeClr val="lt1"/>
+          </a:fillRef>
+          <a:effectRef idx="0">
+            <a:schemeClr val="dk1"/>
+          </a:effectRef>
+          <a:fontRef idx="minor">
+            <a:schemeClr val="dk1"/>
+          </a:fontRef>
+        </p:style>
+        <p:txBody>
+          <a:bodyPr rtlCol="0" anchor="ctr"/>
+          <a:lstStyle/>
+          <a:p>
+            <a:pPr algn="ctr"/>
+            <a:r>
+              <a:rPr lang="en-US" altLang="ko-KR" sz="1400"/>
+              <a:t>act ingress</a:t>
+            </a:r>
+            <a:endParaRPr lang="ko-KR" altLang="en-US" sz="1400" dirty="0"/>
+          </a:p>
+        </p:txBody>
+      </p:sp>
+      <p:cxnSp>
+        <p:nvCxnSpPr>
+          <p:cNvPr id="100" name="직선 연결선 99">
+            <a:extLst>
+              <a:ext uri="{FF2B5EF4-FFF2-40B4-BE49-F238E27FC236}">
+                <a16:creationId xmlns:a16="http://schemas.microsoft.com/office/drawing/2014/main" id="{20D2F042-15F8-4B17-BACC-6C383A9460D0}"/>
+              </a:ext>
+            </a:extLst>
+          </p:cNvPr>
+          <p:cNvCxnSpPr>
+            <a:cxnSpLocks/>
+          </p:cNvCxnSpPr>
+          <p:nvPr/>
+        </p:nvCxnSpPr>
+        <p:spPr>
+          <a:xfrm>
+            <a:off x="8244408" y="1263943"/>
+            <a:ext cx="0" cy="1955879"/>
+          </a:xfrm>
+          <a:prstGeom prst="line">
+            <a:avLst/>
+          </a:prstGeom>
+          <a:ln w="19050">
+            <a:solidFill>
+              <a:schemeClr val="tx2"/>
+            </a:solidFill>
+            <a:headEnd type="arrow" w="med" len="med"/>
+            <a:tailEnd type="none" w="med" len="med"/>
+          </a:ln>
+        </p:spPr>
+        <p:style>
+          <a:lnRef idx="1">
+            <a:schemeClr val="accent1"/>
+          </a:lnRef>
+          <a:fillRef idx="0">
+            <a:schemeClr val="accent1"/>
+          </a:fillRef>
+          <a:effectRef idx="0">
+            <a:schemeClr val="accent1"/>
+          </a:effectRef>
+          <a:fontRef idx="minor">
+            <a:schemeClr val="tx1"/>
+          </a:fontRef>
+        </p:style>
+      </p:cxnSp>
+      <p:sp>
+        <p:nvSpPr>
+          <p:cNvPr id="66" name="모서리가 둥근 직사각형 44">
+            <a:extLst>
+              <a:ext uri="{FF2B5EF4-FFF2-40B4-BE49-F238E27FC236}">
+                <a16:creationId xmlns:a16="http://schemas.microsoft.com/office/drawing/2014/main" id="{14CCAAEA-E7B7-4F71-B4BA-F751AD263711}"/>
+              </a:ext>
+            </a:extLst>
+          </p:cNvPr>
+          <p:cNvSpPr/>
+          <p:nvPr/>
+        </p:nvSpPr>
+        <p:spPr>
+          <a:xfrm>
+            <a:off x="2844232" y="123478"/>
+            <a:ext cx="1584177" cy="720080"/>
+          </a:xfrm>
+          <a:prstGeom prst="roundRect">
+            <a:avLst>
+              <a:gd name="adj" fmla="val 6195"/>
+            </a:avLst>
+          </a:prstGeom>
+          <a:ln/>
+        </p:spPr>
+        <p:style>
+          <a:lnRef idx="2">
+            <a:schemeClr val="dk1"/>
+          </a:lnRef>
+          <a:fillRef idx="1">
+            <a:schemeClr val="lt1"/>
+          </a:fillRef>
+          <a:effectRef idx="0">
+            <a:schemeClr val="dk1"/>
+          </a:effectRef>
+          <a:fontRef idx="minor">
+            <a:schemeClr val="dk1"/>
+          </a:fontRef>
+        </p:style>
+        <p:txBody>
+          <a:bodyPr rtlCol="0" anchor="t"/>
+          <a:lstStyle/>
+          <a:p>
+            <a:pPr algn="ctr"/>
+            <a:r>
+              <a:rPr lang="en-US" altLang="ko-KR" sz="1400"/>
+              <a:t>Container B</a:t>
+            </a:r>
+          </a:p>
+          <a:p>
+            <a:pPr algn="ctr"/>
+            <a:r>
+              <a:rPr lang="en-US" altLang="ko-KR" sz="1400"/>
+              <a:t>192.167.2.11 </a:t>
+            </a:r>
+            <a:endParaRPr lang="ko-KR" altLang="en-US" sz="1400" dirty="0"/>
+          </a:p>
+        </p:txBody>
+      </p:sp>
+      <p:sp>
+        <p:nvSpPr>
+          <p:cNvPr id="68" name="모서리가 둥근 직사각형 44">
+            <a:extLst>
+              <a:ext uri="{FF2B5EF4-FFF2-40B4-BE49-F238E27FC236}">
+                <a16:creationId xmlns:a16="http://schemas.microsoft.com/office/drawing/2014/main" id="{C51408B5-3429-4D5B-A753-E5D29635270D}"/>
+              </a:ext>
+            </a:extLst>
+          </p:cNvPr>
+          <p:cNvSpPr/>
+          <p:nvPr/>
+        </p:nvSpPr>
+        <p:spPr>
+          <a:xfrm>
+            <a:off x="2988249" y="613472"/>
+            <a:ext cx="1296144" cy="230086"/>
+          </a:xfrm>
+          <a:prstGeom prst="roundRect">
+            <a:avLst>
+              <a:gd name="adj" fmla="val 6195"/>
+            </a:avLst>
+          </a:prstGeom>
+          <a:ln/>
+        </p:spPr>
+        <p:style>
+          <a:lnRef idx="2">
+            <a:schemeClr val="dk1"/>
+          </a:lnRef>
+          <a:fillRef idx="1">
+            <a:schemeClr val="lt1"/>
+          </a:fillRef>
+          <a:effectRef idx="0">
+            <a:schemeClr val="dk1"/>
+          </a:effectRef>
+          <a:fontRef idx="minor">
+            <a:schemeClr val="dk1"/>
+          </a:fontRef>
+        </p:style>
+        <p:txBody>
+          <a:bodyPr rtlCol="0" anchor="ctr"/>
+          <a:lstStyle/>
+          <a:p>
+            <a:pPr algn="ctr"/>
+            <a:r>
+              <a:rPr lang="en-US" altLang="ko-KR" sz="1400" dirty="0" err="1"/>
+              <a:t>eth0</a:t>
+            </a:r>
+            <a:endParaRPr lang="ko-KR" altLang="en-US" sz="1400" dirty="0"/>
+          </a:p>
+        </p:txBody>
+      </p:sp>
+      <p:sp>
+        <p:nvSpPr>
+          <p:cNvPr id="69" name="모서리가 둥근 직사각형 44">
+            <a:extLst>
+              <a:ext uri="{FF2B5EF4-FFF2-40B4-BE49-F238E27FC236}">
+                <a16:creationId xmlns:a16="http://schemas.microsoft.com/office/drawing/2014/main" id="{43BA0DF9-E974-41F6-814B-E9C081D66623}"/>
+              </a:ext>
+            </a:extLst>
+          </p:cNvPr>
+          <p:cNvSpPr/>
+          <p:nvPr/>
+        </p:nvSpPr>
+        <p:spPr>
+          <a:xfrm>
+            <a:off x="2985709" y="949508"/>
+            <a:ext cx="1296144" cy="318512"/>
+          </a:xfrm>
+          <a:prstGeom prst="roundRect">
+            <a:avLst>
+              <a:gd name="adj" fmla="val 6195"/>
+            </a:avLst>
+          </a:prstGeom>
+          <a:ln/>
+        </p:spPr>
+        <p:style>
+          <a:lnRef idx="2">
+            <a:schemeClr val="dk1"/>
+          </a:lnRef>
+          <a:fillRef idx="1">
+            <a:schemeClr val="lt1"/>
+          </a:fillRef>
+          <a:effectRef idx="0">
+            <a:schemeClr val="dk1"/>
+          </a:effectRef>
+          <a:fontRef idx="minor">
+            <a:schemeClr val="dk1"/>
+          </a:fontRef>
+        </p:style>
+        <p:txBody>
+          <a:bodyPr rtlCol="0" anchor="ctr"/>
+          <a:lstStyle/>
+          <a:p>
+            <a:pPr algn="ctr"/>
+            <a:r>
+              <a:rPr lang="en-US" altLang="ko-KR" sz="1400"/>
+              <a:t>lxcxxxx</a:t>
+            </a:r>
+            <a:endParaRPr lang="ko-KR" altLang="en-US" sz="1400" dirty="0"/>
+          </a:p>
+        </p:txBody>
+      </p:sp>
+      <p:cxnSp>
+        <p:nvCxnSpPr>
+          <p:cNvPr id="70" name="직선 연결선 69">
+            <a:extLst>
+              <a:ext uri="{FF2B5EF4-FFF2-40B4-BE49-F238E27FC236}">
+                <a16:creationId xmlns:a16="http://schemas.microsoft.com/office/drawing/2014/main" id="{FE1AFDA9-4053-4E50-91B1-C5A42796E675}"/>
+              </a:ext>
+            </a:extLst>
+          </p:cNvPr>
+          <p:cNvCxnSpPr>
+            <a:cxnSpLocks/>
+            <a:endCxn id="69" idx="0"/>
+          </p:cNvCxnSpPr>
+          <p:nvPr/>
+        </p:nvCxnSpPr>
+        <p:spPr>
+          <a:xfrm>
+            <a:off x="3633781" y="843558"/>
+            <a:ext cx="0" cy="105950"/>
+          </a:xfrm>
+          <a:prstGeom prst="line">
+            <a:avLst/>
+          </a:prstGeom>
+          <a:ln w="19050">
+            <a:solidFill>
+              <a:schemeClr val="tx1"/>
+            </a:solidFill>
+          </a:ln>
+        </p:spPr>
+        <p:style>
+          <a:lnRef idx="1">
+            <a:schemeClr val="accent1"/>
+          </a:lnRef>
+          <a:fillRef idx="0">
+            <a:schemeClr val="accent1"/>
+          </a:fillRef>
+          <a:effectRef idx="0">
+            <a:schemeClr val="accent1"/>
+          </a:effectRef>
+          <a:fontRef idx="minor">
+            <a:schemeClr val="tx1"/>
+          </a:fontRef>
+        </p:style>
+      </p:cxnSp>
+      <p:sp>
+        <p:nvSpPr>
+          <p:cNvPr id="71" name="모서리가 둥근 직사각형 44">
+            <a:extLst>
+              <a:ext uri="{FF2B5EF4-FFF2-40B4-BE49-F238E27FC236}">
+                <a16:creationId xmlns:a16="http://schemas.microsoft.com/office/drawing/2014/main" id="{869095A4-C172-4DB4-A759-F333E714EBBB}"/>
+              </a:ext>
+            </a:extLst>
+          </p:cNvPr>
+          <p:cNvSpPr/>
+          <p:nvPr/>
+        </p:nvSpPr>
+        <p:spPr>
+          <a:xfrm>
+            <a:off x="2985709" y="1263943"/>
+            <a:ext cx="1296144" cy="263120"/>
+          </a:xfrm>
+          <a:prstGeom prst="roundRect">
+            <a:avLst>
+              <a:gd name="adj" fmla="val 6195"/>
+            </a:avLst>
+          </a:prstGeom>
+          <a:solidFill>
+            <a:schemeClr val="bg1">
+              <a:lumMod val="85000"/>
+            </a:schemeClr>
+          </a:solidFill>
+          <a:ln/>
+        </p:spPr>
+        <p:style>
+          <a:lnRef idx="2">
+            <a:schemeClr val="dk1"/>
+          </a:lnRef>
+          <a:fillRef idx="1">
+            <a:schemeClr val="lt1"/>
+          </a:fillRef>
+          <a:effectRef idx="0">
+            <a:schemeClr val="dk1"/>
+          </a:effectRef>
+          <a:fontRef idx="minor">
+            <a:schemeClr val="dk1"/>
+          </a:fontRef>
+        </p:style>
+        <p:txBody>
+          <a:bodyPr rtlCol="0" anchor="ctr"/>
+          <a:lstStyle/>
+          <a:p>
+            <a:pPr algn="ctr"/>
+            <a:r>
+              <a:rPr lang="en-US" altLang="ko-KR" sz="1400"/>
+              <a:t>act ingress</a:t>
+            </a:r>
+            <a:endParaRPr lang="ko-KR" altLang="en-US" sz="1400" dirty="0"/>
+          </a:p>
+        </p:txBody>
+      </p:sp>
       <p:sp>
         <p:nvSpPr>
           <p:cNvPr id="135" name="자유형: 도형 134">
@@ -8290,8 +8588,8 @@
         </p:nvSpPr>
         <p:spPr>
           <a:xfrm>
-            <a:off x="2123728" y="1311654"/>
-            <a:ext cx="2189192" cy="1683006"/>
+            <a:off x="2123728" y="1014791"/>
+            <a:ext cx="2189192" cy="1979869"/>
           </a:xfrm>
           <a:custGeom>
             <a:avLst/>
@@ -8364,6 +8662,472 @@
           </a:p>
         </p:txBody>
       </p:sp>
+      <p:cxnSp>
+        <p:nvCxnSpPr>
+          <p:cNvPr id="73" name="직선 연결선 72">
+            <a:extLst>
+              <a:ext uri="{FF2B5EF4-FFF2-40B4-BE49-F238E27FC236}">
+                <a16:creationId xmlns:a16="http://schemas.microsoft.com/office/drawing/2014/main" id="{FEBA67D5-8FB3-4570-A4BD-7CF8B514C9F0}"/>
+              </a:ext>
+            </a:extLst>
+          </p:cNvPr>
+          <p:cNvCxnSpPr>
+            <a:cxnSpLocks/>
+            <a:stCxn id="2" idx="0"/>
+            <a:endCxn id="71" idx="1"/>
+          </p:cNvCxnSpPr>
+          <p:nvPr/>
+        </p:nvCxnSpPr>
+        <p:spPr>
+          <a:xfrm flipV="1">
+            <a:off x="2626640" y="1395503"/>
+            <a:ext cx="359069" cy="240143"/>
+          </a:xfrm>
+          <a:prstGeom prst="line">
+            <a:avLst/>
+          </a:prstGeom>
+          <a:ln w="19050">
+            <a:solidFill>
+              <a:schemeClr val="tx2"/>
+            </a:solidFill>
+            <a:headEnd type="arrow" w="med" len="med"/>
+            <a:tailEnd type="none" w="med" len="med"/>
+          </a:ln>
+        </p:spPr>
+        <p:style>
+          <a:lnRef idx="1">
+            <a:schemeClr val="accent1"/>
+          </a:lnRef>
+          <a:fillRef idx="0">
+            <a:schemeClr val="accent1"/>
+          </a:fillRef>
+          <a:effectRef idx="0">
+            <a:schemeClr val="accent1"/>
+          </a:effectRef>
+          <a:fontRef idx="minor">
+            <a:schemeClr val="tx1"/>
+          </a:fontRef>
+        </p:style>
+      </p:cxnSp>
+      <p:cxnSp>
+        <p:nvCxnSpPr>
+          <p:cNvPr id="76" name="직선 연결선 75">
+            <a:extLst>
+              <a:ext uri="{FF2B5EF4-FFF2-40B4-BE49-F238E27FC236}">
+                <a16:creationId xmlns:a16="http://schemas.microsoft.com/office/drawing/2014/main" id="{86D8F472-A20A-402B-A9D5-F3874DF0918C}"/>
+              </a:ext>
+            </a:extLst>
+          </p:cNvPr>
+          <p:cNvCxnSpPr>
+            <a:cxnSpLocks/>
+            <a:stCxn id="69" idx="1"/>
+            <a:endCxn id="37" idx="3"/>
+          </p:cNvCxnSpPr>
+          <p:nvPr/>
+        </p:nvCxnSpPr>
+        <p:spPr>
+          <a:xfrm flipH="1">
+            <a:off x="2123728" y="1108764"/>
+            <a:ext cx="861981" cy="286739"/>
+          </a:xfrm>
+          <a:prstGeom prst="line">
+            <a:avLst/>
+          </a:prstGeom>
+          <a:ln w="19050">
+            <a:solidFill>
+              <a:schemeClr val="tx2"/>
+            </a:solidFill>
+            <a:headEnd type="arrow" w="med" len="med"/>
+            <a:tailEnd type="none" w="med" len="med"/>
+          </a:ln>
+        </p:spPr>
+        <p:style>
+          <a:lnRef idx="1">
+            <a:schemeClr val="accent1"/>
+          </a:lnRef>
+          <a:fillRef idx="0">
+            <a:schemeClr val="accent1"/>
+          </a:fillRef>
+          <a:effectRef idx="0">
+            <a:schemeClr val="accent1"/>
+          </a:effectRef>
+          <a:fontRef idx="minor">
+            <a:schemeClr val="tx1"/>
+          </a:fontRef>
+        </p:style>
+      </p:cxnSp>
+      <p:cxnSp>
+        <p:nvCxnSpPr>
+          <p:cNvPr id="80" name="직선 연결선 79">
+            <a:extLst>
+              <a:ext uri="{FF2B5EF4-FFF2-40B4-BE49-F238E27FC236}">
+                <a16:creationId xmlns:a16="http://schemas.microsoft.com/office/drawing/2014/main" id="{CB8C2935-2C33-4A2F-AC47-F861DD3D0A14}"/>
+              </a:ext>
+            </a:extLst>
+          </p:cNvPr>
+          <p:cNvCxnSpPr>
+            <a:cxnSpLocks/>
+            <a:stCxn id="8" idx="3"/>
+            <a:endCxn id="71" idx="1"/>
+          </p:cNvCxnSpPr>
+          <p:nvPr/>
+        </p:nvCxnSpPr>
+        <p:spPr>
+          <a:xfrm>
+            <a:off x="2123728" y="1108764"/>
+            <a:ext cx="861981" cy="286739"/>
+          </a:xfrm>
+          <a:prstGeom prst="line">
+            <a:avLst/>
+          </a:prstGeom>
+          <a:ln w="19050">
+            <a:solidFill>
+              <a:schemeClr val="tx2"/>
+            </a:solidFill>
+            <a:headEnd type="arrow" w="med" len="med"/>
+            <a:tailEnd type="none" w="med" len="med"/>
+          </a:ln>
+        </p:spPr>
+        <p:style>
+          <a:lnRef idx="1">
+            <a:schemeClr val="accent1"/>
+          </a:lnRef>
+          <a:fillRef idx="0">
+            <a:schemeClr val="accent1"/>
+          </a:fillRef>
+          <a:effectRef idx="0">
+            <a:schemeClr val="accent1"/>
+          </a:effectRef>
+          <a:fontRef idx="minor">
+            <a:schemeClr val="tx1"/>
+          </a:fontRef>
+        </p:style>
+      </p:cxnSp>
+      <p:sp>
+        <p:nvSpPr>
+          <p:cNvPr id="83" name="모서리가 둥근 직사각형 44">
+            <a:extLst>
+              <a:ext uri="{FF2B5EF4-FFF2-40B4-BE49-F238E27FC236}">
+                <a16:creationId xmlns:a16="http://schemas.microsoft.com/office/drawing/2014/main" id="{4AD9FD62-47F6-4542-A446-9A3A4156278C}"/>
+              </a:ext>
+            </a:extLst>
+          </p:cNvPr>
+          <p:cNvSpPr/>
+          <p:nvPr/>
+        </p:nvSpPr>
+        <p:spPr>
+          <a:xfrm>
+            <a:off x="6876254" y="123478"/>
+            <a:ext cx="1584177" cy="720080"/>
+          </a:xfrm>
+          <a:prstGeom prst="roundRect">
+            <a:avLst>
+              <a:gd name="adj" fmla="val 6195"/>
+            </a:avLst>
+          </a:prstGeom>
+          <a:ln/>
+        </p:spPr>
+        <p:style>
+          <a:lnRef idx="2">
+            <a:schemeClr val="dk1"/>
+          </a:lnRef>
+          <a:fillRef idx="1">
+            <a:schemeClr val="lt1"/>
+          </a:fillRef>
+          <a:effectRef idx="0">
+            <a:schemeClr val="dk1"/>
+          </a:effectRef>
+          <a:fontRef idx="minor">
+            <a:schemeClr val="dk1"/>
+          </a:fontRef>
+        </p:style>
+        <p:txBody>
+          <a:bodyPr rtlCol="0" anchor="t"/>
+          <a:lstStyle/>
+          <a:p>
+            <a:pPr algn="ctr"/>
+            <a:r>
+              <a:rPr lang="en-US" altLang="ko-KR" sz="1400"/>
+              <a:t>Container D</a:t>
+            </a:r>
+          </a:p>
+          <a:p>
+            <a:pPr algn="ctr"/>
+            <a:r>
+              <a:rPr lang="en-US" altLang="ko-KR" sz="1400"/>
+              <a:t>192.167.3.11 </a:t>
+            </a:r>
+            <a:endParaRPr lang="ko-KR" altLang="en-US" sz="1400" dirty="0"/>
+          </a:p>
+        </p:txBody>
+      </p:sp>
+      <p:sp>
+        <p:nvSpPr>
+          <p:cNvPr id="84" name="모서리가 둥근 직사각형 44">
+            <a:extLst>
+              <a:ext uri="{FF2B5EF4-FFF2-40B4-BE49-F238E27FC236}">
+                <a16:creationId xmlns:a16="http://schemas.microsoft.com/office/drawing/2014/main" id="{FABDB40F-07D6-4ED2-A9C1-309857375BD1}"/>
+              </a:ext>
+            </a:extLst>
+          </p:cNvPr>
+          <p:cNvSpPr/>
+          <p:nvPr/>
+        </p:nvSpPr>
+        <p:spPr>
+          <a:xfrm>
+            <a:off x="7020270" y="613472"/>
+            <a:ext cx="1296144" cy="230086"/>
+          </a:xfrm>
+          <a:prstGeom prst="roundRect">
+            <a:avLst>
+              <a:gd name="adj" fmla="val 6195"/>
+            </a:avLst>
+          </a:prstGeom>
+          <a:ln/>
+        </p:spPr>
+        <p:style>
+          <a:lnRef idx="2">
+            <a:schemeClr val="dk1"/>
+          </a:lnRef>
+          <a:fillRef idx="1">
+            <a:schemeClr val="lt1"/>
+          </a:fillRef>
+          <a:effectRef idx="0">
+            <a:schemeClr val="dk1"/>
+          </a:effectRef>
+          <a:fontRef idx="minor">
+            <a:schemeClr val="dk1"/>
+          </a:fontRef>
+        </p:style>
+        <p:txBody>
+          <a:bodyPr rtlCol="0" anchor="ctr"/>
+          <a:lstStyle/>
+          <a:p>
+            <a:pPr algn="ctr"/>
+            <a:r>
+              <a:rPr lang="en-US" altLang="ko-KR" sz="1400" dirty="0" err="1"/>
+              <a:t>eth0</a:t>
+            </a:r>
+            <a:endParaRPr lang="ko-KR" altLang="en-US" sz="1400" dirty="0"/>
+          </a:p>
+        </p:txBody>
+      </p:sp>
+      <p:sp>
+        <p:nvSpPr>
+          <p:cNvPr id="86" name="모서리가 둥근 직사각형 44">
+            <a:extLst>
+              <a:ext uri="{FF2B5EF4-FFF2-40B4-BE49-F238E27FC236}">
+                <a16:creationId xmlns:a16="http://schemas.microsoft.com/office/drawing/2014/main" id="{33D9BCFB-C5D9-4F18-99CD-A59A1F9349C2}"/>
+              </a:ext>
+            </a:extLst>
+          </p:cNvPr>
+          <p:cNvSpPr/>
+          <p:nvPr/>
+        </p:nvSpPr>
+        <p:spPr>
+          <a:xfrm>
+            <a:off x="4861207" y="949508"/>
+            <a:ext cx="1296144" cy="318512"/>
+          </a:xfrm>
+          <a:prstGeom prst="roundRect">
+            <a:avLst>
+              <a:gd name="adj" fmla="val 6195"/>
+            </a:avLst>
+          </a:prstGeom>
+          <a:ln/>
+        </p:spPr>
+        <p:style>
+          <a:lnRef idx="2">
+            <a:schemeClr val="dk1"/>
+          </a:lnRef>
+          <a:fillRef idx="1">
+            <a:schemeClr val="lt1"/>
+          </a:fillRef>
+          <a:effectRef idx="0">
+            <a:schemeClr val="dk1"/>
+          </a:effectRef>
+          <a:fontRef idx="minor">
+            <a:schemeClr val="dk1"/>
+          </a:fontRef>
+        </p:style>
+        <p:txBody>
+          <a:bodyPr rtlCol="0" anchor="ctr"/>
+          <a:lstStyle/>
+          <a:p>
+            <a:pPr algn="ctr"/>
+            <a:r>
+              <a:rPr lang="en-US" altLang="ko-KR" sz="1400"/>
+              <a:t>lxcxxxx</a:t>
+            </a:r>
+            <a:endParaRPr lang="ko-KR" altLang="en-US" sz="1400" dirty="0"/>
+          </a:p>
+        </p:txBody>
+      </p:sp>
+      <p:sp>
+        <p:nvSpPr>
+          <p:cNvPr id="87" name="모서리가 둥근 직사각형 44">
+            <a:extLst>
+              <a:ext uri="{FF2B5EF4-FFF2-40B4-BE49-F238E27FC236}">
+                <a16:creationId xmlns:a16="http://schemas.microsoft.com/office/drawing/2014/main" id="{E7CF0A0E-CED9-4B43-956A-DAC4A29A0796}"/>
+              </a:ext>
+            </a:extLst>
+          </p:cNvPr>
+          <p:cNvSpPr/>
+          <p:nvPr/>
+        </p:nvSpPr>
+        <p:spPr>
+          <a:xfrm>
+            <a:off x="4861207" y="1263943"/>
+            <a:ext cx="1296144" cy="263120"/>
+          </a:xfrm>
+          <a:prstGeom prst="roundRect">
+            <a:avLst>
+              <a:gd name="adj" fmla="val 6195"/>
+            </a:avLst>
+          </a:prstGeom>
+          <a:solidFill>
+            <a:schemeClr val="bg1">
+              <a:lumMod val="85000"/>
+            </a:schemeClr>
+          </a:solidFill>
+          <a:ln/>
+        </p:spPr>
+        <p:style>
+          <a:lnRef idx="2">
+            <a:schemeClr val="dk1"/>
+          </a:lnRef>
+          <a:fillRef idx="1">
+            <a:schemeClr val="lt1"/>
+          </a:fillRef>
+          <a:effectRef idx="0">
+            <a:schemeClr val="dk1"/>
+          </a:effectRef>
+          <a:fontRef idx="minor">
+            <a:schemeClr val="dk1"/>
+          </a:fontRef>
+        </p:style>
+        <p:txBody>
+          <a:bodyPr rtlCol="0" anchor="ctr"/>
+          <a:lstStyle/>
+          <a:p>
+            <a:pPr algn="ctr"/>
+            <a:r>
+              <a:rPr lang="en-US" altLang="ko-KR" sz="1400"/>
+              <a:t>act ingress</a:t>
+            </a:r>
+            <a:endParaRPr lang="ko-KR" altLang="en-US" sz="1400" dirty="0"/>
+          </a:p>
+        </p:txBody>
+      </p:sp>
+      <p:sp>
+        <p:nvSpPr>
+          <p:cNvPr id="88" name="모서리가 둥근 직사각형 44">
+            <a:extLst>
+              <a:ext uri="{FF2B5EF4-FFF2-40B4-BE49-F238E27FC236}">
+                <a16:creationId xmlns:a16="http://schemas.microsoft.com/office/drawing/2014/main" id="{03AEFC48-E3C3-4F85-9A2F-FE09D36621E4}"/>
+              </a:ext>
+            </a:extLst>
+          </p:cNvPr>
+          <p:cNvSpPr/>
+          <p:nvPr/>
+        </p:nvSpPr>
+        <p:spPr>
+          <a:xfrm>
+            <a:off x="4718566" y="123478"/>
+            <a:ext cx="1584177" cy="720080"/>
+          </a:xfrm>
+          <a:prstGeom prst="roundRect">
+            <a:avLst>
+              <a:gd name="adj" fmla="val 6195"/>
+            </a:avLst>
+          </a:prstGeom>
+          <a:ln/>
+        </p:spPr>
+        <p:style>
+          <a:lnRef idx="2">
+            <a:schemeClr val="dk1"/>
+          </a:lnRef>
+          <a:fillRef idx="1">
+            <a:schemeClr val="lt1"/>
+          </a:fillRef>
+          <a:effectRef idx="0">
+            <a:schemeClr val="dk1"/>
+          </a:effectRef>
+          <a:fontRef idx="minor">
+            <a:schemeClr val="dk1"/>
+          </a:fontRef>
+        </p:style>
+        <p:txBody>
+          <a:bodyPr rtlCol="0" anchor="t"/>
+          <a:lstStyle/>
+          <a:p>
+            <a:pPr algn="ctr"/>
+            <a:r>
+              <a:rPr lang="en-US" altLang="ko-KR" sz="1400"/>
+              <a:t>Container C</a:t>
+            </a:r>
+          </a:p>
+          <a:p>
+            <a:pPr algn="ctr"/>
+            <a:r>
+              <a:rPr lang="en-US" altLang="ko-KR" sz="1400"/>
+              <a:t>192.167.3.10 </a:t>
+            </a:r>
+            <a:endParaRPr lang="ko-KR" altLang="en-US" sz="1400" dirty="0"/>
+          </a:p>
+        </p:txBody>
+      </p:sp>
+      <p:sp>
+        <p:nvSpPr>
+          <p:cNvPr id="90" name="모서리가 둥근 직사각형 44">
+            <a:extLst>
+              <a:ext uri="{FF2B5EF4-FFF2-40B4-BE49-F238E27FC236}">
+                <a16:creationId xmlns:a16="http://schemas.microsoft.com/office/drawing/2014/main" id="{CF7C7B89-0CC6-412E-966F-9ACA2CCC00B2}"/>
+              </a:ext>
+            </a:extLst>
+          </p:cNvPr>
+          <p:cNvSpPr/>
+          <p:nvPr/>
+        </p:nvSpPr>
+        <p:spPr>
+          <a:xfrm>
+            <a:off x="4862582" y="613472"/>
+            <a:ext cx="1296144" cy="230086"/>
+          </a:xfrm>
+          <a:prstGeom prst="roundRect">
+            <a:avLst>
+              <a:gd name="adj" fmla="val 6195"/>
+            </a:avLst>
+          </a:prstGeom>
+          <a:ln/>
+        </p:spPr>
+        <p:style>
+          <a:lnRef idx="2">
+            <a:schemeClr val="dk1"/>
+          </a:lnRef>
+          <a:fillRef idx="1">
+            <a:schemeClr val="lt1"/>
+          </a:fillRef>
+          <a:effectRef idx="0">
+            <a:schemeClr val="dk1"/>
+          </a:effectRef>
+          <a:fontRef idx="minor">
+            <a:schemeClr val="dk1"/>
+          </a:fontRef>
+        </p:style>
+        <p:txBody>
+          <a:bodyPr rtlCol="0" anchor="ctr"/>
+          <a:lstStyle/>
+          <a:p>
+            <a:pPr algn="ctr"/>
+            <a:r>
+              <a:rPr lang="en-US" altLang="ko-KR" sz="1400" dirty="0" err="1"/>
+              <a:t>eth0</a:t>
+            </a:r>
+            <a:endParaRPr lang="ko-KR" altLang="en-US" sz="1400" dirty="0"/>
+          </a:p>
+        </p:txBody>
+      </p:sp>
       <p:sp>
         <p:nvSpPr>
           <p:cNvPr id="136" name="자유형: 도형 135">
@@ -8378,8 +9142,8 @@
         </p:nvSpPr>
         <p:spPr>
           <a:xfrm flipH="1">
-            <a:off x="4818119" y="1302636"/>
-            <a:ext cx="2215528" cy="1692024"/>
+            <a:off x="4818119" y="1014791"/>
+            <a:ext cx="2215528" cy="1979869"/>
           </a:xfrm>
           <a:custGeom>
             <a:avLst/>
@@ -8454,29 +9218,31 @@
       </p:sp>
       <p:cxnSp>
         <p:nvCxnSpPr>
-          <p:cNvPr id="142" name="직선 연결선 141">
+          <p:cNvPr id="92" name="직선 연결선 91">
             <a:extLst>
               <a:ext uri="{FF2B5EF4-FFF2-40B4-BE49-F238E27FC236}">
-                <a16:creationId xmlns:a16="http://schemas.microsoft.com/office/drawing/2014/main" id="{7DC7BC12-5D9E-4F4D-A24E-5E748082AF63}"/>
+                <a16:creationId xmlns:a16="http://schemas.microsoft.com/office/drawing/2014/main" id="{0939EEF2-771C-4867-8391-0570D8650DF0}"/>
               </a:ext>
             </a:extLst>
           </p:cNvPr>
           <p:cNvCxnSpPr>
             <a:cxnSpLocks/>
+            <a:stCxn id="91" idx="0"/>
+            <a:endCxn id="87" idx="3"/>
           </p:cNvCxnSpPr>
           <p:nvPr/>
         </p:nvCxnSpPr>
         <p:spPr>
-          <a:xfrm flipH="1">
-            <a:off x="4816990" y="4698082"/>
-            <a:ext cx="396277" cy="0"/>
+          <a:xfrm flipH="1" flipV="1">
+            <a:off x="6157351" y="1395503"/>
+            <a:ext cx="357721" cy="240143"/>
           </a:xfrm>
           <a:prstGeom prst="line">
             <a:avLst/>
           </a:prstGeom>
           <a:ln w="19050">
             <a:solidFill>
-              <a:srgbClr val="C00000"/>
+              <a:schemeClr val="tx2"/>
             </a:solidFill>
             <a:headEnd type="arrow" w="med" len="med"/>
             <a:tailEnd type="none" w="med" len="med"/>
@@ -8499,22 +9265,24 @@
       </p:cxnSp>
       <p:cxnSp>
         <p:nvCxnSpPr>
-          <p:cNvPr id="145" name="직선 연결선 144">
+          <p:cNvPr id="93" name="직선 연결선 92">
             <a:extLst>
               <a:ext uri="{FF2B5EF4-FFF2-40B4-BE49-F238E27FC236}">
-                <a16:creationId xmlns:a16="http://schemas.microsoft.com/office/drawing/2014/main" id="{E34809DE-DE61-484E-BB47-F21E075ED943}"/>
+                <a16:creationId xmlns:a16="http://schemas.microsoft.com/office/drawing/2014/main" id="{0C135F30-AD01-48F8-B5C6-28555C8620E1}"/>
               </a:ext>
             </a:extLst>
           </p:cNvPr>
           <p:cNvCxnSpPr>
             <a:cxnSpLocks/>
+            <a:stCxn id="86" idx="3"/>
+            <a:endCxn id="58" idx="1"/>
           </p:cNvCxnSpPr>
           <p:nvPr/>
         </p:nvCxnSpPr>
         <p:spPr>
-          <a:xfrm flipH="1">
-            <a:off x="4823006" y="4909914"/>
-            <a:ext cx="390261" cy="0"/>
+          <a:xfrm>
+            <a:off x="6157351" y="1108764"/>
+            <a:ext cx="876296" cy="286739"/>
           </a:xfrm>
           <a:prstGeom prst="line">
             <a:avLst/>
@@ -8542,74 +9310,98 @@
           </a:fontRef>
         </p:style>
       </p:cxnSp>
-      <p:sp>
-        <p:nvSpPr>
-          <p:cNvPr id="147" name="모서리가 둥근 직사각형 44">
+      <p:cxnSp>
+        <p:nvCxnSpPr>
+          <p:cNvPr id="102" name="직선 연결선 101">
             <a:extLst>
               <a:ext uri="{FF2B5EF4-FFF2-40B4-BE49-F238E27FC236}">
-                <a16:creationId xmlns:a16="http://schemas.microsoft.com/office/drawing/2014/main" id="{93D3556A-89DF-4D7F-9305-9CA12DA46674}"/>
+                <a16:creationId xmlns:a16="http://schemas.microsoft.com/office/drawing/2014/main" id="{76B3DFDF-0491-4DF1-84A2-FA1A621C26DA}"/>
               </a:ext>
             </a:extLst>
           </p:cNvPr>
-          <p:cNvSpPr/>
+          <p:cNvCxnSpPr>
+            <a:cxnSpLocks/>
+            <a:stCxn id="57" idx="1"/>
+            <a:endCxn id="87" idx="3"/>
+          </p:cNvCxnSpPr>
           <p:nvPr/>
-        </p:nvSpPr>
-        <p:spPr>
-          <a:xfrm>
-            <a:off x="4600020" y="4587974"/>
-            <a:ext cx="3356356" cy="432048"/>
-          </a:xfrm>
-          <a:prstGeom prst="roundRect">
-            <a:avLst>
-              <a:gd name="adj" fmla="val 6195"/>
-            </a:avLst>
-          </a:prstGeom>
-          <a:noFill/>
-          <a:ln>
-            <a:noFill/>
+        </p:nvCxnSpPr>
+        <p:spPr>
+          <a:xfrm flipH="1">
+            <a:off x="6157351" y="1108764"/>
+            <a:ext cx="876296" cy="286739"/>
+          </a:xfrm>
+          <a:prstGeom prst="line">
+            <a:avLst/>
+          </a:prstGeom>
+          <a:ln w="19050">
+            <a:solidFill>
+              <a:schemeClr val="tx2"/>
+            </a:solidFill>
+            <a:headEnd type="arrow" w="med" len="med"/>
+            <a:tailEnd type="none" w="med" len="med"/>
           </a:ln>
         </p:spPr>
         <p:style>
-          <a:lnRef idx="2">
-            <a:schemeClr val="dk1"/>
+          <a:lnRef idx="1">
+            <a:schemeClr val="accent1"/>
           </a:lnRef>
-          <a:fillRef idx="1">
-            <a:schemeClr val="lt1"/>
+          <a:fillRef idx="0">
+            <a:schemeClr val="accent1"/>
           </a:fillRef>
           <a:effectRef idx="0">
-            <a:schemeClr val="dk1"/>
+            <a:schemeClr val="accent1"/>
           </a:effectRef>
           <a:fontRef idx="minor">
-            <a:schemeClr val="dk1"/>
+            <a:schemeClr val="tx1"/>
           </a:fontRef>
         </p:style>
-        <p:txBody>
-          <a:bodyPr rtlCol="0" anchor="ctr"/>
-          <a:lstStyle/>
-          <a:p>
-            <a:pPr marL="285750" indent="-285750">
-              <a:buFont typeface="Arial" pitchFamily="34" charset="0"/>
-              <a:buChar char="•"/>
-            </a:pPr>
-            <a:r>
-              <a:rPr lang="en-US" altLang="ko-KR" sz="1400"/>
-              <a:t>     Redirect</a:t>
-            </a:r>
-            <a:endParaRPr lang="en-US" altLang="ko-KR" sz="1400" dirty="0"/>
-          </a:p>
-          <a:p>
-            <a:pPr marL="285750" indent="-285750">
-              <a:buFont typeface="Arial" pitchFamily="34" charset="0"/>
-              <a:buChar char="•"/>
-            </a:pPr>
-            <a:r>
-              <a:rPr lang="en-US" altLang="ko-KR" sz="1400"/>
-              <a:t>     Routing</a:t>
-            </a:r>
-            <a:endParaRPr lang="ko-KR" altLang="en-US" sz="1400" dirty="0"/>
-          </a:p>
-        </p:txBody>
-      </p:sp>
+      </p:cxnSp>
+      <p:cxnSp>
+        <p:nvCxnSpPr>
+          <p:cNvPr id="104" name="직선 연결선 103">
+            <a:extLst>
+              <a:ext uri="{FF2B5EF4-FFF2-40B4-BE49-F238E27FC236}">
+                <a16:creationId xmlns:a16="http://schemas.microsoft.com/office/drawing/2014/main" id="{8FCE63A2-9B78-4995-A57F-647452DEF44F}"/>
+              </a:ext>
+            </a:extLst>
+          </p:cNvPr>
+          <p:cNvCxnSpPr>
+            <a:cxnSpLocks/>
+            <a:stCxn id="90" idx="2"/>
+            <a:endCxn id="86" idx="0"/>
+          </p:cNvCxnSpPr>
+          <p:nvPr/>
+        </p:nvCxnSpPr>
+        <p:spPr>
+          <a:xfrm flipH="1">
+            <a:off x="5509279" y="843558"/>
+            <a:ext cx="1375" cy="105950"/>
+          </a:xfrm>
+          <a:prstGeom prst="line">
+            <a:avLst/>
+          </a:prstGeom>
+          <a:ln w="19050">
+            <a:solidFill>
+              <a:schemeClr val="tx1"/>
+            </a:solidFill>
+          </a:ln>
+        </p:spPr>
+        <p:style>
+          <a:lnRef idx="1">
+            <a:schemeClr val="accent1"/>
+          </a:lnRef>
+          <a:fillRef idx="0">
+            <a:schemeClr val="accent1"/>
+          </a:fillRef>
+          <a:effectRef idx="0">
+            <a:schemeClr val="accent1"/>
+          </a:effectRef>
+          <a:fontRef idx="minor">
+            <a:schemeClr val="tx1"/>
+          </a:fontRef>
+        </p:style>
+      </p:cxnSp>
     </p:spTree>
     <p:extLst>
       <p:ext uri="{BB962C8B-B14F-4D97-AF65-F5344CB8AC3E}">
@@ -9655,308 +10447,6 @@
       </p:sp>
       <p:sp>
         <p:nvSpPr>
-          <p:cNvPr id="4" name="모서리가 둥근 직사각형 44">
-            <a:extLst>
-              <a:ext uri="{FF2B5EF4-FFF2-40B4-BE49-F238E27FC236}">
-                <a16:creationId xmlns:a16="http://schemas.microsoft.com/office/drawing/2014/main" id="{2DBA49E2-5203-48AC-9D0B-4B3C58EE231E}"/>
-              </a:ext>
-            </a:extLst>
-          </p:cNvPr>
-          <p:cNvSpPr/>
-          <p:nvPr/>
-        </p:nvSpPr>
-        <p:spPr>
-          <a:xfrm>
-            <a:off x="683567" y="339506"/>
-            <a:ext cx="2842225" cy="720080"/>
-          </a:xfrm>
-          <a:prstGeom prst="roundRect">
-            <a:avLst>
-              <a:gd name="adj" fmla="val 6195"/>
-            </a:avLst>
-          </a:prstGeom>
-          <a:ln/>
-        </p:spPr>
-        <p:style>
-          <a:lnRef idx="2">
-            <a:schemeClr val="dk1"/>
-          </a:lnRef>
-          <a:fillRef idx="1">
-            <a:schemeClr val="lt1"/>
-          </a:fillRef>
-          <a:effectRef idx="0">
-            <a:schemeClr val="dk1"/>
-          </a:effectRef>
-          <a:fontRef idx="minor">
-            <a:schemeClr val="dk1"/>
-          </a:fontRef>
-        </p:style>
-        <p:txBody>
-          <a:bodyPr rtlCol="0" anchor="t"/>
-          <a:lstStyle/>
-          <a:p>
-            <a:pPr algn="ctr"/>
-            <a:r>
-              <a:rPr lang="en-US" altLang="ko-KR" sz="1600" dirty="0"/>
-              <a:t>Container A </a:t>
-            </a:r>
-            <a:endParaRPr lang="ko-KR" altLang="en-US" sz="1600" dirty="0"/>
-          </a:p>
-        </p:txBody>
-      </p:sp>
-      <p:sp>
-        <p:nvSpPr>
-          <p:cNvPr id="7" name="모서리가 둥근 직사각형 44">
-            <a:extLst>
-              <a:ext uri="{FF2B5EF4-FFF2-40B4-BE49-F238E27FC236}">
-                <a16:creationId xmlns:a16="http://schemas.microsoft.com/office/drawing/2014/main" id="{2DBA49E2-5203-48AC-9D0B-4B3C58EE231E}"/>
-              </a:ext>
-            </a:extLst>
-          </p:cNvPr>
-          <p:cNvSpPr/>
-          <p:nvPr/>
-        </p:nvSpPr>
-        <p:spPr>
-          <a:xfrm>
-            <a:off x="827584" y="699546"/>
-            <a:ext cx="1296144" cy="360040"/>
-          </a:xfrm>
-          <a:prstGeom prst="roundRect">
-            <a:avLst>
-              <a:gd name="adj" fmla="val 6195"/>
-            </a:avLst>
-          </a:prstGeom>
-          <a:ln/>
-        </p:spPr>
-        <p:style>
-          <a:lnRef idx="2">
-            <a:schemeClr val="dk1"/>
-          </a:lnRef>
-          <a:fillRef idx="1">
-            <a:schemeClr val="lt1"/>
-          </a:fillRef>
-          <a:effectRef idx="0">
-            <a:schemeClr val="dk1"/>
-          </a:effectRef>
-          <a:fontRef idx="minor">
-            <a:schemeClr val="dk1"/>
-          </a:fontRef>
-        </p:style>
-        <p:txBody>
-          <a:bodyPr rtlCol="0" anchor="ctr"/>
-          <a:lstStyle/>
-          <a:p>
-            <a:pPr algn="ctr"/>
-            <a:r>
-              <a:rPr lang="en-US" altLang="ko-KR" sz="1400" dirty="0" err="1"/>
-              <a:t>eth0</a:t>
-            </a:r>
-            <a:endParaRPr lang="ko-KR" altLang="en-US" sz="1400" dirty="0"/>
-          </a:p>
-        </p:txBody>
-      </p:sp>
-      <p:sp>
-        <p:nvSpPr>
-          <p:cNvPr id="8" name="모서리가 둥근 직사각형 44">
-            <a:extLst>
-              <a:ext uri="{FF2B5EF4-FFF2-40B4-BE49-F238E27FC236}">
-                <a16:creationId xmlns:a16="http://schemas.microsoft.com/office/drawing/2014/main" id="{2DBA49E2-5203-48AC-9D0B-4B3C58EE231E}"/>
-              </a:ext>
-            </a:extLst>
-          </p:cNvPr>
-          <p:cNvSpPr/>
-          <p:nvPr/>
-        </p:nvSpPr>
-        <p:spPr>
-          <a:xfrm>
-            <a:off x="827584" y="1419110"/>
-            <a:ext cx="1296144" cy="318512"/>
-          </a:xfrm>
-          <a:prstGeom prst="roundRect">
-            <a:avLst>
-              <a:gd name="adj" fmla="val 6195"/>
-            </a:avLst>
-          </a:prstGeom>
-          <a:ln/>
-        </p:spPr>
-        <p:style>
-          <a:lnRef idx="2">
-            <a:schemeClr val="dk1"/>
-          </a:lnRef>
-          <a:fillRef idx="1">
-            <a:schemeClr val="lt1"/>
-          </a:fillRef>
-          <a:effectRef idx="0">
-            <a:schemeClr val="dk1"/>
-          </a:effectRef>
-          <a:fontRef idx="minor">
-            <a:schemeClr val="dk1"/>
-          </a:fontRef>
-        </p:style>
-        <p:txBody>
-          <a:bodyPr rtlCol="0" anchor="ctr"/>
-          <a:lstStyle/>
-          <a:p>
-            <a:pPr algn="ctr"/>
-            <a:r>
-              <a:rPr lang="en-US" altLang="ko-KR" sz="1400"/>
-              <a:t>lxcxxxx</a:t>
-            </a:r>
-            <a:endParaRPr lang="ko-KR" altLang="en-US" sz="1400" dirty="0"/>
-          </a:p>
-        </p:txBody>
-      </p:sp>
-      <p:cxnSp>
-        <p:nvCxnSpPr>
-          <p:cNvPr id="10" name="직선 연결선 9"/>
-          <p:cNvCxnSpPr>
-            <a:cxnSpLocks/>
-            <a:stCxn id="7" idx="2"/>
-            <a:endCxn id="37" idx="0"/>
-          </p:cNvCxnSpPr>
-          <p:nvPr/>
-        </p:nvCxnSpPr>
-        <p:spPr>
-          <a:xfrm>
-            <a:off x="1475656" y="1059586"/>
-            <a:ext cx="0" cy="102488"/>
-          </a:xfrm>
-          <a:prstGeom prst="line">
-            <a:avLst/>
-          </a:prstGeom>
-          <a:ln w="19050">
-            <a:solidFill>
-              <a:schemeClr val="tx1"/>
-            </a:solidFill>
-          </a:ln>
-        </p:spPr>
-        <p:style>
-          <a:lnRef idx="1">
-            <a:schemeClr val="accent1"/>
-          </a:lnRef>
-          <a:fillRef idx="0">
-            <a:schemeClr val="accent1"/>
-          </a:fillRef>
-          <a:effectRef idx="0">
-            <a:schemeClr val="accent1"/>
-          </a:effectRef>
-          <a:fontRef idx="minor">
-            <a:schemeClr val="tx1"/>
-          </a:fontRef>
-        </p:style>
-      </p:cxnSp>
-      <p:sp>
-        <p:nvSpPr>
-          <p:cNvPr id="11" name="모서리가 둥근 직사각형 44">
-            <a:extLst>
-              <a:ext uri="{FF2B5EF4-FFF2-40B4-BE49-F238E27FC236}">
-                <a16:creationId xmlns:a16="http://schemas.microsoft.com/office/drawing/2014/main" id="{2DBA49E2-5203-48AC-9D0B-4B3C58EE231E}"/>
-              </a:ext>
-            </a:extLst>
-          </p:cNvPr>
-          <p:cNvSpPr/>
-          <p:nvPr/>
-        </p:nvSpPr>
-        <p:spPr>
-          <a:xfrm>
-            <a:off x="1979712" y="730026"/>
-            <a:ext cx="1676975" cy="288032"/>
-          </a:xfrm>
-          <a:prstGeom prst="roundRect">
-            <a:avLst>
-              <a:gd name="adj" fmla="val 6195"/>
-            </a:avLst>
-          </a:prstGeom>
-          <a:noFill/>
-          <a:ln>
-            <a:noFill/>
-          </a:ln>
-        </p:spPr>
-        <p:style>
-          <a:lnRef idx="2">
-            <a:schemeClr val="dk1"/>
-          </a:lnRef>
-          <a:fillRef idx="1">
-            <a:schemeClr val="lt1"/>
-          </a:fillRef>
-          <a:effectRef idx="0">
-            <a:schemeClr val="dk1"/>
-          </a:effectRef>
-          <a:fontRef idx="minor">
-            <a:schemeClr val="dk1"/>
-          </a:fontRef>
-        </p:style>
-        <p:txBody>
-          <a:bodyPr rtlCol="0" anchor="ctr"/>
-          <a:lstStyle/>
-          <a:p>
-            <a:pPr algn="ctr"/>
-            <a:r>
-              <a:rPr lang="en-US" altLang="ko-KR" sz="1400"/>
-              <a:t>192.167.2.10</a:t>
-            </a:r>
-            <a:endParaRPr lang="ko-KR" altLang="en-US" sz="1400" dirty="0"/>
-          </a:p>
-        </p:txBody>
-      </p:sp>
-      <p:sp>
-        <p:nvSpPr>
-          <p:cNvPr id="37" name="모서리가 둥근 직사각형 44">
-            <a:extLst>
-              <a:ext uri="{FF2B5EF4-FFF2-40B4-BE49-F238E27FC236}">
-                <a16:creationId xmlns:a16="http://schemas.microsoft.com/office/drawing/2014/main" id="{354EC3C2-BD19-4B9B-807D-849B28C9A25F}"/>
-              </a:ext>
-            </a:extLst>
-          </p:cNvPr>
-          <p:cNvSpPr/>
-          <p:nvPr/>
-        </p:nvSpPr>
-        <p:spPr>
-          <a:xfrm>
-            <a:off x="827584" y="1162074"/>
-            <a:ext cx="1296144" cy="263120"/>
-          </a:xfrm>
-          <a:prstGeom prst="roundRect">
-            <a:avLst>
-              <a:gd name="adj" fmla="val 6195"/>
-            </a:avLst>
-          </a:prstGeom>
-          <a:solidFill>
-            <a:schemeClr val="bg1">
-              <a:lumMod val="85000"/>
-            </a:schemeClr>
-          </a:solidFill>
-          <a:ln/>
-        </p:spPr>
-        <p:style>
-          <a:lnRef idx="2">
-            <a:schemeClr val="dk1"/>
-          </a:lnRef>
-          <a:fillRef idx="1">
-            <a:schemeClr val="lt1"/>
-          </a:fillRef>
-          <a:effectRef idx="0">
-            <a:schemeClr val="dk1"/>
-          </a:effectRef>
-          <a:fontRef idx="minor">
-            <a:schemeClr val="dk1"/>
-          </a:fontRef>
-        </p:style>
-        <p:txBody>
-          <a:bodyPr rtlCol="0" anchor="ctr"/>
-          <a:lstStyle/>
-          <a:p>
-            <a:pPr algn="ctr"/>
-            <a:r>
-              <a:rPr lang="en-US" altLang="ko-KR" sz="1400"/>
-              <a:t>act ingress</a:t>
-            </a:r>
-            <a:endParaRPr lang="ko-KR" altLang="en-US" sz="1400" dirty="0"/>
-          </a:p>
-        </p:txBody>
-      </p:sp>
-      <p:sp>
-        <p:nvSpPr>
           <p:cNvPr id="49" name="모서리가 둥근 직사각형 44">
             <a:extLst>
               <a:ext uri="{FF2B5EF4-FFF2-40B4-BE49-F238E27FC236}">
@@ -10075,14 +10565,13 @@
           <p:cNvCxnSpPr>
             <a:cxnSpLocks/>
             <a:stCxn id="2" idx="0"/>
-            <a:endCxn id="8" idx="3"/>
           </p:cNvCxnSpPr>
           <p:nvPr/>
         </p:nvCxnSpPr>
         <p:spPr>
           <a:xfrm flipH="1" flipV="1">
-            <a:off x="2123728" y="1578366"/>
-            <a:ext cx="175639" cy="273308"/>
+            <a:off x="2123728" y="1611629"/>
+            <a:ext cx="175639" cy="240045"/>
           </a:xfrm>
           <a:prstGeom prst="line">
             <a:avLst/>
@@ -10656,314 +11145,6 @@
           </a:graphicData>
         </a:graphic>
       </p:graphicFrame>
-      <p:sp>
-        <p:nvSpPr>
-          <p:cNvPr id="94" name="모서리가 둥근 직사각형 44">
-            <a:extLst>
-              <a:ext uri="{FF2B5EF4-FFF2-40B4-BE49-F238E27FC236}">
-                <a16:creationId xmlns:a16="http://schemas.microsoft.com/office/drawing/2014/main" id="{C5968AF5-30E0-43C5-84FA-34B656FA9364}"/>
-              </a:ext>
-            </a:extLst>
-          </p:cNvPr>
-          <p:cNvSpPr/>
-          <p:nvPr/>
-        </p:nvSpPr>
-        <p:spPr>
-          <a:xfrm flipH="1">
-            <a:off x="5618207" y="339506"/>
-            <a:ext cx="2842225" cy="720080"/>
-          </a:xfrm>
-          <a:prstGeom prst="roundRect">
-            <a:avLst>
-              <a:gd name="adj" fmla="val 6195"/>
-            </a:avLst>
-          </a:prstGeom>
-          <a:ln/>
-        </p:spPr>
-        <p:style>
-          <a:lnRef idx="2">
-            <a:schemeClr val="dk1"/>
-          </a:lnRef>
-          <a:fillRef idx="1">
-            <a:schemeClr val="lt1"/>
-          </a:fillRef>
-          <a:effectRef idx="0">
-            <a:schemeClr val="dk1"/>
-          </a:effectRef>
-          <a:fontRef idx="minor">
-            <a:schemeClr val="dk1"/>
-          </a:fontRef>
-        </p:style>
-        <p:txBody>
-          <a:bodyPr rtlCol="0" anchor="t"/>
-          <a:lstStyle/>
-          <a:p>
-            <a:pPr algn="ctr"/>
-            <a:r>
-              <a:rPr lang="en-US" altLang="ko-KR" sz="1600"/>
-              <a:t>Container B </a:t>
-            </a:r>
-            <a:endParaRPr lang="ko-KR" altLang="en-US" sz="1600" dirty="0"/>
-          </a:p>
-        </p:txBody>
-      </p:sp>
-      <p:sp>
-        <p:nvSpPr>
-          <p:cNvPr id="95" name="모서리가 둥근 직사각형 44">
-            <a:extLst>
-              <a:ext uri="{FF2B5EF4-FFF2-40B4-BE49-F238E27FC236}">
-                <a16:creationId xmlns:a16="http://schemas.microsoft.com/office/drawing/2014/main" id="{BFCB0D57-B969-4ABC-A91C-9F6592064323}"/>
-              </a:ext>
-            </a:extLst>
-          </p:cNvPr>
-          <p:cNvSpPr/>
-          <p:nvPr/>
-        </p:nvSpPr>
-        <p:spPr>
-          <a:xfrm flipH="1">
-            <a:off x="7020271" y="699546"/>
-            <a:ext cx="1296144" cy="360040"/>
-          </a:xfrm>
-          <a:prstGeom prst="roundRect">
-            <a:avLst>
-              <a:gd name="adj" fmla="val 6195"/>
-            </a:avLst>
-          </a:prstGeom>
-          <a:ln/>
-        </p:spPr>
-        <p:style>
-          <a:lnRef idx="2">
-            <a:schemeClr val="dk1"/>
-          </a:lnRef>
-          <a:fillRef idx="1">
-            <a:schemeClr val="lt1"/>
-          </a:fillRef>
-          <a:effectRef idx="0">
-            <a:schemeClr val="dk1"/>
-          </a:effectRef>
-          <a:fontRef idx="minor">
-            <a:schemeClr val="dk1"/>
-          </a:fontRef>
-        </p:style>
-        <p:txBody>
-          <a:bodyPr rtlCol="0" anchor="ctr"/>
-          <a:lstStyle/>
-          <a:p>
-            <a:pPr algn="ctr"/>
-            <a:r>
-              <a:rPr lang="en-US" altLang="ko-KR" sz="1400" dirty="0" err="1"/>
-              <a:t>eth0</a:t>
-            </a:r>
-            <a:endParaRPr lang="ko-KR" altLang="en-US" sz="1400" dirty="0"/>
-          </a:p>
-        </p:txBody>
-      </p:sp>
-      <p:sp>
-        <p:nvSpPr>
-          <p:cNvPr id="96" name="모서리가 둥근 직사각형 44">
-            <a:extLst>
-              <a:ext uri="{FF2B5EF4-FFF2-40B4-BE49-F238E27FC236}">
-                <a16:creationId xmlns:a16="http://schemas.microsoft.com/office/drawing/2014/main" id="{5C69331D-F996-495A-8AA4-E7DC2A8A8035}"/>
-              </a:ext>
-            </a:extLst>
-          </p:cNvPr>
-          <p:cNvSpPr/>
-          <p:nvPr/>
-        </p:nvSpPr>
-        <p:spPr>
-          <a:xfrm flipH="1">
-            <a:off x="7020271" y="1419722"/>
-            <a:ext cx="1296144" cy="318512"/>
-          </a:xfrm>
-          <a:prstGeom prst="roundRect">
-            <a:avLst>
-              <a:gd name="adj" fmla="val 6195"/>
-            </a:avLst>
-          </a:prstGeom>
-          <a:ln/>
-        </p:spPr>
-        <p:style>
-          <a:lnRef idx="2">
-            <a:schemeClr val="dk1"/>
-          </a:lnRef>
-          <a:fillRef idx="1">
-            <a:schemeClr val="lt1"/>
-          </a:fillRef>
-          <a:effectRef idx="0">
-            <a:schemeClr val="dk1"/>
-          </a:effectRef>
-          <a:fontRef idx="minor">
-            <a:schemeClr val="dk1"/>
-          </a:fontRef>
-        </p:style>
-        <p:txBody>
-          <a:bodyPr rtlCol="0" anchor="ctr"/>
-          <a:lstStyle/>
-          <a:p>
-            <a:pPr algn="ctr"/>
-            <a:r>
-              <a:rPr lang="en-US" altLang="ko-KR" sz="1400"/>
-              <a:t>lxcxxxx</a:t>
-            </a:r>
-            <a:endParaRPr lang="ko-KR" altLang="en-US" sz="1400" dirty="0"/>
-          </a:p>
-        </p:txBody>
-      </p:sp>
-      <p:cxnSp>
-        <p:nvCxnSpPr>
-          <p:cNvPr id="97" name="직선 연결선 96">
-            <a:extLst>
-              <a:ext uri="{FF2B5EF4-FFF2-40B4-BE49-F238E27FC236}">
-                <a16:creationId xmlns:a16="http://schemas.microsoft.com/office/drawing/2014/main" id="{FAD1311C-E5B2-416B-AE24-5CABAEB947A5}"/>
-              </a:ext>
-            </a:extLst>
-          </p:cNvPr>
-          <p:cNvCxnSpPr>
-            <a:cxnSpLocks/>
-            <a:stCxn id="95" idx="2"/>
-            <a:endCxn id="99" idx="0"/>
-          </p:cNvCxnSpPr>
-          <p:nvPr/>
-        </p:nvCxnSpPr>
-        <p:spPr>
-          <a:xfrm flipH="1">
-            <a:off x="7668343" y="1059586"/>
-            <a:ext cx="0" cy="102488"/>
-          </a:xfrm>
-          <a:prstGeom prst="line">
-            <a:avLst/>
-          </a:prstGeom>
-          <a:ln w="19050">
-            <a:solidFill>
-              <a:schemeClr val="tx1"/>
-            </a:solidFill>
-          </a:ln>
-        </p:spPr>
-        <p:style>
-          <a:lnRef idx="1">
-            <a:schemeClr val="accent1"/>
-          </a:lnRef>
-          <a:fillRef idx="0">
-            <a:schemeClr val="accent1"/>
-          </a:fillRef>
-          <a:effectRef idx="0">
-            <a:schemeClr val="accent1"/>
-          </a:effectRef>
-          <a:fontRef idx="minor">
-            <a:schemeClr val="tx1"/>
-          </a:fontRef>
-        </p:style>
-      </p:cxnSp>
-      <p:sp>
-        <p:nvSpPr>
-          <p:cNvPr id="98" name="모서리가 둥근 직사각형 44">
-            <a:extLst>
-              <a:ext uri="{FF2B5EF4-FFF2-40B4-BE49-F238E27FC236}">
-                <a16:creationId xmlns:a16="http://schemas.microsoft.com/office/drawing/2014/main" id="{7B3973F9-79FD-4B7B-B5B4-34B5E04BB534}"/>
-              </a:ext>
-            </a:extLst>
-          </p:cNvPr>
-          <p:cNvSpPr/>
-          <p:nvPr/>
-        </p:nvSpPr>
-        <p:spPr>
-          <a:xfrm flipH="1">
-            <a:off x="5487312" y="730026"/>
-            <a:ext cx="1676975" cy="288032"/>
-          </a:xfrm>
-          <a:prstGeom prst="roundRect">
-            <a:avLst>
-              <a:gd name="adj" fmla="val 6195"/>
-            </a:avLst>
-          </a:prstGeom>
-          <a:noFill/>
-          <a:ln>
-            <a:noFill/>
-          </a:ln>
-        </p:spPr>
-        <p:style>
-          <a:lnRef idx="2">
-            <a:schemeClr val="dk1"/>
-          </a:lnRef>
-          <a:fillRef idx="1">
-            <a:schemeClr val="lt1"/>
-          </a:fillRef>
-          <a:effectRef idx="0">
-            <a:schemeClr val="dk1"/>
-          </a:effectRef>
-          <a:fontRef idx="minor">
-            <a:schemeClr val="dk1"/>
-          </a:fontRef>
-        </p:style>
-        <p:txBody>
-          <a:bodyPr rtlCol="0" anchor="ctr"/>
-          <a:lstStyle/>
-          <a:p>
-            <a:pPr algn="ctr"/>
-            <a:r>
-              <a:rPr lang="en-US" altLang="ko-KR" sz="1400"/>
-              <a:t>192.167.3.10</a:t>
-            </a:r>
-            <a:endParaRPr lang="ko-KR" altLang="en-US" sz="1400" dirty="0"/>
-          </a:p>
-        </p:txBody>
-      </p:sp>
-      <p:sp>
-        <p:nvSpPr>
-          <p:cNvPr id="99" name="모서리가 둥근 직사각형 44">
-            <a:extLst>
-              <a:ext uri="{FF2B5EF4-FFF2-40B4-BE49-F238E27FC236}">
-                <a16:creationId xmlns:a16="http://schemas.microsoft.com/office/drawing/2014/main" id="{0DE8E52E-C806-40FC-8B88-E5B815986732}"/>
-              </a:ext>
-            </a:extLst>
-          </p:cNvPr>
-          <p:cNvSpPr/>
-          <p:nvPr/>
-        </p:nvSpPr>
-        <p:spPr>
-          <a:xfrm flipH="1">
-            <a:off x="7020271" y="1162074"/>
-            <a:ext cx="1296144" cy="263120"/>
-          </a:xfrm>
-          <a:prstGeom prst="roundRect">
-            <a:avLst>
-              <a:gd name="adj" fmla="val 6195"/>
-            </a:avLst>
-          </a:prstGeom>
-          <a:solidFill>
-            <a:schemeClr val="bg1">
-              <a:lumMod val="85000"/>
-            </a:schemeClr>
-          </a:solidFill>
-          <a:ln/>
-        </p:spPr>
-        <p:style>
-          <a:lnRef idx="2">
-            <a:schemeClr val="dk1"/>
-          </a:lnRef>
-          <a:fillRef idx="1">
-            <a:schemeClr val="lt1"/>
-          </a:fillRef>
-          <a:effectRef idx="0">
-            <a:schemeClr val="dk1"/>
-          </a:effectRef>
-          <a:fontRef idx="minor">
-            <a:schemeClr val="dk1"/>
-          </a:fontRef>
-        </p:style>
-        <p:txBody>
-          <a:bodyPr rtlCol="0" anchor="ctr"/>
-          <a:lstStyle/>
-          <a:p>
-            <a:pPr algn="ctr"/>
-            <a:r>
-              <a:rPr lang="en-US" altLang="ko-KR" sz="1400"/>
-              <a:t>act ingress</a:t>
-            </a:r>
-            <a:endParaRPr lang="ko-KR" altLang="en-US" sz="1400" dirty="0"/>
-          </a:p>
-        </p:txBody>
-      </p:sp>
       <p:cxnSp>
         <p:nvCxnSpPr>
           <p:cNvPr id="101" name="직선 연결선 100">
@@ -11022,14 +11203,13 @@
           <p:cNvCxnSpPr>
             <a:cxnSpLocks/>
             <a:stCxn id="91" idx="0"/>
-            <a:endCxn id="96" idx="3"/>
           </p:cNvCxnSpPr>
           <p:nvPr/>
         </p:nvCxnSpPr>
         <p:spPr>
           <a:xfrm flipV="1">
-            <a:off x="6844632" y="1578978"/>
-            <a:ext cx="175639" cy="272696"/>
+            <a:off x="6844632" y="1611629"/>
+            <a:ext cx="189015" cy="240045"/>
           </a:xfrm>
           <a:prstGeom prst="line">
             <a:avLst/>
@@ -11103,6 +11283,1697 @@
           </a:fontRef>
         </p:style>
       </p:cxnSp>
+      <p:cxnSp>
+        <p:nvCxnSpPr>
+          <p:cNvPr id="142" name="직선 연결선 141">
+            <a:extLst>
+              <a:ext uri="{FF2B5EF4-FFF2-40B4-BE49-F238E27FC236}">
+                <a16:creationId xmlns:a16="http://schemas.microsoft.com/office/drawing/2014/main" id="{7DC7BC12-5D9E-4F4D-A24E-5E748082AF63}"/>
+              </a:ext>
+            </a:extLst>
+          </p:cNvPr>
+          <p:cNvCxnSpPr>
+            <a:cxnSpLocks/>
+          </p:cNvCxnSpPr>
+          <p:nvPr/>
+        </p:nvCxnSpPr>
+        <p:spPr>
+          <a:xfrm flipH="1">
+            <a:off x="4816990" y="4770094"/>
+            <a:ext cx="396277" cy="0"/>
+          </a:xfrm>
+          <a:prstGeom prst="line">
+            <a:avLst/>
+          </a:prstGeom>
+          <a:ln w="19050">
+            <a:solidFill>
+              <a:schemeClr val="tx2"/>
+            </a:solidFill>
+            <a:headEnd type="arrow" w="med" len="med"/>
+            <a:tailEnd type="none" w="med" len="med"/>
+          </a:ln>
+        </p:spPr>
+        <p:style>
+          <a:lnRef idx="1">
+            <a:schemeClr val="accent1"/>
+          </a:lnRef>
+          <a:fillRef idx="0">
+            <a:schemeClr val="accent1"/>
+          </a:fillRef>
+          <a:effectRef idx="0">
+            <a:schemeClr val="accent1"/>
+          </a:effectRef>
+          <a:fontRef idx="minor">
+            <a:schemeClr val="tx1"/>
+          </a:fontRef>
+        </p:style>
+      </p:cxnSp>
+      <p:sp>
+        <p:nvSpPr>
+          <p:cNvPr id="147" name="모서리가 둥근 직사각형 44">
+            <a:extLst>
+              <a:ext uri="{FF2B5EF4-FFF2-40B4-BE49-F238E27FC236}">
+                <a16:creationId xmlns:a16="http://schemas.microsoft.com/office/drawing/2014/main" id="{93D3556A-89DF-4D7F-9305-9CA12DA46674}"/>
+              </a:ext>
+            </a:extLst>
+          </p:cNvPr>
+          <p:cNvSpPr/>
+          <p:nvPr/>
+        </p:nvSpPr>
+        <p:spPr>
+          <a:xfrm>
+            <a:off x="4614588" y="4659982"/>
+            <a:ext cx="3356356" cy="432048"/>
+          </a:xfrm>
+          <a:prstGeom prst="roundRect">
+            <a:avLst>
+              <a:gd name="adj" fmla="val 6195"/>
+            </a:avLst>
+          </a:prstGeom>
+          <a:noFill/>
+          <a:ln>
+            <a:noFill/>
+          </a:ln>
+        </p:spPr>
+        <p:style>
+          <a:lnRef idx="2">
+            <a:schemeClr val="dk1"/>
+          </a:lnRef>
+          <a:fillRef idx="1">
+            <a:schemeClr val="lt1"/>
+          </a:fillRef>
+          <a:effectRef idx="0">
+            <a:schemeClr val="dk1"/>
+          </a:effectRef>
+          <a:fontRef idx="minor">
+            <a:schemeClr val="dk1"/>
+          </a:fontRef>
+        </p:style>
+        <p:txBody>
+          <a:bodyPr rtlCol="0" anchor="ctr"/>
+          <a:lstStyle/>
+          <a:p>
+            <a:pPr marL="285750" indent="-285750">
+              <a:buFont typeface="Arial" pitchFamily="34" charset="0"/>
+              <a:buChar char="•"/>
+            </a:pPr>
+            <a:r>
+              <a:rPr lang="en-US" altLang="ko-KR" sz="1400"/>
+              <a:t>     Routing</a:t>
+            </a:r>
+            <a:endParaRPr lang="en-US" altLang="ko-KR" sz="1400" dirty="0"/>
+          </a:p>
+          <a:p>
+            <a:endParaRPr lang="ko-KR" altLang="en-US" sz="1400" dirty="0"/>
+          </a:p>
+        </p:txBody>
+      </p:sp>
+      <p:pic>
+        <p:nvPicPr>
+          <p:cNvPr id="81" name="Picture 2" descr="C:\Users\Tmax\Desktop\Network-Router-icon.png">
+            <a:extLst>
+              <a:ext uri="{FF2B5EF4-FFF2-40B4-BE49-F238E27FC236}">
+                <a16:creationId xmlns:a16="http://schemas.microsoft.com/office/drawing/2014/main" id="{FB097D89-3FC9-4911-BFC9-23F560405A63}"/>
+              </a:ext>
+            </a:extLst>
+          </p:cNvPr>
+          <p:cNvPicPr>
+            <a:picLocks noChangeAspect="1" noChangeArrowheads="1"/>
+          </p:cNvPicPr>
+          <p:nvPr/>
+        </p:nvPicPr>
+        <p:blipFill>
+          <a:blip r:embed="rId3" cstate="print">
+            <a:extLst>
+              <a:ext uri="{28A0092B-C50C-407E-A947-70E740481C1C}">
+                <a14:useLocalDpi xmlns:a14="http://schemas.microsoft.com/office/drawing/2010/main" val="0"/>
+              </a:ext>
+            </a:extLst>
+          </a:blip>
+          <a:srcRect/>
+          <a:stretch>
+            <a:fillRect/>
+          </a:stretch>
+        </p:blipFill>
+        <p:spPr bwMode="auto">
+          <a:xfrm>
+            <a:off x="4326449" y="3808408"/>
+            <a:ext cx="484191" cy="461791"/>
+          </a:xfrm>
+          <a:prstGeom prst="rect">
+            <a:avLst/>
+          </a:prstGeom>
+          <a:solidFill>
+            <a:schemeClr val="bg1"/>
+          </a:solidFill>
+        </p:spPr>
+      </p:pic>
+      <p:sp>
+        <p:nvSpPr>
+          <p:cNvPr id="82" name="모서리가 둥근 직사각형 44">
+            <a:extLst>
+              <a:ext uri="{FF2B5EF4-FFF2-40B4-BE49-F238E27FC236}">
+                <a16:creationId xmlns:a16="http://schemas.microsoft.com/office/drawing/2014/main" id="{6F1F7E58-0865-4A1C-BB45-186D154A5903}"/>
+              </a:ext>
+            </a:extLst>
+          </p:cNvPr>
+          <p:cNvSpPr/>
+          <p:nvPr/>
+        </p:nvSpPr>
+        <p:spPr>
+          <a:xfrm>
+            <a:off x="3859540" y="3564622"/>
+            <a:ext cx="1422750" cy="288032"/>
+          </a:xfrm>
+          <a:prstGeom prst="roundRect">
+            <a:avLst>
+              <a:gd name="adj" fmla="val 6195"/>
+            </a:avLst>
+          </a:prstGeom>
+          <a:noFill/>
+          <a:ln>
+            <a:noFill/>
+          </a:ln>
+        </p:spPr>
+        <p:style>
+          <a:lnRef idx="2">
+            <a:schemeClr val="dk1"/>
+          </a:lnRef>
+          <a:fillRef idx="1">
+            <a:schemeClr val="lt1"/>
+          </a:fillRef>
+          <a:effectRef idx="0">
+            <a:schemeClr val="dk1"/>
+          </a:effectRef>
+          <a:fontRef idx="minor">
+            <a:schemeClr val="dk1"/>
+          </a:fontRef>
+        </p:style>
+        <p:txBody>
+          <a:bodyPr rtlCol="0" anchor="ctr"/>
+          <a:lstStyle/>
+          <a:p>
+            <a:pPr algn="ctr"/>
+            <a:r>
+              <a:rPr lang="en-US" altLang="ko-KR" sz="1400" b="1"/>
+              <a:t>Router</a:t>
+            </a:r>
+            <a:endParaRPr lang="ko-KR" altLang="en-US" sz="1400" b="1" dirty="0"/>
+          </a:p>
+        </p:txBody>
+      </p:sp>
+      <p:sp>
+        <p:nvSpPr>
+          <p:cNvPr id="51" name="모서리가 둥근 직사각형 44">
+            <a:extLst>
+              <a:ext uri="{FF2B5EF4-FFF2-40B4-BE49-F238E27FC236}">
+                <a16:creationId xmlns:a16="http://schemas.microsoft.com/office/drawing/2014/main" id="{37B0EFA3-9BA2-40DF-A74C-BD9129400D01}"/>
+              </a:ext>
+            </a:extLst>
+          </p:cNvPr>
+          <p:cNvSpPr/>
+          <p:nvPr/>
+        </p:nvSpPr>
+        <p:spPr>
+          <a:xfrm>
+            <a:off x="2460378" y="3194101"/>
+            <a:ext cx="1593255" cy="288033"/>
+          </a:xfrm>
+          <a:prstGeom prst="roundRect">
+            <a:avLst>
+              <a:gd name="adj" fmla="val 6195"/>
+            </a:avLst>
+          </a:prstGeom>
+          <a:ln/>
+        </p:spPr>
+        <p:style>
+          <a:lnRef idx="2">
+            <a:schemeClr val="dk1"/>
+          </a:lnRef>
+          <a:fillRef idx="1">
+            <a:schemeClr val="lt1"/>
+          </a:fillRef>
+          <a:effectRef idx="0">
+            <a:schemeClr val="dk1"/>
+          </a:effectRef>
+          <a:fontRef idx="minor">
+            <a:schemeClr val="dk1"/>
+          </a:fontRef>
+        </p:style>
+        <p:txBody>
+          <a:bodyPr rtlCol="0" anchor="ctr"/>
+          <a:lstStyle/>
+          <a:p>
+            <a:pPr algn="ctr"/>
+            <a:r>
+              <a:rPr lang="en-US" altLang="ko-KR" sz="1400"/>
+              <a:t>cilium_host (veth)</a:t>
+            </a:r>
+            <a:endParaRPr lang="ko-KR" altLang="en-US" sz="1400" dirty="0"/>
+          </a:p>
+        </p:txBody>
+      </p:sp>
+      <p:sp>
+        <p:nvSpPr>
+          <p:cNvPr id="54" name="모서리가 둥근 직사각형 44">
+            <a:extLst>
+              <a:ext uri="{FF2B5EF4-FFF2-40B4-BE49-F238E27FC236}">
+                <a16:creationId xmlns:a16="http://schemas.microsoft.com/office/drawing/2014/main" id="{1E01D9A1-CB37-4E24-8120-0F10A3FB3D78}"/>
+              </a:ext>
+            </a:extLst>
+          </p:cNvPr>
+          <p:cNvSpPr/>
+          <p:nvPr/>
+        </p:nvSpPr>
+        <p:spPr>
+          <a:xfrm>
+            <a:off x="2460375" y="2931790"/>
+            <a:ext cx="1593280" cy="263120"/>
+          </a:xfrm>
+          <a:prstGeom prst="roundRect">
+            <a:avLst>
+              <a:gd name="adj" fmla="val 6195"/>
+            </a:avLst>
+          </a:prstGeom>
+          <a:solidFill>
+            <a:schemeClr val="bg1">
+              <a:lumMod val="85000"/>
+            </a:schemeClr>
+          </a:solidFill>
+          <a:ln/>
+        </p:spPr>
+        <p:style>
+          <a:lnRef idx="2">
+            <a:schemeClr val="dk1"/>
+          </a:lnRef>
+          <a:fillRef idx="1">
+            <a:schemeClr val="lt1"/>
+          </a:fillRef>
+          <a:effectRef idx="0">
+            <a:schemeClr val="dk1"/>
+          </a:effectRef>
+          <a:fontRef idx="minor">
+            <a:schemeClr val="dk1"/>
+          </a:fontRef>
+        </p:style>
+        <p:txBody>
+          <a:bodyPr rtlCol="0" anchor="ctr"/>
+          <a:lstStyle/>
+          <a:p>
+            <a:pPr algn="ctr"/>
+            <a:r>
+              <a:rPr lang="en-US" altLang="ko-KR" sz="1400"/>
+              <a:t>act engress</a:t>
+            </a:r>
+            <a:endParaRPr lang="ko-KR" altLang="en-US" sz="1400" dirty="0"/>
+          </a:p>
+        </p:txBody>
+      </p:sp>
+      <p:cxnSp>
+        <p:nvCxnSpPr>
+          <p:cNvPr id="56" name="직선 연결선 55">
+            <a:extLst>
+              <a:ext uri="{FF2B5EF4-FFF2-40B4-BE49-F238E27FC236}">
+                <a16:creationId xmlns:a16="http://schemas.microsoft.com/office/drawing/2014/main" id="{D490EA8D-3D36-48EA-B3FE-758B21C58AFC}"/>
+              </a:ext>
+            </a:extLst>
+          </p:cNvPr>
+          <p:cNvCxnSpPr>
+            <a:cxnSpLocks/>
+            <a:stCxn id="13" idx="1"/>
+            <a:endCxn id="2" idx="2"/>
+          </p:cNvCxnSpPr>
+          <p:nvPr/>
+        </p:nvCxnSpPr>
+        <p:spPr>
+          <a:xfrm flipH="1" flipV="1">
+            <a:off x="2299367" y="2787779"/>
+            <a:ext cx="184401" cy="1260139"/>
+          </a:xfrm>
+          <a:prstGeom prst="line">
+            <a:avLst/>
+          </a:prstGeom>
+          <a:ln w="19050">
+            <a:solidFill>
+              <a:schemeClr val="tx2"/>
+            </a:solidFill>
+            <a:headEnd type="arrow" w="med" len="med"/>
+            <a:tailEnd type="arrow" w="med" len="med"/>
+          </a:ln>
+        </p:spPr>
+        <p:style>
+          <a:lnRef idx="1">
+            <a:schemeClr val="accent1"/>
+          </a:lnRef>
+          <a:fillRef idx="0">
+            <a:schemeClr val="accent1"/>
+          </a:fillRef>
+          <a:effectRef idx="0">
+            <a:schemeClr val="accent1"/>
+          </a:effectRef>
+          <a:fontRef idx="minor">
+            <a:schemeClr val="tx1"/>
+          </a:fontRef>
+        </p:style>
+      </p:cxnSp>
+      <p:sp>
+        <p:nvSpPr>
+          <p:cNvPr id="59" name="모서리가 둥근 직사각형 44">
+            <a:extLst>
+              <a:ext uri="{FF2B5EF4-FFF2-40B4-BE49-F238E27FC236}">
+                <a16:creationId xmlns:a16="http://schemas.microsoft.com/office/drawing/2014/main" id="{987033C6-F28B-40B7-808E-D574C9BC0F99}"/>
+              </a:ext>
+            </a:extLst>
+          </p:cNvPr>
+          <p:cNvSpPr/>
+          <p:nvPr/>
+        </p:nvSpPr>
+        <p:spPr>
+          <a:xfrm>
+            <a:off x="5086667" y="3194101"/>
+            <a:ext cx="1593255" cy="288033"/>
+          </a:xfrm>
+          <a:prstGeom prst="roundRect">
+            <a:avLst>
+              <a:gd name="adj" fmla="val 6195"/>
+            </a:avLst>
+          </a:prstGeom>
+          <a:ln/>
+        </p:spPr>
+        <p:style>
+          <a:lnRef idx="2">
+            <a:schemeClr val="dk1"/>
+          </a:lnRef>
+          <a:fillRef idx="1">
+            <a:schemeClr val="lt1"/>
+          </a:fillRef>
+          <a:effectRef idx="0">
+            <a:schemeClr val="dk1"/>
+          </a:effectRef>
+          <a:fontRef idx="minor">
+            <a:schemeClr val="dk1"/>
+          </a:fontRef>
+        </p:style>
+        <p:txBody>
+          <a:bodyPr rtlCol="0" anchor="ctr"/>
+          <a:lstStyle/>
+          <a:p>
+            <a:pPr algn="ctr"/>
+            <a:r>
+              <a:rPr lang="en-US" altLang="ko-KR" sz="1400"/>
+              <a:t>cilium_host (veth)</a:t>
+            </a:r>
+            <a:endParaRPr lang="ko-KR" altLang="en-US" sz="1400" dirty="0"/>
+          </a:p>
+        </p:txBody>
+      </p:sp>
+      <p:sp>
+        <p:nvSpPr>
+          <p:cNvPr id="61" name="모서리가 둥근 직사각형 44">
+            <a:extLst>
+              <a:ext uri="{FF2B5EF4-FFF2-40B4-BE49-F238E27FC236}">
+                <a16:creationId xmlns:a16="http://schemas.microsoft.com/office/drawing/2014/main" id="{1150529D-BC2D-4E1D-8133-FA651D96A89C}"/>
+              </a:ext>
+            </a:extLst>
+          </p:cNvPr>
+          <p:cNvSpPr/>
+          <p:nvPr/>
+        </p:nvSpPr>
+        <p:spPr>
+          <a:xfrm>
+            <a:off x="5086664" y="2931790"/>
+            <a:ext cx="1593280" cy="263120"/>
+          </a:xfrm>
+          <a:prstGeom prst="roundRect">
+            <a:avLst>
+              <a:gd name="adj" fmla="val 6195"/>
+            </a:avLst>
+          </a:prstGeom>
+          <a:solidFill>
+            <a:schemeClr val="bg1">
+              <a:lumMod val="85000"/>
+            </a:schemeClr>
+          </a:solidFill>
+          <a:ln/>
+        </p:spPr>
+        <p:style>
+          <a:lnRef idx="2">
+            <a:schemeClr val="dk1"/>
+          </a:lnRef>
+          <a:fillRef idx="1">
+            <a:schemeClr val="lt1"/>
+          </a:fillRef>
+          <a:effectRef idx="0">
+            <a:schemeClr val="dk1"/>
+          </a:effectRef>
+          <a:fontRef idx="minor">
+            <a:schemeClr val="dk1"/>
+          </a:fontRef>
+        </p:style>
+        <p:txBody>
+          <a:bodyPr rtlCol="0" anchor="ctr"/>
+          <a:lstStyle/>
+          <a:p>
+            <a:pPr algn="ctr"/>
+            <a:r>
+              <a:rPr lang="en-US" altLang="ko-KR" sz="1400"/>
+              <a:t>act engress</a:t>
+            </a:r>
+            <a:endParaRPr lang="ko-KR" altLang="en-US" sz="1400" dirty="0"/>
+          </a:p>
+        </p:txBody>
+      </p:sp>
+      <p:cxnSp>
+        <p:nvCxnSpPr>
+          <p:cNvPr id="64" name="직선 연결선 63">
+            <a:extLst>
+              <a:ext uri="{FF2B5EF4-FFF2-40B4-BE49-F238E27FC236}">
+                <a16:creationId xmlns:a16="http://schemas.microsoft.com/office/drawing/2014/main" id="{D20E4752-0515-4E2C-A8D8-8D7005EEC6D7}"/>
+              </a:ext>
+            </a:extLst>
+          </p:cNvPr>
+          <p:cNvCxnSpPr>
+            <a:cxnSpLocks/>
+            <a:stCxn id="21" idx="3"/>
+            <a:endCxn id="91" idx="2"/>
+          </p:cNvCxnSpPr>
+          <p:nvPr/>
+        </p:nvCxnSpPr>
+        <p:spPr>
+          <a:xfrm flipV="1">
+            <a:off x="6660232" y="2787779"/>
+            <a:ext cx="184400" cy="1260139"/>
+          </a:xfrm>
+          <a:prstGeom prst="line">
+            <a:avLst/>
+          </a:prstGeom>
+          <a:ln w="19050">
+            <a:solidFill>
+              <a:schemeClr val="tx2"/>
+            </a:solidFill>
+            <a:headEnd type="arrow" w="med" len="med"/>
+            <a:tailEnd type="arrow" w="med" len="med"/>
+          </a:ln>
+        </p:spPr>
+        <p:style>
+          <a:lnRef idx="1">
+            <a:schemeClr val="accent1"/>
+          </a:lnRef>
+          <a:fillRef idx="0">
+            <a:schemeClr val="accent1"/>
+          </a:fillRef>
+          <a:effectRef idx="0">
+            <a:schemeClr val="accent1"/>
+          </a:effectRef>
+          <a:fontRef idx="minor">
+            <a:schemeClr val="tx1"/>
+          </a:fontRef>
+        </p:style>
+      </p:cxnSp>
+      <p:sp>
+        <p:nvSpPr>
+          <p:cNvPr id="83" name="모서리가 둥근 직사각형 44">
+            <a:extLst>
+              <a:ext uri="{FF2B5EF4-FFF2-40B4-BE49-F238E27FC236}">
+                <a16:creationId xmlns:a16="http://schemas.microsoft.com/office/drawing/2014/main" id="{98EDF0DD-2CB0-4D08-A315-EA9CD2E9F632}"/>
+              </a:ext>
+            </a:extLst>
+          </p:cNvPr>
+          <p:cNvSpPr/>
+          <p:nvPr/>
+        </p:nvSpPr>
+        <p:spPr>
+          <a:xfrm>
+            <a:off x="683567" y="339502"/>
+            <a:ext cx="1584177" cy="720080"/>
+          </a:xfrm>
+          <a:prstGeom prst="roundRect">
+            <a:avLst>
+              <a:gd name="adj" fmla="val 6195"/>
+            </a:avLst>
+          </a:prstGeom>
+          <a:ln/>
+        </p:spPr>
+        <p:style>
+          <a:lnRef idx="2">
+            <a:schemeClr val="dk1"/>
+          </a:lnRef>
+          <a:fillRef idx="1">
+            <a:schemeClr val="lt1"/>
+          </a:fillRef>
+          <a:effectRef idx="0">
+            <a:schemeClr val="dk1"/>
+          </a:effectRef>
+          <a:fontRef idx="minor">
+            <a:schemeClr val="dk1"/>
+          </a:fontRef>
+        </p:style>
+        <p:txBody>
+          <a:bodyPr rtlCol="0" anchor="t"/>
+          <a:lstStyle/>
+          <a:p>
+            <a:pPr algn="ctr"/>
+            <a:r>
+              <a:rPr lang="en-US" altLang="ko-KR" sz="1400"/>
+              <a:t>Container A</a:t>
+            </a:r>
+          </a:p>
+          <a:p>
+            <a:pPr algn="ctr"/>
+            <a:r>
+              <a:rPr lang="en-US" altLang="ko-KR" sz="1400"/>
+              <a:t>192.167.2.10 </a:t>
+            </a:r>
+            <a:endParaRPr lang="ko-KR" altLang="en-US" sz="1400" dirty="0"/>
+          </a:p>
+        </p:txBody>
+      </p:sp>
+      <p:sp>
+        <p:nvSpPr>
+          <p:cNvPr id="84" name="모서리가 둥근 직사각형 44">
+            <a:extLst>
+              <a:ext uri="{FF2B5EF4-FFF2-40B4-BE49-F238E27FC236}">
+                <a16:creationId xmlns:a16="http://schemas.microsoft.com/office/drawing/2014/main" id="{7F73FE12-8DF9-4920-96F7-3F35910112FB}"/>
+              </a:ext>
+            </a:extLst>
+          </p:cNvPr>
+          <p:cNvSpPr/>
+          <p:nvPr/>
+        </p:nvSpPr>
+        <p:spPr>
+          <a:xfrm>
+            <a:off x="827584" y="829496"/>
+            <a:ext cx="1296144" cy="230086"/>
+          </a:xfrm>
+          <a:prstGeom prst="roundRect">
+            <a:avLst>
+              <a:gd name="adj" fmla="val 6195"/>
+            </a:avLst>
+          </a:prstGeom>
+          <a:ln/>
+        </p:spPr>
+        <p:style>
+          <a:lnRef idx="2">
+            <a:schemeClr val="dk1"/>
+          </a:lnRef>
+          <a:fillRef idx="1">
+            <a:schemeClr val="lt1"/>
+          </a:fillRef>
+          <a:effectRef idx="0">
+            <a:schemeClr val="dk1"/>
+          </a:effectRef>
+          <a:fontRef idx="minor">
+            <a:schemeClr val="dk1"/>
+          </a:fontRef>
+        </p:style>
+        <p:txBody>
+          <a:bodyPr rtlCol="0" anchor="ctr"/>
+          <a:lstStyle/>
+          <a:p>
+            <a:pPr algn="ctr"/>
+            <a:r>
+              <a:rPr lang="en-US" altLang="ko-KR" sz="1400" dirty="0" err="1"/>
+              <a:t>eth0</a:t>
+            </a:r>
+            <a:endParaRPr lang="ko-KR" altLang="en-US" sz="1400" dirty="0"/>
+          </a:p>
+        </p:txBody>
+      </p:sp>
+      <p:sp>
+        <p:nvSpPr>
+          <p:cNvPr id="85" name="모서리가 둥근 직사각형 44">
+            <a:extLst>
+              <a:ext uri="{FF2B5EF4-FFF2-40B4-BE49-F238E27FC236}">
+                <a16:creationId xmlns:a16="http://schemas.microsoft.com/office/drawing/2014/main" id="{FBBA281E-5337-46F2-8A99-6CF5CCD816B2}"/>
+              </a:ext>
+            </a:extLst>
+          </p:cNvPr>
+          <p:cNvSpPr/>
+          <p:nvPr/>
+        </p:nvSpPr>
+        <p:spPr>
+          <a:xfrm>
+            <a:off x="827584" y="1165532"/>
+            <a:ext cx="1296144" cy="318512"/>
+          </a:xfrm>
+          <a:prstGeom prst="roundRect">
+            <a:avLst>
+              <a:gd name="adj" fmla="val 6195"/>
+            </a:avLst>
+          </a:prstGeom>
+          <a:ln/>
+        </p:spPr>
+        <p:style>
+          <a:lnRef idx="2">
+            <a:schemeClr val="dk1"/>
+          </a:lnRef>
+          <a:fillRef idx="1">
+            <a:schemeClr val="lt1"/>
+          </a:fillRef>
+          <a:effectRef idx="0">
+            <a:schemeClr val="dk1"/>
+          </a:effectRef>
+          <a:fontRef idx="minor">
+            <a:schemeClr val="dk1"/>
+          </a:fontRef>
+        </p:style>
+        <p:txBody>
+          <a:bodyPr rtlCol="0" anchor="ctr"/>
+          <a:lstStyle/>
+          <a:p>
+            <a:pPr algn="ctr"/>
+            <a:r>
+              <a:rPr lang="en-US" altLang="ko-KR" sz="1400"/>
+              <a:t>lxcxxxx</a:t>
+            </a:r>
+            <a:endParaRPr lang="ko-KR" altLang="en-US" sz="1400" dirty="0"/>
+          </a:p>
+        </p:txBody>
+      </p:sp>
+      <p:cxnSp>
+        <p:nvCxnSpPr>
+          <p:cNvPr id="86" name="직선 연결선 85">
+            <a:extLst>
+              <a:ext uri="{FF2B5EF4-FFF2-40B4-BE49-F238E27FC236}">
+                <a16:creationId xmlns:a16="http://schemas.microsoft.com/office/drawing/2014/main" id="{3AE22F8F-9C9A-4DF0-B101-6C5FFBC51845}"/>
+              </a:ext>
+            </a:extLst>
+          </p:cNvPr>
+          <p:cNvCxnSpPr>
+            <a:cxnSpLocks/>
+            <a:stCxn id="84" idx="2"/>
+            <a:endCxn id="85" idx="0"/>
+          </p:cNvCxnSpPr>
+          <p:nvPr/>
+        </p:nvCxnSpPr>
+        <p:spPr>
+          <a:xfrm>
+            <a:off x="1475656" y="1059582"/>
+            <a:ext cx="0" cy="105950"/>
+          </a:xfrm>
+          <a:prstGeom prst="line">
+            <a:avLst/>
+          </a:prstGeom>
+          <a:ln w="19050">
+            <a:solidFill>
+              <a:schemeClr val="tx1"/>
+            </a:solidFill>
+          </a:ln>
+        </p:spPr>
+        <p:style>
+          <a:lnRef idx="1">
+            <a:schemeClr val="accent1"/>
+          </a:lnRef>
+          <a:fillRef idx="0">
+            <a:schemeClr val="accent1"/>
+          </a:fillRef>
+          <a:effectRef idx="0">
+            <a:schemeClr val="accent1"/>
+          </a:effectRef>
+          <a:fontRef idx="minor">
+            <a:schemeClr val="tx1"/>
+          </a:fontRef>
+        </p:style>
+      </p:cxnSp>
+      <p:sp>
+        <p:nvSpPr>
+          <p:cNvPr id="87" name="모서리가 둥근 직사각형 44">
+            <a:extLst>
+              <a:ext uri="{FF2B5EF4-FFF2-40B4-BE49-F238E27FC236}">
+                <a16:creationId xmlns:a16="http://schemas.microsoft.com/office/drawing/2014/main" id="{FC5DDB77-2012-49DE-B235-A7927B9E71ED}"/>
+              </a:ext>
+            </a:extLst>
+          </p:cNvPr>
+          <p:cNvSpPr/>
+          <p:nvPr/>
+        </p:nvSpPr>
+        <p:spPr>
+          <a:xfrm>
+            <a:off x="827584" y="1479967"/>
+            <a:ext cx="1296144" cy="263120"/>
+          </a:xfrm>
+          <a:prstGeom prst="roundRect">
+            <a:avLst>
+              <a:gd name="adj" fmla="val 6195"/>
+            </a:avLst>
+          </a:prstGeom>
+          <a:solidFill>
+            <a:schemeClr val="bg1">
+              <a:lumMod val="85000"/>
+            </a:schemeClr>
+          </a:solidFill>
+          <a:ln/>
+        </p:spPr>
+        <p:style>
+          <a:lnRef idx="2">
+            <a:schemeClr val="dk1"/>
+          </a:lnRef>
+          <a:fillRef idx="1">
+            <a:schemeClr val="lt1"/>
+          </a:fillRef>
+          <a:effectRef idx="0">
+            <a:schemeClr val="dk1"/>
+          </a:effectRef>
+          <a:fontRef idx="minor">
+            <a:schemeClr val="dk1"/>
+          </a:fontRef>
+        </p:style>
+        <p:txBody>
+          <a:bodyPr rtlCol="0" anchor="ctr"/>
+          <a:lstStyle/>
+          <a:p>
+            <a:pPr algn="ctr"/>
+            <a:r>
+              <a:rPr lang="en-US" altLang="ko-KR" sz="1400"/>
+              <a:t>act ingress</a:t>
+            </a:r>
+            <a:endParaRPr lang="ko-KR" altLang="en-US" sz="1400" dirty="0"/>
+          </a:p>
+        </p:txBody>
+      </p:sp>
+      <p:cxnSp>
+        <p:nvCxnSpPr>
+          <p:cNvPr id="88" name="직선 연결선 87">
+            <a:extLst>
+              <a:ext uri="{FF2B5EF4-FFF2-40B4-BE49-F238E27FC236}">
+                <a16:creationId xmlns:a16="http://schemas.microsoft.com/office/drawing/2014/main" id="{964FAECC-0FC9-4F59-B03E-E5E9D139BF79}"/>
+              </a:ext>
+            </a:extLst>
+          </p:cNvPr>
+          <p:cNvCxnSpPr>
+            <a:cxnSpLocks/>
+          </p:cNvCxnSpPr>
+          <p:nvPr/>
+        </p:nvCxnSpPr>
+        <p:spPr>
+          <a:xfrm flipH="1">
+            <a:off x="7668343" y="1059582"/>
+            <a:ext cx="0" cy="102488"/>
+          </a:xfrm>
+          <a:prstGeom prst="line">
+            <a:avLst/>
+          </a:prstGeom>
+          <a:ln w="19050">
+            <a:solidFill>
+              <a:schemeClr val="tx1"/>
+            </a:solidFill>
+          </a:ln>
+        </p:spPr>
+        <p:style>
+          <a:lnRef idx="1">
+            <a:schemeClr val="accent1"/>
+          </a:lnRef>
+          <a:fillRef idx="0">
+            <a:schemeClr val="accent1"/>
+          </a:fillRef>
+          <a:effectRef idx="0">
+            <a:schemeClr val="accent1"/>
+          </a:effectRef>
+          <a:fontRef idx="minor">
+            <a:schemeClr val="tx1"/>
+          </a:fontRef>
+        </p:style>
+      </p:cxnSp>
+      <p:sp>
+        <p:nvSpPr>
+          <p:cNvPr id="89" name="모서리가 둥근 직사각형 44">
+            <a:extLst>
+              <a:ext uri="{FF2B5EF4-FFF2-40B4-BE49-F238E27FC236}">
+                <a16:creationId xmlns:a16="http://schemas.microsoft.com/office/drawing/2014/main" id="{1A4FFBA7-57A4-462E-B8DB-E1C89857D52D}"/>
+              </a:ext>
+            </a:extLst>
+          </p:cNvPr>
+          <p:cNvSpPr/>
+          <p:nvPr/>
+        </p:nvSpPr>
+        <p:spPr>
+          <a:xfrm>
+            <a:off x="7033647" y="1165532"/>
+            <a:ext cx="1296144" cy="318512"/>
+          </a:xfrm>
+          <a:prstGeom prst="roundRect">
+            <a:avLst>
+              <a:gd name="adj" fmla="val 6195"/>
+            </a:avLst>
+          </a:prstGeom>
+          <a:ln/>
+        </p:spPr>
+        <p:style>
+          <a:lnRef idx="2">
+            <a:schemeClr val="dk1"/>
+          </a:lnRef>
+          <a:fillRef idx="1">
+            <a:schemeClr val="lt1"/>
+          </a:fillRef>
+          <a:effectRef idx="0">
+            <a:schemeClr val="dk1"/>
+          </a:effectRef>
+          <a:fontRef idx="minor">
+            <a:schemeClr val="dk1"/>
+          </a:fontRef>
+        </p:style>
+        <p:txBody>
+          <a:bodyPr rtlCol="0" anchor="ctr"/>
+          <a:lstStyle/>
+          <a:p>
+            <a:pPr algn="ctr"/>
+            <a:r>
+              <a:rPr lang="en-US" altLang="ko-KR" sz="1400"/>
+              <a:t>lxcxxxx</a:t>
+            </a:r>
+            <a:endParaRPr lang="ko-KR" altLang="en-US" sz="1400" dirty="0"/>
+          </a:p>
+        </p:txBody>
+      </p:sp>
+      <p:sp>
+        <p:nvSpPr>
+          <p:cNvPr id="90" name="모서리가 둥근 직사각형 44">
+            <a:extLst>
+              <a:ext uri="{FF2B5EF4-FFF2-40B4-BE49-F238E27FC236}">
+                <a16:creationId xmlns:a16="http://schemas.microsoft.com/office/drawing/2014/main" id="{E218D9CB-4947-43AB-BDB7-01C437B70EAD}"/>
+              </a:ext>
+            </a:extLst>
+          </p:cNvPr>
+          <p:cNvSpPr/>
+          <p:nvPr/>
+        </p:nvSpPr>
+        <p:spPr>
+          <a:xfrm>
+            <a:off x="7033647" y="1479967"/>
+            <a:ext cx="1296144" cy="263120"/>
+          </a:xfrm>
+          <a:prstGeom prst="roundRect">
+            <a:avLst>
+              <a:gd name="adj" fmla="val 6195"/>
+            </a:avLst>
+          </a:prstGeom>
+          <a:solidFill>
+            <a:schemeClr val="bg1">
+              <a:lumMod val="85000"/>
+            </a:schemeClr>
+          </a:solidFill>
+          <a:ln/>
+        </p:spPr>
+        <p:style>
+          <a:lnRef idx="2">
+            <a:schemeClr val="dk1"/>
+          </a:lnRef>
+          <a:fillRef idx="1">
+            <a:schemeClr val="lt1"/>
+          </a:fillRef>
+          <a:effectRef idx="0">
+            <a:schemeClr val="dk1"/>
+          </a:effectRef>
+          <a:fontRef idx="minor">
+            <a:schemeClr val="dk1"/>
+          </a:fontRef>
+        </p:style>
+        <p:txBody>
+          <a:bodyPr rtlCol="0" anchor="ctr"/>
+          <a:lstStyle/>
+          <a:p>
+            <a:pPr algn="ctr"/>
+            <a:r>
+              <a:rPr lang="en-US" altLang="ko-KR" sz="1400"/>
+              <a:t>act ingress</a:t>
+            </a:r>
+            <a:endParaRPr lang="ko-KR" altLang="en-US" sz="1400" dirty="0"/>
+          </a:p>
+        </p:txBody>
+      </p:sp>
+      <p:sp>
+        <p:nvSpPr>
+          <p:cNvPr id="92" name="모서리가 둥근 직사각형 44">
+            <a:extLst>
+              <a:ext uri="{FF2B5EF4-FFF2-40B4-BE49-F238E27FC236}">
+                <a16:creationId xmlns:a16="http://schemas.microsoft.com/office/drawing/2014/main" id="{F324AEFC-0BA5-4E96-8E2E-7E58EE67C587}"/>
+              </a:ext>
+            </a:extLst>
+          </p:cNvPr>
+          <p:cNvSpPr/>
+          <p:nvPr/>
+        </p:nvSpPr>
+        <p:spPr>
+          <a:xfrm>
+            <a:off x="2456330" y="339502"/>
+            <a:ext cx="1584177" cy="720080"/>
+          </a:xfrm>
+          <a:prstGeom prst="roundRect">
+            <a:avLst>
+              <a:gd name="adj" fmla="val 6195"/>
+            </a:avLst>
+          </a:prstGeom>
+          <a:ln/>
+        </p:spPr>
+        <p:style>
+          <a:lnRef idx="2">
+            <a:schemeClr val="dk1"/>
+          </a:lnRef>
+          <a:fillRef idx="1">
+            <a:schemeClr val="lt1"/>
+          </a:fillRef>
+          <a:effectRef idx="0">
+            <a:schemeClr val="dk1"/>
+          </a:effectRef>
+          <a:fontRef idx="minor">
+            <a:schemeClr val="dk1"/>
+          </a:fontRef>
+        </p:style>
+        <p:txBody>
+          <a:bodyPr rtlCol="0" anchor="t"/>
+          <a:lstStyle/>
+          <a:p>
+            <a:pPr algn="ctr"/>
+            <a:r>
+              <a:rPr lang="en-US" altLang="ko-KR" sz="1400"/>
+              <a:t>Container B</a:t>
+            </a:r>
+          </a:p>
+          <a:p>
+            <a:pPr algn="ctr"/>
+            <a:r>
+              <a:rPr lang="en-US" altLang="ko-KR" sz="1400"/>
+              <a:t>192.167.2.11 </a:t>
+            </a:r>
+            <a:endParaRPr lang="ko-KR" altLang="en-US" sz="1400" dirty="0"/>
+          </a:p>
+        </p:txBody>
+      </p:sp>
+      <p:sp>
+        <p:nvSpPr>
+          <p:cNvPr id="93" name="모서리가 둥근 직사각형 44">
+            <a:extLst>
+              <a:ext uri="{FF2B5EF4-FFF2-40B4-BE49-F238E27FC236}">
+                <a16:creationId xmlns:a16="http://schemas.microsoft.com/office/drawing/2014/main" id="{1F3DDFED-BE05-4DFD-A17E-BA7129192341}"/>
+              </a:ext>
+            </a:extLst>
+          </p:cNvPr>
+          <p:cNvSpPr/>
+          <p:nvPr/>
+        </p:nvSpPr>
+        <p:spPr>
+          <a:xfrm>
+            <a:off x="2600347" y="829496"/>
+            <a:ext cx="1296144" cy="230086"/>
+          </a:xfrm>
+          <a:prstGeom prst="roundRect">
+            <a:avLst>
+              <a:gd name="adj" fmla="val 6195"/>
+            </a:avLst>
+          </a:prstGeom>
+          <a:ln/>
+        </p:spPr>
+        <p:style>
+          <a:lnRef idx="2">
+            <a:schemeClr val="dk1"/>
+          </a:lnRef>
+          <a:fillRef idx="1">
+            <a:schemeClr val="lt1"/>
+          </a:fillRef>
+          <a:effectRef idx="0">
+            <a:schemeClr val="dk1"/>
+          </a:effectRef>
+          <a:fontRef idx="minor">
+            <a:schemeClr val="dk1"/>
+          </a:fontRef>
+        </p:style>
+        <p:txBody>
+          <a:bodyPr rtlCol="0" anchor="ctr"/>
+          <a:lstStyle/>
+          <a:p>
+            <a:pPr algn="ctr"/>
+            <a:r>
+              <a:rPr lang="en-US" altLang="ko-KR" sz="1400" dirty="0" err="1"/>
+              <a:t>eth0</a:t>
+            </a:r>
+            <a:endParaRPr lang="ko-KR" altLang="en-US" sz="1400" dirty="0"/>
+          </a:p>
+        </p:txBody>
+      </p:sp>
+      <p:sp>
+        <p:nvSpPr>
+          <p:cNvPr id="100" name="모서리가 둥근 직사각형 44">
+            <a:extLst>
+              <a:ext uri="{FF2B5EF4-FFF2-40B4-BE49-F238E27FC236}">
+                <a16:creationId xmlns:a16="http://schemas.microsoft.com/office/drawing/2014/main" id="{E90D56AD-DE35-4053-85C7-E7AA6FFC6C66}"/>
+              </a:ext>
+            </a:extLst>
+          </p:cNvPr>
+          <p:cNvSpPr/>
+          <p:nvPr/>
+        </p:nvSpPr>
+        <p:spPr>
+          <a:xfrm>
+            <a:off x="2597807" y="1165532"/>
+            <a:ext cx="1296144" cy="318512"/>
+          </a:xfrm>
+          <a:prstGeom prst="roundRect">
+            <a:avLst>
+              <a:gd name="adj" fmla="val 6195"/>
+            </a:avLst>
+          </a:prstGeom>
+          <a:ln/>
+        </p:spPr>
+        <p:style>
+          <a:lnRef idx="2">
+            <a:schemeClr val="dk1"/>
+          </a:lnRef>
+          <a:fillRef idx="1">
+            <a:schemeClr val="lt1"/>
+          </a:fillRef>
+          <a:effectRef idx="0">
+            <a:schemeClr val="dk1"/>
+          </a:effectRef>
+          <a:fontRef idx="minor">
+            <a:schemeClr val="dk1"/>
+          </a:fontRef>
+        </p:style>
+        <p:txBody>
+          <a:bodyPr rtlCol="0" anchor="ctr"/>
+          <a:lstStyle/>
+          <a:p>
+            <a:pPr algn="ctr"/>
+            <a:r>
+              <a:rPr lang="en-US" altLang="ko-KR" sz="1400"/>
+              <a:t>lxcxxxx</a:t>
+            </a:r>
+            <a:endParaRPr lang="ko-KR" altLang="en-US" sz="1400" dirty="0"/>
+          </a:p>
+        </p:txBody>
+      </p:sp>
+      <p:cxnSp>
+        <p:nvCxnSpPr>
+          <p:cNvPr id="102" name="직선 연결선 101">
+            <a:extLst>
+              <a:ext uri="{FF2B5EF4-FFF2-40B4-BE49-F238E27FC236}">
+                <a16:creationId xmlns:a16="http://schemas.microsoft.com/office/drawing/2014/main" id="{3174B4C1-57F1-4FDA-B99E-11EFA64AB9DA}"/>
+              </a:ext>
+            </a:extLst>
+          </p:cNvPr>
+          <p:cNvCxnSpPr>
+            <a:cxnSpLocks/>
+            <a:endCxn id="100" idx="0"/>
+          </p:cNvCxnSpPr>
+          <p:nvPr/>
+        </p:nvCxnSpPr>
+        <p:spPr>
+          <a:xfrm>
+            <a:off x="3245879" y="1059582"/>
+            <a:ext cx="0" cy="105950"/>
+          </a:xfrm>
+          <a:prstGeom prst="line">
+            <a:avLst/>
+          </a:prstGeom>
+          <a:ln w="19050">
+            <a:solidFill>
+              <a:schemeClr val="tx1"/>
+            </a:solidFill>
+          </a:ln>
+        </p:spPr>
+        <p:style>
+          <a:lnRef idx="1">
+            <a:schemeClr val="accent1"/>
+          </a:lnRef>
+          <a:fillRef idx="0">
+            <a:schemeClr val="accent1"/>
+          </a:fillRef>
+          <a:effectRef idx="0">
+            <a:schemeClr val="accent1"/>
+          </a:effectRef>
+          <a:fontRef idx="minor">
+            <a:schemeClr val="tx1"/>
+          </a:fontRef>
+        </p:style>
+      </p:cxnSp>
+      <p:sp>
+        <p:nvSpPr>
+          <p:cNvPr id="104" name="모서리가 둥근 직사각형 44">
+            <a:extLst>
+              <a:ext uri="{FF2B5EF4-FFF2-40B4-BE49-F238E27FC236}">
+                <a16:creationId xmlns:a16="http://schemas.microsoft.com/office/drawing/2014/main" id="{273F5E6A-8CCD-40DC-A391-A55B0DA58D07}"/>
+              </a:ext>
+            </a:extLst>
+          </p:cNvPr>
+          <p:cNvSpPr/>
+          <p:nvPr/>
+        </p:nvSpPr>
+        <p:spPr>
+          <a:xfrm>
+            <a:off x="2597807" y="1479967"/>
+            <a:ext cx="1296144" cy="263120"/>
+          </a:xfrm>
+          <a:prstGeom prst="roundRect">
+            <a:avLst>
+              <a:gd name="adj" fmla="val 6195"/>
+            </a:avLst>
+          </a:prstGeom>
+          <a:solidFill>
+            <a:schemeClr val="bg1">
+              <a:lumMod val="85000"/>
+            </a:schemeClr>
+          </a:solidFill>
+          <a:ln/>
+        </p:spPr>
+        <p:style>
+          <a:lnRef idx="2">
+            <a:schemeClr val="dk1"/>
+          </a:lnRef>
+          <a:fillRef idx="1">
+            <a:schemeClr val="lt1"/>
+          </a:fillRef>
+          <a:effectRef idx="0">
+            <a:schemeClr val="dk1"/>
+          </a:effectRef>
+          <a:fontRef idx="minor">
+            <a:schemeClr val="dk1"/>
+          </a:fontRef>
+        </p:style>
+        <p:txBody>
+          <a:bodyPr rtlCol="0" anchor="ctr"/>
+          <a:lstStyle/>
+          <a:p>
+            <a:pPr algn="ctr"/>
+            <a:r>
+              <a:rPr lang="en-US" altLang="ko-KR" sz="1400"/>
+              <a:t>act ingress</a:t>
+            </a:r>
+            <a:endParaRPr lang="ko-KR" altLang="en-US" sz="1400" dirty="0"/>
+          </a:p>
+        </p:txBody>
+      </p:sp>
+      <p:cxnSp>
+        <p:nvCxnSpPr>
+          <p:cNvPr id="105" name="직선 연결선 104">
+            <a:extLst>
+              <a:ext uri="{FF2B5EF4-FFF2-40B4-BE49-F238E27FC236}">
+                <a16:creationId xmlns:a16="http://schemas.microsoft.com/office/drawing/2014/main" id="{B7733D8D-362B-4A8A-810F-6DC13B7C006C}"/>
+              </a:ext>
+            </a:extLst>
+          </p:cNvPr>
+          <p:cNvCxnSpPr>
+            <a:cxnSpLocks/>
+            <a:stCxn id="100" idx="1"/>
+            <a:endCxn id="87" idx="3"/>
+          </p:cNvCxnSpPr>
+          <p:nvPr/>
+        </p:nvCxnSpPr>
+        <p:spPr>
+          <a:xfrm flipH="1">
+            <a:off x="2123728" y="1324788"/>
+            <a:ext cx="474079" cy="286739"/>
+          </a:xfrm>
+          <a:prstGeom prst="line">
+            <a:avLst/>
+          </a:prstGeom>
+          <a:ln w="19050">
+            <a:solidFill>
+              <a:schemeClr val="tx2"/>
+            </a:solidFill>
+            <a:headEnd type="arrow" w="med" len="med"/>
+            <a:tailEnd type="none" w="med" len="med"/>
+          </a:ln>
+        </p:spPr>
+        <p:style>
+          <a:lnRef idx="1">
+            <a:schemeClr val="accent1"/>
+          </a:lnRef>
+          <a:fillRef idx="0">
+            <a:schemeClr val="accent1"/>
+          </a:fillRef>
+          <a:effectRef idx="0">
+            <a:schemeClr val="accent1"/>
+          </a:effectRef>
+          <a:fontRef idx="minor">
+            <a:schemeClr val="tx1"/>
+          </a:fontRef>
+        </p:style>
+      </p:cxnSp>
+      <p:cxnSp>
+        <p:nvCxnSpPr>
+          <p:cNvPr id="106" name="직선 연결선 105">
+            <a:extLst>
+              <a:ext uri="{FF2B5EF4-FFF2-40B4-BE49-F238E27FC236}">
+                <a16:creationId xmlns:a16="http://schemas.microsoft.com/office/drawing/2014/main" id="{7748C4F8-E2C4-47E8-89C4-A34842554BD8}"/>
+              </a:ext>
+            </a:extLst>
+          </p:cNvPr>
+          <p:cNvCxnSpPr>
+            <a:cxnSpLocks/>
+            <a:stCxn id="85" idx="3"/>
+            <a:endCxn id="104" idx="1"/>
+          </p:cNvCxnSpPr>
+          <p:nvPr/>
+        </p:nvCxnSpPr>
+        <p:spPr>
+          <a:xfrm>
+            <a:off x="2123728" y="1324788"/>
+            <a:ext cx="474079" cy="286739"/>
+          </a:xfrm>
+          <a:prstGeom prst="line">
+            <a:avLst/>
+          </a:prstGeom>
+          <a:ln w="19050">
+            <a:solidFill>
+              <a:schemeClr val="tx2"/>
+            </a:solidFill>
+            <a:headEnd type="arrow" w="med" len="med"/>
+            <a:tailEnd type="none" w="med" len="med"/>
+          </a:ln>
+        </p:spPr>
+        <p:style>
+          <a:lnRef idx="1">
+            <a:schemeClr val="accent1"/>
+          </a:lnRef>
+          <a:fillRef idx="0">
+            <a:schemeClr val="accent1"/>
+          </a:fillRef>
+          <a:effectRef idx="0">
+            <a:schemeClr val="accent1"/>
+          </a:effectRef>
+          <a:fontRef idx="minor">
+            <a:schemeClr val="tx1"/>
+          </a:fontRef>
+        </p:style>
+      </p:cxnSp>
+      <p:sp>
+        <p:nvSpPr>
+          <p:cNvPr id="107" name="모서리가 둥근 직사각형 44">
+            <a:extLst>
+              <a:ext uri="{FF2B5EF4-FFF2-40B4-BE49-F238E27FC236}">
+                <a16:creationId xmlns:a16="http://schemas.microsoft.com/office/drawing/2014/main" id="{2F79EFCE-08E2-4B12-A210-F714822ACF56}"/>
+              </a:ext>
+            </a:extLst>
+          </p:cNvPr>
+          <p:cNvSpPr/>
+          <p:nvPr/>
+        </p:nvSpPr>
+        <p:spPr>
+          <a:xfrm>
+            <a:off x="6876254" y="339502"/>
+            <a:ext cx="1584177" cy="720080"/>
+          </a:xfrm>
+          <a:prstGeom prst="roundRect">
+            <a:avLst>
+              <a:gd name="adj" fmla="val 6195"/>
+            </a:avLst>
+          </a:prstGeom>
+          <a:ln/>
+        </p:spPr>
+        <p:style>
+          <a:lnRef idx="2">
+            <a:schemeClr val="dk1"/>
+          </a:lnRef>
+          <a:fillRef idx="1">
+            <a:schemeClr val="lt1"/>
+          </a:fillRef>
+          <a:effectRef idx="0">
+            <a:schemeClr val="dk1"/>
+          </a:effectRef>
+          <a:fontRef idx="minor">
+            <a:schemeClr val="dk1"/>
+          </a:fontRef>
+        </p:style>
+        <p:txBody>
+          <a:bodyPr rtlCol="0" anchor="t"/>
+          <a:lstStyle/>
+          <a:p>
+            <a:pPr algn="ctr"/>
+            <a:r>
+              <a:rPr lang="en-US" altLang="ko-KR" sz="1400"/>
+              <a:t>Container D</a:t>
+            </a:r>
+          </a:p>
+          <a:p>
+            <a:pPr algn="ctr"/>
+            <a:r>
+              <a:rPr lang="en-US" altLang="ko-KR" sz="1400"/>
+              <a:t>192.167.3.11 </a:t>
+            </a:r>
+            <a:endParaRPr lang="ko-KR" altLang="en-US" sz="1400" dirty="0"/>
+          </a:p>
+        </p:txBody>
+      </p:sp>
+      <p:sp>
+        <p:nvSpPr>
+          <p:cNvPr id="108" name="모서리가 둥근 직사각형 44">
+            <a:extLst>
+              <a:ext uri="{FF2B5EF4-FFF2-40B4-BE49-F238E27FC236}">
+                <a16:creationId xmlns:a16="http://schemas.microsoft.com/office/drawing/2014/main" id="{11531E5B-7B00-45E4-BA5F-C0959A006622}"/>
+              </a:ext>
+            </a:extLst>
+          </p:cNvPr>
+          <p:cNvSpPr/>
+          <p:nvPr/>
+        </p:nvSpPr>
+        <p:spPr>
+          <a:xfrm>
+            <a:off x="7020270" y="829496"/>
+            <a:ext cx="1296144" cy="230086"/>
+          </a:xfrm>
+          <a:prstGeom prst="roundRect">
+            <a:avLst>
+              <a:gd name="adj" fmla="val 6195"/>
+            </a:avLst>
+          </a:prstGeom>
+          <a:ln/>
+        </p:spPr>
+        <p:style>
+          <a:lnRef idx="2">
+            <a:schemeClr val="dk1"/>
+          </a:lnRef>
+          <a:fillRef idx="1">
+            <a:schemeClr val="lt1"/>
+          </a:fillRef>
+          <a:effectRef idx="0">
+            <a:schemeClr val="dk1"/>
+          </a:effectRef>
+          <a:fontRef idx="minor">
+            <a:schemeClr val="dk1"/>
+          </a:fontRef>
+        </p:style>
+        <p:txBody>
+          <a:bodyPr rtlCol="0" anchor="ctr"/>
+          <a:lstStyle/>
+          <a:p>
+            <a:pPr algn="ctr"/>
+            <a:r>
+              <a:rPr lang="en-US" altLang="ko-KR" sz="1400" dirty="0" err="1"/>
+              <a:t>eth0</a:t>
+            </a:r>
+            <a:endParaRPr lang="ko-KR" altLang="en-US" sz="1400" dirty="0"/>
+          </a:p>
+        </p:txBody>
+      </p:sp>
+      <p:sp>
+        <p:nvSpPr>
+          <p:cNvPr id="109" name="모서리가 둥근 직사각형 44">
+            <a:extLst>
+              <a:ext uri="{FF2B5EF4-FFF2-40B4-BE49-F238E27FC236}">
+                <a16:creationId xmlns:a16="http://schemas.microsoft.com/office/drawing/2014/main" id="{FE62F91C-6144-4732-B1B7-D5FB3DF3FB1D}"/>
+              </a:ext>
+            </a:extLst>
+          </p:cNvPr>
+          <p:cNvSpPr/>
+          <p:nvPr/>
+        </p:nvSpPr>
+        <p:spPr>
+          <a:xfrm>
+            <a:off x="5226415" y="1165532"/>
+            <a:ext cx="1296144" cy="318512"/>
+          </a:xfrm>
+          <a:prstGeom prst="roundRect">
+            <a:avLst>
+              <a:gd name="adj" fmla="val 6195"/>
+            </a:avLst>
+          </a:prstGeom>
+          <a:ln/>
+        </p:spPr>
+        <p:style>
+          <a:lnRef idx="2">
+            <a:schemeClr val="dk1"/>
+          </a:lnRef>
+          <a:fillRef idx="1">
+            <a:schemeClr val="lt1"/>
+          </a:fillRef>
+          <a:effectRef idx="0">
+            <a:schemeClr val="dk1"/>
+          </a:effectRef>
+          <a:fontRef idx="minor">
+            <a:schemeClr val="dk1"/>
+          </a:fontRef>
+        </p:style>
+        <p:txBody>
+          <a:bodyPr rtlCol="0" anchor="ctr"/>
+          <a:lstStyle/>
+          <a:p>
+            <a:pPr algn="ctr"/>
+            <a:r>
+              <a:rPr lang="en-US" altLang="ko-KR" sz="1400"/>
+              <a:t>lxcxxxx</a:t>
+            </a:r>
+            <a:endParaRPr lang="ko-KR" altLang="en-US" sz="1400" dirty="0"/>
+          </a:p>
+        </p:txBody>
+      </p:sp>
+      <p:sp>
+        <p:nvSpPr>
+          <p:cNvPr id="110" name="모서리가 둥근 직사각형 44">
+            <a:extLst>
+              <a:ext uri="{FF2B5EF4-FFF2-40B4-BE49-F238E27FC236}">
+                <a16:creationId xmlns:a16="http://schemas.microsoft.com/office/drawing/2014/main" id="{EA9199CB-C3BD-425A-9D5A-4BCCF354B5BC}"/>
+              </a:ext>
+            </a:extLst>
+          </p:cNvPr>
+          <p:cNvSpPr/>
+          <p:nvPr/>
+        </p:nvSpPr>
+        <p:spPr>
+          <a:xfrm>
+            <a:off x="5226415" y="1479967"/>
+            <a:ext cx="1296144" cy="263120"/>
+          </a:xfrm>
+          <a:prstGeom prst="roundRect">
+            <a:avLst>
+              <a:gd name="adj" fmla="val 6195"/>
+            </a:avLst>
+          </a:prstGeom>
+          <a:solidFill>
+            <a:schemeClr val="bg1">
+              <a:lumMod val="85000"/>
+            </a:schemeClr>
+          </a:solidFill>
+          <a:ln/>
+        </p:spPr>
+        <p:style>
+          <a:lnRef idx="2">
+            <a:schemeClr val="dk1"/>
+          </a:lnRef>
+          <a:fillRef idx="1">
+            <a:schemeClr val="lt1"/>
+          </a:fillRef>
+          <a:effectRef idx="0">
+            <a:schemeClr val="dk1"/>
+          </a:effectRef>
+          <a:fontRef idx="minor">
+            <a:schemeClr val="dk1"/>
+          </a:fontRef>
+        </p:style>
+        <p:txBody>
+          <a:bodyPr rtlCol="0" anchor="ctr"/>
+          <a:lstStyle/>
+          <a:p>
+            <a:pPr algn="ctr"/>
+            <a:r>
+              <a:rPr lang="en-US" altLang="ko-KR" sz="1400"/>
+              <a:t>act ingress</a:t>
+            </a:r>
+            <a:endParaRPr lang="ko-KR" altLang="en-US" sz="1400" dirty="0"/>
+          </a:p>
+        </p:txBody>
+      </p:sp>
+      <p:sp>
+        <p:nvSpPr>
+          <p:cNvPr id="111" name="모서리가 둥근 직사각형 44">
+            <a:extLst>
+              <a:ext uri="{FF2B5EF4-FFF2-40B4-BE49-F238E27FC236}">
+                <a16:creationId xmlns:a16="http://schemas.microsoft.com/office/drawing/2014/main" id="{3CF88C0B-ED69-4D30-9872-17AD65A67D85}"/>
+              </a:ext>
+            </a:extLst>
+          </p:cNvPr>
+          <p:cNvSpPr/>
+          <p:nvPr/>
+        </p:nvSpPr>
+        <p:spPr>
+          <a:xfrm>
+            <a:off x="5082769" y="339502"/>
+            <a:ext cx="1584177" cy="720080"/>
+          </a:xfrm>
+          <a:prstGeom prst="roundRect">
+            <a:avLst>
+              <a:gd name="adj" fmla="val 6195"/>
+            </a:avLst>
+          </a:prstGeom>
+          <a:ln/>
+        </p:spPr>
+        <p:style>
+          <a:lnRef idx="2">
+            <a:schemeClr val="dk1"/>
+          </a:lnRef>
+          <a:fillRef idx="1">
+            <a:schemeClr val="lt1"/>
+          </a:fillRef>
+          <a:effectRef idx="0">
+            <a:schemeClr val="dk1"/>
+          </a:effectRef>
+          <a:fontRef idx="minor">
+            <a:schemeClr val="dk1"/>
+          </a:fontRef>
+        </p:style>
+        <p:txBody>
+          <a:bodyPr rtlCol="0" anchor="t"/>
+          <a:lstStyle/>
+          <a:p>
+            <a:pPr algn="ctr"/>
+            <a:r>
+              <a:rPr lang="en-US" altLang="ko-KR" sz="1400"/>
+              <a:t>Container C</a:t>
+            </a:r>
+          </a:p>
+          <a:p>
+            <a:pPr algn="ctr"/>
+            <a:r>
+              <a:rPr lang="en-US" altLang="ko-KR" sz="1400"/>
+              <a:t>192.167.3.10 </a:t>
+            </a:r>
+            <a:endParaRPr lang="ko-KR" altLang="en-US" sz="1400" dirty="0"/>
+          </a:p>
+        </p:txBody>
+      </p:sp>
+      <p:sp>
+        <p:nvSpPr>
+          <p:cNvPr id="112" name="모서리가 둥근 직사각형 44">
+            <a:extLst>
+              <a:ext uri="{FF2B5EF4-FFF2-40B4-BE49-F238E27FC236}">
+                <a16:creationId xmlns:a16="http://schemas.microsoft.com/office/drawing/2014/main" id="{F29586F1-128D-419C-BDA1-D5FAD157CB5A}"/>
+              </a:ext>
+            </a:extLst>
+          </p:cNvPr>
+          <p:cNvSpPr/>
+          <p:nvPr/>
+        </p:nvSpPr>
+        <p:spPr>
+          <a:xfrm>
+            <a:off x="5226785" y="829496"/>
+            <a:ext cx="1296144" cy="230086"/>
+          </a:xfrm>
+          <a:prstGeom prst="roundRect">
+            <a:avLst>
+              <a:gd name="adj" fmla="val 6195"/>
+            </a:avLst>
+          </a:prstGeom>
+          <a:ln/>
+        </p:spPr>
+        <p:style>
+          <a:lnRef idx="2">
+            <a:schemeClr val="dk1"/>
+          </a:lnRef>
+          <a:fillRef idx="1">
+            <a:schemeClr val="lt1"/>
+          </a:fillRef>
+          <a:effectRef idx="0">
+            <a:schemeClr val="dk1"/>
+          </a:effectRef>
+          <a:fontRef idx="minor">
+            <a:schemeClr val="dk1"/>
+          </a:fontRef>
+        </p:style>
+        <p:txBody>
+          <a:bodyPr rtlCol="0" anchor="ctr"/>
+          <a:lstStyle/>
+          <a:p>
+            <a:pPr algn="ctr"/>
+            <a:r>
+              <a:rPr lang="en-US" altLang="ko-KR" sz="1400" dirty="0" err="1"/>
+              <a:t>eth0</a:t>
+            </a:r>
+            <a:endParaRPr lang="ko-KR" altLang="en-US" sz="1400" dirty="0"/>
+          </a:p>
+        </p:txBody>
+      </p:sp>
+      <p:cxnSp>
+        <p:nvCxnSpPr>
+          <p:cNvPr id="113" name="직선 연결선 112">
+            <a:extLst>
+              <a:ext uri="{FF2B5EF4-FFF2-40B4-BE49-F238E27FC236}">
+                <a16:creationId xmlns:a16="http://schemas.microsoft.com/office/drawing/2014/main" id="{6D0959E5-76F5-4194-91F2-40A0C17D356A}"/>
+              </a:ext>
+            </a:extLst>
+          </p:cNvPr>
+          <p:cNvCxnSpPr>
+            <a:cxnSpLocks/>
+            <a:stCxn id="109" idx="3"/>
+            <a:endCxn id="90" idx="1"/>
+          </p:cNvCxnSpPr>
+          <p:nvPr/>
+        </p:nvCxnSpPr>
+        <p:spPr>
+          <a:xfrm>
+            <a:off x="6522559" y="1324788"/>
+            <a:ext cx="511088" cy="286739"/>
+          </a:xfrm>
+          <a:prstGeom prst="line">
+            <a:avLst/>
+          </a:prstGeom>
+          <a:ln w="19050">
+            <a:solidFill>
+              <a:schemeClr val="tx2"/>
+            </a:solidFill>
+            <a:headEnd type="arrow" w="med" len="med"/>
+            <a:tailEnd type="none" w="med" len="med"/>
+          </a:ln>
+        </p:spPr>
+        <p:style>
+          <a:lnRef idx="1">
+            <a:schemeClr val="accent1"/>
+          </a:lnRef>
+          <a:fillRef idx="0">
+            <a:schemeClr val="accent1"/>
+          </a:fillRef>
+          <a:effectRef idx="0">
+            <a:schemeClr val="accent1"/>
+          </a:effectRef>
+          <a:fontRef idx="minor">
+            <a:schemeClr val="tx1"/>
+          </a:fontRef>
+        </p:style>
+      </p:cxnSp>
+      <p:cxnSp>
+        <p:nvCxnSpPr>
+          <p:cNvPr id="114" name="직선 연결선 113">
+            <a:extLst>
+              <a:ext uri="{FF2B5EF4-FFF2-40B4-BE49-F238E27FC236}">
+                <a16:creationId xmlns:a16="http://schemas.microsoft.com/office/drawing/2014/main" id="{4005D4A9-713B-4712-8D2E-157ABBFCC746}"/>
+              </a:ext>
+            </a:extLst>
+          </p:cNvPr>
+          <p:cNvCxnSpPr>
+            <a:cxnSpLocks/>
+            <a:stCxn id="89" idx="1"/>
+            <a:endCxn id="110" idx="3"/>
+          </p:cNvCxnSpPr>
+          <p:nvPr/>
+        </p:nvCxnSpPr>
+        <p:spPr>
+          <a:xfrm flipH="1">
+            <a:off x="6522559" y="1324788"/>
+            <a:ext cx="511088" cy="286739"/>
+          </a:xfrm>
+          <a:prstGeom prst="line">
+            <a:avLst/>
+          </a:prstGeom>
+          <a:ln w="19050">
+            <a:solidFill>
+              <a:schemeClr val="tx2"/>
+            </a:solidFill>
+            <a:headEnd type="arrow" w="med" len="med"/>
+            <a:tailEnd type="none" w="med" len="med"/>
+          </a:ln>
+        </p:spPr>
+        <p:style>
+          <a:lnRef idx="1">
+            <a:schemeClr val="accent1"/>
+          </a:lnRef>
+          <a:fillRef idx="0">
+            <a:schemeClr val="accent1"/>
+          </a:fillRef>
+          <a:effectRef idx="0">
+            <a:schemeClr val="accent1"/>
+          </a:effectRef>
+          <a:fontRef idx="minor">
+            <a:schemeClr val="tx1"/>
+          </a:fontRef>
+        </p:style>
+      </p:cxnSp>
       <p:sp>
         <p:nvSpPr>
           <p:cNvPr id="135" name="자유형: 도형 134">
@@ -11117,8 +12988,8 @@
         </p:nvSpPr>
         <p:spPr>
           <a:xfrm>
-            <a:off x="2123728" y="1527682"/>
-            <a:ext cx="1859216" cy="1404111"/>
+            <a:off x="2123728" y="1239602"/>
+            <a:ext cx="1859216" cy="1692192"/>
           </a:xfrm>
           <a:custGeom>
             <a:avLst/>
@@ -11205,8 +13076,8 @@
         </p:nvSpPr>
         <p:spPr>
           <a:xfrm flipH="1">
-            <a:off x="5161055" y="1518664"/>
-            <a:ext cx="1872592" cy="1413124"/>
+            <a:off x="5149901" y="1239603"/>
+            <a:ext cx="1883746" cy="1692186"/>
           </a:xfrm>
           <a:custGeom>
             <a:avLst/>
@@ -11281,22 +13152,24 @@
       </p:sp>
       <p:cxnSp>
         <p:nvCxnSpPr>
-          <p:cNvPr id="142" name="직선 연결선 141">
+          <p:cNvPr id="115" name="직선 연결선 114">
             <a:extLst>
               <a:ext uri="{FF2B5EF4-FFF2-40B4-BE49-F238E27FC236}">
-                <a16:creationId xmlns:a16="http://schemas.microsoft.com/office/drawing/2014/main" id="{7DC7BC12-5D9E-4F4D-A24E-5E748082AF63}"/>
+                <a16:creationId xmlns:a16="http://schemas.microsoft.com/office/drawing/2014/main" id="{62874CCD-079F-4730-A2A0-C3FC83ABC0EB}"/>
               </a:ext>
             </a:extLst>
           </p:cNvPr>
           <p:cNvCxnSpPr>
             <a:cxnSpLocks/>
+            <a:stCxn id="2" idx="0"/>
+            <a:endCxn id="104" idx="1"/>
           </p:cNvCxnSpPr>
           <p:nvPr/>
         </p:nvCxnSpPr>
         <p:spPr>
-          <a:xfrm flipH="1">
-            <a:off x="4816990" y="4770094"/>
-            <a:ext cx="396277" cy="0"/>
+          <a:xfrm flipV="1">
+            <a:off x="2299367" y="1611527"/>
+            <a:ext cx="298440" cy="240147"/>
           </a:xfrm>
           <a:prstGeom prst="line">
             <a:avLst/>
@@ -11324,287 +13197,26 @@
           </a:fontRef>
         </p:style>
       </p:cxnSp>
-      <p:sp>
-        <p:nvSpPr>
-          <p:cNvPr id="147" name="모서리가 둥근 직사각형 44">
+      <p:cxnSp>
+        <p:nvCxnSpPr>
+          <p:cNvPr id="116" name="직선 연결선 115">
             <a:extLst>
               <a:ext uri="{FF2B5EF4-FFF2-40B4-BE49-F238E27FC236}">
-                <a16:creationId xmlns:a16="http://schemas.microsoft.com/office/drawing/2014/main" id="{93D3556A-89DF-4D7F-9305-9CA12DA46674}"/>
-              </a:ext>
-            </a:extLst>
-          </p:cNvPr>
-          <p:cNvSpPr/>
-          <p:nvPr/>
-        </p:nvSpPr>
-        <p:spPr>
-          <a:xfrm>
-            <a:off x="4614588" y="4659982"/>
-            <a:ext cx="3356356" cy="432048"/>
-          </a:xfrm>
-          <a:prstGeom prst="roundRect">
-            <a:avLst>
-              <a:gd name="adj" fmla="val 6195"/>
-            </a:avLst>
-          </a:prstGeom>
-          <a:noFill/>
-          <a:ln>
-            <a:noFill/>
-          </a:ln>
-        </p:spPr>
-        <p:style>
-          <a:lnRef idx="2">
-            <a:schemeClr val="dk1"/>
-          </a:lnRef>
-          <a:fillRef idx="1">
-            <a:schemeClr val="lt1"/>
-          </a:fillRef>
-          <a:effectRef idx="0">
-            <a:schemeClr val="dk1"/>
-          </a:effectRef>
-          <a:fontRef idx="minor">
-            <a:schemeClr val="dk1"/>
-          </a:fontRef>
-        </p:style>
-        <p:txBody>
-          <a:bodyPr rtlCol="0" anchor="ctr"/>
-          <a:lstStyle/>
-          <a:p>
-            <a:pPr marL="285750" indent="-285750">
-              <a:buFont typeface="Arial" pitchFamily="34" charset="0"/>
-              <a:buChar char="•"/>
-            </a:pPr>
-            <a:r>
-              <a:rPr lang="en-US" altLang="ko-KR" sz="1400"/>
-              <a:t>     Routing</a:t>
-            </a:r>
-            <a:endParaRPr lang="en-US" altLang="ko-KR" sz="1400" dirty="0"/>
-          </a:p>
-          <a:p>
-            <a:endParaRPr lang="ko-KR" altLang="en-US" sz="1400" dirty="0"/>
-          </a:p>
-        </p:txBody>
-      </p:sp>
-      <p:pic>
-        <p:nvPicPr>
-          <p:cNvPr id="81" name="Picture 2" descr="C:\Users\Tmax\Desktop\Network-Router-icon.png">
-            <a:extLst>
-              <a:ext uri="{FF2B5EF4-FFF2-40B4-BE49-F238E27FC236}">
-                <a16:creationId xmlns:a16="http://schemas.microsoft.com/office/drawing/2014/main" id="{FB097D89-3FC9-4911-BFC9-23F560405A63}"/>
-              </a:ext>
-            </a:extLst>
-          </p:cNvPr>
-          <p:cNvPicPr>
-            <a:picLocks noChangeAspect="1" noChangeArrowheads="1"/>
-          </p:cNvPicPr>
-          <p:nvPr/>
-        </p:nvPicPr>
-        <p:blipFill>
-          <a:blip r:embed="rId3" cstate="print">
-            <a:extLst>
-              <a:ext uri="{28A0092B-C50C-407E-A947-70E740481C1C}">
-                <a14:useLocalDpi xmlns:a14="http://schemas.microsoft.com/office/drawing/2010/main" val="0"/>
-              </a:ext>
-            </a:extLst>
-          </a:blip>
-          <a:srcRect/>
-          <a:stretch>
-            <a:fillRect/>
-          </a:stretch>
-        </p:blipFill>
-        <p:spPr bwMode="auto">
-          <a:xfrm>
-            <a:off x="4326449" y="3808408"/>
-            <a:ext cx="484191" cy="461791"/>
-          </a:xfrm>
-          <a:prstGeom prst="rect">
-            <a:avLst/>
-          </a:prstGeom>
-          <a:solidFill>
-            <a:schemeClr val="bg1"/>
-          </a:solidFill>
-        </p:spPr>
-      </p:pic>
-      <p:sp>
-        <p:nvSpPr>
-          <p:cNvPr id="82" name="모서리가 둥근 직사각형 44">
-            <a:extLst>
-              <a:ext uri="{FF2B5EF4-FFF2-40B4-BE49-F238E27FC236}">
-                <a16:creationId xmlns:a16="http://schemas.microsoft.com/office/drawing/2014/main" id="{6F1F7E58-0865-4A1C-BB45-186D154A5903}"/>
-              </a:ext>
-            </a:extLst>
-          </p:cNvPr>
-          <p:cNvSpPr/>
-          <p:nvPr/>
-        </p:nvSpPr>
-        <p:spPr>
-          <a:xfrm>
-            <a:off x="3859540" y="3564622"/>
-            <a:ext cx="1422750" cy="288032"/>
-          </a:xfrm>
-          <a:prstGeom prst="roundRect">
-            <a:avLst>
-              <a:gd name="adj" fmla="val 6195"/>
-            </a:avLst>
-          </a:prstGeom>
-          <a:noFill/>
-          <a:ln>
-            <a:noFill/>
-          </a:ln>
-        </p:spPr>
-        <p:style>
-          <a:lnRef idx="2">
-            <a:schemeClr val="dk1"/>
-          </a:lnRef>
-          <a:fillRef idx="1">
-            <a:schemeClr val="lt1"/>
-          </a:fillRef>
-          <a:effectRef idx="0">
-            <a:schemeClr val="dk1"/>
-          </a:effectRef>
-          <a:fontRef idx="minor">
-            <a:schemeClr val="dk1"/>
-          </a:fontRef>
-        </p:style>
-        <p:txBody>
-          <a:bodyPr rtlCol="0" anchor="ctr"/>
-          <a:lstStyle/>
-          <a:p>
-            <a:pPr algn="ctr"/>
-            <a:r>
-              <a:rPr lang="en-US" altLang="ko-KR" sz="1400" b="1"/>
-              <a:t>Router</a:t>
-            </a:r>
-            <a:endParaRPr lang="ko-KR" altLang="en-US" sz="1400" b="1" dirty="0"/>
-          </a:p>
-        </p:txBody>
-      </p:sp>
-      <p:sp>
-        <p:nvSpPr>
-          <p:cNvPr id="51" name="모서리가 둥근 직사각형 44">
-            <a:extLst>
-              <a:ext uri="{FF2B5EF4-FFF2-40B4-BE49-F238E27FC236}">
-                <a16:creationId xmlns:a16="http://schemas.microsoft.com/office/drawing/2014/main" id="{37B0EFA3-9BA2-40DF-A74C-BD9129400D01}"/>
-              </a:ext>
-            </a:extLst>
-          </p:cNvPr>
-          <p:cNvSpPr/>
-          <p:nvPr/>
-        </p:nvSpPr>
-        <p:spPr>
-          <a:xfrm>
-            <a:off x="2460378" y="3194101"/>
-            <a:ext cx="1593255" cy="288033"/>
-          </a:xfrm>
-          <a:prstGeom prst="roundRect">
-            <a:avLst>
-              <a:gd name="adj" fmla="val 6195"/>
-            </a:avLst>
-          </a:prstGeom>
-          <a:ln/>
-        </p:spPr>
-        <p:style>
-          <a:lnRef idx="2">
-            <a:schemeClr val="dk1"/>
-          </a:lnRef>
-          <a:fillRef idx="1">
-            <a:schemeClr val="lt1"/>
-          </a:fillRef>
-          <a:effectRef idx="0">
-            <a:schemeClr val="dk1"/>
-          </a:effectRef>
-          <a:fontRef idx="minor">
-            <a:schemeClr val="dk1"/>
-          </a:fontRef>
-        </p:style>
-        <p:txBody>
-          <a:bodyPr rtlCol="0" anchor="ctr"/>
-          <a:lstStyle/>
-          <a:p>
-            <a:pPr algn="ctr"/>
-            <a:r>
-              <a:rPr lang="en-US" altLang="ko-KR" sz="1400"/>
-              <a:t>cilium_host (veth)</a:t>
-            </a:r>
-            <a:endParaRPr lang="ko-KR" altLang="en-US" sz="1400" dirty="0"/>
-          </a:p>
-        </p:txBody>
-      </p:sp>
-      <p:sp>
-        <p:nvSpPr>
-          <p:cNvPr id="54" name="모서리가 둥근 직사각형 44">
-            <a:extLst>
-              <a:ext uri="{FF2B5EF4-FFF2-40B4-BE49-F238E27FC236}">
-                <a16:creationId xmlns:a16="http://schemas.microsoft.com/office/drawing/2014/main" id="{1E01D9A1-CB37-4E24-8120-0F10A3FB3D78}"/>
-              </a:ext>
-            </a:extLst>
-          </p:cNvPr>
-          <p:cNvSpPr/>
-          <p:nvPr/>
-        </p:nvSpPr>
-        <p:spPr>
-          <a:xfrm>
-            <a:off x="2460375" y="2931790"/>
-            <a:ext cx="1593280" cy="263120"/>
-          </a:xfrm>
-          <a:prstGeom prst="roundRect">
-            <a:avLst>
-              <a:gd name="adj" fmla="val 6195"/>
-            </a:avLst>
-          </a:prstGeom>
-          <a:solidFill>
-            <a:schemeClr val="bg1">
-              <a:lumMod val="85000"/>
-            </a:schemeClr>
-          </a:solidFill>
-          <a:ln/>
-        </p:spPr>
-        <p:style>
-          <a:lnRef idx="2">
-            <a:schemeClr val="dk1"/>
-          </a:lnRef>
-          <a:fillRef idx="1">
-            <a:schemeClr val="lt1"/>
-          </a:fillRef>
-          <a:effectRef idx="0">
-            <a:schemeClr val="dk1"/>
-          </a:effectRef>
-          <a:fontRef idx="minor">
-            <a:schemeClr val="dk1"/>
-          </a:fontRef>
-        </p:style>
-        <p:txBody>
-          <a:bodyPr rtlCol="0" anchor="ctr"/>
-          <a:lstStyle/>
-          <a:p>
-            <a:pPr algn="ctr"/>
-            <a:r>
-              <a:rPr lang="en-US" altLang="ko-KR" sz="1400"/>
-              <a:t>act engress</a:t>
-            </a:r>
-            <a:endParaRPr lang="ko-KR" altLang="en-US" sz="1400" dirty="0"/>
-          </a:p>
-        </p:txBody>
-      </p:sp>
-      <p:cxnSp>
-        <p:nvCxnSpPr>
-          <p:cNvPr id="56" name="직선 연결선 55">
-            <a:extLst>
-              <a:ext uri="{FF2B5EF4-FFF2-40B4-BE49-F238E27FC236}">
-                <a16:creationId xmlns:a16="http://schemas.microsoft.com/office/drawing/2014/main" id="{D490EA8D-3D36-48EA-B3FE-758B21C58AFC}"/>
+                <a16:creationId xmlns:a16="http://schemas.microsoft.com/office/drawing/2014/main" id="{8C4B1283-6BDF-4A36-95D0-9BF7E2731407}"/>
               </a:ext>
             </a:extLst>
           </p:cNvPr>
           <p:cNvCxnSpPr>
             <a:cxnSpLocks/>
-            <a:stCxn id="13" idx="1"/>
-            <a:endCxn id="2" idx="2"/>
+            <a:stCxn id="91" idx="0"/>
+            <a:endCxn id="110" idx="3"/>
           </p:cNvCxnSpPr>
           <p:nvPr/>
         </p:nvCxnSpPr>
         <p:spPr>
           <a:xfrm flipH="1" flipV="1">
-            <a:off x="2299367" y="2787779"/>
-            <a:ext cx="184401" cy="1260139"/>
+            <a:off x="6522559" y="1611527"/>
+            <a:ext cx="322073" cy="240147"/>
           </a:xfrm>
           <a:prstGeom prst="line">
             <a:avLst/>
@@ -11614,7 +13226,7 @@
               <a:schemeClr val="tx2"/>
             </a:solidFill>
             <a:headEnd type="arrow" w="med" len="med"/>
-            <a:tailEnd type="arrow" w="med" len="med"/>
+            <a:tailEnd type="none" w="med" len="med"/>
           </a:ln>
         </p:spPr>
         <p:style>
@@ -11632,143 +13244,34 @@
           </a:fontRef>
         </p:style>
       </p:cxnSp>
-      <p:sp>
-        <p:nvSpPr>
-          <p:cNvPr id="59" name="모서리가 둥근 직사각형 44">
+      <p:cxnSp>
+        <p:nvCxnSpPr>
+          <p:cNvPr id="119" name="직선 연결선 118">
             <a:extLst>
               <a:ext uri="{FF2B5EF4-FFF2-40B4-BE49-F238E27FC236}">
-                <a16:creationId xmlns:a16="http://schemas.microsoft.com/office/drawing/2014/main" id="{987033C6-F28B-40B7-808E-D574C9BC0F99}"/>
-              </a:ext>
-            </a:extLst>
-          </p:cNvPr>
-          <p:cNvSpPr/>
-          <p:nvPr/>
-        </p:nvSpPr>
-        <p:spPr>
-          <a:xfrm>
-            <a:off x="5086667" y="3194101"/>
-            <a:ext cx="1593255" cy="288033"/>
-          </a:xfrm>
-          <a:prstGeom prst="roundRect">
-            <a:avLst>
-              <a:gd name="adj" fmla="val 6195"/>
-            </a:avLst>
-          </a:prstGeom>
-          <a:ln/>
-        </p:spPr>
-        <p:style>
-          <a:lnRef idx="2">
-            <a:schemeClr val="dk1"/>
-          </a:lnRef>
-          <a:fillRef idx="1">
-            <a:schemeClr val="lt1"/>
-          </a:fillRef>
-          <a:effectRef idx="0">
-            <a:schemeClr val="dk1"/>
-          </a:effectRef>
-          <a:fontRef idx="minor">
-            <a:schemeClr val="dk1"/>
-          </a:fontRef>
-        </p:style>
-        <p:txBody>
-          <a:bodyPr rtlCol="0" anchor="ctr"/>
-          <a:lstStyle/>
-          <a:p>
-            <a:pPr algn="ctr"/>
-            <a:r>
-              <a:rPr lang="en-US" altLang="ko-KR" sz="1400"/>
-              <a:t>cilium_host (veth)</a:t>
-            </a:r>
-            <a:endParaRPr lang="ko-KR" altLang="en-US" sz="1400" dirty="0"/>
-          </a:p>
-        </p:txBody>
-      </p:sp>
-      <p:sp>
-        <p:nvSpPr>
-          <p:cNvPr id="61" name="모서리가 둥근 직사각형 44">
-            <a:extLst>
-              <a:ext uri="{FF2B5EF4-FFF2-40B4-BE49-F238E27FC236}">
-                <a16:creationId xmlns:a16="http://schemas.microsoft.com/office/drawing/2014/main" id="{1150529D-BC2D-4E1D-8133-FA651D96A89C}"/>
-              </a:ext>
-            </a:extLst>
-          </p:cNvPr>
-          <p:cNvSpPr/>
-          <p:nvPr/>
-        </p:nvSpPr>
-        <p:spPr>
-          <a:xfrm>
-            <a:off x="5086664" y="2931790"/>
-            <a:ext cx="1593280" cy="263120"/>
-          </a:xfrm>
-          <a:prstGeom prst="roundRect">
-            <a:avLst>
-              <a:gd name="adj" fmla="val 6195"/>
-            </a:avLst>
-          </a:prstGeom>
-          <a:solidFill>
-            <a:schemeClr val="bg1">
-              <a:lumMod val="85000"/>
-            </a:schemeClr>
-          </a:solidFill>
-          <a:ln/>
-        </p:spPr>
-        <p:style>
-          <a:lnRef idx="2">
-            <a:schemeClr val="dk1"/>
-          </a:lnRef>
-          <a:fillRef idx="1">
-            <a:schemeClr val="lt1"/>
-          </a:fillRef>
-          <a:effectRef idx="0">
-            <a:schemeClr val="dk1"/>
-          </a:effectRef>
-          <a:fontRef idx="minor">
-            <a:schemeClr val="dk1"/>
-          </a:fontRef>
-        </p:style>
-        <p:txBody>
-          <a:bodyPr rtlCol="0" anchor="ctr"/>
-          <a:lstStyle/>
-          <a:p>
-            <a:pPr algn="ctr"/>
-            <a:r>
-              <a:rPr lang="en-US" altLang="ko-KR" sz="1400"/>
-              <a:t>act engress</a:t>
-            </a:r>
-            <a:endParaRPr lang="ko-KR" altLang="en-US" sz="1400" dirty="0"/>
-          </a:p>
-        </p:txBody>
-      </p:sp>
-      <p:cxnSp>
-        <p:nvCxnSpPr>
-          <p:cNvPr id="64" name="직선 연결선 63">
-            <a:extLst>
-              <a:ext uri="{FF2B5EF4-FFF2-40B4-BE49-F238E27FC236}">
-                <a16:creationId xmlns:a16="http://schemas.microsoft.com/office/drawing/2014/main" id="{D20E4752-0515-4E2C-A8D8-8D7005EEC6D7}"/>
+                <a16:creationId xmlns:a16="http://schemas.microsoft.com/office/drawing/2014/main" id="{81FAEA47-9F2E-41DE-BD8C-9B16C6465929}"/>
               </a:ext>
             </a:extLst>
           </p:cNvPr>
           <p:cNvCxnSpPr>
             <a:cxnSpLocks/>
-            <a:stCxn id="21" idx="3"/>
-            <a:endCxn id="91" idx="2"/>
+            <a:stCxn id="112" idx="2"/>
+            <a:endCxn id="109" idx="0"/>
           </p:cNvCxnSpPr>
           <p:nvPr/>
         </p:nvCxnSpPr>
         <p:spPr>
-          <a:xfrm flipV="1">
-            <a:off x="6660232" y="2787779"/>
-            <a:ext cx="184400" cy="1260139"/>
+          <a:xfrm flipH="1">
+            <a:off x="5874487" y="1059582"/>
+            <a:ext cx="370" cy="105950"/>
           </a:xfrm>
           <a:prstGeom prst="line">
             <a:avLst/>
           </a:prstGeom>
           <a:ln w="19050">
             <a:solidFill>
-              <a:schemeClr val="tx2"/>
+              <a:schemeClr val="tx1"/>
             </a:solidFill>
-            <a:headEnd type="arrow" w="med" len="med"/>
-            <a:tailEnd type="arrow" w="med" len="med"/>
           </a:ln>
         </p:spPr>
         <p:style>
@@ -11800,6 +13303,3460 @@
 </file>
 
 <file path=ppt/slides/slide4.xml><?xml version="1.0" encoding="utf-8"?>
+<p:sld xmlns:a="http://schemas.openxmlformats.org/drawingml/2006/main" xmlns:r="http://schemas.openxmlformats.org/officeDocument/2006/relationships" xmlns:p="http://schemas.openxmlformats.org/presentationml/2006/main">
+  <p:cSld>
+    <p:spTree>
+      <p:nvGrpSpPr>
+        <p:cNvPr id="1" name=""/>
+        <p:cNvGrpSpPr/>
+        <p:nvPr/>
+      </p:nvGrpSpPr>
+      <p:grpSpPr>
+        <a:xfrm>
+          <a:off x="0" y="0"/>
+          <a:ext cx="0" cy="0"/>
+          <a:chOff x="0" y="0"/>
+          <a:chExt cx="0" cy="0"/>
+        </a:xfrm>
+      </p:grpSpPr>
+      <p:sp>
+        <p:nvSpPr>
+          <p:cNvPr id="6" name="제목 1"/>
+          <p:cNvSpPr>
+            <a:spLocks noGrp="1"/>
+          </p:cNvSpPr>
+          <p:nvPr>
+            <p:ph type="title"/>
+          </p:nvPr>
+        </p:nvSpPr>
+        <p:spPr>
+          <a:xfrm>
+            <a:off x="457200" y="-877788"/>
+            <a:ext cx="8229600" cy="857250"/>
+          </a:xfrm>
+        </p:spPr>
+        <p:txBody>
+          <a:bodyPr>
+            <a:normAutofit/>
+          </a:bodyPr>
+          <a:lstStyle/>
+          <a:p>
+            <a:r>
+              <a:rPr lang="en-US" altLang="ko-KR"/>
+              <a:t>Cilium Network with VXLAN</a:t>
+            </a:r>
+            <a:endParaRPr lang="ko-KR" altLang="en-US" dirty="0"/>
+          </a:p>
+        </p:txBody>
+      </p:sp>
+      <p:sp>
+        <p:nvSpPr>
+          <p:cNvPr id="3" name="모서리가 둥근 직사각형 44">
+            <a:extLst>
+              <a:ext uri="{FF2B5EF4-FFF2-40B4-BE49-F238E27FC236}">
+                <a16:creationId xmlns:a16="http://schemas.microsoft.com/office/drawing/2014/main" id="{2DBA49E2-5203-48AC-9D0B-4B3C58EE231E}"/>
+              </a:ext>
+            </a:extLst>
+          </p:cNvPr>
+          <p:cNvSpPr/>
+          <p:nvPr/>
+        </p:nvSpPr>
+        <p:spPr>
+          <a:xfrm>
+            <a:off x="611559" y="51471"/>
+            <a:ext cx="3888433" cy="4464496"/>
+          </a:xfrm>
+          <a:prstGeom prst="roundRect">
+            <a:avLst>
+              <a:gd name="adj" fmla="val 1946"/>
+            </a:avLst>
+          </a:prstGeom>
+          <a:ln/>
+        </p:spPr>
+        <p:style>
+          <a:lnRef idx="2">
+            <a:schemeClr val="dk1"/>
+          </a:lnRef>
+          <a:fillRef idx="1">
+            <a:schemeClr val="lt1"/>
+          </a:fillRef>
+          <a:effectRef idx="0">
+            <a:schemeClr val="dk1"/>
+          </a:effectRef>
+          <a:fontRef idx="minor">
+            <a:schemeClr val="dk1"/>
+          </a:fontRef>
+        </p:style>
+        <p:txBody>
+          <a:bodyPr rtlCol="0" anchor="b"/>
+          <a:lstStyle/>
+          <a:p>
+            <a:r>
+              <a:rPr lang="en-US" altLang="ko-KR" sz="1600" b="1"/>
+              <a:t>Host </a:t>
+            </a:r>
+            <a:r>
+              <a:rPr lang="en-US" altLang="ko-KR" sz="1600" b="1" dirty="0"/>
+              <a:t>1 </a:t>
+            </a:r>
+          </a:p>
+          <a:p>
+            <a:r>
+              <a:rPr lang="en-US" altLang="ko-KR" sz="1600" b="1"/>
+              <a:t>(192.167.2.0/24)</a:t>
+            </a:r>
+            <a:endParaRPr lang="ko-KR" altLang="en-US" sz="1600" b="1" dirty="0"/>
+          </a:p>
+        </p:txBody>
+      </p:sp>
+      <p:graphicFrame>
+        <p:nvGraphicFramePr>
+          <p:cNvPr id="2" name="표 1"/>
+          <p:cNvGraphicFramePr>
+            <a:graphicFrameLocks noGrp="1"/>
+          </p:cNvGraphicFramePr>
+          <p:nvPr/>
+        </p:nvGraphicFramePr>
+        <p:xfrm>
+          <a:off x="1010841" y="1635646"/>
+          <a:ext cx="3231599" cy="1248140"/>
+        </p:xfrm>
+        <a:graphic>
+          <a:graphicData uri="http://schemas.openxmlformats.org/drawingml/2006/table">
+            <a:tbl>
+              <a:tblPr firstRow="1" bandRow="1">
+                <a:tableStyleId>{2D5ABB26-0587-4C30-8999-92F81FD0307C}</a:tableStyleId>
+              </a:tblPr>
+              <a:tblGrid>
+                <a:gridCol w="1099964">
+                  <a:extLst>
+                    <a:ext uri="{9D8B030D-6E8A-4147-A177-3AD203B41FA5}">
+                      <a16:colId xmlns:a16="http://schemas.microsoft.com/office/drawing/2014/main" val="20000"/>
+                    </a:ext>
+                  </a:extLst>
+                </a:gridCol>
+                <a:gridCol w="1067971">
+                  <a:extLst>
+                    <a:ext uri="{9D8B030D-6E8A-4147-A177-3AD203B41FA5}">
+                      <a16:colId xmlns:a16="http://schemas.microsoft.com/office/drawing/2014/main" val="2132610268"/>
+                    </a:ext>
+                  </a:extLst>
+                </a:gridCol>
+                <a:gridCol w="1063664">
+                  <a:extLst>
+                    <a:ext uri="{9D8B030D-6E8A-4147-A177-3AD203B41FA5}">
+                      <a16:colId xmlns:a16="http://schemas.microsoft.com/office/drawing/2014/main" val="20001"/>
+                    </a:ext>
+                  </a:extLst>
+                </a:gridCol>
+              </a:tblGrid>
+              <a:tr h="312035">
+                <a:tc>
+                  <a:txBody>
+                    <a:bodyPr/>
+                    <a:lstStyle/>
+                    <a:p>
+                      <a:pPr latinLnBrk="1"/>
+                      <a:r>
+                        <a:rPr lang="en-US" altLang="ko-KR" sz="1100" dirty="0"/>
+                        <a:t>10.0.0.0/24</a:t>
+                      </a:r>
+                      <a:endParaRPr lang="ko-KR" altLang="en-US" sz="1100" dirty="0"/>
+                    </a:p>
+                  </a:txBody>
+                  <a:tcPr anchor="ctr">
+                    <a:lnL w="19050" cap="flat" cmpd="sng" algn="ctr">
+                      <a:solidFill>
+                        <a:schemeClr val="tx1"/>
+                      </a:solidFill>
+                      <a:prstDash val="solid"/>
+                      <a:round/>
+                      <a:headEnd type="none" w="med" len="med"/>
+                      <a:tailEnd type="none" w="med" len="med"/>
+                    </a:lnL>
+                    <a:lnR w="19050" cap="flat" cmpd="sng" algn="ctr">
+                      <a:solidFill>
+                        <a:schemeClr val="tx1"/>
+                      </a:solidFill>
+                      <a:prstDash val="solid"/>
+                      <a:round/>
+                      <a:headEnd type="none" w="med" len="med"/>
+                      <a:tailEnd type="none" w="med" len="med"/>
+                    </a:lnR>
+                    <a:lnT w="19050" cap="flat" cmpd="sng" algn="ctr">
+                      <a:solidFill>
+                        <a:schemeClr val="tx1"/>
+                      </a:solidFill>
+                      <a:prstDash val="solid"/>
+                      <a:round/>
+                      <a:headEnd type="none" w="med" len="med"/>
+                      <a:tailEnd type="none" w="med" len="med"/>
+                    </a:lnT>
+                    <a:lnB w="19050" cap="flat" cmpd="sng" algn="ctr">
+                      <a:solidFill>
+                        <a:schemeClr val="tx1"/>
+                      </a:solidFill>
+                      <a:prstDash val="solid"/>
+                      <a:round/>
+                      <a:headEnd type="none" w="med" len="med"/>
+                      <a:tailEnd type="none" w="med" len="med"/>
+                    </a:lnB>
+                  </a:tcPr>
+                </a:tc>
+                <a:tc>
+                  <a:txBody>
+                    <a:bodyPr/>
+                    <a:lstStyle/>
+                    <a:p>
+                      <a:pPr latinLnBrk="1"/>
+                      <a:r>
+                        <a:rPr lang="en-US" altLang="ko-KR" sz="1100"/>
+                        <a:t>10.0.0.1</a:t>
+                      </a:r>
+                      <a:endParaRPr lang="ko-KR" altLang="en-US" sz="1100" dirty="0"/>
+                    </a:p>
+                  </a:txBody>
+                  <a:tcPr anchor="ctr">
+                    <a:lnL w="19050" cap="flat" cmpd="sng" algn="ctr">
+                      <a:solidFill>
+                        <a:schemeClr val="tx1"/>
+                      </a:solidFill>
+                      <a:prstDash val="solid"/>
+                      <a:round/>
+                      <a:headEnd type="none" w="med" len="med"/>
+                      <a:tailEnd type="none" w="med" len="med"/>
+                    </a:lnL>
+                    <a:lnR w="19050" cap="flat" cmpd="sng" algn="ctr">
+                      <a:solidFill>
+                        <a:schemeClr val="tx1"/>
+                      </a:solidFill>
+                      <a:prstDash val="solid"/>
+                      <a:round/>
+                      <a:headEnd type="none" w="med" len="med"/>
+                      <a:tailEnd type="none" w="med" len="med"/>
+                    </a:lnR>
+                    <a:lnT w="19050" cap="flat" cmpd="sng" algn="ctr">
+                      <a:solidFill>
+                        <a:schemeClr val="tx1"/>
+                      </a:solidFill>
+                      <a:prstDash val="solid"/>
+                      <a:round/>
+                      <a:headEnd type="none" w="med" len="med"/>
+                      <a:tailEnd type="none" w="med" len="med"/>
+                    </a:lnT>
+                    <a:lnB w="19050" cap="flat" cmpd="sng" algn="ctr">
+                      <a:solidFill>
+                        <a:schemeClr val="tx1"/>
+                      </a:solidFill>
+                      <a:prstDash val="solid"/>
+                      <a:round/>
+                      <a:headEnd type="none" w="med" len="med"/>
+                      <a:tailEnd type="none" w="med" len="med"/>
+                    </a:lnB>
+                  </a:tcPr>
+                </a:tc>
+                <a:tc>
+                  <a:txBody>
+                    <a:bodyPr/>
+                    <a:lstStyle/>
+                    <a:p>
+                      <a:pPr latinLnBrk="1"/>
+                      <a:r>
+                        <a:rPr lang="en-US" altLang="ko-KR" sz="1100"/>
+                        <a:t>eth0</a:t>
+                      </a:r>
+                      <a:endParaRPr lang="ko-KR" altLang="en-US" sz="1100" dirty="0"/>
+                    </a:p>
+                  </a:txBody>
+                  <a:tcPr anchor="ctr">
+                    <a:lnL w="19050" cap="flat" cmpd="sng" algn="ctr">
+                      <a:solidFill>
+                        <a:schemeClr val="tx1"/>
+                      </a:solidFill>
+                      <a:prstDash val="solid"/>
+                      <a:round/>
+                      <a:headEnd type="none" w="med" len="med"/>
+                      <a:tailEnd type="none" w="med" len="med"/>
+                    </a:lnL>
+                    <a:lnR w="19050" cap="flat" cmpd="sng" algn="ctr">
+                      <a:solidFill>
+                        <a:schemeClr val="tx1"/>
+                      </a:solidFill>
+                      <a:prstDash val="solid"/>
+                      <a:round/>
+                      <a:headEnd type="none" w="med" len="med"/>
+                      <a:tailEnd type="none" w="med" len="med"/>
+                    </a:lnR>
+                    <a:lnT w="19050" cap="flat" cmpd="sng" algn="ctr">
+                      <a:solidFill>
+                        <a:schemeClr val="tx1"/>
+                      </a:solidFill>
+                      <a:prstDash val="solid"/>
+                      <a:round/>
+                      <a:headEnd type="none" w="med" len="med"/>
+                      <a:tailEnd type="none" w="med" len="med"/>
+                    </a:lnT>
+                    <a:lnB w="19050" cap="flat" cmpd="sng" algn="ctr">
+                      <a:solidFill>
+                        <a:schemeClr val="tx1"/>
+                      </a:solidFill>
+                      <a:prstDash val="solid"/>
+                      <a:round/>
+                      <a:headEnd type="none" w="med" len="med"/>
+                      <a:tailEnd type="none" w="med" len="med"/>
+                    </a:lnB>
+                  </a:tcPr>
+                </a:tc>
+                <a:extLst>
+                  <a:ext uri="{0D108BD9-81ED-4DB2-BD59-A6C34878D82A}">
+                    <a16:rowId xmlns:a16="http://schemas.microsoft.com/office/drawing/2014/main" val="10000"/>
+                  </a:ext>
+                </a:extLst>
+              </a:tr>
+              <a:tr h="312035">
+                <a:tc>
+                  <a:txBody>
+                    <a:bodyPr/>
+                    <a:lstStyle/>
+                    <a:p>
+                      <a:pPr latinLnBrk="1"/>
+                      <a:r>
+                        <a:rPr lang="en-US" altLang="ko-KR" sz="1100"/>
+                        <a:t>192.167.2.0/24</a:t>
+                      </a:r>
+                      <a:endParaRPr lang="ko-KR" altLang="en-US" sz="1100" dirty="0"/>
+                    </a:p>
+                  </a:txBody>
+                  <a:tcPr anchor="ctr">
+                    <a:lnL w="19050" cap="flat" cmpd="sng" algn="ctr">
+                      <a:solidFill>
+                        <a:schemeClr val="tx1"/>
+                      </a:solidFill>
+                      <a:prstDash val="solid"/>
+                      <a:round/>
+                      <a:headEnd type="none" w="med" len="med"/>
+                      <a:tailEnd type="none" w="med" len="med"/>
+                    </a:lnL>
+                    <a:lnR w="19050" cap="flat" cmpd="sng" algn="ctr">
+                      <a:solidFill>
+                        <a:schemeClr val="tx1"/>
+                      </a:solidFill>
+                      <a:prstDash val="solid"/>
+                      <a:round/>
+                      <a:headEnd type="none" w="med" len="med"/>
+                      <a:tailEnd type="none" w="med" len="med"/>
+                    </a:lnR>
+                    <a:lnT w="19050" cap="flat" cmpd="sng" algn="ctr">
+                      <a:solidFill>
+                        <a:schemeClr val="tx1"/>
+                      </a:solidFill>
+                      <a:prstDash val="solid"/>
+                      <a:round/>
+                      <a:headEnd type="none" w="med" len="med"/>
+                      <a:tailEnd type="none" w="med" len="med"/>
+                    </a:lnT>
+                    <a:lnB w="19050" cap="flat" cmpd="sng" algn="ctr">
+                      <a:solidFill>
+                        <a:schemeClr val="tx1"/>
+                      </a:solidFill>
+                      <a:prstDash val="solid"/>
+                      <a:round/>
+                      <a:headEnd type="none" w="med" len="med"/>
+                      <a:tailEnd type="none" w="med" len="med"/>
+                    </a:lnB>
+                  </a:tcPr>
+                </a:tc>
+                <a:tc>
+                  <a:txBody>
+                    <a:bodyPr/>
+                    <a:lstStyle/>
+                    <a:p>
+                      <a:pPr latinLnBrk="1"/>
+                      <a:r>
+                        <a:rPr lang="en-US" altLang="ko-KR" sz="1100"/>
+                        <a:t>192.167.2.1</a:t>
+                      </a:r>
+                      <a:endParaRPr lang="ko-KR" altLang="en-US" sz="1100" dirty="0"/>
+                    </a:p>
+                  </a:txBody>
+                  <a:tcPr anchor="ctr">
+                    <a:lnL w="19050" cap="flat" cmpd="sng" algn="ctr">
+                      <a:solidFill>
+                        <a:schemeClr val="tx1"/>
+                      </a:solidFill>
+                      <a:prstDash val="solid"/>
+                      <a:round/>
+                      <a:headEnd type="none" w="med" len="med"/>
+                      <a:tailEnd type="none" w="med" len="med"/>
+                    </a:lnL>
+                    <a:lnR w="19050" cap="flat" cmpd="sng" algn="ctr">
+                      <a:solidFill>
+                        <a:schemeClr val="tx1"/>
+                      </a:solidFill>
+                      <a:prstDash val="solid"/>
+                      <a:round/>
+                      <a:headEnd type="none" w="med" len="med"/>
+                      <a:tailEnd type="none" w="med" len="med"/>
+                    </a:lnR>
+                    <a:lnT w="19050" cap="flat" cmpd="sng" algn="ctr">
+                      <a:solidFill>
+                        <a:schemeClr val="tx1"/>
+                      </a:solidFill>
+                      <a:prstDash val="solid"/>
+                      <a:round/>
+                      <a:headEnd type="none" w="med" len="med"/>
+                      <a:tailEnd type="none" w="med" len="med"/>
+                    </a:lnT>
+                    <a:lnB w="19050" cap="flat" cmpd="sng" algn="ctr">
+                      <a:solidFill>
+                        <a:schemeClr val="tx1"/>
+                      </a:solidFill>
+                      <a:prstDash val="solid"/>
+                      <a:round/>
+                      <a:headEnd type="none" w="med" len="med"/>
+                      <a:tailEnd type="none" w="med" len="med"/>
+                    </a:lnB>
+                  </a:tcPr>
+                </a:tc>
+                <a:tc>
+                  <a:txBody>
+                    <a:bodyPr/>
+                    <a:lstStyle/>
+                    <a:p>
+                      <a:pPr latinLnBrk="1"/>
+                      <a:r>
+                        <a:rPr lang="en-US" altLang="ko-KR" sz="1100"/>
+                        <a:t>cilium_host</a:t>
+                      </a:r>
+                      <a:endParaRPr lang="ko-KR" altLang="en-US" sz="1100" dirty="0"/>
+                    </a:p>
+                  </a:txBody>
+                  <a:tcPr anchor="ctr">
+                    <a:lnL w="19050" cap="flat" cmpd="sng" algn="ctr">
+                      <a:solidFill>
+                        <a:schemeClr val="tx1"/>
+                      </a:solidFill>
+                      <a:prstDash val="solid"/>
+                      <a:round/>
+                      <a:headEnd type="none" w="med" len="med"/>
+                      <a:tailEnd type="none" w="med" len="med"/>
+                    </a:lnL>
+                    <a:lnR w="19050" cap="flat" cmpd="sng" algn="ctr">
+                      <a:solidFill>
+                        <a:schemeClr val="tx1"/>
+                      </a:solidFill>
+                      <a:prstDash val="solid"/>
+                      <a:round/>
+                      <a:headEnd type="none" w="med" len="med"/>
+                      <a:tailEnd type="none" w="med" len="med"/>
+                    </a:lnR>
+                    <a:lnT w="19050" cap="flat" cmpd="sng" algn="ctr">
+                      <a:solidFill>
+                        <a:schemeClr val="tx1"/>
+                      </a:solidFill>
+                      <a:prstDash val="solid"/>
+                      <a:round/>
+                      <a:headEnd type="none" w="med" len="med"/>
+                      <a:tailEnd type="none" w="med" len="med"/>
+                    </a:lnT>
+                    <a:lnB w="19050" cap="flat" cmpd="sng" algn="ctr">
+                      <a:solidFill>
+                        <a:schemeClr val="tx1"/>
+                      </a:solidFill>
+                      <a:prstDash val="solid"/>
+                      <a:round/>
+                      <a:headEnd type="none" w="med" len="med"/>
+                      <a:tailEnd type="none" w="med" len="med"/>
+                    </a:lnB>
+                  </a:tcPr>
+                </a:tc>
+                <a:extLst>
+                  <a:ext uri="{0D108BD9-81ED-4DB2-BD59-A6C34878D82A}">
+                    <a16:rowId xmlns:a16="http://schemas.microsoft.com/office/drawing/2014/main" val="622497528"/>
+                  </a:ext>
+                </a:extLst>
+              </a:tr>
+              <a:tr h="312035">
+                <a:tc>
+                  <a:txBody>
+                    <a:bodyPr/>
+                    <a:lstStyle/>
+                    <a:p>
+                      <a:pPr latinLnBrk="1"/>
+                      <a:r>
+                        <a:rPr lang="en-US" altLang="ko-KR" sz="1100"/>
+                        <a:t>192.167.3.0/24</a:t>
+                      </a:r>
+                      <a:endParaRPr lang="ko-KR" altLang="en-US" sz="1100" dirty="0"/>
+                    </a:p>
+                  </a:txBody>
+                  <a:tcPr anchor="ctr">
+                    <a:lnL w="19050" cap="flat" cmpd="sng" algn="ctr">
+                      <a:solidFill>
+                        <a:schemeClr val="tx1"/>
+                      </a:solidFill>
+                      <a:prstDash val="solid"/>
+                      <a:round/>
+                      <a:headEnd type="none" w="med" len="med"/>
+                      <a:tailEnd type="none" w="med" len="med"/>
+                    </a:lnL>
+                    <a:lnR w="19050" cap="flat" cmpd="sng" algn="ctr">
+                      <a:solidFill>
+                        <a:schemeClr val="tx1"/>
+                      </a:solidFill>
+                      <a:prstDash val="solid"/>
+                      <a:round/>
+                      <a:headEnd type="none" w="med" len="med"/>
+                      <a:tailEnd type="none" w="med" len="med"/>
+                    </a:lnR>
+                    <a:lnT w="19050" cap="flat" cmpd="sng" algn="ctr">
+                      <a:solidFill>
+                        <a:schemeClr val="tx1"/>
+                      </a:solidFill>
+                      <a:prstDash val="solid"/>
+                      <a:round/>
+                      <a:headEnd type="none" w="med" len="med"/>
+                      <a:tailEnd type="none" w="med" len="med"/>
+                    </a:lnT>
+                    <a:lnB w="19050" cap="flat" cmpd="sng" algn="ctr">
+                      <a:solidFill>
+                        <a:schemeClr val="tx1"/>
+                      </a:solidFill>
+                      <a:prstDash val="solid"/>
+                      <a:round/>
+                      <a:headEnd type="none" w="med" len="med"/>
+                      <a:tailEnd type="none" w="med" len="med"/>
+                    </a:lnB>
+                  </a:tcPr>
+                </a:tc>
+                <a:tc>
+                  <a:txBody>
+                    <a:bodyPr/>
+                    <a:lstStyle/>
+                    <a:p>
+                      <a:pPr latinLnBrk="1"/>
+                      <a:r>
+                        <a:rPr lang="en-US" altLang="ko-KR" sz="1100"/>
+                        <a:t>192.167.2.1</a:t>
+                      </a:r>
+                      <a:endParaRPr lang="ko-KR" altLang="en-US" sz="1100" dirty="0"/>
+                    </a:p>
+                  </a:txBody>
+                  <a:tcPr anchor="ctr">
+                    <a:lnL w="19050" cap="flat" cmpd="sng" algn="ctr">
+                      <a:solidFill>
+                        <a:schemeClr val="tx1"/>
+                      </a:solidFill>
+                      <a:prstDash val="solid"/>
+                      <a:round/>
+                      <a:headEnd type="none" w="med" len="med"/>
+                      <a:tailEnd type="none" w="med" len="med"/>
+                    </a:lnL>
+                    <a:lnR w="19050" cap="flat" cmpd="sng" algn="ctr">
+                      <a:solidFill>
+                        <a:schemeClr val="tx1"/>
+                      </a:solidFill>
+                      <a:prstDash val="solid"/>
+                      <a:round/>
+                      <a:headEnd type="none" w="med" len="med"/>
+                      <a:tailEnd type="none" w="med" len="med"/>
+                    </a:lnR>
+                    <a:lnT w="19050" cap="flat" cmpd="sng" algn="ctr">
+                      <a:solidFill>
+                        <a:schemeClr val="tx1"/>
+                      </a:solidFill>
+                      <a:prstDash val="solid"/>
+                      <a:round/>
+                      <a:headEnd type="none" w="med" len="med"/>
+                      <a:tailEnd type="none" w="med" len="med"/>
+                    </a:lnT>
+                    <a:lnB w="19050" cap="flat" cmpd="sng" algn="ctr">
+                      <a:solidFill>
+                        <a:schemeClr val="tx1"/>
+                      </a:solidFill>
+                      <a:prstDash val="solid"/>
+                      <a:round/>
+                      <a:headEnd type="none" w="med" len="med"/>
+                      <a:tailEnd type="none" w="med" len="med"/>
+                    </a:lnB>
+                  </a:tcPr>
+                </a:tc>
+                <a:tc>
+                  <a:txBody>
+                    <a:bodyPr/>
+                    <a:lstStyle/>
+                    <a:p>
+                      <a:pPr latinLnBrk="1"/>
+                      <a:r>
+                        <a:rPr lang="en-US" altLang="ko-KR" sz="1100"/>
+                        <a:t>cilium_host</a:t>
+                      </a:r>
+                      <a:endParaRPr lang="ko-KR" altLang="en-US" sz="1100" dirty="0"/>
+                    </a:p>
+                  </a:txBody>
+                  <a:tcPr anchor="ctr">
+                    <a:lnL w="19050" cap="flat" cmpd="sng" algn="ctr">
+                      <a:solidFill>
+                        <a:schemeClr val="tx1"/>
+                      </a:solidFill>
+                      <a:prstDash val="solid"/>
+                      <a:round/>
+                      <a:headEnd type="none" w="med" len="med"/>
+                      <a:tailEnd type="none" w="med" len="med"/>
+                    </a:lnL>
+                    <a:lnR w="19050" cap="flat" cmpd="sng" algn="ctr">
+                      <a:solidFill>
+                        <a:schemeClr val="tx1"/>
+                      </a:solidFill>
+                      <a:prstDash val="solid"/>
+                      <a:round/>
+                      <a:headEnd type="none" w="med" len="med"/>
+                      <a:tailEnd type="none" w="med" len="med"/>
+                    </a:lnR>
+                    <a:lnT w="19050" cap="flat" cmpd="sng" algn="ctr">
+                      <a:solidFill>
+                        <a:schemeClr val="tx1"/>
+                      </a:solidFill>
+                      <a:prstDash val="solid"/>
+                      <a:round/>
+                      <a:headEnd type="none" w="med" len="med"/>
+                      <a:tailEnd type="none" w="med" len="med"/>
+                    </a:lnT>
+                    <a:lnB w="19050" cap="flat" cmpd="sng" algn="ctr">
+                      <a:solidFill>
+                        <a:schemeClr val="tx1"/>
+                      </a:solidFill>
+                      <a:prstDash val="solid"/>
+                      <a:round/>
+                      <a:headEnd type="none" w="med" len="med"/>
+                      <a:tailEnd type="none" w="med" len="med"/>
+                    </a:lnB>
+                  </a:tcPr>
+                </a:tc>
+                <a:extLst>
+                  <a:ext uri="{0D108BD9-81ED-4DB2-BD59-A6C34878D82A}">
+                    <a16:rowId xmlns:a16="http://schemas.microsoft.com/office/drawing/2014/main" val="10001"/>
+                  </a:ext>
+                </a:extLst>
+              </a:tr>
+              <a:tr h="312035">
+                <a:tc>
+                  <a:txBody>
+                    <a:bodyPr/>
+                    <a:lstStyle/>
+                    <a:p>
+                      <a:pPr latinLnBrk="1"/>
+                      <a:r>
+                        <a:rPr lang="en-US" altLang="ko-KR" sz="1100"/>
+                        <a:t>192.167.2.1/32</a:t>
+                      </a:r>
+                      <a:endParaRPr lang="ko-KR" altLang="en-US" sz="1100" dirty="0"/>
+                    </a:p>
+                  </a:txBody>
+                  <a:tcPr anchor="ctr">
+                    <a:lnL w="19050" cap="flat" cmpd="sng" algn="ctr">
+                      <a:solidFill>
+                        <a:schemeClr val="tx1"/>
+                      </a:solidFill>
+                      <a:prstDash val="solid"/>
+                      <a:round/>
+                      <a:headEnd type="none" w="med" len="med"/>
+                      <a:tailEnd type="none" w="med" len="med"/>
+                    </a:lnL>
+                    <a:lnR w="19050" cap="flat" cmpd="sng" algn="ctr">
+                      <a:solidFill>
+                        <a:schemeClr val="tx1"/>
+                      </a:solidFill>
+                      <a:prstDash val="solid"/>
+                      <a:round/>
+                      <a:headEnd type="none" w="med" len="med"/>
+                      <a:tailEnd type="none" w="med" len="med"/>
+                    </a:lnR>
+                    <a:lnT w="19050" cap="flat" cmpd="sng" algn="ctr">
+                      <a:solidFill>
+                        <a:schemeClr val="tx1"/>
+                      </a:solidFill>
+                      <a:prstDash val="solid"/>
+                      <a:round/>
+                      <a:headEnd type="none" w="med" len="med"/>
+                      <a:tailEnd type="none" w="med" len="med"/>
+                    </a:lnT>
+                    <a:lnB w="19050" cap="flat" cmpd="sng" algn="ctr">
+                      <a:solidFill>
+                        <a:schemeClr val="tx1"/>
+                      </a:solidFill>
+                      <a:prstDash val="solid"/>
+                      <a:round/>
+                      <a:headEnd type="none" w="med" len="med"/>
+                      <a:tailEnd type="none" w="med" len="med"/>
+                    </a:lnB>
+                  </a:tcPr>
+                </a:tc>
+                <a:tc>
+                  <a:txBody>
+                    <a:bodyPr/>
+                    <a:lstStyle/>
+                    <a:p>
+                      <a:pPr latinLnBrk="1"/>
+                      <a:r>
+                        <a:rPr lang="en-US" altLang="ko-KR" sz="1100"/>
+                        <a:t>0.0.0.0</a:t>
+                      </a:r>
+                      <a:endParaRPr lang="ko-KR" altLang="en-US" sz="1100" dirty="0"/>
+                    </a:p>
+                  </a:txBody>
+                  <a:tcPr anchor="ctr">
+                    <a:lnL w="19050" cap="flat" cmpd="sng" algn="ctr">
+                      <a:solidFill>
+                        <a:schemeClr val="tx1"/>
+                      </a:solidFill>
+                      <a:prstDash val="solid"/>
+                      <a:round/>
+                      <a:headEnd type="none" w="med" len="med"/>
+                      <a:tailEnd type="none" w="med" len="med"/>
+                    </a:lnL>
+                    <a:lnR w="19050" cap="flat" cmpd="sng" algn="ctr">
+                      <a:solidFill>
+                        <a:schemeClr val="tx1"/>
+                      </a:solidFill>
+                      <a:prstDash val="solid"/>
+                      <a:round/>
+                      <a:headEnd type="none" w="med" len="med"/>
+                      <a:tailEnd type="none" w="med" len="med"/>
+                    </a:lnR>
+                    <a:lnT w="19050" cap="flat" cmpd="sng" algn="ctr">
+                      <a:solidFill>
+                        <a:schemeClr val="tx1"/>
+                      </a:solidFill>
+                      <a:prstDash val="solid"/>
+                      <a:round/>
+                      <a:headEnd type="none" w="med" len="med"/>
+                      <a:tailEnd type="none" w="med" len="med"/>
+                    </a:lnT>
+                    <a:lnB w="19050" cap="flat" cmpd="sng" algn="ctr">
+                      <a:solidFill>
+                        <a:schemeClr val="tx1"/>
+                      </a:solidFill>
+                      <a:prstDash val="solid"/>
+                      <a:round/>
+                      <a:headEnd type="none" w="med" len="med"/>
+                      <a:tailEnd type="none" w="med" len="med"/>
+                    </a:lnB>
+                  </a:tcPr>
+                </a:tc>
+                <a:tc>
+                  <a:txBody>
+                    <a:bodyPr/>
+                    <a:lstStyle/>
+                    <a:p>
+                      <a:pPr latinLnBrk="1"/>
+                      <a:r>
+                        <a:rPr lang="en-US" altLang="ko-KR" sz="1100"/>
+                        <a:t>cilium_host</a:t>
+                      </a:r>
+                      <a:endParaRPr lang="ko-KR" altLang="en-US" sz="1100" dirty="0"/>
+                    </a:p>
+                  </a:txBody>
+                  <a:tcPr anchor="ctr">
+                    <a:lnL w="19050" cap="flat" cmpd="sng" algn="ctr">
+                      <a:solidFill>
+                        <a:schemeClr val="tx1"/>
+                      </a:solidFill>
+                      <a:prstDash val="solid"/>
+                      <a:round/>
+                      <a:headEnd type="none" w="med" len="med"/>
+                      <a:tailEnd type="none" w="med" len="med"/>
+                    </a:lnL>
+                    <a:lnR w="19050" cap="flat" cmpd="sng" algn="ctr">
+                      <a:solidFill>
+                        <a:schemeClr val="tx1"/>
+                      </a:solidFill>
+                      <a:prstDash val="solid"/>
+                      <a:round/>
+                      <a:headEnd type="none" w="med" len="med"/>
+                      <a:tailEnd type="none" w="med" len="med"/>
+                    </a:lnR>
+                    <a:lnT w="19050" cap="flat" cmpd="sng" algn="ctr">
+                      <a:solidFill>
+                        <a:schemeClr val="tx1"/>
+                      </a:solidFill>
+                      <a:prstDash val="solid"/>
+                      <a:round/>
+                      <a:headEnd type="none" w="med" len="med"/>
+                      <a:tailEnd type="none" w="med" len="med"/>
+                    </a:lnT>
+                    <a:lnB w="19050" cap="flat" cmpd="sng" algn="ctr">
+                      <a:solidFill>
+                        <a:schemeClr val="tx1"/>
+                      </a:solidFill>
+                      <a:prstDash val="solid"/>
+                      <a:round/>
+                      <a:headEnd type="none" w="med" len="med"/>
+                      <a:tailEnd type="none" w="med" len="med"/>
+                    </a:lnB>
+                  </a:tcPr>
+                </a:tc>
+                <a:extLst>
+                  <a:ext uri="{0D108BD9-81ED-4DB2-BD59-A6C34878D82A}">
+                    <a16:rowId xmlns:a16="http://schemas.microsoft.com/office/drawing/2014/main" val="10002"/>
+                  </a:ext>
+                </a:extLst>
+              </a:tr>
+            </a:tbl>
+          </a:graphicData>
+        </a:graphic>
+      </p:graphicFrame>
+      <p:sp>
+        <p:nvSpPr>
+          <p:cNvPr id="13" name="모서리가 둥근 직사각형 44">
+            <a:extLst>
+              <a:ext uri="{FF2B5EF4-FFF2-40B4-BE49-F238E27FC236}">
+                <a16:creationId xmlns:a16="http://schemas.microsoft.com/office/drawing/2014/main" id="{2DBA49E2-5203-48AC-9D0B-4B3C58EE231E}"/>
+              </a:ext>
+            </a:extLst>
+          </p:cNvPr>
+          <p:cNvSpPr/>
+          <p:nvPr/>
+        </p:nvSpPr>
+        <p:spPr>
+          <a:xfrm>
+            <a:off x="2979627" y="3876680"/>
+            <a:ext cx="1422749" cy="360040"/>
+          </a:xfrm>
+          <a:prstGeom prst="roundRect">
+            <a:avLst>
+              <a:gd name="adj" fmla="val 6195"/>
+            </a:avLst>
+          </a:prstGeom>
+          <a:ln/>
+        </p:spPr>
+        <p:style>
+          <a:lnRef idx="2">
+            <a:schemeClr val="dk1"/>
+          </a:lnRef>
+          <a:fillRef idx="1">
+            <a:schemeClr val="lt1"/>
+          </a:fillRef>
+          <a:effectRef idx="0">
+            <a:schemeClr val="dk1"/>
+          </a:effectRef>
+          <a:fontRef idx="minor">
+            <a:schemeClr val="dk1"/>
+          </a:fontRef>
+        </p:style>
+        <p:txBody>
+          <a:bodyPr rtlCol="0" anchor="ctr"/>
+          <a:lstStyle/>
+          <a:p>
+            <a:pPr algn="ctr"/>
+            <a:r>
+              <a:rPr lang="en-US" altLang="ko-KR" sz="1400" dirty="0" err="1"/>
+              <a:t>eth0</a:t>
+            </a:r>
+            <a:endParaRPr lang="ko-KR" altLang="en-US" sz="1400" dirty="0"/>
+          </a:p>
+        </p:txBody>
+      </p:sp>
+      <p:cxnSp>
+        <p:nvCxnSpPr>
+          <p:cNvPr id="23" name="직선 연결선 22"/>
+          <p:cNvCxnSpPr>
+            <a:cxnSpLocks/>
+            <a:endCxn id="13" idx="3"/>
+          </p:cNvCxnSpPr>
+          <p:nvPr/>
+        </p:nvCxnSpPr>
+        <p:spPr>
+          <a:xfrm flipH="1">
+            <a:off x="4402376" y="4056700"/>
+            <a:ext cx="318512" cy="0"/>
+          </a:xfrm>
+          <a:prstGeom prst="line">
+            <a:avLst/>
+          </a:prstGeom>
+          <a:ln w="19050">
+            <a:solidFill>
+              <a:schemeClr val="tx1"/>
+            </a:solidFill>
+            <a:prstDash val="solid"/>
+          </a:ln>
+        </p:spPr>
+        <p:style>
+          <a:lnRef idx="1">
+            <a:schemeClr val="accent1"/>
+          </a:lnRef>
+          <a:fillRef idx="0">
+            <a:schemeClr val="accent1"/>
+          </a:fillRef>
+          <a:effectRef idx="0">
+            <a:schemeClr val="accent1"/>
+          </a:effectRef>
+          <a:fontRef idx="minor">
+            <a:schemeClr val="tx1"/>
+          </a:fontRef>
+        </p:style>
+      </p:cxnSp>
+      <p:sp>
+        <p:nvSpPr>
+          <p:cNvPr id="27" name="모서리가 둥근 직사각형 44">
+            <a:extLst>
+              <a:ext uri="{FF2B5EF4-FFF2-40B4-BE49-F238E27FC236}">
+                <a16:creationId xmlns:a16="http://schemas.microsoft.com/office/drawing/2014/main" id="{2DBA49E2-5203-48AC-9D0B-4B3C58EE231E}"/>
+              </a:ext>
+            </a:extLst>
+          </p:cNvPr>
+          <p:cNvSpPr/>
+          <p:nvPr/>
+        </p:nvSpPr>
+        <p:spPr>
+          <a:xfrm>
+            <a:off x="2843808" y="4227934"/>
+            <a:ext cx="1676975" cy="288032"/>
+          </a:xfrm>
+          <a:prstGeom prst="roundRect">
+            <a:avLst>
+              <a:gd name="adj" fmla="val 6195"/>
+            </a:avLst>
+          </a:prstGeom>
+          <a:noFill/>
+          <a:ln>
+            <a:noFill/>
+          </a:ln>
+        </p:spPr>
+        <p:style>
+          <a:lnRef idx="2">
+            <a:schemeClr val="dk1"/>
+          </a:lnRef>
+          <a:fillRef idx="1">
+            <a:schemeClr val="lt1"/>
+          </a:fillRef>
+          <a:effectRef idx="0">
+            <a:schemeClr val="dk1"/>
+          </a:effectRef>
+          <a:fontRef idx="minor">
+            <a:schemeClr val="dk1"/>
+          </a:fontRef>
+        </p:style>
+        <p:txBody>
+          <a:bodyPr rtlCol="0" anchor="ctr"/>
+          <a:lstStyle/>
+          <a:p>
+            <a:pPr algn="ctr"/>
+            <a:r>
+              <a:rPr lang="en-US" altLang="ko-KR" sz="1400" dirty="0"/>
+              <a:t>10.0.0.20</a:t>
+            </a:r>
+            <a:endParaRPr lang="ko-KR" altLang="en-US" sz="1400" dirty="0"/>
+          </a:p>
+        </p:txBody>
+      </p:sp>
+      <p:sp>
+        <p:nvSpPr>
+          <p:cNvPr id="30" name="모서리가 둥근 직사각형 44">
+            <a:extLst>
+              <a:ext uri="{FF2B5EF4-FFF2-40B4-BE49-F238E27FC236}">
+                <a16:creationId xmlns:a16="http://schemas.microsoft.com/office/drawing/2014/main" id="{2DBA49E2-5203-48AC-9D0B-4B3C58EE231E}"/>
+              </a:ext>
+            </a:extLst>
+          </p:cNvPr>
+          <p:cNvSpPr/>
+          <p:nvPr/>
+        </p:nvSpPr>
+        <p:spPr>
+          <a:xfrm>
+            <a:off x="4530472" y="4227934"/>
+            <a:ext cx="1676975" cy="288032"/>
+          </a:xfrm>
+          <a:prstGeom prst="roundRect">
+            <a:avLst>
+              <a:gd name="adj" fmla="val 6195"/>
+            </a:avLst>
+          </a:prstGeom>
+          <a:noFill/>
+          <a:ln>
+            <a:noFill/>
+          </a:ln>
+        </p:spPr>
+        <p:style>
+          <a:lnRef idx="2">
+            <a:schemeClr val="dk1"/>
+          </a:lnRef>
+          <a:fillRef idx="1">
+            <a:schemeClr val="lt1"/>
+          </a:fillRef>
+          <a:effectRef idx="0">
+            <a:schemeClr val="dk1"/>
+          </a:effectRef>
+          <a:fontRef idx="minor">
+            <a:schemeClr val="dk1"/>
+          </a:fontRef>
+        </p:style>
+        <p:txBody>
+          <a:bodyPr rtlCol="0" anchor="ctr"/>
+          <a:lstStyle/>
+          <a:p>
+            <a:pPr algn="ctr"/>
+            <a:r>
+              <a:rPr lang="en-US" altLang="ko-KR" sz="1400" dirty="0"/>
+              <a:t>10.0.0.30</a:t>
+            </a:r>
+            <a:endParaRPr lang="ko-KR" altLang="en-US" sz="1400" dirty="0"/>
+          </a:p>
+        </p:txBody>
+      </p:sp>
+      <p:sp>
+        <p:nvSpPr>
+          <p:cNvPr id="31" name="모서리가 둥근 직사각형 44">
+            <a:extLst>
+              <a:ext uri="{FF2B5EF4-FFF2-40B4-BE49-F238E27FC236}">
+                <a16:creationId xmlns:a16="http://schemas.microsoft.com/office/drawing/2014/main" id="{2DBA49E2-5203-48AC-9D0B-4B3C58EE231E}"/>
+              </a:ext>
+            </a:extLst>
+          </p:cNvPr>
+          <p:cNvSpPr/>
+          <p:nvPr/>
+        </p:nvSpPr>
+        <p:spPr>
+          <a:xfrm>
+            <a:off x="567572" y="4587974"/>
+            <a:ext cx="3356356" cy="432048"/>
+          </a:xfrm>
+          <a:prstGeom prst="roundRect">
+            <a:avLst>
+              <a:gd name="adj" fmla="val 6195"/>
+            </a:avLst>
+          </a:prstGeom>
+          <a:noFill/>
+          <a:ln>
+            <a:noFill/>
+          </a:ln>
+        </p:spPr>
+        <p:style>
+          <a:lnRef idx="2">
+            <a:schemeClr val="dk1"/>
+          </a:lnRef>
+          <a:fillRef idx="1">
+            <a:schemeClr val="lt1"/>
+          </a:fillRef>
+          <a:effectRef idx="0">
+            <a:schemeClr val="dk1"/>
+          </a:effectRef>
+          <a:fontRef idx="minor">
+            <a:schemeClr val="dk1"/>
+          </a:fontRef>
+        </p:style>
+        <p:txBody>
+          <a:bodyPr rtlCol="0" anchor="ctr"/>
+          <a:lstStyle/>
+          <a:p>
+            <a:pPr marL="285750" indent="-285750">
+              <a:buFont typeface="Arial" pitchFamily="34" charset="0"/>
+              <a:buChar char="•"/>
+            </a:pPr>
+            <a:r>
+              <a:rPr lang="en-US" altLang="ko-KR" sz="1400"/>
+              <a:t>Host </a:t>
+            </a:r>
+            <a:r>
+              <a:rPr lang="en-US" altLang="ko-KR" sz="1400" dirty="0"/>
+              <a:t>Network : 10.0.0.0/24</a:t>
+            </a:r>
+          </a:p>
+          <a:p>
+            <a:pPr marL="285750" indent="-285750">
+              <a:buFont typeface="Arial" pitchFamily="34" charset="0"/>
+              <a:buChar char="•"/>
+            </a:pPr>
+            <a:r>
+              <a:rPr lang="en-US" altLang="ko-KR" sz="1400" dirty="0"/>
+              <a:t>Container </a:t>
+            </a:r>
+            <a:r>
+              <a:rPr lang="en-US" altLang="ko-KR" sz="1400"/>
+              <a:t>Network 192.167.0.0/24</a:t>
+            </a:r>
+            <a:endParaRPr lang="ko-KR" altLang="en-US" sz="1400" dirty="0"/>
+          </a:p>
+        </p:txBody>
+      </p:sp>
+      <p:sp>
+        <p:nvSpPr>
+          <p:cNvPr id="24" name="모서리가 둥근 직사각형 44">
+            <a:extLst>
+              <a:ext uri="{FF2B5EF4-FFF2-40B4-BE49-F238E27FC236}">
+                <a16:creationId xmlns:a16="http://schemas.microsoft.com/office/drawing/2014/main" id="{9B4218E2-A225-481E-8507-7EF5A1CBCB42}"/>
+              </a:ext>
+            </a:extLst>
+          </p:cNvPr>
+          <p:cNvSpPr/>
+          <p:nvPr/>
+        </p:nvSpPr>
+        <p:spPr>
+          <a:xfrm>
+            <a:off x="755576" y="3478549"/>
+            <a:ext cx="1428300" cy="360040"/>
+          </a:xfrm>
+          <a:prstGeom prst="roundRect">
+            <a:avLst>
+              <a:gd name="adj" fmla="val 6195"/>
+            </a:avLst>
+          </a:prstGeom>
+          <a:ln/>
+        </p:spPr>
+        <p:style>
+          <a:lnRef idx="2">
+            <a:schemeClr val="dk1"/>
+          </a:lnRef>
+          <a:fillRef idx="1">
+            <a:schemeClr val="lt1"/>
+          </a:fillRef>
+          <a:effectRef idx="0">
+            <a:schemeClr val="dk1"/>
+          </a:effectRef>
+          <a:fontRef idx="minor">
+            <a:schemeClr val="dk1"/>
+          </a:fontRef>
+        </p:style>
+        <p:txBody>
+          <a:bodyPr rtlCol="0" anchor="ctr"/>
+          <a:lstStyle/>
+          <a:p>
+            <a:pPr algn="ctr"/>
+            <a:r>
+              <a:rPr lang="en-US" altLang="ko-KR" sz="1400"/>
+              <a:t>cilium_vxlan</a:t>
+            </a:r>
+            <a:endParaRPr lang="ko-KR" altLang="en-US" sz="1400" dirty="0"/>
+          </a:p>
+        </p:txBody>
+      </p:sp>
+      <p:cxnSp>
+        <p:nvCxnSpPr>
+          <p:cNvPr id="28" name="직선 연결선 27">
+            <a:extLst>
+              <a:ext uri="{FF2B5EF4-FFF2-40B4-BE49-F238E27FC236}">
+                <a16:creationId xmlns:a16="http://schemas.microsoft.com/office/drawing/2014/main" id="{3C0857F0-86B6-4F75-9994-45B428A3D122}"/>
+              </a:ext>
+            </a:extLst>
+          </p:cNvPr>
+          <p:cNvCxnSpPr>
+            <a:cxnSpLocks/>
+            <a:stCxn id="24" idx="2"/>
+            <a:endCxn id="13" idx="1"/>
+          </p:cNvCxnSpPr>
+          <p:nvPr/>
+        </p:nvCxnSpPr>
+        <p:spPr>
+          <a:xfrm>
+            <a:off x="1469726" y="3838589"/>
+            <a:ext cx="1509901" cy="218111"/>
+          </a:xfrm>
+          <a:prstGeom prst="line">
+            <a:avLst/>
+          </a:prstGeom>
+          <a:ln w="19050">
+            <a:solidFill>
+              <a:schemeClr val="tx1"/>
+            </a:solidFill>
+          </a:ln>
+        </p:spPr>
+        <p:style>
+          <a:lnRef idx="1">
+            <a:schemeClr val="accent1"/>
+          </a:lnRef>
+          <a:fillRef idx="0">
+            <a:schemeClr val="accent1"/>
+          </a:fillRef>
+          <a:effectRef idx="0">
+            <a:schemeClr val="accent1"/>
+          </a:effectRef>
+          <a:fontRef idx="minor">
+            <a:schemeClr val="tx1"/>
+          </a:fontRef>
+        </p:style>
+      </p:cxnSp>
+      <p:sp>
+        <p:nvSpPr>
+          <p:cNvPr id="4" name="모서리가 둥근 직사각형 44">
+            <a:extLst>
+              <a:ext uri="{FF2B5EF4-FFF2-40B4-BE49-F238E27FC236}">
+                <a16:creationId xmlns:a16="http://schemas.microsoft.com/office/drawing/2014/main" id="{2DBA49E2-5203-48AC-9D0B-4B3C58EE231E}"/>
+              </a:ext>
+            </a:extLst>
+          </p:cNvPr>
+          <p:cNvSpPr/>
+          <p:nvPr/>
+        </p:nvSpPr>
+        <p:spPr>
+          <a:xfrm>
+            <a:off x="683567" y="123478"/>
+            <a:ext cx="1584177" cy="720080"/>
+          </a:xfrm>
+          <a:prstGeom prst="roundRect">
+            <a:avLst>
+              <a:gd name="adj" fmla="val 6195"/>
+            </a:avLst>
+          </a:prstGeom>
+          <a:ln/>
+        </p:spPr>
+        <p:style>
+          <a:lnRef idx="2">
+            <a:schemeClr val="dk1"/>
+          </a:lnRef>
+          <a:fillRef idx="1">
+            <a:schemeClr val="lt1"/>
+          </a:fillRef>
+          <a:effectRef idx="0">
+            <a:schemeClr val="dk1"/>
+          </a:effectRef>
+          <a:fontRef idx="minor">
+            <a:schemeClr val="dk1"/>
+          </a:fontRef>
+        </p:style>
+        <p:txBody>
+          <a:bodyPr rtlCol="0" anchor="t"/>
+          <a:lstStyle/>
+          <a:p>
+            <a:pPr algn="ctr"/>
+            <a:r>
+              <a:rPr lang="en-US" altLang="ko-KR" sz="1400"/>
+              <a:t>Container A</a:t>
+            </a:r>
+          </a:p>
+          <a:p>
+            <a:pPr algn="ctr"/>
+            <a:r>
+              <a:rPr lang="en-US" altLang="ko-KR" sz="1400"/>
+              <a:t>192.167.2.10 </a:t>
+            </a:r>
+            <a:endParaRPr lang="ko-KR" altLang="en-US" sz="1400" dirty="0"/>
+          </a:p>
+        </p:txBody>
+      </p:sp>
+      <p:sp>
+        <p:nvSpPr>
+          <p:cNvPr id="7" name="모서리가 둥근 직사각형 44">
+            <a:extLst>
+              <a:ext uri="{FF2B5EF4-FFF2-40B4-BE49-F238E27FC236}">
+                <a16:creationId xmlns:a16="http://schemas.microsoft.com/office/drawing/2014/main" id="{2DBA49E2-5203-48AC-9D0B-4B3C58EE231E}"/>
+              </a:ext>
+            </a:extLst>
+          </p:cNvPr>
+          <p:cNvSpPr/>
+          <p:nvPr/>
+        </p:nvSpPr>
+        <p:spPr>
+          <a:xfrm>
+            <a:off x="827584" y="613472"/>
+            <a:ext cx="1296144" cy="230086"/>
+          </a:xfrm>
+          <a:prstGeom prst="roundRect">
+            <a:avLst>
+              <a:gd name="adj" fmla="val 6195"/>
+            </a:avLst>
+          </a:prstGeom>
+          <a:ln/>
+        </p:spPr>
+        <p:style>
+          <a:lnRef idx="2">
+            <a:schemeClr val="dk1"/>
+          </a:lnRef>
+          <a:fillRef idx="1">
+            <a:schemeClr val="lt1"/>
+          </a:fillRef>
+          <a:effectRef idx="0">
+            <a:schemeClr val="dk1"/>
+          </a:effectRef>
+          <a:fontRef idx="minor">
+            <a:schemeClr val="dk1"/>
+          </a:fontRef>
+        </p:style>
+        <p:txBody>
+          <a:bodyPr rtlCol="0" anchor="ctr"/>
+          <a:lstStyle/>
+          <a:p>
+            <a:pPr algn="ctr"/>
+            <a:r>
+              <a:rPr lang="en-US" altLang="ko-KR" sz="1400" dirty="0" err="1"/>
+              <a:t>eth0</a:t>
+            </a:r>
+            <a:endParaRPr lang="ko-KR" altLang="en-US" sz="1400" dirty="0"/>
+          </a:p>
+        </p:txBody>
+      </p:sp>
+      <p:sp>
+        <p:nvSpPr>
+          <p:cNvPr id="8" name="모서리가 둥근 직사각형 44">
+            <a:extLst>
+              <a:ext uri="{FF2B5EF4-FFF2-40B4-BE49-F238E27FC236}">
+                <a16:creationId xmlns:a16="http://schemas.microsoft.com/office/drawing/2014/main" id="{2DBA49E2-5203-48AC-9D0B-4B3C58EE231E}"/>
+              </a:ext>
+            </a:extLst>
+          </p:cNvPr>
+          <p:cNvSpPr/>
+          <p:nvPr/>
+        </p:nvSpPr>
+        <p:spPr>
+          <a:xfrm>
+            <a:off x="827584" y="949508"/>
+            <a:ext cx="1296144" cy="318512"/>
+          </a:xfrm>
+          <a:prstGeom prst="roundRect">
+            <a:avLst>
+              <a:gd name="adj" fmla="val 6195"/>
+            </a:avLst>
+          </a:prstGeom>
+          <a:ln/>
+        </p:spPr>
+        <p:style>
+          <a:lnRef idx="2">
+            <a:schemeClr val="dk1"/>
+          </a:lnRef>
+          <a:fillRef idx="1">
+            <a:schemeClr val="lt1"/>
+          </a:fillRef>
+          <a:effectRef idx="0">
+            <a:schemeClr val="dk1"/>
+          </a:effectRef>
+          <a:fontRef idx="minor">
+            <a:schemeClr val="dk1"/>
+          </a:fontRef>
+        </p:style>
+        <p:txBody>
+          <a:bodyPr rtlCol="0" anchor="ctr"/>
+          <a:lstStyle/>
+          <a:p>
+            <a:pPr algn="ctr"/>
+            <a:r>
+              <a:rPr lang="en-US" altLang="ko-KR" sz="1400"/>
+              <a:t>lxcxxxx</a:t>
+            </a:r>
+            <a:endParaRPr lang="ko-KR" altLang="en-US" sz="1400" dirty="0"/>
+          </a:p>
+        </p:txBody>
+      </p:sp>
+      <p:cxnSp>
+        <p:nvCxnSpPr>
+          <p:cNvPr id="10" name="직선 연결선 9"/>
+          <p:cNvCxnSpPr>
+            <a:cxnSpLocks/>
+            <a:stCxn id="7" idx="2"/>
+            <a:endCxn id="8" idx="0"/>
+          </p:cNvCxnSpPr>
+          <p:nvPr/>
+        </p:nvCxnSpPr>
+        <p:spPr>
+          <a:xfrm>
+            <a:off x="1475656" y="843558"/>
+            <a:ext cx="0" cy="105950"/>
+          </a:xfrm>
+          <a:prstGeom prst="line">
+            <a:avLst/>
+          </a:prstGeom>
+          <a:ln w="19050">
+            <a:solidFill>
+              <a:schemeClr val="tx1"/>
+            </a:solidFill>
+          </a:ln>
+        </p:spPr>
+        <p:style>
+          <a:lnRef idx="1">
+            <a:schemeClr val="accent1"/>
+          </a:lnRef>
+          <a:fillRef idx="0">
+            <a:schemeClr val="accent1"/>
+          </a:fillRef>
+          <a:effectRef idx="0">
+            <a:schemeClr val="accent1"/>
+          </a:effectRef>
+          <a:fontRef idx="minor">
+            <a:schemeClr val="tx1"/>
+          </a:fontRef>
+        </p:style>
+      </p:cxnSp>
+      <p:sp>
+        <p:nvSpPr>
+          <p:cNvPr id="37" name="모서리가 둥근 직사각형 44">
+            <a:extLst>
+              <a:ext uri="{FF2B5EF4-FFF2-40B4-BE49-F238E27FC236}">
+                <a16:creationId xmlns:a16="http://schemas.microsoft.com/office/drawing/2014/main" id="{354EC3C2-BD19-4B9B-807D-849B28C9A25F}"/>
+              </a:ext>
+            </a:extLst>
+          </p:cNvPr>
+          <p:cNvSpPr/>
+          <p:nvPr/>
+        </p:nvSpPr>
+        <p:spPr>
+          <a:xfrm>
+            <a:off x="827584" y="1263943"/>
+            <a:ext cx="1296144" cy="263120"/>
+          </a:xfrm>
+          <a:prstGeom prst="roundRect">
+            <a:avLst>
+              <a:gd name="adj" fmla="val 6195"/>
+            </a:avLst>
+          </a:prstGeom>
+          <a:solidFill>
+            <a:schemeClr val="bg1">
+              <a:lumMod val="85000"/>
+            </a:schemeClr>
+          </a:solidFill>
+          <a:ln/>
+        </p:spPr>
+        <p:style>
+          <a:lnRef idx="2">
+            <a:schemeClr val="dk1"/>
+          </a:lnRef>
+          <a:fillRef idx="1">
+            <a:schemeClr val="lt1"/>
+          </a:fillRef>
+          <a:effectRef idx="0">
+            <a:schemeClr val="dk1"/>
+          </a:effectRef>
+          <a:fontRef idx="minor">
+            <a:schemeClr val="dk1"/>
+          </a:fontRef>
+        </p:style>
+        <p:txBody>
+          <a:bodyPr rtlCol="0" anchor="ctr"/>
+          <a:lstStyle/>
+          <a:p>
+            <a:pPr algn="ctr"/>
+            <a:r>
+              <a:rPr lang="en-US" altLang="ko-KR" sz="1400"/>
+              <a:t>act ingress</a:t>
+            </a:r>
+            <a:endParaRPr lang="ko-KR" altLang="en-US" sz="1400" dirty="0"/>
+          </a:p>
+        </p:txBody>
+      </p:sp>
+      <p:sp>
+        <p:nvSpPr>
+          <p:cNvPr id="46" name="모서리가 둥근 직사각형 44">
+            <a:extLst>
+              <a:ext uri="{FF2B5EF4-FFF2-40B4-BE49-F238E27FC236}">
+                <a16:creationId xmlns:a16="http://schemas.microsoft.com/office/drawing/2014/main" id="{D450BBF5-D62A-4960-9314-9C347AD4F921}"/>
+              </a:ext>
+            </a:extLst>
+          </p:cNvPr>
+          <p:cNvSpPr/>
+          <p:nvPr/>
+        </p:nvSpPr>
+        <p:spPr>
+          <a:xfrm>
+            <a:off x="755576" y="3219822"/>
+            <a:ext cx="1428300" cy="263120"/>
+          </a:xfrm>
+          <a:prstGeom prst="roundRect">
+            <a:avLst>
+              <a:gd name="adj" fmla="val 6195"/>
+            </a:avLst>
+          </a:prstGeom>
+          <a:solidFill>
+            <a:schemeClr val="bg1">
+              <a:lumMod val="85000"/>
+            </a:schemeClr>
+          </a:solidFill>
+          <a:ln/>
+        </p:spPr>
+        <p:style>
+          <a:lnRef idx="2">
+            <a:schemeClr val="dk1"/>
+          </a:lnRef>
+          <a:fillRef idx="1">
+            <a:schemeClr val="lt1"/>
+          </a:fillRef>
+          <a:effectRef idx="0">
+            <a:schemeClr val="dk1"/>
+          </a:effectRef>
+          <a:fontRef idx="minor">
+            <a:schemeClr val="dk1"/>
+          </a:fontRef>
+        </p:style>
+        <p:txBody>
+          <a:bodyPr rtlCol="0" anchor="ctr"/>
+          <a:lstStyle/>
+          <a:p>
+            <a:pPr algn="ctr"/>
+            <a:r>
+              <a:rPr lang="en-US" altLang="ko-KR" sz="1400"/>
+              <a:t>act ingress</a:t>
+            </a:r>
+            <a:endParaRPr lang="ko-KR" altLang="en-US" sz="1400" dirty="0"/>
+          </a:p>
+        </p:txBody>
+      </p:sp>
+      <p:sp>
+        <p:nvSpPr>
+          <p:cNvPr id="53" name="모서리가 둥근 직사각형 44">
+            <a:extLst>
+              <a:ext uri="{FF2B5EF4-FFF2-40B4-BE49-F238E27FC236}">
+                <a16:creationId xmlns:a16="http://schemas.microsoft.com/office/drawing/2014/main" id="{8B351247-8D97-4D9A-8BA8-DC4A271D8626}"/>
+              </a:ext>
+            </a:extLst>
+          </p:cNvPr>
+          <p:cNvSpPr/>
+          <p:nvPr/>
+        </p:nvSpPr>
+        <p:spPr>
+          <a:xfrm>
+            <a:off x="2813275" y="3268170"/>
+            <a:ext cx="1593255" cy="288033"/>
+          </a:xfrm>
+          <a:prstGeom prst="roundRect">
+            <a:avLst>
+              <a:gd name="adj" fmla="val 6195"/>
+            </a:avLst>
+          </a:prstGeom>
+          <a:ln/>
+        </p:spPr>
+        <p:style>
+          <a:lnRef idx="2">
+            <a:schemeClr val="dk1"/>
+          </a:lnRef>
+          <a:fillRef idx="1">
+            <a:schemeClr val="lt1"/>
+          </a:fillRef>
+          <a:effectRef idx="0">
+            <a:schemeClr val="dk1"/>
+          </a:effectRef>
+          <a:fontRef idx="minor">
+            <a:schemeClr val="dk1"/>
+          </a:fontRef>
+        </p:style>
+        <p:txBody>
+          <a:bodyPr rtlCol="0" anchor="ctr"/>
+          <a:lstStyle/>
+          <a:p>
+            <a:pPr algn="ctr"/>
+            <a:r>
+              <a:rPr lang="en-US" altLang="ko-KR" sz="1400"/>
+              <a:t>cilium_host (veth)</a:t>
+            </a:r>
+            <a:endParaRPr lang="ko-KR" altLang="en-US" sz="1400" dirty="0"/>
+          </a:p>
+        </p:txBody>
+      </p:sp>
+      <p:sp>
+        <p:nvSpPr>
+          <p:cNvPr id="60" name="모서리가 둥근 직사각형 44">
+            <a:extLst>
+              <a:ext uri="{FF2B5EF4-FFF2-40B4-BE49-F238E27FC236}">
+                <a16:creationId xmlns:a16="http://schemas.microsoft.com/office/drawing/2014/main" id="{4AA62075-AD87-48E5-897D-9FDBB27AD729}"/>
+              </a:ext>
+            </a:extLst>
+          </p:cNvPr>
+          <p:cNvSpPr/>
+          <p:nvPr/>
+        </p:nvSpPr>
+        <p:spPr>
+          <a:xfrm>
+            <a:off x="2838259" y="3571435"/>
+            <a:ext cx="1564118" cy="288032"/>
+          </a:xfrm>
+          <a:prstGeom prst="roundRect">
+            <a:avLst>
+              <a:gd name="adj" fmla="val 6195"/>
+            </a:avLst>
+          </a:prstGeom>
+          <a:noFill/>
+          <a:ln>
+            <a:noFill/>
+          </a:ln>
+        </p:spPr>
+        <p:style>
+          <a:lnRef idx="2">
+            <a:schemeClr val="dk1"/>
+          </a:lnRef>
+          <a:fillRef idx="1">
+            <a:schemeClr val="lt1"/>
+          </a:fillRef>
+          <a:effectRef idx="0">
+            <a:schemeClr val="dk1"/>
+          </a:effectRef>
+          <a:fontRef idx="minor">
+            <a:schemeClr val="dk1"/>
+          </a:fontRef>
+        </p:style>
+        <p:txBody>
+          <a:bodyPr rtlCol="0" anchor="ctr"/>
+          <a:lstStyle/>
+          <a:p>
+            <a:pPr algn="ctr"/>
+            <a:r>
+              <a:rPr lang="en-US" altLang="ko-KR" sz="1400"/>
+              <a:t>192.167.2.1</a:t>
+            </a:r>
+            <a:endParaRPr lang="ko-KR" altLang="en-US" sz="1400" dirty="0"/>
+          </a:p>
+        </p:txBody>
+      </p:sp>
+      <p:cxnSp>
+        <p:nvCxnSpPr>
+          <p:cNvPr id="67" name="직선 연결선 66">
+            <a:extLst>
+              <a:ext uri="{FF2B5EF4-FFF2-40B4-BE49-F238E27FC236}">
+                <a16:creationId xmlns:a16="http://schemas.microsoft.com/office/drawing/2014/main" id="{5EDE89B9-D0C5-452F-A52C-05ED0AC87400}"/>
+              </a:ext>
+            </a:extLst>
+          </p:cNvPr>
+          <p:cNvCxnSpPr>
+            <a:cxnSpLocks/>
+          </p:cNvCxnSpPr>
+          <p:nvPr/>
+        </p:nvCxnSpPr>
+        <p:spPr>
+          <a:xfrm>
+            <a:off x="899592" y="1263943"/>
+            <a:ext cx="0" cy="1955879"/>
+          </a:xfrm>
+          <a:prstGeom prst="line">
+            <a:avLst/>
+          </a:prstGeom>
+          <a:ln w="19050">
+            <a:solidFill>
+              <a:schemeClr val="tx2"/>
+            </a:solidFill>
+            <a:headEnd type="arrow" w="med" len="med"/>
+            <a:tailEnd type="none" w="med" len="med"/>
+          </a:ln>
+        </p:spPr>
+        <p:style>
+          <a:lnRef idx="1">
+            <a:schemeClr val="accent1"/>
+          </a:lnRef>
+          <a:fillRef idx="0">
+            <a:schemeClr val="accent1"/>
+          </a:fillRef>
+          <a:effectRef idx="0">
+            <a:schemeClr val="accent1"/>
+          </a:effectRef>
+          <a:fontRef idx="minor">
+            <a:schemeClr val="tx1"/>
+          </a:fontRef>
+        </p:style>
+      </p:cxnSp>
+      <p:cxnSp>
+        <p:nvCxnSpPr>
+          <p:cNvPr id="72" name="직선 연결선 71">
+            <a:extLst>
+              <a:ext uri="{FF2B5EF4-FFF2-40B4-BE49-F238E27FC236}">
+                <a16:creationId xmlns:a16="http://schemas.microsoft.com/office/drawing/2014/main" id="{BD6E1896-6DDC-4E8E-B629-82654E0B7C1C}"/>
+              </a:ext>
+            </a:extLst>
+          </p:cNvPr>
+          <p:cNvCxnSpPr>
+            <a:cxnSpLocks/>
+            <a:stCxn id="24" idx="3"/>
+            <a:endCxn id="120" idx="1"/>
+          </p:cNvCxnSpPr>
+          <p:nvPr/>
+        </p:nvCxnSpPr>
+        <p:spPr>
+          <a:xfrm flipV="1">
+            <a:off x="2183876" y="3137419"/>
+            <a:ext cx="629396" cy="521150"/>
+          </a:xfrm>
+          <a:prstGeom prst="line">
+            <a:avLst/>
+          </a:prstGeom>
+          <a:ln w="19050">
+            <a:solidFill>
+              <a:srgbClr val="C00000"/>
+            </a:solidFill>
+            <a:headEnd type="arrow" w="med" len="med"/>
+            <a:tailEnd type="none" w="med" len="med"/>
+          </a:ln>
+        </p:spPr>
+        <p:style>
+          <a:lnRef idx="1">
+            <a:schemeClr val="accent1"/>
+          </a:lnRef>
+          <a:fillRef idx="0">
+            <a:schemeClr val="accent1"/>
+          </a:fillRef>
+          <a:effectRef idx="0">
+            <a:schemeClr val="accent1"/>
+          </a:effectRef>
+          <a:fontRef idx="minor">
+            <a:schemeClr val="tx1"/>
+          </a:fontRef>
+        </p:style>
+      </p:cxnSp>
+      <p:cxnSp>
+        <p:nvCxnSpPr>
+          <p:cNvPr id="75" name="직선 연결선 74">
+            <a:extLst>
+              <a:ext uri="{FF2B5EF4-FFF2-40B4-BE49-F238E27FC236}">
+                <a16:creationId xmlns:a16="http://schemas.microsoft.com/office/drawing/2014/main" id="{E57C4B9B-0E6A-4296-BA3B-17E9054B172B}"/>
+              </a:ext>
+            </a:extLst>
+          </p:cNvPr>
+          <p:cNvCxnSpPr>
+            <a:cxnSpLocks/>
+            <a:stCxn id="2" idx="0"/>
+            <a:endCxn id="37" idx="3"/>
+          </p:cNvCxnSpPr>
+          <p:nvPr/>
+        </p:nvCxnSpPr>
+        <p:spPr>
+          <a:xfrm flipH="1" flipV="1">
+            <a:off x="2123728" y="1395503"/>
+            <a:ext cx="502912" cy="240143"/>
+          </a:xfrm>
+          <a:prstGeom prst="line">
+            <a:avLst/>
+          </a:prstGeom>
+          <a:ln w="19050">
+            <a:solidFill>
+              <a:schemeClr val="tx2"/>
+            </a:solidFill>
+            <a:headEnd type="arrow" w="med" len="med"/>
+            <a:tailEnd type="none" w="med" len="med"/>
+          </a:ln>
+        </p:spPr>
+        <p:style>
+          <a:lnRef idx="1">
+            <a:schemeClr val="accent1"/>
+          </a:lnRef>
+          <a:fillRef idx="0">
+            <a:schemeClr val="accent1"/>
+          </a:fillRef>
+          <a:effectRef idx="0">
+            <a:schemeClr val="accent1"/>
+          </a:effectRef>
+          <a:fontRef idx="minor">
+            <a:schemeClr val="tx1"/>
+          </a:fontRef>
+        </p:style>
+      </p:cxnSp>
+      <p:sp>
+        <p:nvSpPr>
+          <p:cNvPr id="120" name="모서리가 둥근 직사각형 44">
+            <a:extLst>
+              <a:ext uri="{FF2B5EF4-FFF2-40B4-BE49-F238E27FC236}">
+                <a16:creationId xmlns:a16="http://schemas.microsoft.com/office/drawing/2014/main" id="{53DCAC5B-51FD-4B55-ACE6-24648C08FBC9}"/>
+              </a:ext>
+            </a:extLst>
+          </p:cNvPr>
+          <p:cNvSpPr/>
+          <p:nvPr/>
+        </p:nvSpPr>
+        <p:spPr>
+          <a:xfrm>
+            <a:off x="2813272" y="3005859"/>
+            <a:ext cx="1593280" cy="263120"/>
+          </a:xfrm>
+          <a:prstGeom prst="roundRect">
+            <a:avLst>
+              <a:gd name="adj" fmla="val 6195"/>
+            </a:avLst>
+          </a:prstGeom>
+          <a:solidFill>
+            <a:schemeClr val="bg1">
+              <a:lumMod val="85000"/>
+            </a:schemeClr>
+          </a:solidFill>
+          <a:ln/>
+        </p:spPr>
+        <p:style>
+          <a:lnRef idx="2">
+            <a:schemeClr val="dk1"/>
+          </a:lnRef>
+          <a:fillRef idx="1">
+            <a:schemeClr val="lt1"/>
+          </a:fillRef>
+          <a:effectRef idx="0">
+            <a:schemeClr val="dk1"/>
+          </a:effectRef>
+          <a:fontRef idx="minor">
+            <a:schemeClr val="dk1"/>
+          </a:fontRef>
+        </p:style>
+        <p:txBody>
+          <a:bodyPr rtlCol="0" anchor="ctr"/>
+          <a:lstStyle/>
+          <a:p>
+            <a:pPr algn="ctr"/>
+            <a:r>
+              <a:rPr lang="en-US" altLang="ko-KR" sz="1400"/>
+              <a:t>act engress</a:t>
+            </a:r>
+            <a:endParaRPr lang="ko-KR" altLang="en-US" sz="1400" dirty="0"/>
+          </a:p>
+        </p:txBody>
+      </p:sp>
+      <p:cxnSp>
+        <p:nvCxnSpPr>
+          <p:cNvPr id="122" name="직선 연결선 121">
+            <a:extLst>
+              <a:ext uri="{FF2B5EF4-FFF2-40B4-BE49-F238E27FC236}">
+                <a16:creationId xmlns:a16="http://schemas.microsoft.com/office/drawing/2014/main" id="{00A941CF-0FD9-434E-B606-E96AA7EF99F1}"/>
+              </a:ext>
+            </a:extLst>
+          </p:cNvPr>
+          <p:cNvCxnSpPr>
+            <a:cxnSpLocks/>
+            <a:stCxn id="120" idx="0"/>
+          </p:cNvCxnSpPr>
+          <p:nvPr/>
+        </p:nvCxnSpPr>
+        <p:spPr>
+          <a:xfrm flipH="1" flipV="1">
+            <a:off x="3609386" y="2883787"/>
+            <a:ext cx="526" cy="122072"/>
+          </a:xfrm>
+          <a:prstGeom prst="line">
+            <a:avLst/>
+          </a:prstGeom>
+          <a:ln w="19050">
+            <a:solidFill>
+              <a:schemeClr val="tx2"/>
+            </a:solidFill>
+            <a:headEnd type="arrow" w="med" len="med"/>
+            <a:tailEnd type="none" w="med" len="med"/>
+          </a:ln>
+        </p:spPr>
+        <p:style>
+          <a:lnRef idx="1">
+            <a:schemeClr val="accent1"/>
+          </a:lnRef>
+          <a:fillRef idx="0">
+            <a:schemeClr val="accent1"/>
+          </a:fillRef>
+          <a:effectRef idx="0">
+            <a:schemeClr val="accent1"/>
+          </a:effectRef>
+          <a:fontRef idx="minor">
+            <a:schemeClr val="tx1"/>
+          </a:fontRef>
+        </p:style>
+      </p:cxnSp>
+      <p:cxnSp>
+        <p:nvCxnSpPr>
+          <p:cNvPr id="142" name="직선 연결선 141">
+            <a:extLst>
+              <a:ext uri="{FF2B5EF4-FFF2-40B4-BE49-F238E27FC236}">
+                <a16:creationId xmlns:a16="http://schemas.microsoft.com/office/drawing/2014/main" id="{7DC7BC12-5D9E-4F4D-A24E-5E748082AF63}"/>
+              </a:ext>
+            </a:extLst>
+          </p:cNvPr>
+          <p:cNvCxnSpPr>
+            <a:cxnSpLocks/>
+          </p:cNvCxnSpPr>
+          <p:nvPr/>
+        </p:nvCxnSpPr>
+        <p:spPr>
+          <a:xfrm flipH="1">
+            <a:off x="4816990" y="4698082"/>
+            <a:ext cx="396277" cy="0"/>
+          </a:xfrm>
+          <a:prstGeom prst="line">
+            <a:avLst/>
+          </a:prstGeom>
+          <a:ln w="19050">
+            <a:solidFill>
+              <a:srgbClr val="C00000"/>
+            </a:solidFill>
+            <a:headEnd type="arrow" w="med" len="med"/>
+            <a:tailEnd type="none" w="med" len="med"/>
+          </a:ln>
+        </p:spPr>
+        <p:style>
+          <a:lnRef idx="1">
+            <a:schemeClr val="accent1"/>
+          </a:lnRef>
+          <a:fillRef idx="0">
+            <a:schemeClr val="accent1"/>
+          </a:fillRef>
+          <a:effectRef idx="0">
+            <a:schemeClr val="accent1"/>
+          </a:effectRef>
+          <a:fontRef idx="minor">
+            <a:schemeClr val="tx1"/>
+          </a:fontRef>
+        </p:style>
+      </p:cxnSp>
+      <p:cxnSp>
+        <p:nvCxnSpPr>
+          <p:cNvPr id="145" name="직선 연결선 144">
+            <a:extLst>
+              <a:ext uri="{FF2B5EF4-FFF2-40B4-BE49-F238E27FC236}">
+                <a16:creationId xmlns:a16="http://schemas.microsoft.com/office/drawing/2014/main" id="{E34809DE-DE61-484E-BB47-F21E075ED943}"/>
+              </a:ext>
+            </a:extLst>
+          </p:cNvPr>
+          <p:cNvCxnSpPr>
+            <a:cxnSpLocks/>
+          </p:cNvCxnSpPr>
+          <p:nvPr/>
+        </p:nvCxnSpPr>
+        <p:spPr>
+          <a:xfrm flipH="1">
+            <a:off x="4823006" y="4909914"/>
+            <a:ext cx="390261" cy="0"/>
+          </a:xfrm>
+          <a:prstGeom prst="line">
+            <a:avLst/>
+          </a:prstGeom>
+          <a:ln w="19050">
+            <a:solidFill>
+              <a:schemeClr val="tx2"/>
+            </a:solidFill>
+            <a:headEnd type="arrow" w="med" len="med"/>
+            <a:tailEnd type="none" w="med" len="med"/>
+          </a:ln>
+        </p:spPr>
+        <p:style>
+          <a:lnRef idx="1">
+            <a:schemeClr val="accent1"/>
+          </a:lnRef>
+          <a:fillRef idx="0">
+            <a:schemeClr val="accent1"/>
+          </a:fillRef>
+          <a:effectRef idx="0">
+            <a:schemeClr val="accent1"/>
+          </a:effectRef>
+          <a:fontRef idx="minor">
+            <a:schemeClr val="tx1"/>
+          </a:fontRef>
+        </p:style>
+      </p:cxnSp>
+      <p:sp>
+        <p:nvSpPr>
+          <p:cNvPr id="147" name="모서리가 둥근 직사각형 44">
+            <a:extLst>
+              <a:ext uri="{FF2B5EF4-FFF2-40B4-BE49-F238E27FC236}">
+                <a16:creationId xmlns:a16="http://schemas.microsoft.com/office/drawing/2014/main" id="{93D3556A-89DF-4D7F-9305-9CA12DA46674}"/>
+              </a:ext>
+            </a:extLst>
+          </p:cNvPr>
+          <p:cNvSpPr/>
+          <p:nvPr/>
+        </p:nvSpPr>
+        <p:spPr>
+          <a:xfrm>
+            <a:off x="4600020" y="4587974"/>
+            <a:ext cx="3356356" cy="432048"/>
+          </a:xfrm>
+          <a:prstGeom prst="roundRect">
+            <a:avLst>
+              <a:gd name="adj" fmla="val 6195"/>
+            </a:avLst>
+          </a:prstGeom>
+          <a:noFill/>
+          <a:ln>
+            <a:noFill/>
+          </a:ln>
+        </p:spPr>
+        <p:style>
+          <a:lnRef idx="2">
+            <a:schemeClr val="dk1"/>
+          </a:lnRef>
+          <a:fillRef idx="1">
+            <a:schemeClr val="lt1"/>
+          </a:fillRef>
+          <a:effectRef idx="0">
+            <a:schemeClr val="dk1"/>
+          </a:effectRef>
+          <a:fontRef idx="minor">
+            <a:schemeClr val="dk1"/>
+          </a:fontRef>
+        </p:style>
+        <p:txBody>
+          <a:bodyPr rtlCol="0" anchor="ctr"/>
+          <a:lstStyle/>
+          <a:p>
+            <a:pPr marL="285750" indent="-285750">
+              <a:buFont typeface="Arial" pitchFamily="34" charset="0"/>
+              <a:buChar char="•"/>
+            </a:pPr>
+            <a:r>
+              <a:rPr lang="en-US" altLang="ko-KR" sz="1400"/>
+              <a:t>     Redirect</a:t>
+            </a:r>
+            <a:endParaRPr lang="en-US" altLang="ko-KR" sz="1400" dirty="0"/>
+          </a:p>
+          <a:p>
+            <a:pPr marL="285750" indent="-285750">
+              <a:buFont typeface="Arial" pitchFamily="34" charset="0"/>
+              <a:buChar char="•"/>
+            </a:pPr>
+            <a:r>
+              <a:rPr lang="en-US" altLang="ko-KR" sz="1400"/>
+              <a:t>     Routing</a:t>
+            </a:r>
+            <a:endParaRPr lang="ko-KR" altLang="en-US" sz="1400" dirty="0"/>
+          </a:p>
+        </p:txBody>
+      </p:sp>
+      <p:sp>
+        <p:nvSpPr>
+          <p:cNvPr id="66" name="모서리가 둥근 직사각형 44">
+            <a:extLst>
+              <a:ext uri="{FF2B5EF4-FFF2-40B4-BE49-F238E27FC236}">
+                <a16:creationId xmlns:a16="http://schemas.microsoft.com/office/drawing/2014/main" id="{14CCAAEA-E7B7-4F71-B4BA-F751AD263711}"/>
+              </a:ext>
+            </a:extLst>
+          </p:cNvPr>
+          <p:cNvSpPr/>
+          <p:nvPr/>
+        </p:nvSpPr>
+        <p:spPr>
+          <a:xfrm>
+            <a:off x="2844232" y="123478"/>
+            <a:ext cx="1584177" cy="720080"/>
+          </a:xfrm>
+          <a:prstGeom prst="roundRect">
+            <a:avLst>
+              <a:gd name="adj" fmla="val 6195"/>
+            </a:avLst>
+          </a:prstGeom>
+          <a:ln/>
+        </p:spPr>
+        <p:style>
+          <a:lnRef idx="2">
+            <a:schemeClr val="dk1"/>
+          </a:lnRef>
+          <a:fillRef idx="1">
+            <a:schemeClr val="lt1"/>
+          </a:fillRef>
+          <a:effectRef idx="0">
+            <a:schemeClr val="dk1"/>
+          </a:effectRef>
+          <a:fontRef idx="minor">
+            <a:schemeClr val="dk1"/>
+          </a:fontRef>
+        </p:style>
+        <p:txBody>
+          <a:bodyPr rtlCol="0" anchor="t"/>
+          <a:lstStyle/>
+          <a:p>
+            <a:pPr algn="ctr"/>
+            <a:r>
+              <a:rPr lang="en-US" altLang="ko-KR" sz="1400"/>
+              <a:t>Container B</a:t>
+            </a:r>
+          </a:p>
+          <a:p>
+            <a:pPr algn="ctr"/>
+            <a:r>
+              <a:rPr lang="en-US" altLang="ko-KR" sz="1400"/>
+              <a:t>192.167.2.11 </a:t>
+            </a:r>
+            <a:endParaRPr lang="ko-KR" altLang="en-US" sz="1400" dirty="0"/>
+          </a:p>
+        </p:txBody>
+      </p:sp>
+      <p:sp>
+        <p:nvSpPr>
+          <p:cNvPr id="68" name="모서리가 둥근 직사각형 44">
+            <a:extLst>
+              <a:ext uri="{FF2B5EF4-FFF2-40B4-BE49-F238E27FC236}">
+                <a16:creationId xmlns:a16="http://schemas.microsoft.com/office/drawing/2014/main" id="{C51408B5-3429-4D5B-A753-E5D29635270D}"/>
+              </a:ext>
+            </a:extLst>
+          </p:cNvPr>
+          <p:cNvSpPr/>
+          <p:nvPr/>
+        </p:nvSpPr>
+        <p:spPr>
+          <a:xfrm>
+            <a:off x="2988249" y="613472"/>
+            <a:ext cx="1296144" cy="230086"/>
+          </a:xfrm>
+          <a:prstGeom prst="roundRect">
+            <a:avLst>
+              <a:gd name="adj" fmla="val 6195"/>
+            </a:avLst>
+          </a:prstGeom>
+          <a:ln/>
+        </p:spPr>
+        <p:style>
+          <a:lnRef idx="2">
+            <a:schemeClr val="dk1"/>
+          </a:lnRef>
+          <a:fillRef idx="1">
+            <a:schemeClr val="lt1"/>
+          </a:fillRef>
+          <a:effectRef idx="0">
+            <a:schemeClr val="dk1"/>
+          </a:effectRef>
+          <a:fontRef idx="minor">
+            <a:schemeClr val="dk1"/>
+          </a:fontRef>
+        </p:style>
+        <p:txBody>
+          <a:bodyPr rtlCol="0" anchor="ctr"/>
+          <a:lstStyle/>
+          <a:p>
+            <a:pPr algn="ctr"/>
+            <a:r>
+              <a:rPr lang="en-US" altLang="ko-KR" sz="1400" dirty="0" err="1"/>
+              <a:t>eth0</a:t>
+            </a:r>
+            <a:endParaRPr lang="ko-KR" altLang="en-US" sz="1400" dirty="0"/>
+          </a:p>
+        </p:txBody>
+      </p:sp>
+      <p:sp>
+        <p:nvSpPr>
+          <p:cNvPr id="69" name="모서리가 둥근 직사각형 44">
+            <a:extLst>
+              <a:ext uri="{FF2B5EF4-FFF2-40B4-BE49-F238E27FC236}">
+                <a16:creationId xmlns:a16="http://schemas.microsoft.com/office/drawing/2014/main" id="{43BA0DF9-E974-41F6-814B-E9C081D66623}"/>
+              </a:ext>
+            </a:extLst>
+          </p:cNvPr>
+          <p:cNvSpPr/>
+          <p:nvPr/>
+        </p:nvSpPr>
+        <p:spPr>
+          <a:xfrm>
+            <a:off x="2985709" y="949508"/>
+            <a:ext cx="1296144" cy="318512"/>
+          </a:xfrm>
+          <a:prstGeom prst="roundRect">
+            <a:avLst>
+              <a:gd name="adj" fmla="val 6195"/>
+            </a:avLst>
+          </a:prstGeom>
+          <a:ln/>
+        </p:spPr>
+        <p:style>
+          <a:lnRef idx="2">
+            <a:schemeClr val="dk1"/>
+          </a:lnRef>
+          <a:fillRef idx="1">
+            <a:schemeClr val="lt1"/>
+          </a:fillRef>
+          <a:effectRef idx="0">
+            <a:schemeClr val="dk1"/>
+          </a:effectRef>
+          <a:fontRef idx="minor">
+            <a:schemeClr val="dk1"/>
+          </a:fontRef>
+        </p:style>
+        <p:txBody>
+          <a:bodyPr rtlCol="0" anchor="ctr"/>
+          <a:lstStyle/>
+          <a:p>
+            <a:pPr algn="ctr"/>
+            <a:r>
+              <a:rPr lang="en-US" altLang="ko-KR" sz="1400"/>
+              <a:t>lxcxxxx</a:t>
+            </a:r>
+            <a:endParaRPr lang="ko-KR" altLang="en-US" sz="1400" dirty="0"/>
+          </a:p>
+        </p:txBody>
+      </p:sp>
+      <p:cxnSp>
+        <p:nvCxnSpPr>
+          <p:cNvPr id="70" name="직선 연결선 69">
+            <a:extLst>
+              <a:ext uri="{FF2B5EF4-FFF2-40B4-BE49-F238E27FC236}">
+                <a16:creationId xmlns:a16="http://schemas.microsoft.com/office/drawing/2014/main" id="{FE1AFDA9-4053-4E50-91B1-C5A42796E675}"/>
+              </a:ext>
+            </a:extLst>
+          </p:cNvPr>
+          <p:cNvCxnSpPr>
+            <a:cxnSpLocks/>
+            <a:endCxn id="69" idx="0"/>
+          </p:cNvCxnSpPr>
+          <p:nvPr/>
+        </p:nvCxnSpPr>
+        <p:spPr>
+          <a:xfrm>
+            <a:off x="3633781" y="843558"/>
+            <a:ext cx="0" cy="105950"/>
+          </a:xfrm>
+          <a:prstGeom prst="line">
+            <a:avLst/>
+          </a:prstGeom>
+          <a:ln w="19050">
+            <a:solidFill>
+              <a:schemeClr val="tx1"/>
+            </a:solidFill>
+          </a:ln>
+        </p:spPr>
+        <p:style>
+          <a:lnRef idx="1">
+            <a:schemeClr val="accent1"/>
+          </a:lnRef>
+          <a:fillRef idx="0">
+            <a:schemeClr val="accent1"/>
+          </a:fillRef>
+          <a:effectRef idx="0">
+            <a:schemeClr val="accent1"/>
+          </a:effectRef>
+          <a:fontRef idx="minor">
+            <a:schemeClr val="tx1"/>
+          </a:fontRef>
+        </p:style>
+      </p:cxnSp>
+      <p:sp>
+        <p:nvSpPr>
+          <p:cNvPr id="71" name="모서리가 둥근 직사각형 44">
+            <a:extLst>
+              <a:ext uri="{FF2B5EF4-FFF2-40B4-BE49-F238E27FC236}">
+                <a16:creationId xmlns:a16="http://schemas.microsoft.com/office/drawing/2014/main" id="{869095A4-C172-4DB4-A759-F333E714EBBB}"/>
+              </a:ext>
+            </a:extLst>
+          </p:cNvPr>
+          <p:cNvSpPr/>
+          <p:nvPr/>
+        </p:nvSpPr>
+        <p:spPr>
+          <a:xfrm>
+            <a:off x="2985709" y="1263943"/>
+            <a:ext cx="1296144" cy="263120"/>
+          </a:xfrm>
+          <a:prstGeom prst="roundRect">
+            <a:avLst>
+              <a:gd name="adj" fmla="val 6195"/>
+            </a:avLst>
+          </a:prstGeom>
+          <a:solidFill>
+            <a:schemeClr val="bg1">
+              <a:lumMod val="85000"/>
+            </a:schemeClr>
+          </a:solidFill>
+          <a:ln/>
+        </p:spPr>
+        <p:style>
+          <a:lnRef idx="2">
+            <a:schemeClr val="dk1"/>
+          </a:lnRef>
+          <a:fillRef idx="1">
+            <a:schemeClr val="lt1"/>
+          </a:fillRef>
+          <a:effectRef idx="0">
+            <a:schemeClr val="dk1"/>
+          </a:effectRef>
+          <a:fontRef idx="minor">
+            <a:schemeClr val="dk1"/>
+          </a:fontRef>
+        </p:style>
+        <p:txBody>
+          <a:bodyPr rtlCol="0" anchor="ctr"/>
+          <a:lstStyle/>
+          <a:p>
+            <a:pPr algn="ctr"/>
+            <a:r>
+              <a:rPr lang="en-US" altLang="ko-KR" sz="1400"/>
+              <a:t>act ingress</a:t>
+            </a:r>
+            <a:endParaRPr lang="ko-KR" altLang="en-US" sz="1400" dirty="0"/>
+          </a:p>
+        </p:txBody>
+      </p:sp>
+      <p:sp>
+        <p:nvSpPr>
+          <p:cNvPr id="135" name="자유형: 도형 134">
+            <a:extLst>
+              <a:ext uri="{FF2B5EF4-FFF2-40B4-BE49-F238E27FC236}">
+                <a16:creationId xmlns:a16="http://schemas.microsoft.com/office/drawing/2014/main" id="{B428B224-5521-4252-8CAA-4BFBCF2B0C2A}"/>
+              </a:ext>
+            </a:extLst>
+          </p:cNvPr>
+          <p:cNvSpPr/>
+          <p:nvPr/>
+        </p:nvSpPr>
+        <p:spPr>
+          <a:xfrm>
+            <a:off x="2123728" y="1014791"/>
+            <a:ext cx="2189192" cy="1979869"/>
+          </a:xfrm>
+          <a:custGeom>
+            <a:avLst/>
+            <a:gdLst>
+              <a:gd name="connsiteX0" fmla="*/ 0 w 2179320"/>
+              <a:gd name="connsiteY0" fmla="*/ 0 h 1546860"/>
+              <a:gd name="connsiteX1" fmla="*/ 2179320 w 2179320"/>
+              <a:gd name="connsiteY1" fmla="*/ 0 h 1546860"/>
+              <a:gd name="connsiteX2" fmla="*/ 2179320 w 2179320"/>
+              <a:gd name="connsiteY2" fmla="*/ 1546860 h 1546860"/>
+            </a:gdLst>
+            <a:ahLst/>
+            <a:cxnLst>
+              <a:cxn ang="0">
+                <a:pos x="connsiteX0" y="connsiteY0"/>
+              </a:cxn>
+              <a:cxn ang="0">
+                <a:pos x="connsiteX1" y="connsiteY1"/>
+              </a:cxn>
+              <a:cxn ang="0">
+                <a:pos x="connsiteX2" y="connsiteY2"/>
+              </a:cxn>
+            </a:cxnLst>
+            <a:rect l="l" t="t" r="r" b="b"/>
+            <a:pathLst>
+              <a:path w="2179320" h="1546860">
+                <a:moveTo>
+                  <a:pt x="0" y="0"/>
+                </a:moveTo>
+                <a:lnTo>
+                  <a:pt x="2179320" y="0"/>
+                </a:lnTo>
+                <a:lnTo>
+                  <a:pt x="2179320" y="1546860"/>
+                </a:lnTo>
+              </a:path>
+            </a:pathLst>
+          </a:custGeom>
+          <a:noFill/>
+          <a:ln w="19050">
+            <a:solidFill>
+              <a:schemeClr val="tx2"/>
+            </a:solidFill>
+            <a:headEnd type="arrow" w="med" len="med"/>
+            <a:tailEnd type="none" w="med" len="med"/>
+          </a:ln>
+        </p:spPr>
+        <p:style>
+          <a:lnRef idx="2">
+            <a:schemeClr val="accent1">
+              <a:shade val="50000"/>
+            </a:schemeClr>
+          </a:lnRef>
+          <a:fillRef idx="1">
+            <a:schemeClr val="accent1"/>
+          </a:fillRef>
+          <a:effectRef idx="0">
+            <a:schemeClr val="accent1"/>
+          </a:effectRef>
+          <a:fontRef idx="minor">
+            <a:schemeClr val="lt1"/>
+          </a:fontRef>
+        </p:style>
+        <p:txBody>
+          <a:bodyPr rtlCol="0" anchor="ctr"/>
+          <a:lstStyle/>
+          <a:p>
+            <a:pPr algn="ctr"/>
+            <a:endParaRPr lang="ko-KR" altLang="en-US"/>
+          </a:p>
+        </p:txBody>
+      </p:sp>
+      <p:cxnSp>
+        <p:nvCxnSpPr>
+          <p:cNvPr id="73" name="직선 연결선 72">
+            <a:extLst>
+              <a:ext uri="{FF2B5EF4-FFF2-40B4-BE49-F238E27FC236}">
+                <a16:creationId xmlns:a16="http://schemas.microsoft.com/office/drawing/2014/main" id="{FEBA67D5-8FB3-4570-A4BD-7CF8B514C9F0}"/>
+              </a:ext>
+            </a:extLst>
+          </p:cNvPr>
+          <p:cNvCxnSpPr>
+            <a:cxnSpLocks/>
+            <a:stCxn id="2" idx="0"/>
+            <a:endCxn id="71" idx="1"/>
+          </p:cNvCxnSpPr>
+          <p:nvPr/>
+        </p:nvCxnSpPr>
+        <p:spPr>
+          <a:xfrm flipV="1">
+            <a:off x="2626640" y="1395503"/>
+            <a:ext cx="359069" cy="240143"/>
+          </a:xfrm>
+          <a:prstGeom prst="line">
+            <a:avLst/>
+          </a:prstGeom>
+          <a:ln w="19050">
+            <a:solidFill>
+              <a:schemeClr val="tx2"/>
+            </a:solidFill>
+            <a:headEnd type="arrow" w="med" len="med"/>
+            <a:tailEnd type="none" w="med" len="med"/>
+          </a:ln>
+        </p:spPr>
+        <p:style>
+          <a:lnRef idx="1">
+            <a:schemeClr val="accent1"/>
+          </a:lnRef>
+          <a:fillRef idx="0">
+            <a:schemeClr val="accent1"/>
+          </a:fillRef>
+          <a:effectRef idx="0">
+            <a:schemeClr val="accent1"/>
+          </a:effectRef>
+          <a:fontRef idx="minor">
+            <a:schemeClr val="tx1"/>
+          </a:fontRef>
+        </p:style>
+      </p:cxnSp>
+      <p:cxnSp>
+        <p:nvCxnSpPr>
+          <p:cNvPr id="76" name="직선 연결선 75">
+            <a:extLst>
+              <a:ext uri="{FF2B5EF4-FFF2-40B4-BE49-F238E27FC236}">
+                <a16:creationId xmlns:a16="http://schemas.microsoft.com/office/drawing/2014/main" id="{86D8F472-A20A-402B-A9D5-F3874DF0918C}"/>
+              </a:ext>
+            </a:extLst>
+          </p:cNvPr>
+          <p:cNvCxnSpPr>
+            <a:cxnSpLocks/>
+            <a:stCxn id="69" idx="1"/>
+            <a:endCxn id="37" idx="3"/>
+          </p:cNvCxnSpPr>
+          <p:nvPr/>
+        </p:nvCxnSpPr>
+        <p:spPr>
+          <a:xfrm flipH="1">
+            <a:off x="2123728" y="1108764"/>
+            <a:ext cx="861981" cy="286739"/>
+          </a:xfrm>
+          <a:prstGeom prst="line">
+            <a:avLst/>
+          </a:prstGeom>
+          <a:ln w="19050">
+            <a:solidFill>
+              <a:schemeClr val="tx2"/>
+            </a:solidFill>
+            <a:headEnd type="arrow" w="med" len="med"/>
+            <a:tailEnd type="none" w="med" len="med"/>
+          </a:ln>
+        </p:spPr>
+        <p:style>
+          <a:lnRef idx="1">
+            <a:schemeClr val="accent1"/>
+          </a:lnRef>
+          <a:fillRef idx="0">
+            <a:schemeClr val="accent1"/>
+          </a:fillRef>
+          <a:effectRef idx="0">
+            <a:schemeClr val="accent1"/>
+          </a:effectRef>
+          <a:fontRef idx="minor">
+            <a:schemeClr val="tx1"/>
+          </a:fontRef>
+        </p:style>
+      </p:cxnSp>
+      <p:cxnSp>
+        <p:nvCxnSpPr>
+          <p:cNvPr id="80" name="직선 연결선 79">
+            <a:extLst>
+              <a:ext uri="{FF2B5EF4-FFF2-40B4-BE49-F238E27FC236}">
+                <a16:creationId xmlns:a16="http://schemas.microsoft.com/office/drawing/2014/main" id="{CB8C2935-2C33-4A2F-AC47-F861DD3D0A14}"/>
+              </a:ext>
+            </a:extLst>
+          </p:cNvPr>
+          <p:cNvCxnSpPr>
+            <a:cxnSpLocks/>
+            <a:stCxn id="8" idx="3"/>
+            <a:endCxn id="71" idx="1"/>
+          </p:cNvCxnSpPr>
+          <p:nvPr/>
+        </p:nvCxnSpPr>
+        <p:spPr>
+          <a:xfrm>
+            <a:off x="2123728" y="1108764"/>
+            <a:ext cx="861981" cy="286739"/>
+          </a:xfrm>
+          <a:prstGeom prst="line">
+            <a:avLst/>
+          </a:prstGeom>
+          <a:ln w="19050">
+            <a:solidFill>
+              <a:schemeClr val="tx2"/>
+            </a:solidFill>
+            <a:headEnd type="arrow" w="med" len="med"/>
+            <a:tailEnd type="none" w="med" len="med"/>
+          </a:ln>
+        </p:spPr>
+        <p:style>
+          <a:lnRef idx="1">
+            <a:schemeClr val="accent1"/>
+          </a:lnRef>
+          <a:fillRef idx="0">
+            <a:schemeClr val="accent1"/>
+          </a:fillRef>
+          <a:effectRef idx="0">
+            <a:schemeClr val="accent1"/>
+          </a:effectRef>
+          <a:fontRef idx="minor">
+            <a:schemeClr val="tx1"/>
+          </a:fontRef>
+        </p:style>
+      </p:cxnSp>
+    </p:spTree>
+    <p:extLst>
+      <p:ext uri="{BB962C8B-B14F-4D97-AF65-F5344CB8AC3E}">
+        <p14:creationId xmlns:p14="http://schemas.microsoft.com/office/powerpoint/2010/main" val="286229746"/>
+      </p:ext>
+    </p:extLst>
+  </p:cSld>
+  <p:clrMapOvr>
+    <a:masterClrMapping/>
+  </p:clrMapOvr>
+</p:sld>
+</file>
+
+<file path=ppt/slides/slide5.xml><?xml version="1.0" encoding="utf-8"?>
+<p:sld xmlns:a="http://schemas.openxmlformats.org/drawingml/2006/main" xmlns:r="http://schemas.openxmlformats.org/officeDocument/2006/relationships" xmlns:p="http://schemas.openxmlformats.org/presentationml/2006/main">
+  <p:cSld>
+    <p:spTree>
+      <p:nvGrpSpPr>
+        <p:cNvPr id="1" name=""/>
+        <p:cNvGrpSpPr/>
+        <p:nvPr/>
+      </p:nvGrpSpPr>
+      <p:grpSpPr>
+        <a:xfrm>
+          <a:off x="0" y="0"/>
+          <a:ext cx="0" cy="0"/>
+          <a:chOff x="0" y="0"/>
+          <a:chExt cx="0" cy="0"/>
+        </a:xfrm>
+      </p:grpSpPr>
+      <p:sp>
+        <p:nvSpPr>
+          <p:cNvPr id="6" name="제목 1"/>
+          <p:cNvSpPr>
+            <a:spLocks noGrp="1"/>
+          </p:cNvSpPr>
+          <p:nvPr>
+            <p:ph type="title"/>
+          </p:nvPr>
+        </p:nvSpPr>
+        <p:spPr>
+          <a:xfrm>
+            <a:off x="457200" y="58316"/>
+            <a:ext cx="8229600" cy="857250"/>
+          </a:xfrm>
+        </p:spPr>
+        <p:txBody>
+          <a:bodyPr>
+            <a:normAutofit/>
+          </a:bodyPr>
+          <a:lstStyle/>
+          <a:p>
+            <a:r>
+              <a:rPr lang="en-US" altLang="ko-KR"/>
+              <a:t>Cilium Load Balacner</a:t>
+            </a:r>
+            <a:endParaRPr lang="ko-KR" altLang="en-US" dirty="0"/>
+          </a:p>
+        </p:txBody>
+      </p:sp>
+      <p:sp>
+        <p:nvSpPr>
+          <p:cNvPr id="57" name="모서리가 둥근 직사각형 44">
+            <a:extLst>
+              <a:ext uri="{FF2B5EF4-FFF2-40B4-BE49-F238E27FC236}">
+                <a16:creationId xmlns:a16="http://schemas.microsoft.com/office/drawing/2014/main" id="{3CD655E8-908F-4700-A528-8A213F93AE54}"/>
+              </a:ext>
+            </a:extLst>
+          </p:cNvPr>
+          <p:cNvSpPr/>
+          <p:nvPr/>
+        </p:nvSpPr>
+        <p:spPr>
+          <a:xfrm>
+            <a:off x="2669058" y="1347614"/>
+            <a:ext cx="3847158" cy="2700300"/>
+          </a:xfrm>
+          <a:prstGeom prst="roundRect">
+            <a:avLst>
+              <a:gd name="adj" fmla="val 1946"/>
+            </a:avLst>
+          </a:prstGeom>
+          <a:ln/>
+        </p:spPr>
+        <p:style>
+          <a:lnRef idx="2">
+            <a:schemeClr val="dk1"/>
+          </a:lnRef>
+          <a:fillRef idx="1">
+            <a:schemeClr val="lt1"/>
+          </a:fillRef>
+          <a:effectRef idx="0">
+            <a:schemeClr val="dk1"/>
+          </a:effectRef>
+          <a:fontRef idx="minor">
+            <a:schemeClr val="dk1"/>
+          </a:fontRef>
+        </p:style>
+        <p:txBody>
+          <a:bodyPr rtlCol="0" anchor="b"/>
+          <a:lstStyle/>
+          <a:p>
+            <a:r>
+              <a:rPr lang="en-US" altLang="ko-KR" sz="1600" b="1"/>
+              <a:t>Host - Host L3</a:t>
+            </a:r>
+            <a:endParaRPr lang="en-US" altLang="ko-KR" sz="1600" b="1" dirty="0"/>
+          </a:p>
+        </p:txBody>
+      </p:sp>
+      <p:sp>
+        <p:nvSpPr>
+          <p:cNvPr id="58" name="모서리가 둥근 직사각형 44">
+            <a:extLst>
+              <a:ext uri="{FF2B5EF4-FFF2-40B4-BE49-F238E27FC236}">
+                <a16:creationId xmlns:a16="http://schemas.microsoft.com/office/drawing/2014/main" id="{D6F0F791-D83B-43A4-B11B-FE0C91EFF4AB}"/>
+              </a:ext>
+            </a:extLst>
+          </p:cNvPr>
+          <p:cNvSpPr/>
+          <p:nvPr/>
+        </p:nvSpPr>
+        <p:spPr>
+          <a:xfrm>
+            <a:off x="4995850" y="3566204"/>
+            <a:ext cx="1422749" cy="360040"/>
+          </a:xfrm>
+          <a:prstGeom prst="roundRect">
+            <a:avLst>
+              <a:gd name="adj" fmla="val 11486"/>
+            </a:avLst>
+          </a:prstGeom>
+          <a:ln/>
+        </p:spPr>
+        <p:style>
+          <a:lnRef idx="2">
+            <a:schemeClr val="dk1"/>
+          </a:lnRef>
+          <a:fillRef idx="1">
+            <a:schemeClr val="lt1"/>
+          </a:fillRef>
+          <a:effectRef idx="0">
+            <a:schemeClr val="dk1"/>
+          </a:effectRef>
+          <a:fontRef idx="minor">
+            <a:schemeClr val="dk1"/>
+          </a:fontRef>
+        </p:style>
+        <p:txBody>
+          <a:bodyPr rtlCol="0" anchor="ctr"/>
+          <a:lstStyle/>
+          <a:p>
+            <a:pPr algn="ctr"/>
+            <a:r>
+              <a:rPr lang="en-US" altLang="ko-KR" sz="1400" dirty="0" err="1"/>
+              <a:t>eth0</a:t>
+            </a:r>
+            <a:endParaRPr lang="ko-KR" altLang="en-US" sz="1400" dirty="0"/>
+          </a:p>
+        </p:txBody>
+      </p:sp>
+      <p:sp>
+        <p:nvSpPr>
+          <p:cNvPr id="63" name="타원 62">
+            <a:extLst>
+              <a:ext uri="{FF2B5EF4-FFF2-40B4-BE49-F238E27FC236}">
+                <a16:creationId xmlns:a16="http://schemas.microsoft.com/office/drawing/2014/main" id="{01F9E6B7-BB7B-4410-B563-985283AD7AA5}"/>
+              </a:ext>
+            </a:extLst>
+          </p:cNvPr>
+          <p:cNvSpPr/>
+          <p:nvPr/>
+        </p:nvSpPr>
+        <p:spPr>
+          <a:xfrm>
+            <a:off x="4508502" y="1832756"/>
+            <a:ext cx="87494" cy="87494"/>
+          </a:xfrm>
+          <a:prstGeom prst="ellipse">
+            <a:avLst/>
+          </a:prstGeom>
+          <a:solidFill>
+            <a:schemeClr val="tx1"/>
+          </a:solidFill>
+          <a:ln>
+            <a:noFill/>
+          </a:ln>
+        </p:spPr>
+        <p:style>
+          <a:lnRef idx="2">
+            <a:schemeClr val="accent1">
+              <a:shade val="50000"/>
+            </a:schemeClr>
+          </a:lnRef>
+          <a:fillRef idx="1">
+            <a:schemeClr val="accent1"/>
+          </a:fillRef>
+          <a:effectRef idx="0">
+            <a:schemeClr val="accent1"/>
+          </a:effectRef>
+          <a:fontRef idx="minor">
+            <a:schemeClr val="lt1"/>
+          </a:fontRef>
+        </p:style>
+        <p:txBody>
+          <a:bodyPr rtlCol="0" anchor="ctr"/>
+          <a:lstStyle/>
+          <a:p>
+            <a:pPr algn="ctr"/>
+            <a:endParaRPr lang="ko-KR" altLang="en-US"/>
+          </a:p>
+        </p:txBody>
+      </p:sp>
+      <p:sp>
+        <p:nvSpPr>
+          <p:cNvPr id="64" name="타원 63">
+            <a:extLst>
+              <a:ext uri="{FF2B5EF4-FFF2-40B4-BE49-F238E27FC236}">
+                <a16:creationId xmlns:a16="http://schemas.microsoft.com/office/drawing/2014/main" id="{EE42C681-3114-440F-B9D2-4D5BEA71DCEE}"/>
+              </a:ext>
+            </a:extLst>
+          </p:cNvPr>
+          <p:cNvSpPr/>
+          <p:nvPr/>
+        </p:nvSpPr>
+        <p:spPr>
+          <a:xfrm>
+            <a:off x="4508502" y="1657768"/>
+            <a:ext cx="87494" cy="87494"/>
+          </a:xfrm>
+          <a:prstGeom prst="ellipse">
+            <a:avLst/>
+          </a:prstGeom>
+          <a:solidFill>
+            <a:schemeClr val="tx1"/>
+          </a:solidFill>
+          <a:ln>
+            <a:noFill/>
+          </a:ln>
+        </p:spPr>
+        <p:style>
+          <a:lnRef idx="2">
+            <a:schemeClr val="accent1">
+              <a:shade val="50000"/>
+            </a:schemeClr>
+          </a:lnRef>
+          <a:fillRef idx="1">
+            <a:schemeClr val="accent1"/>
+          </a:fillRef>
+          <a:effectRef idx="0">
+            <a:schemeClr val="accent1"/>
+          </a:effectRef>
+          <a:fontRef idx="minor">
+            <a:schemeClr val="lt1"/>
+          </a:fontRef>
+        </p:style>
+        <p:txBody>
+          <a:bodyPr rtlCol="0" anchor="ctr"/>
+          <a:lstStyle/>
+          <a:p>
+            <a:pPr algn="ctr"/>
+            <a:endParaRPr lang="ko-KR" altLang="en-US"/>
+          </a:p>
+        </p:txBody>
+      </p:sp>
+      <p:sp>
+        <p:nvSpPr>
+          <p:cNvPr id="65" name="타원 64">
+            <a:extLst>
+              <a:ext uri="{FF2B5EF4-FFF2-40B4-BE49-F238E27FC236}">
+                <a16:creationId xmlns:a16="http://schemas.microsoft.com/office/drawing/2014/main" id="{CFC6DCFB-B53F-40DB-B877-0C00E4773604}"/>
+              </a:ext>
+            </a:extLst>
+          </p:cNvPr>
+          <p:cNvSpPr/>
+          <p:nvPr/>
+        </p:nvSpPr>
+        <p:spPr>
+          <a:xfrm>
+            <a:off x="4508502" y="1477748"/>
+            <a:ext cx="87494" cy="87494"/>
+          </a:xfrm>
+          <a:prstGeom prst="ellipse">
+            <a:avLst/>
+          </a:prstGeom>
+          <a:solidFill>
+            <a:schemeClr val="tx1"/>
+          </a:solidFill>
+          <a:ln>
+            <a:noFill/>
+          </a:ln>
+        </p:spPr>
+        <p:style>
+          <a:lnRef idx="2">
+            <a:schemeClr val="accent1">
+              <a:shade val="50000"/>
+            </a:schemeClr>
+          </a:lnRef>
+          <a:fillRef idx="1">
+            <a:schemeClr val="accent1"/>
+          </a:fillRef>
+          <a:effectRef idx="0">
+            <a:schemeClr val="accent1"/>
+          </a:effectRef>
+          <a:fontRef idx="minor">
+            <a:schemeClr val="lt1"/>
+          </a:fontRef>
+        </p:style>
+        <p:txBody>
+          <a:bodyPr rtlCol="0" anchor="ctr"/>
+          <a:lstStyle/>
+          <a:p>
+            <a:pPr algn="ctr"/>
+            <a:endParaRPr lang="ko-KR" altLang="en-US"/>
+          </a:p>
+        </p:txBody>
+      </p:sp>
+      <p:graphicFrame>
+        <p:nvGraphicFramePr>
+          <p:cNvPr id="68" name="표 67">
+            <a:extLst>
+              <a:ext uri="{FF2B5EF4-FFF2-40B4-BE49-F238E27FC236}">
+                <a16:creationId xmlns:a16="http://schemas.microsoft.com/office/drawing/2014/main" id="{00FD4302-6E45-418F-B046-F22316E910AA}"/>
+              </a:ext>
+            </a:extLst>
+          </p:cNvPr>
+          <p:cNvGraphicFramePr>
+            <a:graphicFrameLocks noGrp="1"/>
+          </p:cNvGraphicFramePr>
+          <p:nvPr>
+            <p:extLst>
+              <p:ext uri="{D42A27DB-BD31-4B8C-83A1-F6EECF244321}">
+                <p14:modId xmlns:p14="http://schemas.microsoft.com/office/powerpoint/2010/main" val="560393855"/>
+              </p:ext>
+            </p:extLst>
+          </p:nvPr>
+        </p:nvGraphicFramePr>
+        <p:xfrm>
+          <a:off x="2976837" y="2025140"/>
+          <a:ext cx="3231599" cy="936100"/>
+        </p:xfrm>
+        <a:graphic>
+          <a:graphicData uri="http://schemas.openxmlformats.org/drawingml/2006/table">
+            <a:tbl>
+              <a:tblPr firstRow="1" bandRow="1">
+                <a:tableStyleId>{2D5ABB26-0587-4C30-8999-92F81FD0307C}</a:tableStyleId>
+              </a:tblPr>
+              <a:tblGrid>
+                <a:gridCol w="1099964">
+                  <a:extLst>
+                    <a:ext uri="{9D8B030D-6E8A-4147-A177-3AD203B41FA5}">
+                      <a16:colId xmlns:a16="http://schemas.microsoft.com/office/drawing/2014/main" val="20000"/>
+                    </a:ext>
+                  </a:extLst>
+                </a:gridCol>
+                <a:gridCol w="1067971">
+                  <a:extLst>
+                    <a:ext uri="{9D8B030D-6E8A-4147-A177-3AD203B41FA5}">
+                      <a16:colId xmlns:a16="http://schemas.microsoft.com/office/drawing/2014/main" val="2132610268"/>
+                    </a:ext>
+                  </a:extLst>
+                </a:gridCol>
+                <a:gridCol w="1063664">
+                  <a:extLst>
+                    <a:ext uri="{9D8B030D-6E8A-4147-A177-3AD203B41FA5}">
+                      <a16:colId xmlns:a16="http://schemas.microsoft.com/office/drawing/2014/main" val="20001"/>
+                    </a:ext>
+                  </a:extLst>
+                </a:gridCol>
+              </a:tblGrid>
+              <a:tr h="312035">
+                <a:tc>
+                  <a:txBody>
+                    <a:bodyPr/>
+                    <a:lstStyle/>
+                    <a:p>
+                      <a:pPr latinLnBrk="1"/>
+                      <a:r>
+                        <a:rPr lang="en-US" altLang="ko-KR" sz="1100" dirty="0"/>
+                        <a:t>10.0.0.0/24</a:t>
+                      </a:r>
+                      <a:endParaRPr lang="ko-KR" altLang="en-US" sz="1100" dirty="0"/>
+                    </a:p>
+                  </a:txBody>
+                  <a:tcPr anchor="ctr">
+                    <a:lnL w="19050" cap="flat" cmpd="sng" algn="ctr">
+                      <a:solidFill>
+                        <a:schemeClr val="tx1"/>
+                      </a:solidFill>
+                      <a:prstDash val="solid"/>
+                      <a:round/>
+                      <a:headEnd type="none" w="med" len="med"/>
+                      <a:tailEnd type="none" w="med" len="med"/>
+                    </a:lnL>
+                    <a:lnR w="19050" cap="flat" cmpd="sng" algn="ctr">
+                      <a:solidFill>
+                        <a:schemeClr val="tx1"/>
+                      </a:solidFill>
+                      <a:prstDash val="solid"/>
+                      <a:round/>
+                      <a:headEnd type="none" w="med" len="med"/>
+                      <a:tailEnd type="none" w="med" len="med"/>
+                    </a:lnR>
+                    <a:lnT w="19050" cap="flat" cmpd="sng" algn="ctr">
+                      <a:solidFill>
+                        <a:schemeClr val="tx1"/>
+                      </a:solidFill>
+                      <a:prstDash val="solid"/>
+                      <a:round/>
+                      <a:headEnd type="none" w="med" len="med"/>
+                      <a:tailEnd type="none" w="med" len="med"/>
+                    </a:lnT>
+                    <a:lnB w="19050" cap="flat" cmpd="sng" algn="ctr">
+                      <a:solidFill>
+                        <a:schemeClr val="tx1"/>
+                      </a:solidFill>
+                      <a:prstDash val="solid"/>
+                      <a:round/>
+                      <a:headEnd type="none" w="med" len="med"/>
+                      <a:tailEnd type="none" w="med" len="med"/>
+                    </a:lnB>
+                  </a:tcPr>
+                </a:tc>
+                <a:tc>
+                  <a:txBody>
+                    <a:bodyPr/>
+                    <a:lstStyle/>
+                    <a:p>
+                      <a:pPr latinLnBrk="1"/>
+                      <a:r>
+                        <a:rPr lang="en-US" altLang="ko-KR" sz="1100"/>
+                        <a:t>10.0.0.1</a:t>
+                      </a:r>
+                      <a:endParaRPr lang="ko-KR" altLang="en-US" sz="1100" dirty="0"/>
+                    </a:p>
+                  </a:txBody>
+                  <a:tcPr anchor="ctr">
+                    <a:lnL w="19050" cap="flat" cmpd="sng" algn="ctr">
+                      <a:solidFill>
+                        <a:schemeClr val="tx1"/>
+                      </a:solidFill>
+                      <a:prstDash val="solid"/>
+                      <a:round/>
+                      <a:headEnd type="none" w="med" len="med"/>
+                      <a:tailEnd type="none" w="med" len="med"/>
+                    </a:lnL>
+                    <a:lnR w="19050" cap="flat" cmpd="sng" algn="ctr">
+                      <a:solidFill>
+                        <a:schemeClr val="tx1"/>
+                      </a:solidFill>
+                      <a:prstDash val="solid"/>
+                      <a:round/>
+                      <a:headEnd type="none" w="med" len="med"/>
+                      <a:tailEnd type="none" w="med" len="med"/>
+                    </a:lnR>
+                    <a:lnT w="19050" cap="flat" cmpd="sng" algn="ctr">
+                      <a:solidFill>
+                        <a:schemeClr val="tx1"/>
+                      </a:solidFill>
+                      <a:prstDash val="solid"/>
+                      <a:round/>
+                      <a:headEnd type="none" w="med" len="med"/>
+                      <a:tailEnd type="none" w="med" len="med"/>
+                    </a:lnT>
+                    <a:lnB w="19050" cap="flat" cmpd="sng" algn="ctr">
+                      <a:solidFill>
+                        <a:schemeClr val="tx1"/>
+                      </a:solidFill>
+                      <a:prstDash val="solid"/>
+                      <a:round/>
+                      <a:headEnd type="none" w="med" len="med"/>
+                      <a:tailEnd type="none" w="med" len="med"/>
+                    </a:lnB>
+                  </a:tcPr>
+                </a:tc>
+                <a:tc>
+                  <a:txBody>
+                    <a:bodyPr/>
+                    <a:lstStyle/>
+                    <a:p>
+                      <a:pPr latinLnBrk="1"/>
+                      <a:r>
+                        <a:rPr lang="en-US" altLang="ko-KR" sz="1100"/>
+                        <a:t>eth0</a:t>
+                      </a:r>
+                      <a:endParaRPr lang="ko-KR" altLang="en-US" sz="1100" dirty="0"/>
+                    </a:p>
+                  </a:txBody>
+                  <a:tcPr anchor="ctr">
+                    <a:lnL w="19050" cap="flat" cmpd="sng" algn="ctr">
+                      <a:solidFill>
+                        <a:schemeClr val="tx1"/>
+                      </a:solidFill>
+                      <a:prstDash val="solid"/>
+                      <a:round/>
+                      <a:headEnd type="none" w="med" len="med"/>
+                      <a:tailEnd type="none" w="med" len="med"/>
+                    </a:lnL>
+                    <a:lnR w="19050" cap="flat" cmpd="sng" algn="ctr">
+                      <a:solidFill>
+                        <a:schemeClr val="tx1"/>
+                      </a:solidFill>
+                      <a:prstDash val="solid"/>
+                      <a:round/>
+                      <a:headEnd type="none" w="med" len="med"/>
+                      <a:tailEnd type="none" w="med" len="med"/>
+                    </a:lnR>
+                    <a:lnT w="19050" cap="flat" cmpd="sng" algn="ctr">
+                      <a:solidFill>
+                        <a:schemeClr val="tx1"/>
+                      </a:solidFill>
+                      <a:prstDash val="solid"/>
+                      <a:round/>
+                      <a:headEnd type="none" w="med" len="med"/>
+                      <a:tailEnd type="none" w="med" len="med"/>
+                    </a:lnT>
+                    <a:lnB w="19050" cap="flat" cmpd="sng" algn="ctr">
+                      <a:solidFill>
+                        <a:schemeClr val="tx1"/>
+                      </a:solidFill>
+                      <a:prstDash val="solid"/>
+                      <a:round/>
+                      <a:headEnd type="none" w="med" len="med"/>
+                      <a:tailEnd type="none" w="med" len="med"/>
+                    </a:lnB>
+                  </a:tcPr>
+                </a:tc>
+                <a:extLst>
+                  <a:ext uri="{0D108BD9-81ED-4DB2-BD59-A6C34878D82A}">
+                    <a16:rowId xmlns:a16="http://schemas.microsoft.com/office/drawing/2014/main" val="10000"/>
+                  </a:ext>
+                </a:extLst>
+              </a:tr>
+              <a:tr h="312035">
+                <a:tc>
+                  <a:txBody>
+                    <a:bodyPr/>
+                    <a:lstStyle/>
+                    <a:p>
+                      <a:pPr latinLnBrk="1"/>
+                      <a:r>
+                        <a:rPr lang="en-US" altLang="ko-KR" sz="1100"/>
+                        <a:t>192.167.3.0/24</a:t>
+                      </a:r>
+                      <a:endParaRPr lang="ko-KR" altLang="en-US" sz="1100" dirty="0"/>
+                    </a:p>
+                  </a:txBody>
+                  <a:tcPr anchor="ctr">
+                    <a:lnL w="19050" cap="flat" cmpd="sng" algn="ctr">
+                      <a:solidFill>
+                        <a:schemeClr val="tx1"/>
+                      </a:solidFill>
+                      <a:prstDash val="solid"/>
+                      <a:round/>
+                      <a:headEnd type="none" w="med" len="med"/>
+                      <a:tailEnd type="none" w="med" len="med"/>
+                    </a:lnL>
+                    <a:lnR w="19050" cap="flat" cmpd="sng" algn="ctr">
+                      <a:solidFill>
+                        <a:schemeClr val="tx1"/>
+                      </a:solidFill>
+                      <a:prstDash val="solid"/>
+                      <a:round/>
+                      <a:headEnd type="none" w="med" len="med"/>
+                      <a:tailEnd type="none" w="med" len="med"/>
+                    </a:lnR>
+                    <a:lnT w="19050" cap="flat" cmpd="sng" algn="ctr">
+                      <a:solidFill>
+                        <a:schemeClr val="tx1"/>
+                      </a:solidFill>
+                      <a:prstDash val="solid"/>
+                      <a:round/>
+                      <a:headEnd type="none" w="med" len="med"/>
+                      <a:tailEnd type="none" w="med" len="med"/>
+                    </a:lnT>
+                    <a:lnB w="19050" cap="flat" cmpd="sng" algn="ctr">
+                      <a:solidFill>
+                        <a:schemeClr val="tx1"/>
+                      </a:solidFill>
+                      <a:prstDash val="solid"/>
+                      <a:round/>
+                      <a:headEnd type="none" w="med" len="med"/>
+                      <a:tailEnd type="none" w="med" len="med"/>
+                    </a:lnB>
+                  </a:tcPr>
+                </a:tc>
+                <a:tc>
+                  <a:txBody>
+                    <a:bodyPr/>
+                    <a:lstStyle/>
+                    <a:p>
+                      <a:pPr latinLnBrk="1"/>
+                      <a:r>
+                        <a:rPr lang="en-US" altLang="ko-KR" sz="1100"/>
+                        <a:t>192.167.3.1</a:t>
+                      </a:r>
+                      <a:endParaRPr lang="ko-KR" altLang="en-US" sz="1100" dirty="0"/>
+                    </a:p>
+                  </a:txBody>
+                  <a:tcPr anchor="ctr">
+                    <a:lnL w="19050" cap="flat" cmpd="sng" algn="ctr">
+                      <a:solidFill>
+                        <a:schemeClr val="tx1"/>
+                      </a:solidFill>
+                      <a:prstDash val="solid"/>
+                      <a:round/>
+                      <a:headEnd type="none" w="med" len="med"/>
+                      <a:tailEnd type="none" w="med" len="med"/>
+                    </a:lnL>
+                    <a:lnR w="19050" cap="flat" cmpd="sng" algn="ctr">
+                      <a:solidFill>
+                        <a:schemeClr val="tx1"/>
+                      </a:solidFill>
+                      <a:prstDash val="solid"/>
+                      <a:round/>
+                      <a:headEnd type="none" w="med" len="med"/>
+                      <a:tailEnd type="none" w="med" len="med"/>
+                    </a:lnR>
+                    <a:lnT w="19050" cap="flat" cmpd="sng" algn="ctr">
+                      <a:solidFill>
+                        <a:schemeClr val="tx1"/>
+                      </a:solidFill>
+                      <a:prstDash val="solid"/>
+                      <a:round/>
+                      <a:headEnd type="none" w="med" len="med"/>
+                      <a:tailEnd type="none" w="med" len="med"/>
+                    </a:lnT>
+                    <a:lnB w="19050" cap="flat" cmpd="sng" algn="ctr">
+                      <a:solidFill>
+                        <a:schemeClr val="tx1"/>
+                      </a:solidFill>
+                      <a:prstDash val="solid"/>
+                      <a:round/>
+                      <a:headEnd type="none" w="med" len="med"/>
+                      <a:tailEnd type="none" w="med" len="med"/>
+                    </a:lnB>
+                  </a:tcPr>
+                </a:tc>
+                <a:tc>
+                  <a:txBody>
+                    <a:bodyPr/>
+                    <a:lstStyle/>
+                    <a:p>
+                      <a:pPr latinLnBrk="1"/>
+                      <a:r>
+                        <a:rPr lang="en-US" altLang="ko-KR" sz="1100"/>
+                        <a:t>cilium_host</a:t>
+                      </a:r>
+                      <a:endParaRPr lang="ko-KR" altLang="en-US" sz="1100" dirty="0"/>
+                    </a:p>
+                  </a:txBody>
+                  <a:tcPr anchor="ctr">
+                    <a:lnL w="19050" cap="flat" cmpd="sng" algn="ctr">
+                      <a:solidFill>
+                        <a:schemeClr val="tx1"/>
+                      </a:solidFill>
+                      <a:prstDash val="solid"/>
+                      <a:round/>
+                      <a:headEnd type="none" w="med" len="med"/>
+                      <a:tailEnd type="none" w="med" len="med"/>
+                    </a:lnL>
+                    <a:lnR w="19050" cap="flat" cmpd="sng" algn="ctr">
+                      <a:solidFill>
+                        <a:schemeClr val="tx1"/>
+                      </a:solidFill>
+                      <a:prstDash val="solid"/>
+                      <a:round/>
+                      <a:headEnd type="none" w="med" len="med"/>
+                      <a:tailEnd type="none" w="med" len="med"/>
+                    </a:lnR>
+                    <a:lnT w="19050" cap="flat" cmpd="sng" algn="ctr">
+                      <a:solidFill>
+                        <a:schemeClr val="tx1"/>
+                      </a:solidFill>
+                      <a:prstDash val="solid"/>
+                      <a:round/>
+                      <a:headEnd type="none" w="med" len="med"/>
+                      <a:tailEnd type="none" w="med" len="med"/>
+                    </a:lnT>
+                    <a:lnB w="19050" cap="flat" cmpd="sng" algn="ctr">
+                      <a:solidFill>
+                        <a:schemeClr val="tx1"/>
+                      </a:solidFill>
+                      <a:prstDash val="solid"/>
+                      <a:round/>
+                      <a:headEnd type="none" w="med" len="med"/>
+                      <a:tailEnd type="none" w="med" len="med"/>
+                    </a:lnB>
+                  </a:tcPr>
+                </a:tc>
+                <a:extLst>
+                  <a:ext uri="{0D108BD9-81ED-4DB2-BD59-A6C34878D82A}">
+                    <a16:rowId xmlns:a16="http://schemas.microsoft.com/office/drawing/2014/main" val="10001"/>
+                  </a:ext>
+                </a:extLst>
+              </a:tr>
+              <a:tr h="312030">
+                <a:tc>
+                  <a:txBody>
+                    <a:bodyPr/>
+                    <a:lstStyle/>
+                    <a:p>
+                      <a:pPr latinLnBrk="1"/>
+                      <a:r>
+                        <a:rPr lang="en-US" altLang="ko-KR" sz="1100"/>
+                        <a:t>192.167.3.1</a:t>
+                      </a:r>
+                      <a:endParaRPr lang="ko-KR" altLang="en-US" sz="1100" dirty="0"/>
+                    </a:p>
+                  </a:txBody>
+                  <a:tcPr anchor="ctr">
+                    <a:lnL w="19050" cap="flat" cmpd="sng" algn="ctr">
+                      <a:solidFill>
+                        <a:schemeClr val="tx1"/>
+                      </a:solidFill>
+                      <a:prstDash val="solid"/>
+                      <a:round/>
+                      <a:headEnd type="none" w="med" len="med"/>
+                      <a:tailEnd type="none" w="med" len="med"/>
+                    </a:lnL>
+                    <a:lnR w="19050" cap="flat" cmpd="sng" algn="ctr">
+                      <a:solidFill>
+                        <a:schemeClr val="tx1"/>
+                      </a:solidFill>
+                      <a:prstDash val="solid"/>
+                      <a:round/>
+                      <a:headEnd type="none" w="med" len="med"/>
+                      <a:tailEnd type="none" w="med" len="med"/>
+                    </a:lnR>
+                    <a:lnT w="19050" cap="flat" cmpd="sng" algn="ctr">
+                      <a:solidFill>
+                        <a:schemeClr val="tx1"/>
+                      </a:solidFill>
+                      <a:prstDash val="solid"/>
+                      <a:round/>
+                      <a:headEnd type="none" w="med" len="med"/>
+                      <a:tailEnd type="none" w="med" len="med"/>
+                    </a:lnT>
+                    <a:lnB w="19050" cap="flat" cmpd="sng" algn="ctr">
+                      <a:solidFill>
+                        <a:schemeClr val="tx1"/>
+                      </a:solidFill>
+                      <a:prstDash val="solid"/>
+                      <a:round/>
+                      <a:headEnd type="none" w="med" len="med"/>
+                      <a:tailEnd type="none" w="med" len="med"/>
+                    </a:lnB>
+                  </a:tcPr>
+                </a:tc>
+                <a:tc>
+                  <a:txBody>
+                    <a:bodyPr/>
+                    <a:lstStyle/>
+                    <a:p>
+                      <a:pPr latinLnBrk="1"/>
+                      <a:r>
+                        <a:rPr lang="en-US" altLang="ko-KR" sz="1100"/>
+                        <a:t>0.0.0.0</a:t>
+                      </a:r>
+                      <a:endParaRPr lang="ko-KR" altLang="en-US" sz="1100" dirty="0"/>
+                    </a:p>
+                  </a:txBody>
+                  <a:tcPr anchor="ctr">
+                    <a:lnL w="19050" cap="flat" cmpd="sng" algn="ctr">
+                      <a:solidFill>
+                        <a:schemeClr val="tx1"/>
+                      </a:solidFill>
+                      <a:prstDash val="solid"/>
+                      <a:round/>
+                      <a:headEnd type="none" w="med" len="med"/>
+                      <a:tailEnd type="none" w="med" len="med"/>
+                    </a:lnL>
+                    <a:lnR w="19050" cap="flat" cmpd="sng" algn="ctr">
+                      <a:solidFill>
+                        <a:schemeClr val="tx1"/>
+                      </a:solidFill>
+                      <a:prstDash val="solid"/>
+                      <a:round/>
+                      <a:headEnd type="none" w="med" len="med"/>
+                      <a:tailEnd type="none" w="med" len="med"/>
+                    </a:lnR>
+                    <a:lnT w="19050" cap="flat" cmpd="sng" algn="ctr">
+                      <a:solidFill>
+                        <a:schemeClr val="tx1"/>
+                      </a:solidFill>
+                      <a:prstDash val="solid"/>
+                      <a:round/>
+                      <a:headEnd type="none" w="med" len="med"/>
+                      <a:tailEnd type="none" w="med" len="med"/>
+                    </a:lnT>
+                    <a:lnB w="19050" cap="flat" cmpd="sng" algn="ctr">
+                      <a:solidFill>
+                        <a:schemeClr val="tx1"/>
+                      </a:solidFill>
+                      <a:prstDash val="solid"/>
+                      <a:round/>
+                      <a:headEnd type="none" w="med" len="med"/>
+                      <a:tailEnd type="none" w="med" len="med"/>
+                    </a:lnB>
+                  </a:tcPr>
+                </a:tc>
+                <a:tc>
+                  <a:txBody>
+                    <a:bodyPr/>
+                    <a:lstStyle/>
+                    <a:p>
+                      <a:pPr latinLnBrk="1"/>
+                      <a:r>
+                        <a:rPr lang="en-US" altLang="ko-KR" sz="1100"/>
+                        <a:t>cilium_host</a:t>
+                      </a:r>
+                      <a:endParaRPr lang="ko-KR" altLang="en-US" sz="1100" dirty="0"/>
+                    </a:p>
+                  </a:txBody>
+                  <a:tcPr anchor="ctr">
+                    <a:lnL w="19050" cap="flat" cmpd="sng" algn="ctr">
+                      <a:solidFill>
+                        <a:schemeClr val="tx1"/>
+                      </a:solidFill>
+                      <a:prstDash val="solid"/>
+                      <a:round/>
+                      <a:headEnd type="none" w="med" len="med"/>
+                      <a:tailEnd type="none" w="med" len="med"/>
+                    </a:lnL>
+                    <a:lnR w="19050" cap="flat" cmpd="sng" algn="ctr">
+                      <a:solidFill>
+                        <a:schemeClr val="tx1"/>
+                      </a:solidFill>
+                      <a:prstDash val="solid"/>
+                      <a:round/>
+                      <a:headEnd type="none" w="med" len="med"/>
+                      <a:tailEnd type="none" w="med" len="med"/>
+                    </a:lnR>
+                    <a:lnT w="19050" cap="flat" cmpd="sng" algn="ctr">
+                      <a:solidFill>
+                        <a:schemeClr val="tx1"/>
+                      </a:solidFill>
+                      <a:prstDash val="solid"/>
+                      <a:round/>
+                      <a:headEnd type="none" w="med" len="med"/>
+                      <a:tailEnd type="none" w="med" len="med"/>
+                    </a:lnT>
+                    <a:lnB w="19050" cap="flat" cmpd="sng" algn="ctr">
+                      <a:solidFill>
+                        <a:schemeClr val="tx1"/>
+                      </a:solidFill>
+                      <a:prstDash val="solid"/>
+                      <a:round/>
+                      <a:headEnd type="none" w="med" len="med"/>
+                      <a:tailEnd type="none" w="med" len="med"/>
+                    </a:lnB>
+                  </a:tcPr>
+                </a:tc>
+                <a:extLst>
+                  <a:ext uri="{0D108BD9-81ED-4DB2-BD59-A6C34878D82A}">
+                    <a16:rowId xmlns:a16="http://schemas.microsoft.com/office/drawing/2014/main" val="10002"/>
+                  </a:ext>
+                </a:extLst>
+              </a:tr>
+            </a:tbl>
+          </a:graphicData>
+        </a:graphic>
+      </p:graphicFrame>
+      <p:cxnSp>
+        <p:nvCxnSpPr>
+          <p:cNvPr id="69" name="직선 연결선 68">
+            <a:extLst>
+              <a:ext uri="{FF2B5EF4-FFF2-40B4-BE49-F238E27FC236}">
+                <a16:creationId xmlns:a16="http://schemas.microsoft.com/office/drawing/2014/main" id="{60510CC8-1CE6-4D34-BB1A-586B1DC73B50}"/>
+              </a:ext>
+            </a:extLst>
+          </p:cNvPr>
+          <p:cNvCxnSpPr>
+            <a:cxnSpLocks/>
+            <a:stCxn id="68" idx="2"/>
+            <a:endCxn id="20" idx="1"/>
+          </p:cNvCxnSpPr>
+          <p:nvPr/>
+        </p:nvCxnSpPr>
+        <p:spPr>
+          <a:xfrm>
+            <a:off x="4592636" y="2961240"/>
+            <a:ext cx="403214" cy="477076"/>
+          </a:xfrm>
+          <a:prstGeom prst="line">
+            <a:avLst/>
+          </a:prstGeom>
+          <a:ln w="19050">
+            <a:solidFill>
+              <a:schemeClr val="tx1"/>
+            </a:solidFill>
+          </a:ln>
+        </p:spPr>
+        <p:style>
+          <a:lnRef idx="1">
+            <a:schemeClr val="accent1"/>
+          </a:lnRef>
+          <a:fillRef idx="0">
+            <a:schemeClr val="accent1"/>
+          </a:fillRef>
+          <a:effectRef idx="0">
+            <a:schemeClr val="accent1"/>
+          </a:effectRef>
+          <a:fontRef idx="minor">
+            <a:schemeClr val="tx1"/>
+          </a:fontRef>
+        </p:style>
+      </p:cxnSp>
+      <p:sp>
+        <p:nvSpPr>
+          <p:cNvPr id="20" name="모서리가 둥근 직사각형 44">
+            <a:extLst>
+              <a:ext uri="{FF2B5EF4-FFF2-40B4-BE49-F238E27FC236}">
+                <a16:creationId xmlns:a16="http://schemas.microsoft.com/office/drawing/2014/main" id="{0C59F5C9-C1E2-4AE4-9544-430BDD1B9872}"/>
+              </a:ext>
+            </a:extLst>
+          </p:cNvPr>
+          <p:cNvSpPr/>
+          <p:nvPr/>
+        </p:nvSpPr>
+        <p:spPr>
+          <a:xfrm>
+            <a:off x="4995850" y="3306756"/>
+            <a:ext cx="1422749" cy="263120"/>
+          </a:xfrm>
+          <a:prstGeom prst="roundRect">
+            <a:avLst>
+              <a:gd name="adj" fmla="val 13435"/>
+            </a:avLst>
+          </a:prstGeom>
+          <a:solidFill>
+            <a:schemeClr val="bg1">
+              <a:lumMod val="85000"/>
+            </a:schemeClr>
+          </a:solidFill>
+          <a:ln/>
+        </p:spPr>
+        <p:style>
+          <a:lnRef idx="2">
+            <a:schemeClr val="dk1"/>
+          </a:lnRef>
+          <a:fillRef idx="1">
+            <a:schemeClr val="lt1"/>
+          </a:fillRef>
+          <a:effectRef idx="0">
+            <a:schemeClr val="dk1"/>
+          </a:effectRef>
+          <a:fontRef idx="minor">
+            <a:schemeClr val="dk1"/>
+          </a:fontRef>
+        </p:style>
+        <p:txBody>
+          <a:bodyPr rtlCol="0" anchor="ctr"/>
+          <a:lstStyle/>
+          <a:p>
+            <a:pPr algn="ctr"/>
+            <a:r>
+              <a:rPr lang="en-US" altLang="ko-KR" sz="1400"/>
+              <a:t>act ingress</a:t>
+            </a:r>
+            <a:endParaRPr lang="ko-KR" altLang="en-US" sz="1400" dirty="0"/>
+          </a:p>
+        </p:txBody>
+      </p:sp>
+    </p:spTree>
+    <p:extLst>
+      <p:ext uri="{BB962C8B-B14F-4D97-AF65-F5344CB8AC3E}">
+        <p14:creationId xmlns:p14="http://schemas.microsoft.com/office/powerpoint/2010/main" val="4077157098"/>
+      </p:ext>
+    </p:extLst>
+  </p:cSld>
+  <p:clrMapOvr>
+    <a:masterClrMapping/>
+  </p:clrMapOvr>
+</p:sld>
+</file>
+
+<file path=ppt/slides/slide6.xml><?xml version="1.0" encoding="utf-8"?>
 <p:sld xmlns:a="http://schemas.openxmlformats.org/drawingml/2006/main" xmlns:r="http://schemas.openxmlformats.org/officeDocument/2006/relationships" xmlns:p="http://schemas.openxmlformats.org/presentationml/2006/main">
   <p:cSld>
     <p:spTree>
@@ -13242,971 +18199,7 @@
 </p:sld>
 </file>
 
-<file path=ppt/slides/slide5.xml><?xml version="1.0" encoding="utf-8"?>
-<p:sld xmlns:a="http://schemas.openxmlformats.org/drawingml/2006/main" xmlns:r="http://schemas.openxmlformats.org/officeDocument/2006/relationships" xmlns:p="http://schemas.openxmlformats.org/presentationml/2006/main">
-  <p:cSld>
-    <p:spTree>
-      <p:nvGrpSpPr>
-        <p:cNvPr id="1" name=""/>
-        <p:cNvGrpSpPr/>
-        <p:nvPr/>
-      </p:nvGrpSpPr>
-      <p:grpSpPr>
-        <a:xfrm>
-          <a:off x="0" y="0"/>
-          <a:ext cx="0" cy="0"/>
-          <a:chOff x="0" y="0"/>
-          <a:chExt cx="0" cy="0"/>
-        </a:xfrm>
-      </p:grpSpPr>
-      <p:sp>
-        <p:nvSpPr>
-          <p:cNvPr id="6" name="제목 1"/>
-          <p:cNvSpPr>
-            <a:spLocks noGrp="1"/>
-          </p:cNvSpPr>
-          <p:nvPr>
-            <p:ph type="title"/>
-          </p:nvPr>
-        </p:nvSpPr>
-        <p:spPr>
-          <a:xfrm>
-            <a:off x="457200" y="58316"/>
-            <a:ext cx="8229600" cy="857250"/>
-          </a:xfrm>
-        </p:spPr>
-        <p:txBody>
-          <a:bodyPr>
-            <a:normAutofit/>
-          </a:bodyPr>
-          <a:lstStyle/>
-          <a:p>
-            <a:r>
-              <a:rPr lang="en-US" altLang="ko-KR"/>
-              <a:t>Cilium Load Balacner</a:t>
-            </a:r>
-            <a:endParaRPr lang="ko-KR" altLang="en-US" dirty="0"/>
-          </a:p>
-        </p:txBody>
-      </p:sp>
-      <p:sp>
-        <p:nvSpPr>
-          <p:cNvPr id="57" name="모서리가 둥근 직사각형 44">
-            <a:extLst>
-              <a:ext uri="{FF2B5EF4-FFF2-40B4-BE49-F238E27FC236}">
-                <a16:creationId xmlns:a16="http://schemas.microsoft.com/office/drawing/2014/main" id="{3CD655E8-908F-4700-A528-8A213F93AE54}"/>
-              </a:ext>
-            </a:extLst>
-          </p:cNvPr>
-          <p:cNvSpPr/>
-          <p:nvPr/>
-        </p:nvSpPr>
-        <p:spPr>
-          <a:xfrm>
-            <a:off x="2669058" y="1347614"/>
-            <a:ext cx="3847158" cy="2700300"/>
-          </a:xfrm>
-          <a:prstGeom prst="roundRect">
-            <a:avLst>
-              <a:gd name="adj" fmla="val 1946"/>
-            </a:avLst>
-          </a:prstGeom>
-          <a:ln/>
-        </p:spPr>
-        <p:style>
-          <a:lnRef idx="2">
-            <a:schemeClr val="dk1"/>
-          </a:lnRef>
-          <a:fillRef idx="1">
-            <a:schemeClr val="lt1"/>
-          </a:fillRef>
-          <a:effectRef idx="0">
-            <a:schemeClr val="dk1"/>
-          </a:effectRef>
-          <a:fontRef idx="minor">
-            <a:schemeClr val="dk1"/>
-          </a:fontRef>
-        </p:style>
-        <p:txBody>
-          <a:bodyPr rtlCol="0" anchor="b"/>
-          <a:lstStyle/>
-          <a:p>
-            <a:r>
-              <a:rPr lang="en-US" altLang="ko-KR" sz="1600" b="1"/>
-              <a:t>Host - Host L3</a:t>
-            </a:r>
-            <a:endParaRPr lang="en-US" altLang="ko-KR" sz="1600" b="1" dirty="0"/>
-          </a:p>
-        </p:txBody>
-      </p:sp>
-      <p:sp>
-        <p:nvSpPr>
-          <p:cNvPr id="58" name="모서리가 둥근 직사각형 44">
-            <a:extLst>
-              <a:ext uri="{FF2B5EF4-FFF2-40B4-BE49-F238E27FC236}">
-                <a16:creationId xmlns:a16="http://schemas.microsoft.com/office/drawing/2014/main" id="{D6F0F791-D83B-43A4-B11B-FE0C91EFF4AB}"/>
-              </a:ext>
-            </a:extLst>
-          </p:cNvPr>
-          <p:cNvSpPr/>
-          <p:nvPr/>
-        </p:nvSpPr>
-        <p:spPr>
-          <a:xfrm>
-            <a:off x="4995850" y="3566204"/>
-            <a:ext cx="1422749" cy="360040"/>
-          </a:xfrm>
-          <a:prstGeom prst="roundRect">
-            <a:avLst>
-              <a:gd name="adj" fmla="val 11486"/>
-            </a:avLst>
-          </a:prstGeom>
-          <a:ln/>
-        </p:spPr>
-        <p:style>
-          <a:lnRef idx="2">
-            <a:schemeClr val="dk1"/>
-          </a:lnRef>
-          <a:fillRef idx="1">
-            <a:schemeClr val="lt1"/>
-          </a:fillRef>
-          <a:effectRef idx="0">
-            <a:schemeClr val="dk1"/>
-          </a:effectRef>
-          <a:fontRef idx="minor">
-            <a:schemeClr val="dk1"/>
-          </a:fontRef>
-        </p:style>
-        <p:txBody>
-          <a:bodyPr rtlCol="0" anchor="ctr"/>
-          <a:lstStyle/>
-          <a:p>
-            <a:pPr algn="ctr"/>
-            <a:r>
-              <a:rPr lang="en-US" altLang="ko-KR" sz="1400" dirty="0" err="1"/>
-              <a:t>eth0</a:t>
-            </a:r>
-            <a:endParaRPr lang="ko-KR" altLang="en-US" sz="1400" dirty="0"/>
-          </a:p>
-        </p:txBody>
-      </p:sp>
-      <p:sp>
-        <p:nvSpPr>
-          <p:cNvPr id="63" name="타원 62">
-            <a:extLst>
-              <a:ext uri="{FF2B5EF4-FFF2-40B4-BE49-F238E27FC236}">
-                <a16:creationId xmlns:a16="http://schemas.microsoft.com/office/drawing/2014/main" id="{01F9E6B7-BB7B-4410-B563-985283AD7AA5}"/>
-              </a:ext>
-            </a:extLst>
-          </p:cNvPr>
-          <p:cNvSpPr/>
-          <p:nvPr/>
-        </p:nvSpPr>
-        <p:spPr>
-          <a:xfrm>
-            <a:off x="4508502" y="1832756"/>
-            <a:ext cx="87494" cy="87494"/>
-          </a:xfrm>
-          <a:prstGeom prst="ellipse">
-            <a:avLst/>
-          </a:prstGeom>
-          <a:solidFill>
-            <a:schemeClr val="tx1"/>
-          </a:solidFill>
-          <a:ln>
-            <a:noFill/>
-          </a:ln>
-        </p:spPr>
-        <p:style>
-          <a:lnRef idx="2">
-            <a:schemeClr val="accent1">
-              <a:shade val="50000"/>
-            </a:schemeClr>
-          </a:lnRef>
-          <a:fillRef idx="1">
-            <a:schemeClr val="accent1"/>
-          </a:fillRef>
-          <a:effectRef idx="0">
-            <a:schemeClr val="accent1"/>
-          </a:effectRef>
-          <a:fontRef idx="minor">
-            <a:schemeClr val="lt1"/>
-          </a:fontRef>
-        </p:style>
-        <p:txBody>
-          <a:bodyPr rtlCol="0" anchor="ctr"/>
-          <a:lstStyle/>
-          <a:p>
-            <a:pPr algn="ctr"/>
-            <a:endParaRPr lang="ko-KR" altLang="en-US"/>
-          </a:p>
-        </p:txBody>
-      </p:sp>
-      <p:sp>
-        <p:nvSpPr>
-          <p:cNvPr id="64" name="타원 63">
-            <a:extLst>
-              <a:ext uri="{FF2B5EF4-FFF2-40B4-BE49-F238E27FC236}">
-                <a16:creationId xmlns:a16="http://schemas.microsoft.com/office/drawing/2014/main" id="{EE42C681-3114-440F-B9D2-4D5BEA71DCEE}"/>
-              </a:ext>
-            </a:extLst>
-          </p:cNvPr>
-          <p:cNvSpPr/>
-          <p:nvPr/>
-        </p:nvSpPr>
-        <p:spPr>
-          <a:xfrm>
-            <a:off x="4508502" y="1657768"/>
-            <a:ext cx="87494" cy="87494"/>
-          </a:xfrm>
-          <a:prstGeom prst="ellipse">
-            <a:avLst/>
-          </a:prstGeom>
-          <a:solidFill>
-            <a:schemeClr val="tx1"/>
-          </a:solidFill>
-          <a:ln>
-            <a:noFill/>
-          </a:ln>
-        </p:spPr>
-        <p:style>
-          <a:lnRef idx="2">
-            <a:schemeClr val="accent1">
-              <a:shade val="50000"/>
-            </a:schemeClr>
-          </a:lnRef>
-          <a:fillRef idx="1">
-            <a:schemeClr val="accent1"/>
-          </a:fillRef>
-          <a:effectRef idx="0">
-            <a:schemeClr val="accent1"/>
-          </a:effectRef>
-          <a:fontRef idx="minor">
-            <a:schemeClr val="lt1"/>
-          </a:fontRef>
-        </p:style>
-        <p:txBody>
-          <a:bodyPr rtlCol="0" anchor="ctr"/>
-          <a:lstStyle/>
-          <a:p>
-            <a:pPr algn="ctr"/>
-            <a:endParaRPr lang="ko-KR" altLang="en-US"/>
-          </a:p>
-        </p:txBody>
-      </p:sp>
-      <p:sp>
-        <p:nvSpPr>
-          <p:cNvPr id="65" name="타원 64">
-            <a:extLst>
-              <a:ext uri="{FF2B5EF4-FFF2-40B4-BE49-F238E27FC236}">
-                <a16:creationId xmlns:a16="http://schemas.microsoft.com/office/drawing/2014/main" id="{CFC6DCFB-B53F-40DB-B877-0C00E4773604}"/>
-              </a:ext>
-            </a:extLst>
-          </p:cNvPr>
-          <p:cNvSpPr/>
-          <p:nvPr/>
-        </p:nvSpPr>
-        <p:spPr>
-          <a:xfrm>
-            <a:off x="4508502" y="1477748"/>
-            <a:ext cx="87494" cy="87494"/>
-          </a:xfrm>
-          <a:prstGeom prst="ellipse">
-            <a:avLst/>
-          </a:prstGeom>
-          <a:solidFill>
-            <a:schemeClr val="tx1"/>
-          </a:solidFill>
-          <a:ln>
-            <a:noFill/>
-          </a:ln>
-        </p:spPr>
-        <p:style>
-          <a:lnRef idx="2">
-            <a:schemeClr val="accent1">
-              <a:shade val="50000"/>
-            </a:schemeClr>
-          </a:lnRef>
-          <a:fillRef idx="1">
-            <a:schemeClr val="accent1"/>
-          </a:fillRef>
-          <a:effectRef idx="0">
-            <a:schemeClr val="accent1"/>
-          </a:effectRef>
-          <a:fontRef idx="minor">
-            <a:schemeClr val="lt1"/>
-          </a:fontRef>
-        </p:style>
-        <p:txBody>
-          <a:bodyPr rtlCol="0" anchor="ctr"/>
-          <a:lstStyle/>
-          <a:p>
-            <a:pPr algn="ctr"/>
-            <a:endParaRPr lang="ko-KR" altLang="en-US"/>
-          </a:p>
-        </p:txBody>
-      </p:sp>
-      <p:graphicFrame>
-        <p:nvGraphicFramePr>
-          <p:cNvPr id="68" name="표 67">
-            <a:extLst>
-              <a:ext uri="{FF2B5EF4-FFF2-40B4-BE49-F238E27FC236}">
-                <a16:creationId xmlns:a16="http://schemas.microsoft.com/office/drawing/2014/main" id="{00FD4302-6E45-418F-B046-F22316E910AA}"/>
-              </a:ext>
-            </a:extLst>
-          </p:cNvPr>
-          <p:cNvGraphicFramePr>
-            <a:graphicFrameLocks noGrp="1"/>
-          </p:cNvGraphicFramePr>
-          <p:nvPr>
-            <p:extLst>
-              <p:ext uri="{D42A27DB-BD31-4B8C-83A1-F6EECF244321}">
-                <p14:modId xmlns:p14="http://schemas.microsoft.com/office/powerpoint/2010/main" val="560393855"/>
-              </p:ext>
-            </p:extLst>
-          </p:nvPr>
-        </p:nvGraphicFramePr>
-        <p:xfrm>
-          <a:off x="2976837" y="2025140"/>
-          <a:ext cx="3231599" cy="936100"/>
-        </p:xfrm>
-        <a:graphic>
-          <a:graphicData uri="http://schemas.openxmlformats.org/drawingml/2006/table">
-            <a:tbl>
-              <a:tblPr firstRow="1" bandRow="1">
-                <a:tableStyleId>{2D5ABB26-0587-4C30-8999-92F81FD0307C}</a:tableStyleId>
-              </a:tblPr>
-              <a:tblGrid>
-                <a:gridCol w="1099964">
-                  <a:extLst>
-                    <a:ext uri="{9D8B030D-6E8A-4147-A177-3AD203B41FA5}">
-                      <a16:colId xmlns:a16="http://schemas.microsoft.com/office/drawing/2014/main" val="20000"/>
-                    </a:ext>
-                  </a:extLst>
-                </a:gridCol>
-                <a:gridCol w="1067971">
-                  <a:extLst>
-                    <a:ext uri="{9D8B030D-6E8A-4147-A177-3AD203B41FA5}">
-                      <a16:colId xmlns:a16="http://schemas.microsoft.com/office/drawing/2014/main" val="2132610268"/>
-                    </a:ext>
-                  </a:extLst>
-                </a:gridCol>
-                <a:gridCol w="1063664">
-                  <a:extLst>
-                    <a:ext uri="{9D8B030D-6E8A-4147-A177-3AD203B41FA5}">
-                      <a16:colId xmlns:a16="http://schemas.microsoft.com/office/drawing/2014/main" val="20001"/>
-                    </a:ext>
-                  </a:extLst>
-                </a:gridCol>
-              </a:tblGrid>
-              <a:tr h="312035">
-                <a:tc>
-                  <a:txBody>
-                    <a:bodyPr/>
-                    <a:lstStyle/>
-                    <a:p>
-                      <a:pPr latinLnBrk="1"/>
-                      <a:r>
-                        <a:rPr lang="en-US" altLang="ko-KR" sz="1100" dirty="0"/>
-                        <a:t>10.0.0.0/24</a:t>
-                      </a:r>
-                      <a:endParaRPr lang="ko-KR" altLang="en-US" sz="1100" dirty="0"/>
-                    </a:p>
-                  </a:txBody>
-                  <a:tcPr anchor="ctr">
-                    <a:lnL w="19050" cap="flat" cmpd="sng" algn="ctr">
-                      <a:solidFill>
-                        <a:schemeClr val="tx1"/>
-                      </a:solidFill>
-                      <a:prstDash val="solid"/>
-                      <a:round/>
-                      <a:headEnd type="none" w="med" len="med"/>
-                      <a:tailEnd type="none" w="med" len="med"/>
-                    </a:lnL>
-                    <a:lnR w="19050" cap="flat" cmpd="sng" algn="ctr">
-                      <a:solidFill>
-                        <a:schemeClr val="tx1"/>
-                      </a:solidFill>
-                      <a:prstDash val="solid"/>
-                      <a:round/>
-                      <a:headEnd type="none" w="med" len="med"/>
-                      <a:tailEnd type="none" w="med" len="med"/>
-                    </a:lnR>
-                    <a:lnT w="19050" cap="flat" cmpd="sng" algn="ctr">
-                      <a:solidFill>
-                        <a:schemeClr val="tx1"/>
-                      </a:solidFill>
-                      <a:prstDash val="solid"/>
-                      <a:round/>
-                      <a:headEnd type="none" w="med" len="med"/>
-                      <a:tailEnd type="none" w="med" len="med"/>
-                    </a:lnT>
-                    <a:lnB w="19050" cap="flat" cmpd="sng" algn="ctr">
-                      <a:solidFill>
-                        <a:schemeClr val="tx1"/>
-                      </a:solidFill>
-                      <a:prstDash val="solid"/>
-                      <a:round/>
-                      <a:headEnd type="none" w="med" len="med"/>
-                      <a:tailEnd type="none" w="med" len="med"/>
-                    </a:lnB>
-                  </a:tcPr>
-                </a:tc>
-                <a:tc>
-                  <a:txBody>
-                    <a:bodyPr/>
-                    <a:lstStyle/>
-                    <a:p>
-                      <a:pPr latinLnBrk="1"/>
-                      <a:r>
-                        <a:rPr lang="en-US" altLang="ko-KR" sz="1100"/>
-                        <a:t>10.0.0.1</a:t>
-                      </a:r>
-                      <a:endParaRPr lang="ko-KR" altLang="en-US" sz="1100" dirty="0"/>
-                    </a:p>
-                  </a:txBody>
-                  <a:tcPr anchor="ctr">
-                    <a:lnL w="19050" cap="flat" cmpd="sng" algn="ctr">
-                      <a:solidFill>
-                        <a:schemeClr val="tx1"/>
-                      </a:solidFill>
-                      <a:prstDash val="solid"/>
-                      <a:round/>
-                      <a:headEnd type="none" w="med" len="med"/>
-                      <a:tailEnd type="none" w="med" len="med"/>
-                    </a:lnL>
-                    <a:lnR w="19050" cap="flat" cmpd="sng" algn="ctr">
-                      <a:solidFill>
-                        <a:schemeClr val="tx1"/>
-                      </a:solidFill>
-                      <a:prstDash val="solid"/>
-                      <a:round/>
-                      <a:headEnd type="none" w="med" len="med"/>
-                      <a:tailEnd type="none" w="med" len="med"/>
-                    </a:lnR>
-                    <a:lnT w="19050" cap="flat" cmpd="sng" algn="ctr">
-                      <a:solidFill>
-                        <a:schemeClr val="tx1"/>
-                      </a:solidFill>
-                      <a:prstDash val="solid"/>
-                      <a:round/>
-                      <a:headEnd type="none" w="med" len="med"/>
-                      <a:tailEnd type="none" w="med" len="med"/>
-                    </a:lnT>
-                    <a:lnB w="19050" cap="flat" cmpd="sng" algn="ctr">
-                      <a:solidFill>
-                        <a:schemeClr val="tx1"/>
-                      </a:solidFill>
-                      <a:prstDash val="solid"/>
-                      <a:round/>
-                      <a:headEnd type="none" w="med" len="med"/>
-                      <a:tailEnd type="none" w="med" len="med"/>
-                    </a:lnB>
-                  </a:tcPr>
-                </a:tc>
-                <a:tc>
-                  <a:txBody>
-                    <a:bodyPr/>
-                    <a:lstStyle/>
-                    <a:p>
-                      <a:pPr latinLnBrk="1"/>
-                      <a:r>
-                        <a:rPr lang="en-US" altLang="ko-KR" sz="1100"/>
-                        <a:t>eth0</a:t>
-                      </a:r>
-                      <a:endParaRPr lang="ko-KR" altLang="en-US" sz="1100" dirty="0"/>
-                    </a:p>
-                  </a:txBody>
-                  <a:tcPr anchor="ctr">
-                    <a:lnL w="19050" cap="flat" cmpd="sng" algn="ctr">
-                      <a:solidFill>
-                        <a:schemeClr val="tx1"/>
-                      </a:solidFill>
-                      <a:prstDash val="solid"/>
-                      <a:round/>
-                      <a:headEnd type="none" w="med" len="med"/>
-                      <a:tailEnd type="none" w="med" len="med"/>
-                    </a:lnL>
-                    <a:lnR w="19050" cap="flat" cmpd="sng" algn="ctr">
-                      <a:solidFill>
-                        <a:schemeClr val="tx1"/>
-                      </a:solidFill>
-                      <a:prstDash val="solid"/>
-                      <a:round/>
-                      <a:headEnd type="none" w="med" len="med"/>
-                      <a:tailEnd type="none" w="med" len="med"/>
-                    </a:lnR>
-                    <a:lnT w="19050" cap="flat" cmpd="sng" algn="ctr">
-                      <a:solidFill>
-                        <a:schemeClr val="tx1"/>
-                      </a:solidFill>
-                      <a:prstDash val="solid"/>
-                      <a:round/>
-                      <a:headEnd type="none" w="med" len="med"/>
-                      <a:tailEnd type="none" w="med" len="med"/>
-                    </a:lnT>
-                    <a:lnB w="19050" cap="flat" cmpd="sng" algn="ctr">
-                      <a:solidFill>
-                        <a:schemeClr val="tx1"/>
-                      </a:solidFill>
-                      <a:prstDash val="solid"/>
-                      <a:round/>
-                      <a:headEnd type="none" w="med" len="med"/>
-                      <a:tailEnd type="none" w="med" len="med"/>
-                    </a:lnB>
-                  </a:tcPr>
-                </a:tc>
-                <a:extLst>
-                  <a:ext uri="{0D108BD9-81ED-4DB2-BD59-A6C34878D82A}">
-                    <a16:rowId xmlns:a16="http://schemas.microsoft.com/office/drawing/2014/main" val="10000"/>
-                  </a:ext>
-                </a:extLst>
-              </a:tr>
-              <a:tr h="312035">
-                <a:tc>
-                  <a:txBody>
-                    <a:bodyPr/>
-                    <a:lstStyle/>
-                    <a:p>
-                      <a:pPr latinLnBrk="1"/>
-                      <a:r>
-                        <a:rPr lang="en-US" altLang="ko-KR" sz="1100"/>
-                        <a:t>192.167.3.0/24</a:t>
-                      </a:r>
-                      <a:endParaRPr lang="ko-KR" altLang="en-US" sz="1100" dirty="0"/>
-                    </a:p>
-                  </a:txBody>
-                  <a:tcPr anchor="ctr">
-                    <a:lnL w="19050" cap="flat" cmpd="sng" algn="ctr">
-                      <a:solidFill>
-                        <a:schemeClr val="tx1"/>
-                      </a:solidFill>
-                      <a:prstDash val="solid"/>
-                      <a:round/>
-                      <a:headEnd type="none" w="med" len="med"/>
-                      <a:tailEnd type="none" w="med" len="med"/>
-                    </a:lnL>
-                    <a:lnR w="19050" cap="flat" cmpd="sng" algn="ctr">
-                      <a:solidFill>
-                        <a:schemeClr val="tx1"/>
-                      </a:solidFill>
-                      <a:prstDash val="solid"/>
-                      <a:round/>
-                      <a:headEnd type="none" w="med" len="med"/>
-                      <a:tailEnd type="none" w="med" len="med"/>
-                    </a:lnR>
-                    <a:lnT w="19050" cap="flat" cmpd="sng" algn="ctr">
-                      <a:solidFill>
-                        <a:schemeClr val="tx1"/>
-                      </a:solidFill>
-                      <a:prstDash val="solid"/>
-                      <a:round/>
-                      <a:headEnd type="none" w="med" len="med"/>
-                      <a:tailEnd type="none" w="med" len="med"/>
-                    </a:lnT>
-                    <a:lnB w="19050" cap="flat" cmpd="sng" algn="ctr">
-                      <a:solidFill>
-                        <a:schemeClr val="tx1"/>
-                      </a:solidFill>
-                      <a:prstDash val="solid"/>
-                      <a:round/>
-                      <a:headEnd type="none" w="med" len="med"/>
-                      <a:tailEnd type="none" w="med" len="med"/>
-                    </a:lnB>
-                  </a:tcPr>
-                </a:tc>
-                <a:tc>
-                  <a:txBody>
-                    <a:bodyPr/>
-                    <a:lstStyle/>
-                    <a:p>
-                      <a:pPr latinLnBrk="1"/>
-                      <a:r>
-                        <a:rPr lang="en-US" altLang="ko-KR" sz="1100"/>
-                        <a:t>192.167.3.1</a:t>
-                      </a:r>
-                      <a:endParaRPr lang="ko-KR" altLang="en-US" sz="1100" dirty="0"/>
-                    </a:p>
-                  </a:txBody>
-                  <a:tcPr anchor="ctr">
-                    <a:lnL w="19050" cap="flat" cmpd="sng" algn="ctr">
-                      <a:solidFill>
-                        <a:schemeClr val="tx1"/>
-                      </a:solidFill>
-                      <a:prstDash val="solid"/>
-                      <a:round/>
-                      <a:headEnd type="none" w="med" len="med"/>
-                      <a:tailEnd type="none" w="med" len="med"/>
-                    </a:lnL>
-                    <a:lnR w="19050" cap="flat" cmpd="sng" algn="ctr">
-                      <a:solidFill>
-                        <a:schemeClr val="tx1"/>
-                      </a:solidFill>
-                      <a:prstDash val="solid"/>
-                      <a:round/>
-                      <a:headEnd type="none" w="med" len="med"/>
-                      <a:tailEnd type="none" w="med" len="med"/>
-                    </a:lnR>
-                    <a:lnT w="19050" cap="flat" cmpd="sng" algn="ctr">
-                      <a:solidFill>
-                        <a:schemeClr val="tx1"/>
-                      </a:solidFill>
-                      <a:prstDash val="solid"/>
-                      <a:round/>
-                      <a:headEnd type="none" w="med" len="med"/>
-                      <a:tailEnd type="none" w="med" len="med"/>
-                    </a:lnT>
-                    <a:lnB w="19050" cap="flat" cmpd="sng" algn="ctr">
-                      <a:solidFill>
-                        <a:schemeClr val="tx1"/>
-                      </a:solidFill>
-                      <a:prstDash val="solid"/>
-                      <a:round/>
-                      <a:headEnd type="none" w="med" len="med"/>
-                      <a:tailEnd type="none" w="med" len="med"/>
-                    </a:lnB>
-                  </a:tcPr>
-                </a:tc>
-                <a:tc>
-                  <a:txBody>
-                    <a:bodyPr/>
-                    <a:lstStyle/>
-                    <a:p>
-                      <a:pPr latinLnBrk="1"/>
-                      <a:r>
-                        <a:rPr lang="en-US" altLang="ko-KR" sz="1100"/>
-                        <a:t>cilium_host</a:t>
-                      </a:r>
-                      <a:endParaRPr lang="ko-KR" altLang="en-US" sz="1100" dirty="0"/>
-                    </a:p>
-                  </a:txBody>
-                  <a:tcPr anchor="ctr">
-                    <a:lnL w="19050" cap="flat" cmpd="sng" algn="ctr">
-                      <a:solidFill>
-                        <a:schemeClr val="tx1"/>
-                      </a:solidFill>
-                      <a:prstDash val="solid"/>
-                      <a:round/>
-                      <a:headEnd type="none" w="med" len="med"/>
-                      <a:tailEnd type="none" w="med" len="med"/>
-                    </a:lnL>
-                    <a:lnR w="19050" cap="flat" cmpd="sng" algn="ctr">
-                      <a:solidFill>
-                        <a:schemeClr val="tx1"/>
-                      </a:solidFill>
-                      <a:prstDash val="solid"/>
-                      <a:round/>
-                      <a:headEnd type="none" w="med" len="med"/>
-                      <a:tailEnd type="none" w="med" len="med"/>
-                    </a:lnR>
-                    <a:lnT w="19050" cap="flat" cmpd="sng" algn="ctr">
-                      <a:solidFill>
-                        <a:schemeClr val="tx1"/>
-                      </a:solidFill>
-                      <a:prstDash val="solid"/>
-                      <a:round/>
-                      <a:headEnd type="none" w="med" len="med"/>
-                      <a:tailEnd type="none" w="med" len="med"/>
-                    </a:lnT>
-                    <a:lnB w="19050" cap="flat" cmpd="sng" algn="ctr">
-                      <a:solidFill>
-                        <a:schemeClr val="tx1"/>
-                      </a:solidFill>
-                      <a:prstDash val="solid"/>
-                      <a:round/>
-                      <a:headEnd type="none" w="med" len="med"/>
-                      <a:tailEnd type="none" w="med" len="med"/>
-                    </a:lnB>
-                  </a:tcPr>
-                </a:tc>
-                <a:extLst>
-                  <a:ext uri="{0D108BD9-81ED-4DB2-BD59-A6C34878D82A}">
-                    <a16:rowId xmlns:a16="http://schemas.microsoft.com/office/drawing/2014/main" val="10001"/>
-                  </a:ext>
-                </a:extLst>
-              </a:tr>
-              <a:tr h="312030">
-                <a:tc>
-                  <a:txBody>
-                    <a:bodyPr/>
-                    <a:lstStyle/>
-                    <a:p>
-                      <a:pPr latinLnBrk="1"/>
-                      <a:r>
-                        <a:rPr lang="en-US" altLang="ko-KR" sz="1100"/>
-                        <a:t>192.167.3.1</a:t>
-                      </a:r>
-                      <a:endParaRPr lang="ko-KR" altLang="en-US" sz="1100" dirty="0"/>
-                    </a:p>
-                  </a:txBody>
-                  <a:tcPr anchor="ctr">
-                    <a:lnL w="19050" cap="flat" cmpd="sng" algn="ctr">
-                      <a:solidFill>
-                        <a:schemeClr val="tx1"/>
-                      </a:solidFill>
-                      <a:prstDash val="solid"/>
-                      <a:round/>
-                      <a:headEnd type="none" w="med" len="med"/>
-                      <a:tailEnd type="none" w="med" len="med"/>
-                    </a:lnL>
-                    <a:lnR w="19050" cap="flat" cmpd="sng" algn="ctr">
-                      <a:solidFill>
-                        <a:schemeClr val="tx1"/>
-                      </a:solidFill>
-                      <a:prstDash val="solid"/>
-                      <a:round/>
-                      <a:headEnd type="none" w="med" len="med"/>
-                      <a:tailEnd type="none" w="med" len="med"/>
-                    </a:lnR>
-                    <a:lnT w="19050" cap="flat" cmpd="sng" algn="ctr">
-                      <a:solidFill>
-                        <a:schemeClr val="tx1"/>
-                      </a:solidFill>
-                      <a:prstDash val="solid"/>
-                      <a:round/>
-                      <a:headEnd type="none" w="med" len="med"/>
-                      <a:tailEnd type="none" w="med" len="med"/>
-                    </a:lnT>
-                    <a:lnB w="19050" cap="flat" cmpd="sng" algn="ctr">
-                      <a:solidFill>
-                        <a:schemeClr val="tx1"/>
-                      </a:solidFill>
-                      <a:prstDash val="solid"/>
-                      <a:round/>
-                      <a:headEnd type="none" w="med" len="med"/>
-                      <a:tailEnd type="none" w="med" len="med"/>
-                    </a:lnB>
-                  </a:tcPr>
-                </a:tc>
-                <a:tc>
-                  <a:txBody>
-                    <a:bodyPr/>
-                    <a:lstStyle/>
-                    <a:p>
-                      <a:pPr latinLnBrk="1"/>
-                      <a:r>
-                        <a:rPr lang="en-US" altLang="ko-KR" sz="1100"/>
-                        <a:t>0.0.0.0</a:t>
-                      </a:r>
-                      <a:endParaRPr lang="ko-KR" altLang="en-US" sz="1100" dirty="0"/>
-                    </a:p>
-                  </a:txBody>
-                  <a:tcPr anchor="ctr">
-                    <a:lnL w="19050" cap="flat" cmpd="sng" algn="ctr">
-                      <a:solidFill>
-                        <a:schemeClr val="tx1"/>
-                      </a:solidFill>
-                      <a:prstDash val="solid"/>
-                      <a:round/>
-                      <a:headEnd type="none" w="med" len="med"/>
-                      <a:tailEnd type="none" w="med" len="med"/>
-                    </a:lnL>
-                    <a:lnR w="19050" cap="flat" cmpd="sng" algn="ctr">
-                      <a:solidFill>
-                        <a:schemeClr val="tx1"/>
-                      </a:solidFill>
-                      <a:prstDash val="solid"/>
-                      <a:round/>
-                      <a:headEnd type="none" w="med" len="med"/>
-                      <a:tailEnd type="none" w="med" len="med"/>
-                    </a:lnR>
-                    <a:lnT w="19050" cap="flat" cmpd="sng" algn="ctr">
-                      <a:solidFill>
-                        <a:schemeClr val="tx1"/>
-                      </a:solidFill>
-                      <a:prstDash val="solid"/>
-                      <a:round/>
-                      <a:headEnd type="none" w="med" len="med"/>
-                      <a:tailEnd type="none" w="med" len="med"/>
-                    </a:lnT>
-                    <a:lnB w="19050" cap="flat" cmpd="sng" algn="ctr">
-                      <a:solidFill>
-                        <a:schemeClr val="tx1"/>
-                      </a:solidFill>
-                      <a:prstDash val="solid"/>
-                      <a:round/>
-                      <a:headEnd type="none" w="med" len="med"/>
-                      <a:tailEnd type="none" w="med" len="med"/>
-                    </a:lnB>
-                  </a:tcPr>
-                </a:tc>
-                <a:tc>
-                  <a:txBody>
-                    <a:bodyPr/>
-                    <a:lstStyle/>
-                    <a:p>
-                      <a:pPr latinLnBrk="1"/>
-                      <a:r>
-                        <a:rPr lang="en-US" altLang="ko-KR" sz="1100"/>
-                        <a:t>cilium_host</a:t>
-                      </a:r>
-                      <a:endParaRPr lang="ko-KR" altLang="en-US" sz="1100" dirty="0"/>
-                    </a:p>
-                  </a:txBody>
-                  <a:tcPr anchor="ctr">
-                    <a:lnL w="19050" cap="flat" cmpd="sng" algn="ctr">
-                      <a:solidFill>
-                        <a:schemeClr val="tx1"/>
-                      </a:solidFill>
-                      <a:prstDash val="solid"/>
-                      <a:round/>
-                      <a:headEnd type="none" w="med" len="med"/>
-                      <a:tailEnd type="none" w="med" len="med"/>
-                    </a:lnL>
-                    <a:lnR w="19050" cap="flat" cmpd="sng" algn="ctr">
-                      <a:solidFill>
-                        <a:schemeClr val="tx1"/>
-                      </a:solidFill>
-                      <a:prstDash val="solid"/>
-                      <a:round/>
-                      <a:headEnd type="none" w="med" len="med"/>
-                      <a:tailEnd type="none" w="med" len="med"/>
-                    </a:lnR>
-                    <a:lnT w="19050" cap="flat" cmpd="sng" algn="ctr">
-                      <a:solidFill>
-                        <a:schemeClr val="tx1"/>
-                      </a:solidFill>
-                      <a:prstDash val="solid"/>
-                      <a:round/>
-                      <a:headEnd type="none" w="med" len="med"/>
-                      <a:tailEnd type="none" w="med" len="med"/>
-                    </a:lnT>
-                    <a:lnB w="19050" cap="flat" cmpd="sng" algn="ctr">
-                      <a:solidFill>
-                        <a:schemeClr val="tx1"/>
-                      </a:solidFill>
-                      <a:prstDash val="solid"/>
-                      <a:round/>
-                      <a:headEnd type="none" w="med" len="med"/>
-                      <a:tailEnd type="none" w="med" len="med"/>
-                    </a:lnB>
-                  </a:tcPr>
-                </a:tc>
-                <a:extLst>
-                  <a:ext uri="{0D108BD9-81ED-4DB2-BD59-A6C34878D82A}">
-                    <a16:rowId xmlns:a16="http://schemas.microsoft.com/office/drawing/2014/main" val="10002"/>
-                  </a:ext>
-                </a:extLst>
-              </a:tr>
-            </a:tbl>
-          </a:graphicData>
-        </a:graphic>
-      </p:graphicFrame>
-      <p:cxnSp>
-        <p:nvCxnSpPr>
-          <p:cNvPr id="69" name="직선 연결선 68">
-            <a:extLst>
-              <a:ext uri="{FF2B5EF4-FFF2-40B4-BE49-F238E27FC236}">
-                <a16:creationId xmlns:a16="http://schemas.microsoft.com/office/drawing/2014/main" id="{60510CC8-1CE6-4D34-BB1A-586B1DC73B50}"/>
-              </a:ext>
-            </a:extLst>
-          </p:cNvPr>
-          <p:cNvCxnSpPr>
-            <a:cxnSpLocks/>
-            <a:stCxn id="68" idx="2"/>
-            <a:endCxn id="20" idx="1"/>
-          </p:cNvCxnSpPr>
-          <p:nvPr/>
-        </p:nvCxnSpPr>
-        <p:spPr>
-          <a:xfrm>
-            <a:off x="4592636" y="2961240"/>
-            <a:ext cx="403214" cy="477076"/>
-          </a:xfrm>
-          <a:prstGeom prst="line">
-            <a:avLst/>
-          </a:prstGeom>
-          <a:ln w="19050">
-            <a:solidFill>
-              <a:schemeClr val="tx1"/>
-            </a:solidFill>
-          </a:ln>
-        </p:spPr>
-        <p:style>
-          <a:lnRef idx="1">
-            <a:schemeClr val="accent1"/>
-          </a:lnRef>
-          <a:fillRef idx="0">
-            <a:schemeClr val="accent1"/>
-          </a:fillRef>
-          <a:effectRef idx="0">
-            <a:schemeClr val="accent1"/>
-          </a:effectRef>
-          <a:fontRef idx="minor">
-            <a:schemeClr val="tx1"/>
-          </a:fontRef>
-        </p:style>
-      </p:cxnSp>
-      <p:sp>
-        <p:nvSpPr>
-          <p:cNvPr id="20" name="모서리가 둥근 직사각형 44">
-            <a:extLst>
-              <a:ext uri="{FF2B5EF4-FFF2-40B4-BE49-F238E27FC236}">
-                <a16:creationId xmlns:a16="http://schemas.microsoft.com/office/drawing/2014/main" id="{0C59F5C9-C1E2-4AE4-9544-430BDD1B9872}"/>
-              </a:ext>
-            </a:extLst>
-          </p:cNvPr>
-          <p:cNvSpPr/>
-          <p:nvPr/>
-        </p:nvSpPr>
-        <p:spPr>
-          <a:xfrm>
-            <a:off x="4995850" y="3306756"/>
-            <a:ext cx="1422749" cy="263120"/>
-          </a:xfrm>
-          <a:prstGeom prst="roundRect">
-            <a:avLst>
-              <a:gd name="adj" fmla="val 13435"/>
-            </a:avLst>
-          </a:prstGeom>
-          <a:solidFill>
-            <a:schemeClr val="bg1">
-              <a:lumMod val="85000"/>
-            </a:schemeClr>
-          </a:solidFill>
-          <a:ln/>
-        </p:spPr>
-        <p:style>
-          <a:lnRef idx="2">
-            <a:schemeClr val="dk1"/>
-          </a:lnRef>
-          <a:fillRef idx="1">
-            <a:schemeClr val="lt1"/>
-          </a:fillRef>
-          <a:effectRef idx="0">
-            <a:schemeClr val="dk1"/>
-          </a:effectRef>
-          <a:fontRef idx="minor">
-            <a:schemeClr val="dk1"/>
-          </a:fontRef>
-        </p:style>
-        <p:txBody>
-          <a:bodyPr rtlCol="0" anchor="ctr"/>
-          <a:lstStyle/>
-          <a:p>
-            <a:pPr algn="ctr"/>
-            <a:r>
-              <a:rPr lang="en-US" altLang="ko-KR" sz="1400"/>
-              <a:t>act ingress</a:t>
-            </a:r>
-            <a:endParaRPr lang="ko-KR" altLang="en-US" sz="1400" dirty="0"/>
-          </a:p>
-        </p:txBody>
-      </p:sp>
-    </p:spTree>
-    <p:extLst>
-      <p:ext uri="{BB962C8B-B14F-4D97-AF65-F5344CB8AC3E}">
-        <p14:creationId xmlns:p14="http://schemas.microsoft.com/office/powerpoint/2010/main" val="4077157098"/>
-      </p:ext>
-    </p:extLst>
-  </p:cSld>
-  <p:clrMapOvr>
-    <a:masterClrMapping/>
-  </p:clrMapOvr>
-</p:sld>
-</file>
-
-<file path=ppt/slides/slide6.xml><?xml version="1.0" encoding="utf-8"?>
+<file path=ppt/slides/slide7.xml><?xml version="1.0" encoding="utf-8"?>
 <p:sld xmlns:a="http://schemas.openxmlformats.org/drawingml/2006/main" xmlns:r="http://schemas.openxmlformats.org/officeDocument/2006/relationships" xmlns:p="http://schemas.openxmlformats.org/presentationml/2006/main">
   <p:cSld>
     <p:spTree>

--- a/images/theory_analysis/Kubernetes_Cilium_Plugin/Kubernetes_Calico_Plugin.pptx
+++ b/images/theory_analysis/Kubernetes_Cilium_Plugin/Kubernetes_Calico_Plugin.pptx
@@ -221,7 +221,7 @@
           <a:p>
             <a:fld id="{6CD5550B-26C4-49A9-A5BA-636EF7BE6CE9}" type="datetimeFigureOut">
               <a:rPr lang="ko-KR" altLang="en-US" smtClean="0"/>
-              <a:t>2019-12-05</a:t>
+              <a:t>2019-12-06</a:t>
             </a:fld>
             <a:endParaRPr lang="ko-KR" altLang="en-US"/>
           </a:p>
@@ -1255,7 +1255,7 @@
           <a:p>
             <a:fld id="{FB30EDBD-1C2D-4C1E-B459-B60219FAB484}" type="datetimeFigureOut">
               <a:rPr lang="ko-KR" altLang="en-US" smtClean="0"/>
-              <a:t>2019-12-05</a:t>
+              <a:t>2019-12-06</a:t>
             </a:fld>
             <a:endParaRPr lang="ko-KR" altLang="en-US"/>
           </a:p>
@@ -1418,7 +1418,7 @@
           <a:p>
             <a:fld id="{FB30EDBD-1C2D-4C1E-B459-B60219FAB484}" type="datetimeFigureOut">
               <a:rPr lang="ko-KR" altLang="en-US" smtClean="0"/>
-              <a:t>2019-12-05</a:t>
+              <a:t>2019-12-06</a:t>
             </a:fld>
             <a:endParaRPr lang="ko-KR" altLang="en-US"/>
           </a:p>
@@ -1591,7 +1591,7 @@
           <a:p>
             <a:fld id="{FB30EDBD-1C2D-4C1E-B459-B60219FAB484}" type="datetimeFigureOut">
               <a:rPr lang="ko-KR" altLang="en-US" smtClean="0"/>
-              <a:t>2019-12-05</a:t>
+              <a:t>2019-12-06</a:t>
             </a:fld>
             <a:endParaRPr lang="ko-KR" altLang="en-US"/>
           </a:p>
@@ -1754,7 +1754,7 @@
           <a:p>
             <a:fld id="{FB30EDBD-1C2D-4C1E-B459-B60219FAB484}" type="datetimeFigureOut">
               <a:rPr lang="ko-KR" altLang="en-US" smtClean="0"/>
-              <a:t>2019-12-05</a:t>
+              <a:t>2019-12-06</a:t>
             </a:fld>
             <a:endParaRPr lang="ko-KR" altLang="en-US"/>
           </a:p>
@@ -1994,7 +1994,7 @@
           <a:p>
             <a:fld id="{FB30EDBD-1C2D-4C1E-B459-B60219FAB484}" type="datetimeFigureOut">
               <a:rPr lang="ko-KR" altLang="en-US" smtClean="0"/>
-              <a:t>2019-12-05</a:t>
+              <a:t>2019-12-06</a:t>
             </a:fld>
             <a:endParaRPr lang="ko-KR" altLang="en-US"/>
           </a:p>
@@ -2274,7 +2274,7 @@
           <a:p>
             <a:fld id="{FB30EDBD-1C2D-4C1E-B459-B60219FAB484}" type="datetimeFigureOut">
               <a:rPr lang="ko-KR" altLang="en-US" smtClean="0"/>
-              <a:t>2019-12-05</a:t>
+              <a:t>2019-12-06</a:t>
             </a:fld>
             <a:endParaRPr lang="ko-KR" altLang="en-US"/>
           </a:p>
@@ -2688,7 +2688,7 @@
           <a:p>
             <a:fld id="{FB30EDBD-1C2D-4C1E-B459-B60219FAB484}" type="datetimeFigureOut">
               <a:rPr lang="ko-KR" altLang="en-US" smtClean="0"/>
-              <a:t>2019-12-05</a:t>
+              <a:t>2019-12-06</a:t>
             </a:fld>
             <a:endParaRPr lang="ko-KR" altLang="en-US"/>
           </a:p>
@@ -2800,7 +2800,7 @@
           <a:p>
             <a:fld id="{FB30EDBD-1C2D-4C1E-B459-B60219FAB484}" type="datetimeFigureOut">
               <a:rPr lang="ko-KR" altLang="en-US" smtClean="0"/>
-              <a:t>2019-12-05</a:t>
+              <a:t>2019-12-06</a:t>
             </a:fld>
             <a:endParaRPr lang="ko-KR" altLang="en-US"/>
           </a:p>
@@ -2890,7 +2890,7 @@
           <a:p>
             <a:fld id="{FB30EDBD-1C2D-4C1E-B459-B60219FAB484}" type="datetimeFigureOut">
               <a:rPr lang="ko-KR" altLang="en-US" smtClean="0"/>
-              <a:t>2019-12-05</a:t>
+              <a:t>2019-12-06</a:t>
             </a:fld>
             <a:endParaRPr lang="ko-KR" altLang="en-US"/>
           </a:p>
@@ -3160,7 +3160,7 @@
           <a:p>
             <a:fld id="{FB30EDBD-1C2D-4C1E-B459-B60219FAB484}" type="datetimeFigureOut">
               <a:rPr lang="ko-KR" altLang="en-US" smtClean="0"/>
-              <a:t>2019-12-05</a:t>
+              <a:t>2019-12-06</a:t>
             </a:fld>
             <a:endParaRPr lang="ko-KR" altLang="en-US"/>
           </a:p>
@@ -3407,7 +3407,7 @@
           <a:p>
             <a:fld id="{FB30EDBD-1C2D-4C1E-B459-B60219FAB484}" type="datetimeFigureOut">
               <a:rPr lang="ko-KR" altLang="en-US" smtClean="0"/>
-              <a:t>2019-12-05</a:t>
+              <a:t>2019-12-06</a:t>
             </a:fld>
             <a:endParaRPr lang="ko-KR" altLang="en-US"/>
           </a:p>
@@ -3613,7 +3613,7 @@
           <a:p>
             <a:fld id="{FB30EDBD-1C2D-4C1E-B459-B60219FAB484}" type="datetimeFigureOut">
               <a:rPr lang="ko-KR" altLang="en-US" smtClean="0"/>
-              <a:t>2019-12-05</a:t>
+              <a:t>2019-12-06</a:t>
             </a:fld>
             <a:endParaRPr lang="ko-KR" altLang="en-US"/>
           </a:p>
@@ -8199,7 +8199,7 @@
             <a:pPr algn="ctr"/>
             <a:r>
               <a:rPr lang="en-US" altLang="ko-KR" sz="1400"/>
-              <a:t>Container B</a:t>
+              <a:t>Pod B</a:t>
             </a:r>
           </a:p>
           <a:p>
@@ -8686,7 +8686,7 @@
             <a:pPr algn="ctr"/>
             <a:r>
               <a:rPr lang="en-US" altLang="ko-KR" sz="1400"/>
-              <a:t>Container D</a:t>
+              <a:t>Pod D</a:t>
             </a:r>
           </a:p>
           <a:p>
@@ -8902,7 +8902,7 @@
             <a:pPr algn="ctr"/>
             <a:r>
               <a:rPr lang="en-US" altLang="ko-KR" sz="1400"/>
-              <a:t>Container C</a:t>
+              <a:t>Pod C</a:t>
             </a:r>
           </a:p>
           <a:p>
@@ -11928,7 +11928,7 @@
             <a:pPr algn="ctr"/>
             <a:r>
               <a:rPr lang="en-US" altLang="ko-KR" sz="1400"/>
-              <a:t>Container A</a:t>
+              <a:t>Pod A</a:t>
             </a:r>
           </a:p>
           <a:p>
@@ -12339,7 +12339,7 @@
             <a:pPr algn="ctr"/>
             <a:r>
               <a:rPr lang="en-US" altLang="ko-KR" sz="1400"/>
-              <a:t>Container B</a:t>
+              <a:t>Pod B</a:t>
             </a:r>
           </a:p>
           <a:p>
@@ -12693,7 +12693,7 @@
             <a:pPr algn="ctr"/>
             <a:r>
               <a:rPr lang="en-US" altLang="ko-KR" sz="1400"/>
-              <a:t>Container D</a:t>
+              <a:t>Pod D</a:t>
             </a:r>
           </a:p>
           <a:p>
@@ -12909,7 +12909,7 @@
             <a:pPr algn="ctr"/>
             <a:r>
               <a:rPr lang="en-US" altLang="ko-KR" sz="1400"/>
-              <a:t>Container C</a:t>
+              <a:t>Pod C</a:t>
             </a:r>
           </a:p>
           <a:p>

--- a/images/theory_analysis/Kubernetes_Cilium_Plugin/Kubernetes_Calico_Plugin.pptx
+++ b/images/theory_analysis/Kubernetes_Cilium_Plugin/Kubernetes_Calico_Plugin.pptx
@@ -221,7 +221,7 @@
           <a:p>
             <a:fld id="{6CD5550B-26C4-49A9-A5BA-636EF7BE6CE9}" type="datetimeFigureOut">
               <a:rPr lang="ko-KR" altLang="en-US" smtClean="0"/>
-              <a:t>2019-12-06</a:t>
+              <a:t>2019-12-07</a:t>
             </a:fld>
             <a:endParaRPr lang="ko-KR" altLang="en-US"/>
           </a:p>
@@ -1255,7 +1255,7 @@
           <a:p>
             <a:fld id="{FB30EDBD-1C2D-4C1E-B459-B60219FAB484}" type="datetimeFigureOut">
               <a:rPr lang="ko-KR" altLang="en-US" smtClean="0"/>
-              <a:t>2019-12-06</a:t>
+              <a:t>2019-12-07</a:t>
             </a:fld>
             <a:endParaRPr lang="ko-KR" altLang="en-US"/>
           </a:p>
@@ -1418,7 +1418,7 @@
           <a:p>
             <a:fld id="{FB30EDBD-1C2D-4C1E-B459-B60219FAB484}" type="datetimeFigureOut">
               <a:rPr lang="ko-KR" altLang="en-US" smtClean="0"/>
-              <a:t>2019-12-06</a:t>
+              <a:t>2019-12-07</a:t>
             </a:fld>
             <a:endParaRPr lang="ko-KR" altLang="en-US"/>
           </a:p>
@@ -1591,7 +1591,7 @@
           <a:p>
             <a:fld id="{FB30EDBD-1C2D-4C1E-B459-B60219FAB484}" type="datetimeFigureOut">
               <a:rPr lang="ko-KR" altLang="en-US" smtClean="0"/>
-              <a:t>2019-12-06</a:t>
+              <a:t>2019-12-07</a:t>
             </a:fld>
             <a:endParaRPr lang="ko-KR" altLang="en-US"/>
           </a:p>
@@ -1754,7 +1754,7 @@
           <a:p>
             <a:fld id="{FB30EDBD-1C2D-4C1E-B459-B60219FAB484}" type="datetimeFigureOut">
               <a:rPr lang="ko-KR" altLang="en-US" smtClean="0"/>
-              <a:t>2019-12-06</a:t>
+              <a:t>2019-12-07</a:t>
             </a:fld>
             <a:endParaRPr lang="ko-KR" altLang="en-US"/>
           </a:p>
@@ -1994,7 +1994,7 @@
           <a:p>
             <a:fld id="{FB30EDBD-1C2D-4C1E-B459-B60219FAB484}" type="datetimeFigureOut">
               <a:rPr lang="ko-KR" altLang="en-US" smtClean="0"/>
-              <a:t>2019-12-06</a:t>
+              <a:t>2019-12-07</a:t>
             </a:fld>
             <a:endParaRPr lang="ko-KR" altLang="en-US"/>
           </a:p>
@@ -2274,7 +2274,7 @@
           <a:p>
             <a:fld id="{FB30EDBD-1C2D-4C1E-B459-B60219FAB484}" type="datetimeFigureOut">
               <a:rPr lang="ko-KR" altLang="en-US" smtClean="0"/>
-              <a:t>2019-12-06</a:t>
+              <a:t>2019-12-07</a:t>
             </a:fld>
             <a:endParaRPr lang="ko-KR" altLang="en-US"/>
           </a:p>
@@ -2688,7 +2688,7 @@
           <a:p>
             <a:fld id="{FB30EDBD-1C2D-4C1E-B459-B60219FAB484}" type="datetimeFigureOut">
               <a:rPr lang="ko-KR" altLang="en-US" smtClean="0"/>
-              <a:t>2019-12-06</a:t>
+              <a:t>2019-12-07</a:t>
             </a:fld>
             <a:endParaRPr lang="ko-KR" altLang="en-US"/>
           </a:p>
@@ -2800,7 +2800,7 @@
           <a:p>
             <a:fld id="{FB30EDBD-1C2D-4C1E-B459-B60219FAB484}" type="datetimeFigureOut">
               <a:rPr lang="ko-KR" altLang="en-US" smtClean="0"/>
-              <a:t>2019-12-06</a:t>
+              <a:t>2019-12-07</a:t>
             </a:fld>
             <a:endParaRPr lang="ko-KR" altLang="en-US"/>
           </a:p>
@@ -2890,7 +2890,7 @@
           <a:p>
             <a:fld id="{FB30EDBD-1C2D-4C1E-B459-B60219FAB484}" type="datetimeFigureOut">
               <a:rPr lang="ko-KR" altLang="en-US" smtClean="0"/>
-              <a:t>2019-12-06</a:t>
+              <a:t>2019-12-07</a:t>
             </a:fld>
             <a:endParaRPr lang="ko-KR" altLang="en-US"/>
           </a:p>
@@ -3160,7 +3160,7 @@
           <a:p>
             <a:fld id="{FB30EDBD-1C2D-4C1E-B459-B60219FAB484}" type="datetimeFigureOut">
               <a:rPr lang="ko-KR" altLang="en-US" smtClean="0"/>
-              <a:t>2019-12-06</a:t>
+              <a:t>2019-12-07</a:t>
             </a:fld>
             <a:endParaRPr lang="ko-KR" altLang="en-US"/>
           </a:p>
@@ -3407,7 +3407,7 @@
           <a:p>
             <a:fld id="{FB30EDBD-1C2D-4C1E-B459-B60219FAB484}" type="datetimeFigureOut">
               <a:rPr lang="ko-KR" altLang="en-US" smtClean="0"/>
-              <a:t>2019-12-06</a:t>
+              <a:t>2019-12-07</a:t>
             </a:fld>
             <a:endParaRPr lang="ko-KR" altLang="en-US"/>
           </a:p>
@@ -3613,7 +3613,7 @@
           <a:p>
             <a:fld id="{FB30EDBD-1C2D-4C1E-B459-B60219FAB484}" type="datetimeFigureOut">
               <a:rPr lang="ko-KR" altLang="en-US" smtClean="0"/>
-              <a:t>2019-12-06</a:t>
+              <a:t>2019-12-07</a:t>
             </a:fld>
             <a:endParaRPr lang="ko-KR" altLang="en-US"/>
           </a:p>
@@ -4109,12 +4109,9 @@
             <a:pPr algn="r"/>
             <a:r>
               <a:rPr lang="en-US" altLang="ko-KR" sz="1400" b="1"/>
-              <a:t>cilium </a:t>
-            </a:r>
-            <a:r>
-              <a:rPr lang="en-US" altLang="ko-KR" sz="1400" b="1" dirty="0"/>
-              <a:t>Container</a:t>
-            </a:r>
+              <a:t>cilium Pod</a:t>
+            </a:r>
+            <a:endParaRPr lang="en-US" altLang="ko-KR" sz="1400" b="1" dirty="0"/>
           </a:p>
           <a:p>
             <a:pPr algn="r"/>
@@ -6211,6 +6208,8 @@
             <a:solidFill>
               <a:schemeClr val="tx1"/>
             </a:solidFill>
+            <a:headEnd type="arrow" w="med" len="med"/>
+            <a:tailEnd type="arrow" w="med" len="med"/>
           </a:ln>
         </p:spPr>
         <p:style>
